--- a/Datato2025_Equipo1_Reto3.pptx
+++ b/Datato2025_Equipo1_Reto3.pptx
@@ -6794,7 +6794,7 @@
         <p:spPr>
           <a:xfrm>
             <a:off x="549283" y="147124"/>
-            <a:ext cx="7041961" cy="276999"/>
+            <a:ext cx="7514665" cy="276999"/>
           </a:xfrm>
           <a:prstGeom prst="rect">
             <a:avLst/>
@@ -6808,14 +6808,14 @@
           <a:lstStyle/>
           <a:p>
             <a:r>
-              <a:rPr lang="ca-ES">
+              <a:rPr lang="ca-ES" dirty="0">
                 <a:solidFill>
                   <a:schemeClr val="bg1"/>
                 </a:solidFill>
                 <a:latin typeface="Arial" panose="020B0604020202020204" pitchFamily="34" charset="0"/>
                 <a:cs typeface="Arial" panose="020B0604020202020204" pitchFamily="34" charset="0"/>
               </a:rPr>
-              <a:t>PRESENTACIÓ DELS FINALISTES DE LA HACKATÓ I DATATÓ</a:t>
+              <a:t>PRESENTACIÓN DE LOS FINALISTAS DE LA HACKATÓ Y LA DATATÓ</a:t>
             </a:r>
           </a:p>
         </p:txBody>
@@ -7121,39 +7121,114 @@
           <a:lstStyle/>
           <a:p>
             <a:r>
-              <a:rPr lang="ca-ES" sz="2000">
+              <a:rPr lang="ca-ES" sz="2000" dirty="0" err="1">
                 <a:solidFill>
                   <a:srgbClr val="D50283"/>
                 </a:solidFill>
                 <a:latin typeface="Safiro SemiBold" pitchFamily="2" charset="77"/>
                 <a:cs typeface="Arial" panose="020B0604020202020204" pitchFamily="34" charset="0"/>
               </a:rPr>
-              <a:t>Solució proposada</a:t>
-            </a:r>
+              <a:t>Solución</a:t>
+            </a:r>
+            <a:r>
+              <a:rPr lang="ca-ES" sz="2000" dirty="0">
+                <a:solidFill>
+                  <a:srgbClr val="D50283"/>
+                </a:solidFill>
+                <a:latin typeface="Safiro SemiBold" pitchFamily="2" charset="77"/>
+                <a:cs typeface="Arial" panose="020B0604020202020204" pitchFamily="34" charset="0"/>
+              </a:rPr>
+              <a:t> </a:t>
+            </a:r>
+            <a:r>
+              <a:rPr lang="ca-ES" sz="2000" dirty="0" err="1">
+                <a:solidFill>
+                  <a:srgbClr val="D50283"/>
+                </a:solidFill>
+                <a:latin typeface="Safiro SemiBold" pitchFamily="2" charset="77"/>
+                <a:cs typeface="Arial" panose="020B0604020202020204" pitchFamily="34" charset="0"/>
+              </a:rPr>
+              <a:t>propuesta</a:t>
+            </a:r>
+            <a:endParaRPr lang="ca-ES" sz="2000" dirty="0">
+              <a:solidFill>
+                <a:srgbClr val="D50283"/>
+              </a:solidFill>
+              <a:latin typeface="Safiro SemiBold" pitchFamily="2" charset="77"/>
+              <a:cs typeface="Arial" panose="020B0604020202020204" pitchFamily="34" charset="0"/>
+            </a:endParaRPr>
           </a:p>
           <a:p>
-            <a:endParaRPr lang="ca-ES" sz="2000">
+            <a:endParaRPr lang="ca-ES" sz="2000" dirty="0">
               <a:latin typeface="Montserrat" panose="00000500000000000000" pitchFamily="2" charset="0"/>
               <a:cs typeface="Arial" panose="020B0604020202020204" pitchFamily="34" charset="0"/>
             </a:endParaRPr>
           </a:p>
           <a:p>
             <a:r>
-              <a:rPr lang="ca-ES" sz="1200" i="1">
+              <a:rPr lang="ca-ES" sz="1200" i="1" dirty="0">
                 <a:latin typeface="Montserrat" panose="00000500000000000000" pitchFamily="2" charset="0"/>
                 <a:ea typeface="GulimChe" panose="020B0503020000020004" pitchFamily="49" charset="-127"/>
                 <a:cs typeface="Arial" panose="020B0604020202020204" pitchFamily="34" charset="0"/>
               </a:rPr>
-              <a:t>S’ha fet algun enfocament innovador? </a:t>
-            </a:r>
-            <a:br>
-              <a:rPr lang="ca-ES" sz="1200" i="1">
+              <a:t>Se ha </a:t>
+            </a:r>
+            <a:r>
+              <a:rPr lang="ca-ES" sz="1200" i="1" dirty="0" err="1">
                 <a:latin typeface="Montserrat" panose="00000500000000000000" pitchFamily="2" charset="0"/>
                 <a:ea typeface="GulimChe" panose="020B0503020000020004" pitchFamily="49" charset="-127"/>
                 <a:cs typeface="Arial" panose="020B0604020202020204" pitchFamily="34" charset="0"/>
               </a:rPr>
+              <a:t>realizado</a:t>
+            </a:r>
+            <a:r>
+              <a:rPr lang="ca-ES" sz="1200" i="1" dirty="0">
+                <a:latin typeface="Montserrat" panose="00000500000000000000" pitchFamily="2" charset="0"/>
+                <a:ea typeface="GulimChe" panose="020B0503020000020004" pitchFamily="49" charset="-127"/>
+                <a:cs typeface="Arial" panose="020B0604020202020204" pitchFamily="34" charset="0"/>
+              </a:rPr>
+              <a:t> </a:t>
+            </a:r>
+            <a:r>
+              <a:rPr lang="ca-ES" sz="1200" i="1" dirty="0" err="1">
+                <a:latin typeface="Montserrat" panose="00000500000000000000" pitchFamily="2" charset="0"/>
+                <a:ea typeface="GulimChe" panose="020B0503020000020004" pitchFamily="49" charset="-127"/>
+                <a:cs typeface="Arial" panose="020B0604020202020204" pitchFamily="34" charset="0"/>
+              </a:rPr>
+              <a:t>algún</a:t>
+            </a:r>
+            <a:r>
+              <a:rPr lang="ca-ES" sz="1200" i="1" dirty="0">
+                <a:latin typeface="Montserrat" panose="00000500000000000000" pitchFamily="2" charset="0"/>
+                <a:ea typeface="GulimChe" panose="020B0503020000020004" pitchFamily="49" charset="-127"/>
+                <a:cs typeface="Arial" panose="020B0604020202020204" pitchFamily="34" charset="0"/>
+              </a:rPr>
+              <a:t> </a:t>
+            </a:r>
+            <a:r>
+              <a:rPr lang="ca-ES" sz="1200" i="1" dirty="0" err="1">
+                <a:latin typeface="Montserrat" panose="00000500000000000000" pitchFamily="2" charset="0"/>
+                <a:ea typeface="GulimChe" panose="020B0503020000020004" pitchFamily="49" charset="-127"/>
+                <a:cs typeface="Arial" panose="020B0604020202020204" pitchFamily="34" charset="0"/>
+              </a:rPr>
+              <a:t>enfoque</a:t>
+            </a:r>
+            <a:r>
+              <a:rPr lang="ca-ES" sz="1200" i="1" dirty="0">
+                <a:latin typeface="Montserrat" panose="00000500000000000000" pitchFamily="2" charset="0"/>
+                <a:ea typeface="GulimChe" panose="020B0503020000020004" pitchFamily="49" charset="-127"/>
+                <a:cs typeface="Arial" panose="020B0604020202020204" pitchFamily="34" charset="0"/>
+              </a:rPr>
+              <a:t> innovador?</a:t>
+            </a:r>
+            <a:br>
+              <a:rPr lang="ca-ES" sz="1200" i="1" dirty="0">
+                <a:latin typeface="Montserrat" panose="00000500000000000000" pitchFamily="2" charset="0"/>
+                <a:ea typeface="GulimChe" panose="020B0503020000020004" pitchFamily="49" charset="-127"/>
+                <a:cs typeface="Arial" panose="020B0604020202020204" pitchFamily="34" charset="0"/>
+              </a:rPr>
             </a:br>
-            <a:endParaRPr lang="ca-ES" sz="1200" i="1">
+            <a:endParaRPr lang="ca-ES" sz="1200" i="1" dirty="0">
               <a:latin typeface="Montserrat" panose="00000500000000000000" pitchFamily="2" charset="0"/>
               <a:ea typeface="GulimChe" panose="020B0503020000020004" pitchFamily="49" charset="-127"/>
               <a:cs typeface="Arial" panose="020B0604020202020204" pitchFamily="34" charset="0"/>
@@ -7161,16 +7236,96 @@
           </a:p>
           <a:p>
             <a:r>
-              <a:rPr lang="ca-ES" sz="1200" i="1">
+              <a:rPr lang="ca-ES" sz="1200" i="1" dirty="0">
                 <a:latin typeface="Montserrat" panose="00000500000000000000" pitchFamily="2" charset="0"/>
                 <a:ea typeface="GulimChe" panose="020B0503020000020004" pitchFamily="49" charset="-127"/>
                 <a:cs typeface="Arial" panose="020B0604020202020204" pitchFamily="34" charset="0"/>
               </a:rPr>
-              <a:t>Explicar com la solució es diferencia d’altres possibles o per què és la millor opció.</a:t>
+              <a:t>Explicar como la </a:t>
+            </a:r>
+            <a:r>
+              <a:rPr lang="ca-ES" sz="1200" i="1" dirty="0" err="1">
+                <a:latin typeface="Montserrat" panose="00000500000000000000" pitchFamily="2" charset="0"/>
+                <a:ea typeface="GulimChe" panose="020B0503020000020004" pitchFamily="49" charset="-127"/>
+                <a:cs typeface="Arial" panose="020B0604020202020204" pitchFamily="34" charset="0"/>
+              </a:rPr>
+              <a:t>solución</a:t>
+            </a:r>
+            <a:r>
+              <a:rPr lang="ca-ES" sz="1200" i="1" dirty="0">
+                <a:latin typeface="Montserrat" panose="00000500000000000000" pitchFamily="2" charset="0"/>
+                <a:ea typeface="GulimChe" panose="020B0503020000020004" pitchFamily="49" charset="-127"/>
+                <a:cs typeface="Arial" panose="020B0604020202020204" pitchFamily="34" charset="0"/>
+              </a:rPr>
+              <a:t> se diferencia de </a:t>
+            </a:r>
+            <a:r>
+              <a:rPr lang="ca-ES" sz="1200" i="1" dirty="0" err="1">
+                <a:latin typeface="Montserrat" panose="00000500000000000000" pitchFamily="2" charset="0"/>
+                <a:ea typeface="GulimChe" panose="020B0503020000020004" pitchFamily="49" charset="-127"/>
+                <a:cs typeface="Arial" panose="020B0604020202020204" pitchFamily="34" charset="0"/>
+              </a:rPr>
+              <a:t>otras</a:t>
+            </a:r>
+            <a:r>
+              <a:rPr lang="ca-ES" sz="1200" i="1" dirty="0">
+                <a:latin typeface="Montserrat" panose="00000500000000000000" pitchFamily="2" charset="0"/>
+                <a:ea typeface="GulimChe" panose="020B0503020000020004" pitchFamily="49" charset="-127"/>
+                <a:cs typeface="Arial" panose="020B0604020202020204" pitchFamily="34" charset="0"/>
+              </a:rPr>
+              <a:t> </a:t>
+            </a:r>
+            <a:r>
+              <a:rPr lang="ca-ES" sz="1200" i="1" dirty="0" err="1">
+                <a:latin typeface="Montserrat" panose="00000500000000000000" pitchFamily="2" charset="0"/>
+                <a:ea typeface="GulimChe" panose="020B0503020000020004" pitchFamily="49" charset="-127"/>
+                <a:cs typeface="Arial" panose="020B0604020202020204" pitchFamily="34" charset="0"/>
+              </a:rPr>
+              <a:t>posibles</a:t>
+            </a:r>
+            <a:r>
+              <a:rPr lang="ca-ES" sz="1200" i="1" dirty="0">
+                <a:latin typeface="Montserrat" panose="00000500000000000000" pitchFamily="2" charset="0"/>
+                <a:ea typeface="GulimChe" panose="020B0503020000020004" pitchFamily="49" charset="-127"/>
+                <a:cs typeface="Arial" panose="020B0604020202020204" pitchFamily="34" charset="0"/>
+              </a:rPr>
+              <a:t> o </a:t>
+            </a:r>
+            <a:r>
+              <a:rPr lang="ca-ES" sz="1200" i="1" dirty="0" err="1">
+                <a:latin typeface="Montserrat" panose="00000500000000000000" pitchFamily="2" charset="0"/>
+                <a:ea typeface="GulimChe" panose="020B0503020000020004" pitchFamily="49" charset="-127"/>
+                <a:cs typeface="Arial" panose="020B0604020202020204" pitchFamily="34" charset="0"/>
+              </a:rPr>
+              <a:t>porque</a:t>
+            </a:r>
+            <a:r>
+              <a:rPr lang="ca-ES" sz="1200" i="1" dirty="0">
+                <a:latin typeface="Montserrat" panose="00000500000000000000" pitchFamily="2" charset="0"/>
+                <a:ea typeface="GulimChe" panose="020B0503020000020004" pitchFamily="49" charset="-127"/>
+                <a:cs typeface="Arial" panose="020B0604020202020204" pitchFamily="34" charset="0"/>
+              </a:rPr>
+              <a:t> es la major </a:t>
+            </a:r>
+            <a:r>
+              <a:rPr lang="ca-ES" sz="1200" i="1" dirty="0" err="1">
+                <a:latin typeface="Montserrat" panose="00000500000000000000" pitchFamily="2" charset="0"/>
+                <a:ea typeface="GulimChe" panose="020B0503020000020004" pitchFamily="49" charset="-127"/>
+                <a:cs typeface="Arial" panose="020B0604020202020204" pitchFamily="34" charset="0"/>
+              </a:rPr>
+              <a:t>opción</a:t>
+            </a:r>
+            <a:r>
+              <a:rPr lang="ca-ES" sz="1200" i="1" dirty="0">
+                <a:latin typeface="Montserrat" panose="00000500000000000000" pitchFamily="2" charset="0"/>
+                <a:ea typeface="GulimChe" panose="020B0503020000020004" pitchFamily="49" charset="-127"/>
+                <a:cs typeface="Arial" panose="020B0604020202020204" pitchFamily="34" charset="0"/>
+              </a:rPr>
+              <a:t>.</a:t>
             </a:r>
           </a:p>
           <a:p>
-            <a:endParaRPr lang="ca-ES" sz="1000">
+            <a:endParaRPr lang="ca-ES" sz="1000" dirty="0">
               <a:latin typeface="Arial" panose="020B0604020202020204" pitchFamily="34" charset="0"/>
               <a:cs typeface="Arial" panose="020B0604020202020204" pitchFamily="34" charset="0"/>
             </a:endParaRPr>
@@ -7217,7 +7372,7 @@
                 </a:solidFill>
                 <a:latin typeface="Montserrat"/>
               </a:rPr>
-              <a:t>REPTE </a:t>
+              <a:t>RETO </a:t>
             </a:r>
             <a:r>
               <a:rPr lang="ca-ES" sz="3600" b="1" spc="-1" dirty="0">
@@ -7262,15 +7417,62 @@
           <a:lstStyle/>
           <a:p>
             <a:r>
-              <a:rPr lang="ca-ES" sz="2000" dirty="0">
+              <a:rPr lang="ca-ES" sz="2000" dirty="0" err="1">
                 <a:solidFill>
                   <a:srgbClr val="D50283"/>
                 </a:solidFill>
                 <a:latin typeface="Safiro SemiBold" pitchFamily="2" charset="77"/>
                 <a:cs typeface="Arial" panose="020B0604020202020204" pitchFamily="34" charset="0"/>
               </a:rPr>
-              <a:t>Motivació i anàlisi prèvia</a:t>
-            </a:r>
+              <a:t>Motivación</a:t>
+            </a:r>
+            <a:r>
+              <a:rPr lang="ca-ES" sz="2000" dirty="0">
+                <a:solidFill>
+                  <a:srgbClr val="D50283"/>
+                </a:solidFill>
+                <a:latin typeface="Safiro SemiBold" pitchFamily="2" charset="77"/>
+                <a:cs typeface="Arial" panose="020B0604020202020204" pitchFamily="34" charset="0"/>
+              </a:rPr>
+              <a:t> y </a:t>
+            </a:r>
+            <a:r>
+              <a:rPr lang="ca-ES" sz="2000" dirty="0" err="1">
+                <a:solidFill>
+                  <a:srgbClr val="D50283"/>
+                </a:solidFill>
+                <a:latin typeface="Safiro SemiBold" pitchFamily="2" charset="77"/>
+                <a:cs typeface="Arial" panose="020B0604020202020204" pitchFamily="34" charset="0"/>
+              </a:rPr>
+              <a:t>análisis</a:t>
+            </a:r>
+            <a:r>
+              <a:rPr lang="ca-ES" sz="2000" dirty="0">
+                <a:solidFill>
+                  <a:srgbClr val="D50283"/>
+                </a:solidFill>
+                <a:latin typeface="Safiro SemiBold" pitchFamily="2" charset="77"/>
+                <a:cs typeface="Arial" panose="020B0604020202020204" pitchFamily="34" charset="0"/>
+              </a:rPr>
+              <a:t> </a:t>
+            </a:r>
+            <a:r>
+              <a:rPr lang="ca-ES" sz="2000" dirty="0" err="1">
+                <a:solidFill>
+                  <a:srgbClr val="D50283"/>
+                </a:solidFill>
+                <a:latin typeface="Safiro SemiBold" pitchFamily="2" charset="77"/>
+                <a:cs typeface="Arial" panose="020B0604020202020204" pitchFamily="34" charset="0"/>
+              </a:rPr>
+              <a:t>previa</a:t>
+            </a:r>
+            <a:endParaRPr lang="ca-ES" sz="2000" dirty="0">
+              <a:solidFill>
+                <a:srgbClr val="D50283"/>
+              </a:solidFill>
+              <a:latin typeface="Safiro SemiBold" pitchFamily="2" charset="77"/>
+              <a:cs typeface="Arial" panose="020B0604020202020204" pitchFamily="34" charset="0"/>
+            </a:endParaRPr>
           </a:p>
           <a:p>
             <a:endParaRPr lang="ca-ES" sz="1100" dirty="0">
@@ -7280,12 +7482,20 @@
           </a:p>
           <a:p>
             <a:r>
-              <a:rPr lang="ca-ES" sz="1200" i="1" dirty="0">
+              <a:rPr lang="ca-ES" sz="1200" i="1" dirty="0" err="1">
                 <a:latin typeface="Montserrat" panose="00000500000000000000" pitchFamily="2" charset="0"/>
                 <a:ea typeface="GulimChe" panose="020B0503020000020004" pitchFamily="49" charset="-127"/>
                 <a:cs typeface="Arial" panose="020B0604020202020204" pitchFamily="34" charset="0"/>
               </a:rPr>
-              <a:t>Motivació del repte.</a:t>
+              <a:t>Motivación</a:t>
+            </a:r>
+            <a:r>
+              <a:rPr lang="ca-ES" sz="1200" i="1" dirty="0">
+                <a:latin typeface="Montserrat" panose="00000500000000000000" pitchFamily="2" charset="0"/>
+                <a:ea typeface="GulimChe" panose="020B0503020000020004" pitchFamily="49" charset="-127"/>
+                <a:cs typeface="Arial" panose="020B0604020202020204" pitchFamily="34" charset="0"/>
+              </a:rPr>
+              <a:t> del reto.</a:t>
             </a:r>
             <a:br>
               <a:rPr lang="ca-ES" sz="1200" i="1" dirty="0">
@@ -7302,12 +7512,116 @@
           </a:p>
           <a:p>
             <a:r>
-              <a:rPr lang="ca-ES" sz="1200" i="1" dirty="0">
+              <a:rPr lang="ca-ES" sz="1200" i="1" dirty="0" err="1">
                 <a:latin typeface="Montserrat" panose="00000500000000000000" pitchFamily="2" charset="0"/>
                 <a:ea typeface="GulimChe" panose="020B0503020000020004" pitchFamily="49" charset="-127"/>
                 <a:cs typeface="Arial" panose="020B0604020202020204" pitchFamily="34" charset="0"/>
               </a:rPr>
-              <a:t>Breu explicació de com s’han identificat els punts febles o àrees d’oportunitat en aquest repte.</a:t>
+              <a:t>Breve</a:t>
+            </a:r>
+            <a:r>
+              <a:rPr lang="ca-ES" sz="1200" i="1" dirty="0">
+                <a:latin typeface="Montserrat" panose="00000500000000000000" pitchFamily="2" charset="0"/>
+                <a:ea typeface="GulimChe" panose="020B0503020000020004" pitchFamily="49" charset="-127"/>
+                <a:cs typeface="Arial" panose="020B0604020202020204" pitchFamily="34" charset="0"/>
+              </a:rPr>
+              <a:t> </a:t>
+            </a:r>
+            <a:r>
+              <a:rPr lang="ca-ES" sz="1200" i="1" dirty="0" err="1">
+                <a:latin typeface="Montserrat" panose="00000500000000000000" pitchFamily="2" charset="0"/>
+                <a:ea typeface="GulimChe" panose="020B0503020000020004" pitchFamily="49" charset="-127"/>
+                <a:cs typeface="Arial" panose="020B0604020202020204" pitchFamily="34" charset="0"/>
+              </a:rPr>
+              <a:t>explicación</a:t>
+            </a:r>
+            <a:r>
+              <a:rPr lang="ca-ES" sz="1200" i="1" dirty="0">
+                <a:latin typeface="Montserrat" panose="00000500000000000000" pitchFamily="2" charset="0"/>
+                <a:ea typeface="GulimChe" panose="020B0503020000020004" pitchFamily="49" charset="-127"/>
+                <a:cs typeface="Arial" panose="020B0604020202020204" pitchFamily="34" charset="0"/>
+              </a:rPr>
+              <a:t> de como se han </a:t>
+            </a:r>
+            <a:r>
+              <a:rPr lang="ca-ES" sz="1200" i="1" dirty="0" err="1">
+                <a:latin typeface="Montserrat" panose="00000500000000000000" pitchFamily="2" charset="0"/>
+                <a:ea typeface="GulimChe" panose="020B0503020000020004" pitchFamily="49" charset="-127"/>
+                <a:cs typeface="Arial" panose="020B0604020202020204" pitchFamily="34" charset="0"/>
+              </a:rPr>
+              <a:t>identificado</a:t>
+            </a:r>
+            <a:r>
+              <a:rPr lang="ca-ES" sz="1200" i="1" dirty="0">
+                <a:latin typeface="Montserrat" panose="00000500000000000000" pitchFamily="2" charset="0"/>
+                <a:ea typeface="GulimChe" panose="020B0503020000020004" pitchFamily="49" charset="-127"/>
+                <a:cs typeface="Arial" panose="020B0604020202020204" pitchFamily="34" charset="0"/>
+              </a:rPr>
+              <a:t> los </a:t>
+            </a:r>
+            <a:r>
+              <a:rPr lang="ca-ES" sz="1200" i="1" dirty="0" err="1">
+                <a:latin typeface="Montserrat" panose="00000500000000000000" pitchFamily="2" charset="0"/>
+                <a:ea typeface="GulimChe" panose="020B0503020000020004" pitchFamily="49" charset="-127"/>
+                <a:cs typeface="Arial" panose="020B0604020202020204" pitchFamily="34" charset="0"/>
+              </a:rPr>
+              <a:t>puntos</a:t>
+            </a:r>
+            <a:r>
+              <a:rPr lang="ca-ES" sz="1200" i="1" dirty="0">
+                <a:latin typeface="Montserrat" panose="00000500000000000000" pitchFamily="2" charset="0"/>
+                <a:ea typeface="GulimChe" panose="020B0503020000020004" pitchFamily="49" charset="-127"/>
+                <a:cs typeface="Arial" panose="020B0604020202020204" pitchFamily="34" charset="0"/>
+              </a:rPr>
+              <a:t> </a:t>
+            </a:r>
+            <a:r>
+              <a:rPr lang="ca-ES" sz="1200" i="1" dirty="0" err="1">
+                <a:latin typeface="Montserrat" panose="00000500000000000000" pitchFamily="2" charset="0"/>
+                <a:ea typeface="GulimChe" panose="020B0503020000020004" pitchFamily="49" charset="-127"/>
+                <a:cs typeface="Arial" panose="020B0604020202020204" pitchFamily="34" charset="0"/>
+              </a:rPr>
+              <a:t>débiles</a:t>
+            </a:r>
+            <a:r>
+              <a:rPr lang="ca-ES" sz="1200" i="1" dirty="0">
+                <a:latin typeface="Montserrat" panose="00000500000000000000" pitchFamily="2" charset="0"/>
+                <a:ea typeface="GulimChe" panose="020B0503020000020004" pitchFamily="49" charset="-127"/>
+                <a:cs typeface="Arial" panose="020B0604020202020204" pitchFamily="34" charset="0"/>
+              </a:rPr>
+              <a:t> o </a:t>
+            </a:r>
+            <a:r>
+              <a:rPr lang="ca-ES" sz="1200" i="1" dirty="0" err="1">
+                <a:latin typeface="Montserrat" panose="00000500000000000000" pitchFamily="2" charset="0"/>
+                <a:ea typeface="GulimChe" panose="020B0503020000020004" pitchFamily="49" charset="-127"/>
+                <a:cs typeface="Arial" panose="020B0604020202020204" pitchFamily="34" charset="0"/>
+              </a:rPr>
+              <a:t>áreas</a:t>
+            </a:r>
+            <a:r>
+              <a:rPr lang="ca-ES" sz="1200" i="1" dirty="0">
+                <a:latin typeface="Montserrat" panose="00000500000000000000" pitchFamily="2" charset="0"/>
+                <a:ea typeface="GulimChe" panose="020B0503020000020004" pitchFamily="49" charset="-127"/>
+                <a:cs typeface="Arial" panose="020B0604020202020204" pitchFamily="34" charset="0"/>
+              </a:rPr>
+              <a:t> de </a:t>
+            </a:r>
+            <a:r>
+              <a:rPr lang="ca-ES" sz="1200" i="1" dirty="0" err="1">
+                <a:latin typeface="Montserrat" panose="00000500000000000000" pitchFamily="2" charset="0"/>
+                <a:ea typeface="GulimChe" panose="020B0503020000020004" pitchFamily="49" charset="-127"/>
+                <a:cs typeface="Arial" panose="020B0604020202020204" pitchFamily="34" charset="0"/>
+              </a:rPr>
+              <a:t>oportunidad</a:t>
+            </a:r>
+            <a:r>
+              <a:rPr lang="ca-ES" sz="1200" i="1" dirty="0">
+                <a:latin typeface="Montserrat" panose="00000500000000000000" pitchFamily="2" charset="0"/>
+                <a:ea typeface="GulimChe" panose="020B0503020000020004" pitchFamily="49" charset="-127"/>
+                <a:cs typeface="Arial" panose="020B0604020202020204" pitchFamily="34" charset="0"/>
+              </a:rPr>
+              <a:t> en este reto.</a:t>
             </a:r>
           </a:p>
           <a:p>
@@ -7347,34 +7661,160 @@
           <a:lstStyle/>
           <a:p>
             <a:r>
-              <a:rPr lang="ca-ES" sz="2000">
+              <a:rPr lang="ca-ES" sz="2000" dirty="0">
                 <a:solidFill>
                   <a:srgbClr val="D50283"/>
                 </a:solidFill>
                 <a:latin typeface="Safiro SemiBold" pitchFamily="2" charset="77"/>
                 <a:cs typeface="Arial" panose="020B0604020202020204" pitchFamily="34" charset="0"/>
               </a:rPr>
-              <a:t>Impacte esperat</a:t>
-            </a:r>
+              <a:t>Impacto </a:t>
+            </a:r>
+            <a:r>
+              <a:rPr lang="ca-ES" sz="2000" dirty="0" err="1">
+                <a:solidFill>
+                  <a:srgbClr val="D50283"/>
+                </a:solidFill>
+                <a:latin typeface="Safiro SemiBold" pitchFamily="2" charset="77"/>
+                <a:cs typeface="Arial" panose="020B0604020202020204" pitchFamily="34" charset="0"/>
+              </a:rPr>
+              <a:t>esperado</a:t>
+            </a:r>
+            <a:endParaRPr lang="ca-ES" sz="2000" dirty="0">
+              <a:solidFill>
+                <a:srgbClr val="D50283"/>
+              </a:solidFill>
+              <a:latin typeface="Safiro SemiBold" pitchFamily="2" charset="77"/>
+              <a:cs typeface="Arial" panose="020B0604020202020204" pitchFamily="34" charset="0"/>
+            </a:endParaRPr>
           </a:p>
           <a:p>
-            <a:endParaRPr lang="ca-ES" sz="1100">
+            <a:endParaRPr lang="ca-ES" sz="1100" dirty="0">
               <a:latin typeface="Montserrat" panose="00000500000000000000" pitchFamily="2" charset="0"/>
               <a:cs typeface="Arial" panose="020B0604020202020204" pitchFamily="34" charset="0"/>
             </a:endParaRPr>
           </a:p>
           <a:p>
             <a:r>
-              <a:rPr lang="ca-ES" sz="1200" i="1" noProof="0">
+              <a:rPr lang="ca-ES" sz="1200" i="1" dirty="0" err="1">
                 <a:latin typeface="Montserrat" panose="00000500000000000000" pitchFamily="2" charset="0"/>
                 <a:ea typeface="GulimChe" panose="020B0503020000020004" pitchFamily="49" charset="-127"/>
                 <a:cs typeface="Arial" panose="020B0604020202020204" pitchFamily="34" charset="0"/>
               </a:rPr>
-              <a:t>Incloure mètriques clau o escenaris on la solució aporti un valor diferencial.</a:t>
-            </a:r>
+              <a:t>Incluir</a:t>
+            </a:r>
+            <a:r>
+              <a:rPr lang="ca-ES" sz="1200" i="1" dirty="0">
+                <a:latin typeface="Montserrat" panose="00000500000000000000" pitchFamily="2" charset="0"/>
+                <a:ea typeface="GulimChe" panose="020B0503020000020004" pitchFamily="49" charset="-127"/>
+                <a:cs typeface="Arial" panose="020B0604020202020204" pitchFamily="34" charset="0"/>
+              </a:rPr>
+              <a:t> </a:t>
+            </a:r>
+            <a:r>
+              <a:rPr lang="ca-ES" sz="1200" i="1" dirty="0" err="1">
+                <a:latin typeface="Montserrat" panose="00000500000000000000" pitchFamily="2" charset="0"/>
+                <a:ea typeface="GulimChe" panose="020B0503020000020004" pitchFamily="49" charset="-127"/>
+                <a:cs typeface="Arial" panose="020B0604020202020204" pitchFamily="34" charset="0"/>
+              </a:rPr>
+              <a:t>métricas</a:t>
+            </a:r>
+            <a:r>
+              <a:rPr lang="ca-ES" sz="1200" i="1" dirty="0">
+                <a:latin typeface="Montserrat" panose="00000500000000000000" pitchFamily="2" charset="0"/>
+                <a:ea typeface="GulimChe" panose="020B0503020000020004" pitchFamily="49" charset="-127"/>
+                <a:cs typeface="Arial" panose="020B0604020202020204" pitchFamily="34" charset="0"/>
+              </a:rPr>
+              <a:t> </a:t>
+            </a:r>
+            <a:r>
+              <a:rPr lang="ca-ES" sz="1200" i="1" dirty="0" err="1">
+                <a:latin typeface="Montserrat" panose="00000500000000000000" pitchFamily="2" charset="0"/>
+                <a:ea typeface="GulimChe" panose="020B0503020000020004" pitchFamily="49" charset="-127"/>
+                <a:cs typeface="Arial" panose="020B0604020202020204" pitchFamily="34" charset="0"/>
+              </a:rPr>
+              <a:t>clave</a:t>
+            </a:r>
+            <a:r>
+              <a:rPr lang="ca-ES" sz="1200" i="1" dirty="0">
+                <a:latin typeface="Montserrat" panose="00000500000000000000" pitchFamily="2" charset="0"/>
+                <a:ea typeface="GulimChe" panose="020B0503020000020004" pitchFamily="49" charset="-127"/>
+                <a:cs typeface="Arial" panose="020B0604020202020204" pitchFamily="34" charset="0"/>
+              </a:rPr>
+              <a:t> o </a:t>
+            </a:r>
+            <a:r>
+              <a:rPr lang="ca-ES" sz="1200" i="1" dirty="0" err="1">
+                <a:latin typeface="Montserrat" panose="00000500000000000000" pitchFamily="2" charset="0"/>
+                <a:ea typeface="GulimChe" panose="020B0503020000020004" pitchFamily="49" charset="-127"/>
+                <a:cs typeface="Arial" panose="020B0604020202020204" pitchFamily="34" charset="0"/>
+              </a:rPr>
+              <a:t>escenarios</a:t>
+            </a:r>
+            <a:r>
+              <a:rPr lang="ca-ES" sz="1200" i="1" dirty="0">
+                <a:latin typeface="Montserrat" panose="00000500000000000000" pitchFamily="2" charset="0"/>
+                <a:ea typeface="GulimChe" panose="020B0503020000020004" pitchFamily="49" charset="-127"/>
+                <a:cs typeface="Arial" panose="020B0604020202020204" pitchFamily="34" charset="0"/>
+              </a:rPr>
+              <a:t> </a:t>
+            </a:r>
+            <a:r>
+              <a:rPr lang="ca-ES" sz="1200" i="1" dirty="0" err="1">
+                <a:latin typeface="Montserrat" panose="00000500000000000000" pitchFamily="2" charset="0"/>
+                <a:ea typeface="GulimChe" panose="020B0503020000020004" pitchFamily="49" charset="-127"/>
+                <a:cs typeface="Arial" panose="020B0604020202020204" pitchFamily="34" charset="0"/>
+              </a:rPr>
+              <a:t>dónde</a:t>
+            </a:r>
+            <a:r>
+              <a:rPr lang="ca-ES" sz="1200" i="1" dirty="0">
+                <a:latin typeface="Montserrat" panose="00000500000000000000" pitchFamily="2" charset="0"/>
+                <a:ea typeface="GulimChe" panose="020B0503020000020004" pitchFamily="49" charset="-127"/>
+                <a:cs typeface="Arial" panose="020B0604020202020204" pitchFamily="34" charset="0"/>
+              </a:rPr>
+              <a:t> la </a:t>
+            </a:r>
+            <a:r>
+              <a:rPr lang="ca-ES" sz="1200" i="1" dirty="0" err="1">
+                <a:latin typeface="Montserrat" panose="00000500000000000000" pitchFamily="2" charset="0"/>
+                <a:ea typeface="GulimChe" panose="020B0503020000020004" pitchFamily="49" charset="-127"/>
+                <a:cs typeface="Arial" panose="020B0604020202020204" pitchFamily="34" charset="0"/>
+              </a:rPr>
+              <a:t>solución</a:t>
+            </a:r>
+            <a:r>
+              <a:rPr lang="ca-ES" sz="1200" i="1" dirty="0">
+                <a:latin typeface="Montserrat" panose="00000500000000000000" pitchFamily="2" charset="0"/>
+                <a:ea typeface="GulimChe" panose="020B0503020000020004" pitchFamily="49" charset="-127"/>
+                <a:cs typeface="Arial" panose="020B0604020202020204" pitchFamily="34" charset="0"/>
+              </a:rPr>
+              <a:t> </a:t>
+            </a:r>
+            <a:r>
+              <a:rPr lang="ca-ES" sz="1200" i="1" dirty="0" err="1">
+                <a:latin typeface="Montserrat" panose="00000500000000000000" pitchFamily="2" charset="0"/>
+                <a:ea typeface="GulimChe" panose="020B0503020000020004" pitchFamily="49" charset="-127"/>
+                <a:cs typeface="Arial" panose="020B0604020202020204" pitchFamily="34" charset="0"/>
+              </a:rPr>
+              <a:t>aporte</a:t>
+            </a:r>
+            <a:r>
+              <a:rPr lang="ca-ES" sz="1200" i="1" dirty="0">
+                <a:latin typeface="Montserrat" panose="00000500000000000000" pitchFamily="2" charset="0"/>
+                <a:ea typeface="GulimChe" panose="020B0503020000020004" pitchFamily="49" charset="-127"/>
+                <a:cs typeface="Arial" panose="020B0604020202020204" pitchFamily="34" charset="0"/>
+              </a:rPr>
+              <a:t> un valor diferencial.</a:t>
+            </a:r>
+            <a:endParaRPr lang="ca-ES" sz="1200" i="1" noProof="0" dirty="0">
+              <a:latin typeface="Montserrat" panose="00000500000000000000" pitchFamily="2" charset="0"/>
+              <a:ea typeface="GulimChe" panose="020B0503020000020004" pitchFamily="49" charset="-127"/>
+              <a:cs typeface="Arial" panose="020B0604020202020204" pitchFamily="34" charset="0"/>
+            </a:endParaRPr>
           </a:p>
           <a:p>
-            <a:endParaRPr lang="ca-ES" sz="1000">
+            <a:endParaRPr lang="ca-ES" sz="1000" dirty="0">
               <a:latin typeface="Arial" panose="020B0604020202020204" pitchFamily="34" charset="0"/>
               <a:cs typeface="Arial" panose="020B0604020202020204" pitchFamily="34" charset="0"/>
             </a:endParaRPr>
@@ -7425,7 +7865,7 @@
         </p:nvSpPr>
         <p:spPr>
           <a:xfrm>
-            <a:off x="0" y="2035534"/>
+            <a:off x="0" y="2055412"/>
             <a:ext cx="12192000" cy="4822466"/>
           </a:xfrm>
           <a:prstGeom prst="rect">
@@ -7529,7 +7969,7 @@
         <p:spPr>
           <a:xfrm>
             <a:off x="406434" y="2556398"/>
-            <a:ext cx="2942459" cy="2846548"/>
+            <a:ext cx="2942459" cy="3077381"/>
           </a:xfrm>
           <a:prstGeom prst="rect">
             <a:avLst/>
@@ -7553,7 +7993,7 @@
                 <a:spcPts val="225"/>
               </a:spcAft>
             </a:pPr>
-            <a:endParaRPr lang="ca-ES" sz="1000" noProof="0">
+            <a:endParaRPr lang="ca-ES" sz="1000" noProof="0" dirty="0">
               <a:solidFill>
                 <a:srgbClr val="424242"/>
               </a:solidFill>
@@ -7570,7 +8010,7 @@
               </a:spcAft>
             </a:pPr>
             <a:r>
-              <a:rPr lang="ca-ES" sz="1000" b="1">
+              <a:rPr lang="ca-ES" sz="1000" b="1" dirty="0">
                 <a:solidFill>
                   <a:srgbClr val="D50283"/>
                 </a:solidFill>
@@ -7594,13 +8034,121 @@
               <a:buChar char="•"/>
             </a:pPr>
             <a:r>
-              <a:rPr lang="ca-ES" sz="1000" i="1" noProof="0">
+              <a:rPr lang="ca-ES" sz="1000" i="1" dirty="0" err="1">
                 <a:solidFill>
                   <a:schemeClr val="bg2"/>
                 </a:solidFill>
                 <a:latin typeface="Montserrat" panose="00000500000000000000" pitchFamily="2" charset="0"/>
               </a:rPr>
-              <a:t>A més de la funcionalitat tècnica, explicar com s’ha prioritzat l'experiència de l'usuari. </a:t>
+              <a:t>Además</a:t>
+            </a:r>
+            <a:r>
+              <a:rPr lang="ca-ES" sz="1000" i="1" dirty="0">
+                <a:solidFill>
+                  <a:schemeClr val="bg2"/>
+                </a:solidFill>
+                <a:latin typeface="Montserrat" panose="00000500000000000000" pitchFamily="2" charset="0"/>
+              </a:rPr>
+              <a:t> de la </a:t>
+            </a:r>
+            <a:r>
+              <a:rPr lang="ca-ES" sz="1000" i="1" dirty="0" err="1">
+                <a:solidFill>
+                  <a:schemeClr val="bg2"/>
+                </a:solidFill>
+                <a:latin typeface="Montserrat" panose="00000500000000000000" pitchFamily="2" charset="0"/>
+              </a:rPr>
+              <a:t>funcionalidad</a:t>
+            </a:r>
+            <a:r>
+              <a:rPr lang="ca-ES" sz="1000" i="1" dirty="0">
+                <a:solidFill>
+                  <a:schemeClr val="bg2"/>
+                </a:solidFill>
+                <a:latin typeface="Montserrat" panose="00000500000000000000" pitchFamily="2" charset="0"/>
+              </a:rPr>
+              <a:t> </a:t>
+            </a:r>
+            <a:r>
+              <a:rPr lang="ca-ES" sz="1000" i="1" dirty="0" err="1">
+                <a:solidFill>
+                  <a:schemeClr val="bg2"/>
+                </a:solidFill>
+                <a:latin typeface="Montserrat" panose="00000500000000000000" pitchFamily="2" charset="0"/>
+              </a:rPr>
+              <a:t>técnica</a:t>
+            </a:r>
+            <a:r>
+              <a:rPr lang="ca-ES" sz="1000" i="1" dirty="0">
+                <a:solidFill>
+                  <a:schemeClr val="bg2"/>
+                </a:solidFill>
+                <a:latin typeface="Montserrat" panose="00000500000000000000" pitchFamily="2" charset="0"/>
+              </a:rPr>
+              <a:t>, explicar como se ha </a:t>
+            </a:r>
+            <a:r>
+              <a:rPr lang="ca-ES" sz="1000" i="1" dirty="0" err="1">
+                <a:solidFill>
+                  <a:schemeClr val="bg2"/>
+                </a:solidFill>
+                <a:latin typeface="Montserrat" panose="00000500000000000000" pitchFamily="2" charset="0"/>
+              </a:rPr>
+              <a:t>priorizado</a:t>
+            </a:r>
+            <a:r>
+              <a:rPr lang="ca-ES" sz="1000" i="1" dirty="0">
+                <a:solidFill>
+                  <a:schemeClr val="bg2"/>
+                </a:solidFill>
+                <a:latin typeface="Montserrat" panose="00000500000000000000" pitchFamily="2" charset="0"/>
+              </a:rPr>
+              <a:t> la </a:t>
+            </a:r>
+            <a:r>
+              <a:rPr lang="ca-ES" sz="1000" i="1" dirty="0" err="1">
+                <a:solidFill>
+                  <a:schemeClr val="bg2"/>
+                </a:solidFill>
+                <a:latin typeface="Montserrat" panose="00000500000000000000" pitchFamily="2" charset="0"/>
+              </a:rPr>
+              <a:t>experiencia</a:t>
+            </a:r>
+            <a:r>
+              <a:rPr lang="ca-ES" sz="1000" i="1" dirty="0">
+                <a:solidFill>
+                  <a:schemeClr val="bg2"/>
+                </a:solidFill>
+                <a:latin typeface="Montserrat" panose="00000500000000000000" pitchFamily="2" charset="0"/>
+              </a:rPr>
+              <a:t> del </a:t>
+            </a:r>
+            <a:r>
+              <a:rPr lang="ca-ES" sz="1000" i="1" dirty="0" err="1">
+                <a:solidFill>
+                  <a:schemeClr val="bg2"/>
+                </a:solidFill>
+                <a:latin typeface="Montserrat" panose="00000500000000000000" pitchFamily="2" charset="0"/>
+              </a:rPr>
+              <a:t>usuario</a:t>
+            </a:r>
+            <a:r>
+              <a:rPr lang="ca-ES" sz="1000" i="1" dirty="0">
+                <a:solidFill>
+                  <a:schemeClr val="bg2"/>
+                </a:solidFill>
+                <a:latin typeface="Montserrat" panose="00000500000000000000" pitchFamily="2" charset="0"/>
+              </a:rPr>
+              <a:t>.</a:t>
+            </a:r>
+            <a:r>
+              <a:rPr lang="ca-ES" sz="1000" i="1" noProof="0" dirty="0">
+                <a:solidFill>
+                  <a:schemeClr val="bg2"/>
+                </a:solidFill>
+                <a:latin typeface="Montserrat" panose="00000500000000000000" pitchFamily="2" charset="0"/>
+              </a:rPr>
+              <a:t> </a:t>
             </a:r>
           </a:p>
           <a:p>
@@ -7618,14 +8166,83 @@
               <a:buChar char="•"/>
             </a:pPr>
             <a:r>
-              <a:rPr lang="ca-ES" sz="1000" i="1" noProof="0">
+              <a:rPr lang="ca-ES" sz="1000" i="1" dirty="0" err="1">
                 <a:solidFill>
                   <a:schemeClr val="bg2"/>
                 </a:solidFill>
                 <a:latin typeface="Montserrat" panose="00000500000000000000" pitchFamily="2" charset="0"/>
               </a:rPr>
-              <a:t>Quin disseny s’ha seguit i per què? </a:t>
-            </a:r>
+              <a:t>Qué</a:t>
+            </a:r>
+            <a:r>
+              <a:rPr lang="ca-ES" sz="1000" i="1" dirty="0">
+                <a:solidFill>
+                  <a:schemeClr val="bg2"/>
+                </a:solidFill>
+                <a:latin typeface="Montserrat" panose="00000500000000000000" pitchFamily="2" charset="0"/>
+              </a:rPr>
+              <a:t> </a:t>
+            </a:r>
+            <a:r>
+              <a:rPr lang="ca-ES" sz="1000" i="1" dirty="0" err="1">
+                <a:solidFill>
+                  <a:schemeClr val="bg2"/>
+                </a:solidFill>
+                <a:latin typeface="Montserrat" panose="00000500000000000000" pitchFamily="2" charset="0"/>
+              </a:rPr>
+              <a:t>diseño</a:t>
+            </a:r>
+            <a:r>
+              <a:rPr lang="ca-ES" sz="1000" i="1" dirty="0">
+                <a:solidFill>
+                  <a:schemeClr val="bg2"/>
+                </a:solidFill>
+                <a:latin typeface="Montserrat" panose="00000500000000000000" pitchFamily="2" charset="0"/>
+              </a:rPr>
+              <a:t> se ha </a:t>
+            </a:r>
+            <a:r>
+              <a:rPr lang="ca-ES" sz="1000" i="1" dirty="0" err="1">
+                <a:solidFill>
+                  <a:schemeClr val="bg2"/>
+                </a:solidFill>
+                <a:latin typeface="Montserrat" panose="00000500000000000000" pitchFamily="2" charset="0"/>
+              </a:rPr>
+              <a:t>seguido</a:t>
+            </a:r>
+            <a:r>
+              <a:rPr lang="ca-ES" sz="1000" i="1" dirty="0">
+                <a:solidFill>
+                  <a:schemeClr val="bg2"/>
+                </a:solidFill>
+                <a:latin typeface="Montserrat" panose="00000500000000000000" pitchFamily="2" charset="0"/>
+              </a:rPr>
+              <a:t> y </a:t>
+            </a:r>
+            <a:r>
+              <a:rPr lang="ca-ES" sz="1000" i="1" dirty="0" err="1">
+                <a:solidFill>
+                  <a:schemeClr val="bg2"/>
+                </a:solidFill>
+                <a:latin typeface="Montserrat" panose="00000500000000000000" pitchFamily="2" charset="0"/>
+              </a:rPr>
+              <a:t>porque</a:t>
+            </a:r>
+            <a:r>
+              <a:rPr lang="ca-ES" sz="1000" i="1" dirty="0">
+                <a:solidFill>
+                  <a:schemeClr val="bg2"/>
+                </a:solidFill>
+                <a:latin typeface="Montserrat" panose="00000500000000000000" pitchFamily="2" charset="0"/>
+              </a:rPr>
+              <a:t>?</a:t>
+            </a:r>
+            <a:endParaRPr lang="ca-ES" sz="1000" i="1" noProof="0" dirty="0">
+              <a:solidFill>
+                <a:schemeClr val="bg2"/>
+              </a:solidFill>
+              <a:latin typeface="Montserrat" panose="00000500000000000000" pitchFamily="2" charset="0"/>
+            </a:endParaRPr>
           </a:p>
           <a:p>
             <a:pPr marL="171450" indent="-171450">
@@ -7642,13 +8259,58 @@
               <a:buChar char="•"/>
             </a:pPr>
             <a:r>
-              <a:rPr lang="ca-ES" sz="1000" i="1" noProof="0">
+              <a:rPr lang="ca-ES" sz="1000" i="1" noProof="0" dirty="0" err="1">
                 <a:solidFill>
                   <a:schemeClr val="bg2"/>
                 </a:solidFill>
                 <a:latin typeface="Montserrat" panose="00000500000000000000" pitchFamily="2" charset="0"/>
               </a:rPr>
-              <a:t>Quines solucions UI innovadores s’han implementat?</a:t>
+              <a:t>Qué</a:t>
+            </a:r>
+            <a:r>
+              <a:rPr lang="ca-ES" sz="1000" i="1" noProof="0" dirty="0">
+                <a:solidFill>
+                  <a:schemeClr val="bg2"/>
+                </a:solidFill>
+                <a:latin typeface="Montserrat" panose="00000500000000000000" pitchFamily="2" charset="0"/>
+              </a:rPr>
+              <a:t> soluciones UI </a:t>
+            </a:r>
+            <a:r>
+              <a:rPr lang="ca-ES" sz="1000" i="1" noProof="0" dirty="0" err="1">
+                <a:solidFill>
+                  <a:schemeClr val="bg2"/>
+                </a:solidFill>
+                <a:latin typeface="Montserrat" panose="00000500000000000000" pitchFamily="2" charset="0"/>
+              </a:rPr>
+              <a:t>innovadoras</a:t>
+            </a:r>
+            <a:r>
+              <a:rPr lang="ca-ES" sz="1000" i="1" noProof="0" dirty="0">
+                <a:solidFill>
+                  <a:schemeClr val="bg2"/>
+                </a:solidFill>
+                <a:latin typeface="Montserrat" panose="00000500000000000000" pitchFamily="2" charset="0"/>
+              </a:rPr>
+              <a:t> se han </a:t>
+            </a:r>
+            <a:r>
+              <a:rPr lang="ca-ES" sz="1000" i="1" noProof="0" dirty="0" err="1">
+                <a:solidFill>
+                  <a:schemeClr val="bg2"/>
+                </a:solidFill>
+                <a:latin typeface="Montserrat" panose="00000500000000000000" pitchFamily="2" charset="0"/>
+              </a:rPr>
+              <a:t>implementado</a:t>
+            </a:r>
+            <a:r>
+              <a:rPr lang="ca-ES" sz="1000" i="1" noProof="0" dirty="0">
+                <a:solidFill>
+                  <a:schemeClr val="bg2"/>
+                </a:solidFill>
+                <a:latin typeface="Montserrat" panose="00000500000000000000" pitchFamily="2" charset="0"/>
+              </a:rPr>
+              <a:t>?</a:t>
             </a:r>
           </a:p>
           <a:p>
@@ -7663,7 +8325,7 @@
                 <a:spcPts val="225"/>
               </a:spcAft>
             </a:pPr>
-            <a:endParaRPr lang="ca-ES" sz="1000" noProof="0">
+            <a:endParaRPr lang="ca-ES" sz="1000" noProof="0" dirty="0">
               <a:solidFill>
                 <a:srgbClr val="424242"/>
               </a:solidFill>
@@ -7682,7 +8344,7 @@
                 <a:spcPts val="300"/>
               </a:spcAft>
             </a:pPr>
-            <a:endParaRPr lang="ca-ES" sz="1000" noProof="0">
+            <a:endParaRPr lang="ca-ES" sz="1000" noProof="0" dirty="0">
               <a:solidFill>
                 <a:srgbClr val="424242"/>
               </a:solidFill>
@@ -7804,7 +8466,7 @@
                 <a:spcPts val="225"/>
               </a:spcAft>
             </a:pPr>
-            <a:endParaRPr lang="ca-ES" sz="1000" noProof="0">
+            <a:endParaRPr lang="ca-ES" sz="1000" noProof="0" dirty="0">
               <a:solidFill>
                 <a:srgbClr val="424242"/>
               </a:solidFill>
@@ -7821,14 +8483,38 @@
               </a:spcAft>
             </a:pPr>
             <a:r>
-              <a:rPr lang="ca-ES" sz="1000" b="1">
+              <a:rPr lang="ca-ES" sz="1000" b="1" dirty="0" err="1">
                 <a:solidFill>
                   <a:srgbClr val="D50283"/>
                 </a:solidFill>
                 <a:latin typeface="Montserrat" panose="00000500000000000000" pitchFamily="2" charset="0"/>
               </a:rPr>
-              <a:t>Eines utilitzades</a:t>
-            </a:r>
+              <a:t>Herramientas</a:t>
+            </a:r>
+            <a:r>
+              <a:rPr lang="ca-ES" sz="1000" b="1" dirty="0">
+                <a:solidFill>
+                  <a:srgbClr val="D50283"/>
+                </a:solidFill>
+                <a:latin typeface="Montserrat" panose="00000500000000000000" pitchFamily="2" charset="0"/>
+              </a:rPr>
+              <a:t> </a:t>
+            </a:r>
+            <a:r>
+              <a:rPr lang="ca-ES" sz="1000" b="1" dirty="0" err="1">
+                <a:solidFill>
+                  <a:srgbClr val="D50283"/>
+                </a:solidFill>
+                <a:latin typeface="Montserrat" panose="00000500000000000000" pitchFamily="2" charset="0"/>
+              </a:rPr>
+              <a:t>empleadas</a:t>
+            </a:r>
+            <a:endParaRPr lang="ca-ES" sz="1000" b="1" dirty="0">
+              <a:solidFill>
+                <a:srgbClr val="D50283"/>
+              </a:solidFill>
+              <a:latin typeface="Montserrat" panose="00000500000000000000" pitchFamily="2" charset="0"/>
+            </a:endParaRPr>
           </a:p>
           <a:p>
             <a:pPr marL="171450" indent="-171450">
@@ -7845,31 +8531,175 @@
               <a:buChar char="•"/>
             </a:pPr>
             <a:r>
-              <a:rPr lang="ca-ES" sz="1000" i="1" noProof="0">
+              <a:rPr lang="ca-ES" sz="1000" i="1" noProof="0" dirty="0">
                 <a:solidFill>
                   <a:schemeClr val="bg2"/>
                 </a:solidFill>
                 <a:latin typeface="Montserrat" panose="00000500000000000000" pitchFamily="2" charset="0"/>
               </a:rPr>
-              <a:t>Mencionar les tecnologies o frameworks utilitzats (React, Angular, etc.) i com aquests aporten al rendiment, </a:t>
-            </a:r>
-            <a:r>
-              <a:rPr lang="ca-ES" sz="1000" i="1" noProof="0" err="1">
+              <a:t>Mencionar las </a:t>
+            </a:r>
+            <a:r>
+              <a:rPr lang="ca-ES" sz="1000" i="1" noProof="0" dirty="0" err="1">
                 <a:solidFill>
                   <a:schemeClr val="bg2"/>
                 </a:solidFill>
                 <a:latin typeface="Montserrat" panose="00000500000000000000" pitchFamily="2" charset="0"/>
               </a:rPr>
-              <a:t>mantenibilitat</a:t>
-            </a:r>
-            <a:r>
-              <a:rPr lang="ca-ES" sz="1000" i="1" noProof="0">
+              <a:t>tecnologias</a:t>
+            </a:r>
+            <a:r>
+              <a:rPr lang="ca-ES" sz="1000" i="1" noProof="0" dirty="0">
                 <a:solidFill>
                   <a:schemeClr val="bg2"/>
                 </a:solidFill>
                 <a:latin typeface="Montserrat" panose="00000500000000000000" pitchFamily="2" charset="0"/>
               </a:rPr>
-              <a:t> o escalabilitat de l’aplicació.</a:t>
+              <a:t> o </a:t>
+            </a:r>
+            <a:r>
+              <a:rPr lang="ca-ES" sz="1000" i="1" noProof="0" dirty="0" err="1">
+                <a:solidFill>
+                  <a:schemeClr val="bg2"/>
+                </a:solidFill>
+                <a:latin typeface="Montserrat" panose="00000500000000000000" pitchFamily="2" charset="0"/>
+              </a:rPr>
+              <a:t>frameworks</a:t>
+            </a:r>
+            <a:r>
+              <a:rPr lang="ca-ES" sz="1000" i="1" noProof="0" dirty="0">
+                <a:solidFill>
+                  <a:schemeClr val="bg2"/>
+                </a:solidFill>
+                <a:latin typeface="Montserrat" panose="00000500000000000000" pitchFamily="2" charset="0"/>
+              </a:rPr>
+              <a:t> </a:t>
+            </a:r>
+            <a:r>
+              <a:rPr lang="ca-ES" sz="1000" i="1" noProof="0" dirty="0" err="1">
+                <a:solidFill>
+                  <a:schemeClr val="bg2"/>
+                </a:solidFill>
+                <a:latin typeface="Montserrat" panose="00000500000000000000" pitchFamily="2" charset="0"/>
+              </a:rPr>
+              <a:t>utilizados</a:t>
+            </a:r>
+            <a:r>
+              <a:rPr lang="ca-ES" sz="1000" i="1" noProof="0" dirty="0">
+                <a:solidFill>
+                  <a:schemeClr val="bg2"/>
+                </a:solidFill>
+                <a:latin typeface="Montserrat" panose="00000500000000000000" pitchFamily="2" charset="0"/>
+              </a:rPr>
+              <a:t> (</a:t>
+            </a:r>
+            <a:r>
+              <a:rPr lang="ca-ES" sz="1000" i="1" noProof="0" dirty="0" err="1">
+                <a:solidFill>
+                  <a:schemeClr val="bg2"/>
+                </a:solidFill>
+                <a:latin typeface="Montserrat" panose="00000500000000000000" pitchFamily="2" charset="0"/>
+              </a:rPr>
+              <a:t>React</a:t>
+            </a:r>
+            <a:r>
+              <a:rPr lang="ca-ES" sz="1000" i="1" noProof="0" dirty="0">
+                <a:solidFill>
+                  <a:schemeClr val="bg2"/>
+                </a:solidFill>
+                <a:latin typeface="Montserrat" panose="00000500000000000000" pitchFamily="2" charset="0"/>
+              </a:rPr>
+              <a:t>, Angular, etc.) y como estos </a:t>
+            </a:r>
+            <a:r>
+              <a:rPr lang="ca-ES" sz="1000" i="1" noProof="0" dirty="0" err="1">
+                <a:solidFill>
+                  <a:schemeClr val="bg2"/>
+                </a:solidFill>
+                <a:latin typeface="Montserrat" panose="00000500000000000000" pitchFamily="2" charset="0"/>
+              </a:rPr>
+              <a:t>aportan</a:t>
+            </a:r>
+            <a:r>
+              <a:rPr lang="ca-ES" sz="1000" i="1" noProof="0" dirty="0">
+                <a:solidFill>
+                  <a:schemeClr val="bg2"/>
+                </a:solidFill>
+                <a:latin typeface="Montserrat" panose="00000500000000000000" pitchFamily="2" charset="0"/>
+              </a:rPr>
+              <a:t> al </a:t>
+            </a:r>
+            <a:r>
+              <a:rPr lang="ca-ES" sz="1000" i="1" noProof="0" dirty="0" err="1">
+                <a:solidFill>
+                  <a:schemeClr val="bg2"/>
+                </a:solidFill>
+                <a:latin typeface="Montserrat" panose="00000500000000000000" pitchFamily="2" charset="0"/>
+              </a:rPr>
+              <a:t>rendimiento</a:t>
+            </a:r>
+            <a:r>
+              <a:rPr lang="ca-ES" sz="1000" i="1" noProof="0" dirty="0">
+                <a:solidFill>
+                  <a:schemeClr val="bg2"/>
+                </a:solidFill>
+                <a:latin typeface="Montserrat" panose="00000500000000000000" pitchFamily="2" charset="0"/>
+              </a:rPr>
+              <a:t>, </a:t>
+            </a:r>
+            <a:r>
+              <a:rPr lang="ca-ES" sz="1000" i="1" noProof="0" dirty="0" err="1">
+                <a:solidFill>
+                  <a:schemeClr val="bg2"/>
+                </a:solidFill>
+                <a:latin typeface="Montserrat" panose="00000500000000000000" pitchFamily="2" charset="0"/>
+              </a:rPr>
+              <a:t>mantenibilidad</a:t>
+            </a:r>
+            <a:r>
+              <a:rPr lang="ca-ES" sz="1000" i="1" noProof="0" dirty="0">
+                <a:solidFill>
+                  <a:schemeClr val="bg2"/>
+                </a:solidFill>
+                <a:latin typeface="Montserrat" panose="00000500000000000000" pitchFamily="2" charset="0"/>
+              </a:rPr>
+              <a:t> o </a:t>
+            </a:r>
+            <a:r>
+              <a:rPr lang="ca-ES" sz="1000" i="1" noProof="0" dirty="0" err="1">
+                <a:solidFill>
+                  <a:schemeClr val="bg2"/>
+                </a:solidFill>
+                <a:latin typeface="Montserrat" panose="00000500000000000000" pitchFamily="2" charset="0"/>
+              </a:rPr>
+              <a:t>escalabilidad</a:t>
+            </a:r>
+            <a:r>
+              <a:rPr lang="ca-ES" sz="1000" i="1" noProof="0" dirty="0">
+                <a:solidFill>
+                  <a:schemeClr val="bg2"/>
+                </a:solidFill>
+                <a:latin typeface="Montserrat" panose="00000500000000000000" pitchFamily="2" charset="0"/>
+              </a:rPr>
+              <a:t> de la </a:t>
+            </a:r>
+            <a:r>
+              <a:rPr lang="ca-ES" sz="1000" i="1" noProof="0" dirty="0" err="1">
+                <a:solidFill>
+                  <a:schemeClr val="bg2"/>
+                </a:solidFill>
+                <a:latin typeface="Montserrat" panose="00000500000000000000" pitchFamily="2" charset="0"/>
+              </a:rPr>
+              <a:t>aplicación</a:t>
+            </a:r>
+            <a:r>
+              <a:rPr lang="ca-ES" sz="1000" i="1" noProof="0" dirty="0">
+                <a:solidFill>
+                  <a:schemeClr val="bg2"/>
+                </a:solidFill>
+                <a:latin typeface="Montserrat" panose="00000500000000000000" pitchFamily="2" charset="0"/>
+              </a:rPr>
+              <a:t>.</a:t>
             </a:r>
           </a:p>
           <a:p>
@@ -7884,7 +8714,7 @@
                 <a:spcPts val="225"/>
               </a:spcAft>
             </a:pPr>
-            <a:endParaRPr lang="ca-ES" sz="1000" noProof="0">
+            <a:endParaRPr lang="ca-ES" sz="1000" noProof="0" dirty="0">
               <a:solidFill>
                 <a:srgbClr val="424242"/>
               </a:solidFill>
@@ -7903,7 +8733,7 @@
                 <a:spcPts val="300"/>
               </a:spcAft>
             </a:pPr>
-            <a:endParaRPr lang="ca-ES" sz="1000" noProof="0">
+            <a:endParaRPr lang="ca-ES" sz="1000" noProof="0" dirty="0">
               <a:solidFill>
                 <a:srgbClr val="424242"/>
               </a:solidFill>
@@ -7951,7 +8781,7 @@
                 <a:spcPts val="225"/>
               </a:spcAft>
             </a:pPr>
-            <a:endParaRPr lang="ca-ES" sz="1000" noProof="0">
+            <a:endParaRPr lang="ca-ES" sz="1000" noProof="0" dirty="0">
               <a:solidFill>
                 <a:srgbClr val="424242"/>
               </a:solidFill>
@@ -7968,7 +8798,7 @@
               </a:spcAft>
             </a:pPr>
             <a:r>
-              <a:rPr lang="ca-ES" sz="1000" b="1">
+              <a:rPr lang="ca-ES" sz="1000" b="1" dirty="0" err="1">
                 <a:solidFill>
                   <a:srgbClr val="D50283"/>
                 </a:solidFill>
@@ -7976,6 +8806,12 @@
               </a:rPr>
               <a:t>Responsive</a:t>
             </a:r>
+            <a:endParaRPr lang="ca-ES" sz="1000" b="1" dirty="0">
+              <a:solidFill>
+                <a:srgbClr val="D50283"/>
+              </a:solidFill>
+              <a:latin typeface="Montserrat" panose="00000500000000000000" pitchFamily="2" charset="0"/>
+            </a:endParaRPr>
           </a:p>
           <a:p>
             <a:pPr marL="171450" indent="-171450">
@@ -7992,14 +8828,92 @@
               <a:buChar char="•"/>
             </a:pPr>
             <a:r>
-              <a:rPr lang="ca-ES" sz="1000" i="1" noProof="0">
+              <a:rPr lang="ca-ES" sz="1000" i="1" dirty="0">
                 <a:solidFill>
                   <a:schemeClr val="bg2"/>
                 </a:solidFill>
                 <a:latin typeface="Montserrat" panose="00000500000000000000" pitchFamily="2" charset="0"/>
               </a:rPr>
-              <a:t>Comentar com s'assegura l'adaptabilitat a diferents dispositius.</a:t>
-            </a:r>
+              <a:t>Comentar como se </a:t>
+            </a:r>
+            <a:r>
+              <a:rPr lang="ca-ES" sz="1000" i="1" dirty="0" err="1">
+                <a:solidFill>
+                  <a:schemeClr val="bg2"/>
+                </a:solidFill>
+                <a:latin typeface="Montserrat" panose="00000500000000000000" pitchFamily="2" charset="0"/>
+              </a:rPr>
+              <a:t>asegura</a:t>
+            </a:r>
+            <a:r>
+              <a:rPr lang="ca-ES" sz="1000" i="1" dirty="0">
+                <a:solidFill>
+                  <a:schemeClr val="bg2"/>
+                </a:solidFill>
+                <a:latin typeface="Montserrat" panose="00000500000000000000" pitchFamily="2" charset="0"/>
+              </a:rPr>
+              <a:t> la </a:t>
+            </a:r>
+            <a:r>
+              <a:rPr lang="ca-ES" sz="1000" i="1" dirty="0" err="1">
+                <a:solidFill>
+                  <a:schemeClr val="bg2"/>
+                </a:solidFill>
+                <a:latin typeface="Montserrat" panose="00000500000000000000" pitchFamily="2" charset="0"/>
+              </a:rPr>
+              <a:t>adaptabilidad</a:t>
+            </a:r>
+            <a:r>
+              <a:rPr lang="ca-ES" sz="1000" i="1" dirty="0">
+                <a:solidFill>
+                  <a:schemeClr val="bg2"/>
+                </a:solidFill>
+                <a:latin typeface="Montserrat" panose="00000500000000000000" pitchFamily="2" charset="0"/>
+              </a:rPr>
+              <a:t> a </a:t>
+            </a:r>
+            <a:r>
+              <a:rPr lang="ca-ES" sz="1000" i="1" dirty="0" err="1">
+                <a:solidFill>
+                  <a:schemeClr val="bg2"/>
+                </a:solidFill>
+                <a:latin typeface="Montserrat" panose="00000500000000000000" pitchFamily="2" charset="0"/>
+              </a:rPr>
+              <a:t>diferentes</a:t>
+            </a:r>
+            <a:r>
+              <a:rPr lang="ca-ES" sz="1000" i="1" dirty="0">
+                <a:solidFill>
+                  <a:schemeClr val="bg2"/>
+                </a:solidFill>
+                <a:latin typeface="Montserrat" panose="00000500000000000000" pitchFamily="2" charset="0"/>
+              </a:rPr>
+              <a:t> </a:t>
+            </a:r>
+            <a:r>
+              <a:rPr lang="ca-ES" sz="1000" i="1" dirty="0" err="1">
+                <a:solidFill>
+                  <a:schemeClr val="bg2"/>
+                </a:solidFill>
+                <a:latin typeface="Montserrat" panose="00000500000000000000" pitchFamily="2" charset="0"/>
+              </a:rPr>
+              <a:t>dispositivos</a:t>
+            </a:r>
+            <a:r>
+              <a:rPr lang="ca-ES" sz="1000" i="1" dirty="0">
+                <a:solidFill>
+                  <a:schemeClr val="bg2"/>
+                </a:solidFill>
+                <a:latin typeface="Montserrat" panose="00000500000000000000" pitchFamily="2" charset="0"/>
+              </a:rPr>
+              <a:t>.</a:t>
+            </a:r>
+            <a:endParaRPr lang="ca-ES" sz="1000" i="1" noProof="0" dirty="0">
+              <a:solidFill>
+                <a:schemeClr val="bg2"/>
+              </a:solidFill>
+              <a:latin typeface="Montserrat" panose="00000500000000000000" pitchFamily="2" charset="0"/>
+            </a:endParaRPr>
           </a:p>
           <a:p>
             <a:pPr marL="171450" indent="-171450">
@@ -8016,14 +8930,83 @@
               <a:buChar char="•"/>
             </a:pPr>
             <a:r>
-              <a:rPr lang="ca-ES" sz="1000" i="1" noProof="0">
+              <a:rPr lang="ca-ES" sz="1000" i="1" dirty="0" err="1">
                 <a:solidFill>
                   <a:schemeClr val="bg2"/>
                 </a:solidFill>
                 <a:latin typeface="Montserrat" panose="00000500000000000000" pitchFamily="2" charset="0"/>
               </a:rPr>
-              <a:t>Quin disseny s’ha seguit i per què? </a:t>
-            </a:r>
+              <a:t>Qué</a:t>
+            </a:r>
+            <a:r>
+              <a:rPr lang="ca-ES" sz="1000" i="1" dirty="0">
+                <a:solidFill>
+                  <a:schemeClr val="bg2"/>
+                </a:solidFill>
+                <a:latin typeface="Montserrat" panose="00000500000000000000" pitchFamily="2" charset="0"/>
+              </a:rPr>
+              <a:t> </a:t>
+            </a:r>
+            <a:r>
+              <a:rPr lang="ca-ES" sz="1000" i="1" dirty="0" err="1">
+                <a:solidFill>
+                  <a:schemeClr val="bg2"/>
+                </a:solidFill>
+                <a:latin typeface="Montserrat" panose="00000500000000000000" pitchFamily="2" charset="0"/>
+              </a:rPr>
+              <a:t>diseño</a:t>
+            </a:r>
+            <a:r>
+              <a:rPr lang="ca-ES" sz="1000" i="1" dirty="0">
+                <a:solidFill>
+                  <a:schemeClr val="bg2"/>
+                </a:solidFill>
+                <a:latin typeface="Montserrat" panose="00000500000000000000" pitchFamily="2" charset="0"/>
+              </a:rPr>
+              <a:t> se ha </a:t>
+            </a:r>
+            <a:r>
+              <a:rPr lang="ca-ES" sz="1000" i="1" dirty="0" err="1">
+                <a:solidFill>
+                  <a:schemeClr val="bg2"/>
+                </a:solidFill>
+                <a:latin typeface="Montserrat" panose="00000500000000000000" pitchFamily="2" charset="0"/>
+              </a:rPr>
+              <a:t>seguido</a:t>
+            </a:r>
+            <a:r>
+              <a:rPr lang="ca-ES" sz="1000" i="1" dirty="0">
+                <a:solidFill>
+                  <a:schemeClr val="bg2"/>
+                </a:solidFill>
+                <a:latin typeface="Montserrat" panose="00000500000000000000" pitchFamily="2" charset="0"/>
+              </a:rPr>
+              <a:t> y </a:t>
+            </a:r>
+            <a:r>
+              <a:rPr lang="ca-ES" sz="1000" i="1" dirty="0" err="1">
+                <a:solidFill>
+                  <a:schemeClr val="bg2"/>
+                </a:solidFill>
+                <a:latin typeface="Montserrat" panose="00000500000000000000" pitchFamily="2" charset="0"/>
+              </a:rPr>
+              <a:t>porque</a:t>
+            </a:r>
+            <a:r>
+              <a:rPr lang="ca-ES" sz="1000" i="1" dirty="0">
+                <a:solidFill>
+                  <a:schemeClr val="bg2"/>
+                </a:solidFill>
+                <a:latin typeface="Montserrat" panose="00000500000000000000" pitchFamily="2" charset="0"/>
+              </a:rPr>
+              <a:t>?</a:t>
+            </a:r>
+            <a:endParaRPr lang="ca-ES" sz="1000" i="1" noProof="0" dirty="0">
+              <a:solidFill>
+                <a:schemeClr val="bg2"/>
+              </a:solidFill>
+              <a:latin typeface="Montserrat" panose="00000500000000000000" pitchFamily="2" charset="0"/>
+            </a:endParaRPr>
           </a:p>
           <a:p>
             <a:pPr>
@@ -8037,7 +9020,7 @@
                 <a:spcPts val="225"/>
               </a:spcAft>
             </a:pPr>
-            <a:endParaRPr lang="ca-ES" sz="1000" noProof="0">
+            <a:endParaRPr lang="ca-ES" sz="1000" noProof="0" dirty="0">
               <a:solidFill>
                 <a:srgbClr val="424242"/>
               </a:solidFill>
@@ -8056,7 +9039,7 @@
                 <a:spcPts val="300"/>
               </a:spcAft>
             </a:pPr>
-            <a:endParaRPr lang="ca-ES" sz="1000" noProof="0">
+            <a:endParaRPr lang="ca-ES" sz="1000" noProof="0" dirty="0">
               <a:solidFill>
                 <a:srgbClr val="424242"/>
               </a:solidFill>
@@ -8243,7 +9226,7 @@
                 <a:spcPts val="225"/>
               </a:spcAft>
             </a:pPr>
-            <a:endParaRPr lang="ca-ES" sz="1000" noProof="0">
+            <a:endParaRPr lang="ca-ES" sz="1000" noProof="0" dirty="0">
               <a:solidFill>
                 <a:srgbClr val="424242"/>
               </a:solidFill>
@@ -8260,7 +9243,7 @@
               </a:spcAft>
             </a:pPr>
             <a:r>
-              <a:rPr lang="ca-ES" sz="1000" b="1">
+              <a:rPr lang="ca-ES" sz="1000" b="1" dirty="0">
                 <a:solidFill>
                   <a:srgbClr val="D50283"/>
                 </a:solidFill>
@@ -8284,7 +9267,7 @@
               <a:buChar char="•"/>
             </a:pPr>
             <a:r>
-              <a:rPr lang="pt-BR" sz="1000" i="1" noProof="0">
+              <a:rPr lang="pt-BR" sz="1000" i="1" noProof="0" dirty="0">
                 <a:solidFill>
                   <a:schemeClr val="bg2"/>
                 </a:solidFill>
@@ -8293,16 +9276,16 @@
               <a:t>Explicar </a:t>
             </a:r>
             <a:r>
-              <a:rPr lang="pt-BR" sz="1000" i="1" noProof="0" err="1">
+              <a:rPr lang="pt-BR" sz="1000" i="1" noProof="0" dirty="0" err="1">
                 <a:solidFill>
                   <a:schemeClr val="bg2"/>
                 </a:solidFill>
                 <a:latin typeface="Montserrat" panose="00000500000000000000" pitchFamily="2" charset="0"/>
               </a:rPr>
-              <a:t>l'arquitectura</a:t>
-            </a:r>
-            <a:r>
-              <a:rPr lang="pt-BR" sz="1000" i="1" noProof="0">
+              <a:t>la</a:t>
+            </a:r>
+            <a:r>
+              <a:rPr lang="pt-BR" sz="1000" i="1" noProof="0" dirty="0">
                 <a:solidFill>
                   <a:schemeClr val="bg2"/>
                 </a:solidFill>
@@ -8311,34 +9294,34 @@
               <a:t> </a:t>
             </a:r>
             <a:r>
-              <a:rPr lang="pt-BR" sz="1000" i="1" noProof="0" err="1">
+              <a:rPr lang="pt-BR" sz="1000" i="1" noProof="0" dirty="0" err="1">
                 <a:solidFill>
                   <a:schemeClr val="bg2"/>
                 </a:solidFill>
                 <a:latin typeface="Montserrat" panose="00000500000000000000" pitchFamily="2" charset="0"/>
               </a:rPr>
-              <a:t>utilitzada</a:t>
-            </a:r>
-            <a:r>
-              <a:rPr lang="pt-BR" sz="1000" i="1" noProof="0">
+              <a:t>arquitectura</a:t>
+            </a:r>
+            <a:r>
+              <a:rPr lang="pt-BR" sz="1000" i="1" noProof="0" dirty="0">
                 <a:solidFill>
                   <a:schemeClr val="bg2"/>
                 </a:solidFill>
                 <a:latin typeface="Montserrat" panose="00000500000000000000" pitchFamily="2" charset="0"/>
               </a:rPr>
-              <a:t> (monolítica, </a:t>
-            </a:r>
-            <a:r>
-              <a:rPr lang="pt-BR" sz="1000" i="1" noProof="0" err="1">
+              <a:t> utilizada (monolítica, </a:t>
+            </a:r>
+            <a:r>
+              <a:rPr lang="pt-BR" sz="1000" i="1" noProof="0" dirty="0" err="1">
                 <a:solidFill>
                   <a:schemeClr val="bg2"/>
                 </a:solidFill>
                 <a:latin typeface="Montserrat" panose="00000500000000000000" pitchFamily="2" charset="0"/>
               </a:rPr>
-              <a:t>microserveis</a:t>
-            </a:r>
-            <a:r>
-              <a:rPr lang="pt-BR" sz="1000" i="1" noProof="0">
+              <a:t>microservicios</a:t>
+            </a:r>
+            <a:r>
+              <a:rPr lang="pt-BR" sz="1000" i="1" noProof="0" dirty="0">
                 <a:solidFill>
                   <a:schemeClr val="bg2"/>
                 </a:solidFill>
@@ -8347,7 +9330,7 @@
               <a:t>, </a:t>
             </a:r>
             <a:r>
-              <a:rPr lang="pt-BR" sz="1000" i="1" noProof="0" err="1">
+              <a:rPr lang="pt-BR" sz="1000" i="1" noProof="0" dirty="0" err="1">
                 <a:solidFill>
                   <a:schemeClr val="bg2"/>
                 </a:solidFill>
@@ -8356,86 +9339,29 @@
               <a:t>serverless</a:t>
             </a:r>
             <a:r>
-              <a:rPr lang="pt-BR" sz="1000" i="1" noProof="0">
+              <a:rPr lang="pt-BR" sz="1000" i="1" noProof="0" dirty="0">
                 <a:solidFill>
                   <a:schemeClr val="bg2"/>
                 </a:solidFill>
                 <a:latin typeface="Montserrat" panose="00000500000000000000" pitchFamily="2" charset="0"/>
               </a:rPr>
-              <a:t>, etc.) i per </a:t>
-            </a:r>
-            <a:r>
-              <a:rPr lang="pt-BR" sz="1000" i="1" noProof="0" err="1">
+              <a:t>, etc.) y porque se há elegido </a:t>
+            </a:r>
+            <a:r>
+              <a:rPr lang="pt-BR" sz="1000" i="1" dirty="0">
                 <a:solidFill>
                   <a:schemeClr val="bg2"/>
                 </a:solidFill>
                 <a:latin typeface="Montserrat" panose="00000500000000000000" pitchFamily="2" charset="0"/>
               </a:rPr>
-              <a:t>què</a:t>
-            </a:r>
-            <a:r>
-              <a:rPr lang="pt-BR" sz="1000" i="1" noProof="0">
-                <a:solidFill>
-                  <a:schemeClr val="bg2"/>
-                </a:solidFill>
-                <a:latin typeface="Montserrat" panose="00000500000000000000" pitchFamily="2" charset="0"/>
-              </a:rPr>
-              <a:t> </a:t>
-            </a:r>
-            <a:r>
-              <a:rPr lang="pt-BR" sz="1000" i="1" noProof="0" err="1">
-                <a:solidFill>
-                  <a:schemeClr val="bg2"/>
-                </a:solidFill>
-                <a:latin typeface="Montserrat" panose="00000500000000000000" pitchFamily="2" charset="0"/>
-              </a:rPr>
-              <a:t>s’ha</a:t>
-            </a:r>
-            <a:r>
-              <a:rPr lang="pt-BR" sz="1000" i="1" noProof="0">
-                <a:solidFill>
-                  <a:schemeClr val="bg2"/>
-                </a:solidFill>
-                <a:latin typeface="Montserrat" panose="00000500000000000000" pitchFamily="2" charset="0"/>
-              </a:rPr>
-              <a:t> </a:t>
-            </a:r>
-            <a:r>
-              <a:rPr lang="pt-BR" sz="1000" i="1" noProof="0" err="1">
-                <a:solidFill>
-                  <a:schemeClr val="bg2"/>
-                </a:solidFill>
-                <a:latin typeface="Montserrat" panose="00000500000000000000" pitchFamily="2" charset="0"/>
-              </a:rPr>
-              <a:t>escollit</a:t>
-            </a:r>
-            <a:r>
-              <a:rPr lang="pt-BR" sz="1000" i="1" noProof="0">
-                <a:solidFill>
-                  <a:schemeClr val="bg2"/>
-                </a:solidFill>
-                <a:latin typeface="Montserrat" panose="00000500000000000000" pitchFamily="2" charset="0"/>
-              </a:rPr>
-              <a:t> aquesta </a:t>
-            </a:r>
-            <a:r>
-              <a:rPr lang="pt-BR" sz="1000" i="1" noProof="0" err="1">
-                <a:solidFill>
-                  <a:schemeClr val="bg2"/>
-                </a:solidFill>
-                <a:latin typeface="Montserrat" panose="00000500000000000000" pitchFamily="2" charset="0"/>
-              </a:rPr>
-              <a:t>estructura</a:t>
-            </a:r>
-            <a:r>
-              <a:rPr lang="pt-BR" sz="1000" i="1" noProof="0">
-                <a:solidFill>
-                  <a:schemeClr val="bg2"/>
-                </a:solidFill>
-                <a:latin typeface="Montserrat" panose="00000500000000000000" pitchFamily="2" charset="0"/>
-              </a:rPr>
-              <a:t>.</a:t>
-            </a:r>
+              <a:t>esta estrutura.</a:t>
+            </a:r>
+            <a:endParaRPr lang="pt-BR" sz="1000" i="1" noProof="0" dirty="0">
+              <a:solidFill>
+                <a:schemeClr val="bg2"/>
+              </a:solidFill>
+              <a:latin typeface="Montserrat" panose="00000500000000000000" pitchFamily="2" charset="0"/>
+            </a:endParaRPr>
           </a:p>
           <a:p>
             <a:pPr>
@@ -8449,7 +9375,7 @@
                 <a:spcPts val="225"/>
               </a:spcAft>
             </a:pPr>
-            <a:endParaRPr lang="ca-ES" sz="1000" noProof="0">
+            <a:endParaRPr lang="ca-ES" sz="1000" noProof="0" dirty="0">
               <a:solidFill>
                 <a:srgbClr val="424242"/>
               </a:solidFill>
@@ -8468,7 +9394,7 @@
                 <a:spcPts val="300"/>
               </a:spcAft>
             </a:pPr>
-            <a:endParaRPr lang="ca-ES" sz="1000" noProof="0">
+            <a:endParaRPr lang="ca-ES" sz="1000" noProof="0" dirty="0">
               <a:solidFill>
                 <a:srgbClr val="424242"/>
               </a:solidFill>
@@ -8545,7 +9471,7 @@
                 <a:spcPts val="225"/>
               </a:spcAft>
             </a:pPr>
-            <a:endParaRPr lang="ca-ES" sz="1000" noProof="0">
+            <a:endParaRPr lang="ca-ES" sz="1000" noProof="0" dirty="0">
               <a:solidFill>
                 <a:srgbClr val="424242"/>
               </a:solidFill>
@@ -8562,13 +9488,40 @@
               </a:spcAft>
             </a:pPr>
             <a:r>
-              <a:rPr lang="ca-ES" sz="1000" b="1">
+              <a:rPr lang="ca-ES" sz="1000" b="1" dirty="0" err="1">
                 <a:solidFill>
                   <a:srgbClr val="D50283"/>
                 </a:solidFill>
                 <a:latin typeface="Montserrat" panose="00000500000000000000" pitchFamily="2" charset="0"/>
               </a:rPr>
-              <a:t>Escalabilitat i seguretat </a:t>
+              <a:t>Escalabilidad</a:t>
+            </a:r>
+            <a:r>
+              <a:rPr lang="ca-ES" sz="1000" b="1" dirty="0">
+                <a:solidFill>
+                  <a:srgbClr val="D50283"/>
+                </a:solidFill>
+                <a:latin typeface="Montserrat" panose="00000500000000000000" pitchFamily="2" charset="0"/>
+              </a:rPr>
+              <a:t> i </a:t>
+            </a:r>
+            <a:r>
+              <a:rPr lang="ca-ES" sz="1000" b="1" dirty="0" err="1">
+                <a:solidFill>
+                  <a:srgbClr val="D50283"/>
+                </a:solidFill>
+                <a:latin typeface="Montserrat" panose="00000500000000000000" pitchFamily="2" charset="0"/>
+              </a:rPr>
+              <a:t>seguridad</a:t>
+            </a:r>
+            <a:r>
+              <a:rPr lang="ca-ES" sz="1000" b="1" dirty="0">
+                <a:solidFill>
+                  <a:srgbClr val="D50283"/>
+                </a:solidFill>
+                <a:latin typeface="Montserrat" panose="00000500000000000000" pitchFamily="2" charset="0"/>
+              </a:rPr>
+              <a:t> </a:t>
             </a:r>
           </a:p>
           <a:p>
@@ -8586,13 +9539,229 @@
               <a:buChar char="•"/>
             </a:pPr>
             <a:r>
-              <a:rPr lang="ca-ES" sz="1000" i="1" noProof="0">
+              <a:rPr lang="ca-ES" sz="1000" i="1" noProof="0" dirty="0">
                 <a:solidFill>
                   <a:schemeClr val="bg2"/>
                 </a:solidFill>
                 <a:latin typeface="Montserrat" panose="00000500000000000000" pitchFamily="2" charset="0"/>
               </a:rPr>
-              <a:t>Detallar com s’ha dissenyat el backend per escalar segons la demanda, així com les mesures de seguretat implementades per protegir les dades i la integritat de l'aplicació.</a:t>
+              <a:t>Detallar como se ha </a:t>
+            </a:r>
+            <a:r>
+              <a:rPr lang="ca-ES" sz="1000" i="1" noProof="0" dirty="0" err="1">
+                <a:solidFill>
+                  <a:schemeClr val="bg2"/>
+                </a:solidFill>
+                <a:latin typeface="Montserrat" panose="00000500000000000000" pitchFamily="2" charset="0"/>
+              </a:rPr>
+              <a:t>diseñado</a:t>
+            </a:r>
+            <a:r>
+              <a:rPr lang="ca-ES" sz="1000" i="1" noProof="0" dirty="0">
+                <a:solidFill>
+                  <a:schemeClr val="bg2"/>
+                </a:solidFill>
+                <a:latin typeface="Montserrat" panose="00000500000000000000" pitchFamily="2" charset="0"/>
+              </a:rPr>
+              <a:t> el </a:t>
+            </a:r>
+            <a:r>
+              <a:rPr lang="ca-ES" sz="1000" i="1" noProof="0" dirty="0" err="1">
+                <a:solidFill>
+                  <a:schemeClr val="bg2"/>
+                </a:solidFill>
+                <a:latin typeface="Montserrat" panose="00000500000000000000" pitchFamily="2" charset="0"/>
+              </a:rPr>
+              <a:t>backend</a:t>
+            </a:r>
+            <a:r>
+              <a:rPr lang="ca-ES" sz="1000" i="1" noProof="0" dirty="0">
+                <a:solidFill>
+                  <a:schemeClr val="bg2"/>
+                </a:solidFill>
+                <a:latin typeface="Montserrat" panose="00000500000000000000" pitchFamily="2" charset="0"/>
+              </a:rPr>
+              <a:t> para escalar </a:t>
+            </a:r>
+            <a:r>
+              <a:rPr lang="ca-ES" sz="1000" i="1" noProof="0" dirty="0" err="1">
+                <a:solidFill>
+                  <a:schemeClr val="bg2"/>
+                </a:solidFill>
+                <a:latin typeface="Montserrat" panose="00000500000000000000" pitchFamily="2" charset="0"/>
+              </a:rPr>
+              <a:t>según</a:t>
+            </a:r>
+            <a:r>
+              <a:rPr lang="ca-ES" sz="1000" i="1" noProof="0" dirty="0">
+                <a:solidFill>
+                  <a:schemeClr val="bg2"/>
+                </a:solidFill>
+                <a:latin typeface="Montserrat" panose="00000500000000000000" pitchFamily="2" charset="0"/>
+              </a:rPr>
+              <a:t> la demanda, </a:t>
+            </a:r>
+            <a:r>
+              <a:rPr lang="ca-ES" sz="1000" i="1" noProof="0" dirty="0" err="1">
+                <a:solidFill>
+                  <a:schemeClr val="bg2"/>
+                </a:solidFill>
+                <a:latin typeface="Montserrat" panose="00000500000000000000" pitchFamily="2" charset="0"/>
+              </a:rPr>
+              <a:t>así</a:t>
+            </a:r>
+            <a:r>
+              <a:rPr lang="ca-ES" sz="1000" i="1" noProof="0" dirty="0">
+                <a:solidFill>
+                  <a:schemeClr val="bg2"/>
+                </a:solidFill>
+                <a:latin typeface="Montserrat" panose="00000500000000000000" pitchFamily="2" charset="0"/>
+              </a:rPr>
+              <a:t> como las </a:t>
+            </a:r>
+            <a:r>
+              <a:rPr lang="ca-ES" sz="1000" i="1" noProof="0" dirty="0" err="1">
+                <a:solidFill>
+                  <a:schemeClr val="bg2"/>
+                </a:solidFill>
+                <a:latin typeface="Montserrat" panose="00000500000000000000" pitchFamily="2" charset="0"/>
+              </a:rPr>
+              <a:t>medidas</a:t>
+            </a:r>
+            <a:r>
+              <a:rPr lang="ca-ES" sz="1000" i="1" noProof="0" dirty="0">
+                <a:solidFill>
+                  <a:schemeClr val="bg2"/>
+                </a:solidFill>
+                <a:latin typeface="Montserrat" panose="00000500000000000000" pitchFamily="2" charset="0"/>
+              </a:rPr>
+              <a:t> de </a:t>
+            </a:r>
+            <a:r>
+              <a:rPr lang="ca-ES" sz="1000" i="1" noProof="0" dirty="0" err="1">
+                <a:solidFill>
+                  <a:schemeClr val="bg2"/>
+                </a:solidFill>
+                <a:latin typeface="Montserrat" panose="00000500000000000000" pitchFamily="2" charset="0"/>
+              </a:rPr>
+              <a:t>seguridad</a:t>
+            </a:r>
+            <a:r>
+              <a:rPr lang="ca-ES" sz="1000" i="1" noProof="0" dirty="0">
+                <a:solidFill>
+                  <a:schemeClr val="bg2"/>
+                </a:solidFill>
+                <a:latin typeface="Montserrat" panose="00000500000000000000" pitchFamily="2" charset="0"/>
+              </a:rPr>
+              <a:t> </a:t>
+            </a:r>
+            <a:r>
+              <a:rPr lang="ca-ES" sz="1000" i="1" noProof="0" dirty="0" err="1">
+                <a:solidFill>
+                  <a:schemeClr val="bg2"/>
+                </a:solidFill>
+                <a:latin typeface="Montserrat" panose="00000500000000000000" pitchFamily="2" charset="0"/>
+              </a:rPr>
+              <a:t>implementadas</a:t>
+            </a:r>
+            <a:r>
+              <a:rPr lang="ca-ES" sz="1000" i="1" noProof="0" dirty="0">
+                <a:solidFill>
+                  <a:schemeClr val="bg2"/>
+                </a:solidFill>
+                <a:latin typeface="Montserrat" panose="00000500000000000000" pitchFamily="2" charset="0"/>
+              </a:rPr>
+              <a:t> para </a:t>
+            </a:r>
+            <a:r>
+              <a:rPr lang="ca-ES" sz="1000" i="1" noProof="0" dirty="0" err="1">
+                <a:solidFill>
+                  <a:schemeClr val="bg2"/>
+                </a:solidFill>
+                <a:latin typeface="Montserrat" panose="00000500000000000000" pitchFamily="2" charset="0"/>
+              </a:rPr>
+              <a:t>proteger</a:t>
+            </a:r>
+            <a:r>
+              <a:rPr lang="ca-ES" sz="1000" i="1" noProof="0" dirty="0">
+                <a:solidFill>
+                  <a:schemeClr val="bg2"/>
+                </a:solidFill>
+                <a:latin typeface="Montserrat" panose="00000500000000000000" pitchFamily="2" charset="0"/>
+              </a:rPr>
+              <a:t> los </a:t>
+            </a:r>
+            <a:r>
+              <a:rPr lang="ca-ES" sz="1000" i="1" noProof="0" dirty="0" err="1">
+                <a:solidFill>
+                  <a:schemeClr val="bg2"/>
+                </a:solidFill>
+                <a:latin typeface="Montserrat" panose="00000500000000000000" pitchFamily="2" charset="0"/>
+              </a:rPr>
+              <a:t>datos</a:t>
+            </a:r>
+            <a:r>
+              <a:rPr lang="ca-ES" sz="1000" i="1" noProof="0" dirty="0">
+                <a:solidFill>
+                  <a:schemeClr val="bg2"/>
+                </a:solidFill>
+                <a:latin typeface="Montserrat" panose="00000500000000000000" pitchFamily="2" charset="0"/>
+              </a:rPr>
+              <a:t> </a:t>
+            </a:r>
+            <a:r>
+              <a:rPr lang="ca-ES" sz="1000" i="1" dirty="0">
+                <a:solidFill>
+                  <a:schemeClr val="bg2"/>
+                </a:solidFill>
+                <a:latin typeface="Montserrat" panose="00000500000000000000" pitchFamily="2" charset="0"/>
+              </a:rPr>
+              <a:t>y</a:t>
+            </a:r>
+            <a:r>
+              <a:rPr lang="ca-ES" sz="1000" i="1" noProof="0" dirty="0">
+                <a:solidFill>
+                  <a:schemeClr val="bg2"/>
+                </a:solidFill>
+                <a:latin typeface="Montserrat" panose="00000500000000000000" pitchFamily="2" charset="0"/>
+              </a:rPr>
+              <a:t> la </a:t>
+            </a:r>
+            <a:r>
+              <a:rPr lang="ca-ES" sz="1000" i="1" noProof="0" dirty="0" err="1">
+                <a:solidFill>
+                  <a:schemeClr val="bg2"/>
+                </a:solidFill>
+                <a:latin typeface="Montserrat" panose="00000500000000000000" pitchFamily="2" charset="0"/>
+              </a:rPr>
+              <a:t>integridad</a:t>
+            </a:r>
+            <a:r>
+              <a:rPr lang="ca-ES" sz="1000" i="1" noProof="0" dirty="0">
+                <a:solidFill>
+                  <a:schemeClr val="bg2"/>
+                </a:solidFill>
+                <a:latin typeface="Montserrat" panose="00000500000000000000" pitchFamily="2" charset="0"/>
+              </a:rPr>
+              <a:t> de la </a:t>
+            </a:r>
+            <a:r>
+              <a:rPr lang="ca-ES" sz="1000" i="1" noProof="0" dirty="0" err="1">
+                <a:solidFill>
+                  <a:schemeClr val="bg2"/>
+                </a:solidFill>
+                <a:latin typeface="Montserrat" panose="00000500000000000000" pitchFamily="2" charset="0"/>
+              </a:rPr>
+              <a:t>aplicación</a:t>
+            </a:r>
+            <a:r>
+              <a:rPr lang="ca-ES" sz="1000" i="1" noProof="0" dirty="0">
+                <a:solidFill>
+                  <a:schemeClr val="bg2"/>
+                </a:solidFill>
+                <a:latin typeface="Montserrat" panose="00000500000000000000" pitchFamily="2" charset="0"/>
+              </a:rPr>
+              <a:t>.</a:t>
             </a:r>
           </a:p>
           <a:p>
@@ -8607,7 +9776,7 @@
                 <a:spcPts val="225"/>
               </a:spcAft>
             </a:pPr>
-            <a:endParaRPr lang="ca-ES" sz="1000" noProof="0">
+            <a:endParaRPr lang="ca-ES" sz="1000" noProof="0" dirty="0">
               <a:solidFill>
                 <a:srgbClr val="424242"/>
               </a:solidFill>
@@ -8626,7 +9795,7 @@
                 <a:spcPts val="300"/>
               </a:spcAft>
             </a:pPr>
-            <a:endParaRPr lang="ca-ES" sz="1000" noProof="0">
+            <a:endParaRPr lang="ca-ES" sz="1000" noProof="0" dirty="0">
               <a:solidFill>
                 <a:srgbClr val="424242"/>
               </a:solidFill>
@@ -8674,7 +9843,7 @@
                 <a:spcPts val="225"/>
               </a:spcAft>
             </a:pPr>
-            <a:endParaRPr lang="ca-ES" sz="1000" noProof="0">
+            <a:endParaRPr lang="ca-ES" sz="1000" noProof="0" dirty="0">
               <a:solidFill>
                 <a:srgbClr val="424242"/>
               </a:solidFill>
@@ -8691,13 +9860,40 @@
               </a:spcAft>
             </a:pPr>
             <a:r>
-              <a:rPr lang="ca-ES" sz="1000" b="1">
+              <a:rPr lang="ca-ES" sz="1000" b="1" dirty="0" err="1">
                 <a:solidFill>
                   <a:srgbClr val="D50283"/>
                 </a:solidFill>
                 <a:latin typeface="Montserrat" panose="00000500000000000000" pitchFamily="2" charset="0"/>
               </a:rPr>
-              <a:t>Integració amb el frontend </a:t>
+              <a:t>Integración</a:t>
+            </a:r>
+            <a:r>
+              <a:rPr lang="ca-ES" sz="1000" b="1" dirty="0">
+                <a:solidFill>
+                  <a:srgbClr val="D50283"/>
+                </a:solidFill>
+                <a:latin typeface="Montserrat" panose="00000500000000000000" pitchFamily="2" charset="0"/>
+              </a:rPr>
+              <a:t> con el </a:t>
+            </a:r>
+            <a:r>
+              <a:rPr lang="ca-ES" sz="1000" b="1" dirty="0" err="1">
+                <a:solidFill>
+                  <a:srgbClr val="D50283"/>
+                </a:solidFill>
+                <a:latin typeface="Montserrat" panose="00000500000000000000" pitchFamily="2" charset="0"/>
+              </a:rPr>
+              <a:t>frontend</a:t>
+            </a:r>
+            <a:r>
+              <a:rPr lang="ca-ES" sz="1000" b="1" dirty="0">
+                <a:solidFill>
+                  <a:srgbClr val="D50283"/>
+                </a:solidFill>
+                <a:latin typeface="Montserrat" panose="00000500000000000000" pitchFamily="2" charset="0"/>
+              </a:rPr>
+              <a:t> </a:t>
             </a:r>
           </a:p>
           <a:p>
@@ -8715,25 +9911,97 @@
               <a:buChar char="•"/>
             </a:pPr>
             <a:r>
-              <a:rPr lang="ca-ES" sz="1000" i="1" noProof="0">
+              <a:rPr lang="ca-ES" sz="1000" i="1" noProof="0" dirty="0">
                 <a:solidFill>
                   <a:schemeClr val="bg2"/>
                 </a:solidFill>
                 <a:latin typeface="Montserrat" panose="00000500000000000000" pitchFamily="2" charset="0"/>
               </a:rPr>
-              <a:t>Explicar com s’ha dissenyat la comunicació entre frontend i backend (</a:t>
-            </a:r>
-            <a:r>
-              <a:rPr lang="ca-ES" sz="1000" i="1" noProof="0" err="1">
+              <a:t>Explicar como se ha </a:t>
+            </a:r>
+            <a:r>
+              <a:rPr lang="ca-ES" sz="1000" i="1" noProof="0" dirty="0" err="1">
                 <a:solidFill>
                   <a:schemeClr val="bg2"/>
                 </a:solidFill>
                 <a:latin typeface="Montserrat" panose="00000500000000000000" pitchFamily="2" charset="0"/>
               </a:rPr>
+              <a:t>diseñado</a:t>
+            </a:r>
+            <a:r>
+              <a:rPr lang="ca-ES" sz="1000" i="1" noProof="0" dirty="0">
+                <a:solidFill>
+                  <a:schemeClr val="bg2"/>
+                </a:solidFill>
+                <a:latin typeface="Montserrat" panose="00000500000000000000" pitchFamily="2" charset="0"/>
+              </a:rPr>
+              <a:t> la </a:t>
+            </a:r>
+            <a:r>
+              <a:rPr lang="ca-ES" sz="1000" i="1" noProof="0" dirty="0" err="1">
+                <a:solidFill>
+                  <a:schemeClr val="bg2"/>
+                </a:solidFill>
+                <a:latin typeface="Montserrat" panose="00000500000000000000" pitchFamily="2" charset="0"/>
+              </a:rPr>
+              <a:t>comunicación</a:t>
+            </a:r>
+            <a:r>
+              <a:rPr lang="ca-ES" sz="1000" i="1" noProof="0" dirty="0">
+                <a:solidFill>
+                  <a:schemeClr val="bg2"/>
+                </a:solidFill>
+                <a:latin typeface="Montserrat" panose="00000500000000000000" pitchFamily="2" charset="0"/>
+              </a:rPr>
+              <a:t> entre </a:t>
+            </a:r>
+            <a:r>
+              <a:rPr lang="ca-ES" sz="1000" i="1" noProof="0" dirty="0" err="1">
+                <a:solidFill>
+                  <a:schemeClr val="bg2"/>
+                </a:solidFill>
+                <a:latin typeface="Montserrat" panose="00000500000000000000" pitchFamily="2" charset="0"/>
+              </a:rPr>
+              <a:t>frontend</a:t>
+            </a:r>
+            <a:r>
+              <a:rPr lang="ca-ES" sz="1000" i="1" noProof="0" dirty="0">
+                <a:solidFill>
+                  <a:schemeClr val="bg2"/>
+                </a:solidFill>
+                <a:latin typeface="Montserrat" panose="00000500000000000000" pitchFamily="2" charset="0"/>
+              </a:rPr>
+              <a:t> y </a:t>
+            </a:r>
+            <a:r>
+              <a:rPr lang="ca-ES" sz="1000" i="1" noProof="0" dirty="0" err="1">
+                <a:solidFill>
+                  <a:schemeClr val="bg2"/>
+                </a:solidFill>
+                <a:latin typeface="Montserrat" panose="00000500000000000000" pitchFamily="2" charset="0"/>
+              </a:rPr>
+              <a:t>backend</a:t>
+            </a:r>
+            <a:r>
+              <a:rPr lang="ca-ES" sz="1000" i="1" noProof="0" dirty="0">
+                <a:solidFill>
+                  <a:schemeClr val="bg2"/>
+                </a:solidFill>
+                <a:latin typeface="Montserrat" panose="00000500000000000000" pitchFamily="2" charset="0"/>
+              </a:rPr>
+              <a:t> (</a:t>
+            </a:r>
+            <a:r>
+              <a:rPr lang="ca-ES" sz="1000" i="1" noProof="0" dirty="0" err="1">
+                <a:solidFill>
+                  <a:schemeClr val="bg2"/>
+                </a:solidFill>
+                <a:latin typeface="Montserrat" panose="00000500000000000000" pitchFamily="2" charset="0"/>
+              </a:rPr>
               <a:t>APIs</a:t>
             </a:r>
             <a:r>
-              <a:rPr lang="ca-ES" sz="1000" i="1" noProof="0">
+              <a:rPr lang="ca-ES" sz="1000" i="1" noProof="0" dirty="0">
                 <a:solidFill>
                   <a:schemeClr val="bg2"/>
                 </a:solidFill>
@@ -8742,7 +10010,7 @@
               <a:t>, </a:t>
             </a:r>
             <a:r>
-              <a:rPr lang="ca-ES" sz="1000" i="1" noProof="0" err="1">
+              <a:rPr lang="ca-ES" sz="1000" i="1" noProof="0" dirty="0" err="1">
                 <a:solidFill>
                   <a:schemeClr val="bg2"/>
                 </a:solidFill>
@@ -8751,7 +10019,7 @@
               <a:t>RESTful</a:t>
             </a:r>
             <a:r>
-              <a:rPr lang="ca-ES" sz="1000" i="1" noProof="0">
+              <a:rPr lang="ca-ES" sz="1000" i="1" noProof="0" dirty="0">
                 <a:solidFill>
                   <a:schemeClr val="bg2"/>
                 </a:solidFill>
@@ -8772,7 +10040,7 @@
                 <a:spcPts val="225"/>
               </a:spcAft>
             </a:pPr>
-            <a:endParaRPr lang="ca-ES" sz="1000" noProof="0">
+            <a:endParaRPr lang="ca-ES" sz="1000" noProof="0" dirty="0">
               <a:solidFill>
                 <a:srgbClr val="424242"/>
               </a:solidFill>
@@ -8791,7 +10059,7 @@
                 <a:spcPts val="300"/>
               </a:spcAft>
             </a:pPr>
-            <a:endParaRPr lang="ca-ES" sz="1000" noProof="0">
+            <a:endParaRPr lang="ca-ES" sz="1000" noProof="0" dirty="0">
               <a:solidFill>
                 <a:srgbClr val="424242"/>
               </a:solidFill>
@@ -8922,15 +10190,15 @@
               </a:lnSpc>
             </a:pPr>
             <a:r>
-              <a:rPr lang="ca-ES" sz="3600" b="1" spc="-1" noProof="0">
+              <a:rPr lang="ca-ES" sz="3600" b="1" spc="-1" noProof="0" dirty="0" err="1">
                 <a:solidFill>
                   <a:srgbClr val="D50283"/>
                 </a:solidFill>
                 <a:latin typeface="Montserrat Bold"/>
               </a:rPr>
-              <a:t>Dades</a:t>
-            </a:r>
-            <a:endParaRPr lang="es-ES" sz="3600" b="1">
+              <a:t>Datos</a:t>
+            </a:r>
+            <a:endParaRPr lang="es-ES" sz="3600" b="1" dirty="0">
               <a:solidFill>
                 <a:srgbClr val="424242"/>
               </a:solidFill>
@@ -8978,7 +10246,7 @@
                 <a:spcPts val="225"/>
               </a:spcAft>
             </a:pPr>
-            <a:endParaRPr lang="ca-ES" sz="1000" noProof="0">
+            <a:endParaRPr lang="ca-ES" sz="1000" noProof="0" dirty="0">
               <a:solidFill>
                 <a:srgbClr val="424242"/>
               </a:solidFill>
@@ -8995,13 +10263,40 @@
               </a:spcAft>
             </a:pPr>
             <a:r>
-              <a:rPr lang="ca-ES" sz="1000" b="1">
+              <a:rPr lang="ca-ES" sz="1000" b="1" dirty="0" err="1">
                 <a:solidFill>
                   <a:srgbClr val="D50283"/>
                 </a:solidFill>
                 <a:latin typeface="Montserrat" panose="00000500000000000000" pitchFamily="2" charset="0"/>
               </a:rPr>
-              <a:t>Anàlisi de dades </a:t>
+              <a:t>Análisis</a:t>
+            </a:r>
+            <a:r>
+              <a:rPr lang="ca-ES" sz="1000" b="1" dirty="0">
+                <a:solidFill>
+                  <a:srgbClr val="D50283"/>
+                </a:solidFill>
+                <a:latin typeface="Montserrat" panose="00000500000000000000" pitchFamily="2" charset="0"/>
+              </a:rPr>
+              <a:t> de </a:t>
+            </a:r>
+            <a:r>
+              <a:rPr lang="ca-ES" sz="1000" b="1" dirty="0" err="1">
+                <a:solidFill>
+                  <a:srgbClr val="D50283"/>
+                </a:solidFill>
+                <a:latin typeface="Montserrat" panose="00000500000000000000" pitchFamily="2" charset="0"/>
+              </a:rPr>
+              <a:t>datos</a:t>
+            </a:r>
+            <a:r>
+              <a:rPr lang="ca-ES" sz="1000" b="1" dirty="0">
+                <a:solidFill>
+                  <a:srgbClr val="D50283"/>
+                </a:solidFill>
+                <a:latin typeface="Montserrat" panose="00000500000000000000" pitchFamily="2" charset="0"/>
+              </a:rPr>
+              <a:t> </a:t>
             </a:r>
           </a:p>
           <a:p>
@@ -9019,13 +10314,76 @@
               <a:buChar char="•"/>
             </a:pPr>
             <a:r>
-              <a:rPr lang="ca-ES" sz="1000" i="1" noProof="0">
+              <a:rPr lang="ca-ES" sz="1000" i="1" noProof="0" dirty="0" err="1">
                 <a:solidFill>
                   <a:schemeClr val="bg2"/>
                 </a:solidFill>
                 <a:latin typeface="Montserrat" panose="00000500000000000000" pitchFamily="2" charset="0"/>
               </a:rPr>
-              <a:t>Quin tipus d'anàlisi o processament s’ha realitzat? </a:t>
+              <a:t>Qué</a:t>
+            </a:r>
+            <a:r>
+              <a:rPr lang="ca-ES" sz="1000" i="1" noProof="0" dirty="0">
+                <a:solidFill>
+                  <a:schemeClr val="bg2"/>
+                </a:solidFill>
+                <a:latin typeface="Montserrat" panose="00000500000000000000" pitchFamily="2" charset="0"/>
+              </a:rPr>
+              <a:t> tipo de </a:t>
+            </a:r>
+            <a:r>
+              <a:rPr lang="ca-ES" sz="1000" i="1" noProof="0" dirty="0" err="1">
+                <a:solidFill>
+                  <a:schemeClr val="bg2"/>
+                </a:solidFill>
+                <a:latin typeface="Montserrat" panose="00000500000000000000" pitchFamily="2" charset="0"/>
+              </a:rPr>
+              <a:t>análisi</a:t>
+            </a:r>
+            <a:r>
+              <a:rPr lang="ca-ES" sz="1000" i="1" noProof="0" dirty="0">
+                <a:solidFill>
+                  <a:schemeClr val="bg2"/>
+                </a:solidFill>
+                <a:latin typeface="Montserrat" panose="00000500000000000000" pitchFamily="2" charset="0"/>
+              </a:rPr>
+              <a:t> o </a:t>
+            </a:r>
+            <a:r>
+              <a:rPr lang="ca-ES" sz="1000" i="1" noProof="0" dirty="0" err="1">
+                <a:solidFill>
+                  <a:schemeClr val="bg2"/>
+                </a:solidFill>
+                <a:latin typeface="Montserrat" panose="00000500000000000000" pitchFamily="2" charset="0"/>
+              </a:rPr>
+              <a:t>procesamiento</a:t>
+            </a:r>
+            <a:r>
+              <a:rPr lang="ca-ES" sz="1000" i="1" noProof="0" dirty="0">
+                <a:solidFill>
+                  <a:schemeClr val="bg2"/>
+                </a:solidFill>
+                <a:latin typeface="Montserrat" panose="00000500000000000000" pitchFamily="2" charset="0"/>
+              </a:rPr>
+              <a:t> se ha </a:t>
+            </a:r>
+            <a:r>
+              <a:rPr lang="ca-ES" sz="1000" i="1" noProof="0" dirty="0" err="1">
+                <a:solidFill>
+                  <a:schemeClr val="bg2"/>
+                </a:solidFill>
+                <a:latin typeface="Montserrat" panose="00000500000000000000" pitchFamily="2" charset="0"/>
+              </a:rPr>
+              <a:t>realizado</a:t>
+            </a:r>
+            <a:r>
+              <a:rPr lang="ca-ES" sz="1000" i="1" noProof="0" dirty="0">
+                <a:solidFill>
+                  <a:schemeClr val="bg2"/>
+                </a:solidFill>
+                <a:latin typeface="Montserrat" panose="00000500000000000000" pitchFamily="2" charset="0"/>
+              </a:rPr>
+              <a:t>? </a:t>
             </a:r>
           </a:p>
           <a:p>
@@ -9043,31 +10401,139 @@
               <a:buChar char="•"/>
             </a:pPr>
             <a:r>
-              <a:rPr lang="ca-ES" sz="1000" i="1" noProof="0">
+              <a:rPr lang="ca-ES" sz="1000" i="1" noProof="0" dirty="0">
                 <a:solidFill>
                   <a:schemeClr val="bg2"/>
                 </a:solidFill>
                 <a:latin typeface="Montserrat" panose="00000500000000000000" pitchFamily="2" charset="0"/>
               </a:rPr>
-              <a:t>S’han implementat tècniques de </a:t>
-            </a:r>
-            <a:r>
-              <a:rPr lang="ca-ES" sz="1000" i="1" noProof="0" err="1">
+              <a:t>Se han </a:t>
+            </a:r>
+            <a:r>
+              <a:rPr lang="ca-ES" sz="1000" i="1" noProof="0" dirty="0" err="1">
                 <a:solidFill>
                   <a:schemeClr val="bg2"/>
                 </a:solidFill>
                 <a:latin typeface="Montserrat" panose="00000500000000000000" pitchFamily="2" charset="0"/>
               </a:rPr>
+              <a:t>implementado</a:t>
+            </a:r>
+            <a:r>
+              <a:rPr lang="ca-ES" sz="1000" i="1" noProof="0" dirty="0">
+                <a:solidFill>
+                  <a:schemeClr val="bg2"/>
+                </a:solidFill>
+                <a:latin typeface="Montserrat" panose="00000500000000000000" pitchFamily="2" charset="0"/>
+              </a:rPr>
+              <a:t> </a:t>
+            </a:r>
+            <a:r>
+              <a:rPr lang="ca-ES" sz="1000" i="1" noProof="0" dirty="0" err="1">
+                <a:solidFill>
+                  <a:schemeClr val="bg2"/>
+                </a:solidFill>
+                <a:latin typeface="Montserrat" panose="00000500000000000000" pitchFamily="2" charset="0"/>
+              </a:rPr>
+              <a:t>técnicas</a:t>
+            </a:r>
+            <a:r>
+              <a:rPr lang="ca-ES" sz="1000" i="1" noProof="0" dirty="0">
+                <a:solidFill>
+                  <a:schemeClr val="bg2"/>
+                </a:solidFill>
+                <a:latin typeface="Montserrat" panose="00000500000000000000" pitchFamily="2" charset="0"/>
+              </a:rPr>
+              <a:t> de </a:t>
+            </a:r>
+            <a:r>
+              <a:rPr lang="ca-ES" sz="1000" i="1" noProof="0" dirty="0" err="1">
+                <a:solidFill>
+                  <a:schemeClr val="bg2"/>
+                </a:solidFill>
+                <a:latin typeface="Montserrat" panose="00000500000000000000" pitchFamily="2" charset="0"/>
+              </a:rPr>
               <a:t>machine</a:t>
             </a:r>
             <a:r>
-              <a:rPr lang="ca-ES" sz="1000" i="1" noProof="0">
+              <a:rPr lang="ca-ES" sz="1000" i="1" noProof="0" dirty="0">
                 <a:solidFill>
                   <a:schemeClr val="bg2"/>
                 </a:solidFill>
                 <a:latin typeface="Montserrat" panose="00000500000000000000" pitchFamily="2" charset="0"/>
               </a:rPr>
-              <a:t> learning, visualitzacions, models predictius?</a:t>
+              <a:t> </a:t>
+            </a:r>
+            <a:r>
+              <a:rPr lang="ca-ES" sz="1000" i="1" noProof="0" dirty="0" err="1">
+                <a:solidFill>
+                  <a:schemeClr val="bg2"/>
+                </a:solidFill>
+                <a:latin typeface="Montserrat" panose="00000500000000000000" pitchFamily="2" charset="0"/>
+              </a:rPr>
+              <a:t>learning</a:t>
+            </a:r>
+            <a:r>
+              <a:rPr lang="ca-ES" sz="1000" i="1" noProof="0" dirty="0">
+                <a:solidFill>
+                  <a:schemeClr val="bg2"/>
+                </a:solidFill>
+                <a:latin typeface="Montserrat" panose="00000500000000000000" pitchFamily="2" charset="0"/>
+              </a:rPr>
+              <a:t>, </a:t>
+            </a:r>
+            <a:r>
+              <a:rPr lang="ca-ES" sz="1000" i="1" noProof="0" dirty="0" err="1">
+                <a:solidFill>
+                  <a:schemeClr val="bg2"/>
+                </a:solidFill>
+                <a:latin typeface="Montserrat" panose="00000500000000000000" pitchFamily="2" charset="0"/>
+              </a:rPr>
+              <a:t>visualizaciones</a:t>
+            </a:r>
+            <a:r>
+              <a:rPr lang="ca-ES" sz="1000" i="1" noProof="0" dirty="0">
+                <a:solidFill>
+                  <a:schemeClr val="bg2"/>
+                </a:solidFill>
+                <a:latin typeface="Montserrat" panose="00000500000000000000" pitchFamily="2" charset="0"/>
+              </a:rPr>
+              <a:t>, </a:t>
+            </a:r>
+            <a:r>
+              <a:rPr lang="ca-ES" sz="1000" i="1" noProof="0" dirty="0" err="1">
+                <a:solidFill>
+                  <a:schemeClr val="bg2"/>
+                </a:solidFill>
+                <a:latin typeface="Montserrat" panose="00000500000000000000" pitchFamily="2" charset="0"/>
+              </a:rPr>
+              <a:t>modelos</a:t>
+            </a:r>
+            <a:r>
+              <a:rPr lang="ca-ES" sz="1000" i="1" noProof="0" dirty="0">
+                <a:solidFill>
+                  <a:schemeClr val="bg2"/>
+                </a:solidFill>
+                <a:latin typeface="Montserrat" panose="00000500000000000000" pitchFamily="2" charset="0"/>
+              </a:rPr>
+              <a:t> </a:t>
+            </a:r>
+            <a:r>
+              <a:rPr lang="ca-ES" sz="1000" i="1" noProof="0" dirty="0" err="1">
+                <a:solidFill>
+                  <a:schemeClr val="bg2"/>
+                </a:solidFill>
+                <a:latin typeface="Montserrat" panose="00000500000000000000" pitchFamily="2" charset="0"/>
+              </a:rPr>
+              <a:t>predictivos</a:t>
+            </a:r>
+            <a:r>
+              <a:rPr lang="ca-ES" sz="1000" i="1" noProof="0" dirty="0">
+                <a:solidFill>
+                  <a:schemeClr val="bg2"/>
+                </a:solidFill>
+                <a:latin typeface="Montserrat" panose="00000500000000000000" pitchFamily="2" charset="0"/>
+              </a:rPr>
+              <a:t>?</a:t>
             </a:r>
           </a:p>
           <a:p>
@@ -9082,7 +10548,7 @@
                 <a:spcPts val="225"/>
               </a:spcAft>
             </a:pPr>
-            <a:endParaRPr lang="ca-ES" sz="1000" noProof="0">
+            <a:endParaRPr lang="ca-ES" sz="1000" noProof="0" dirty="0">
               <a:solidFill>
                 <a:srgbClr val="424242"/>
               </a:solidFill>
@@ -9101,7 +10567,7 @@
                 <a:spcPts val="300"/>
               </a:spcAft>
             </a:pPr>
-            <a:endParaRPr lang="ca-ES" sz="1000" noProof="0">
+            <a:endParaRPr lang="ca-ES" sz="1000" noProof="0" dirty="0">
               <a:solidFill>
                 <a:srgbClr val="424242"/>
               </a:solidFill>
@@ -9223,7 +10689,7 @@
                 <a:spcPts val="225"/>
               </a:spcAft>
             </a:pPr>
-            <a:endParaRPr lang="ca-ES" sz="1000" noProof="0">
+            <a:endParaRPr lang="ca-ES" sz="1000" noProof="0" dirty="0">
               <a:solidFill>
                 <a:srgbClr val="424242"/>
               </a:solidFill>
@@ -9240,7 +10706,7 @@
               </a:spcAft>
             </a:pPr>
             <a:r>
-              <a:rPr lang="ca-ES" sz="1000" b="1" i="1" err="1">
+              <a:rPr lang="ca-ES" sz="1000" b="1" i="1" dirty="0" err="1">
                 <a:solidFill>
                   <a:srgbClr val="D50283"/>
                 </a:solidFill>
@@ -9249,13 +10715,31 @@
               <a:t>Insights</a:t>
             </a:r>
             <a:r>
-              <a:rPr lang="ca-ES" sz="1000" b="1">
+              <a:rPr lang="ca-ES" sz="1000" b="1" dirty="0">
                 <a:solidFill>
                   <a:srgbClr val="D50283"/>
                 </a:solidFill>
                 <a:latin typeface="Montserrat" panose="00000500000000000000" pitchFamily="2" charset="0"/>
               </a:rPr>
-              <a:t> obtinguts </a:t>
+              <a:t> </a:t>
+            </a:r>
+            <a:r>
+              <a:rPr lang="ca-ES" sz="1000" b="1" dirty="0" err="1">
+                <a:solidFill>
+                  <a:srgbClr val="D50283"/>
+                </a:solidFill>
+                <a:latin typeface="Montserrat" panose="00000500000000000000" pitchFamily="2" charset="0"/>
+              </a:rPr>
+              <a:t>obtenidos</a:t>
+            </a:r>
+            <a:r>
+              <a:rPr lang="ca-ES" sz="1000" b="1" dirty="0">
+                <a:solidFill>
+                  <a:srgbClr val="D50283"/>
+                </a:solidFill>
+                <a:latin typeface="Montserrat" panose="00000500000000000000" pitchFamily="2" charset="0"/>
+              </a:rPr>
+              <a:t> </a:t>
             </a:r>
           </a:p>
           <a:p>
@@ -9273,33 +10757,222 @@
               <a:buChar char="•"/>
             </a:pPr>
             <a:r>
-              <a:rPr lang="ca-ES" sz="1000" i="1" noProof="0">
+              <a:rPr lang="ca-ES" sz="1000" i="1" noProof="0" dirty="0" err="1">
                 <a:solidFill>
                   <a:schemeClr val="bg2"/>
                 </a:solidFill>
                 <a:latin typeface="Montserrat" panose="00000500000000000000" pitchFamily="2" charset="0"/>
               </a:rPr>
-              <a:t>Quines troballes rellevants o </a:t>
-            </a:r>
-            <a:r>
-              <a:rPr lang="ca-ES" sz="1000" i="1" noProof="0" err="1">
+              <a:t>Qué</a:t>
+            </a:r>
+            <a:r>
+              <a:rPr lang="ca-ES" sz="1000" i="1" noProof="0" dirty="0">
                 <a:solidFill>
                   <a:schemeClr val="bg2"/>
                 </a:solidFill>
                 <a:latin typeface="Montserrat" panose="00000500000000000000" pitchFamily="2" charset="0"/>
               </a:rPr>
+              <a:t> </a:t>
+            </a:r>
+            <a:r>
+              <a:rPr lang="ca-ES" sz="1000" i="1" noProof="0" dirty="0" err="1">
+                <a:solidFill>
+                  <a:schemeClr val="bg2"/>
+                </a:solidFill>
+                <a:latin typeface="Montserrat" panose="00000500000000000000" pitchFamily="2" charset="0"/>
+              </a:rPr>
+              <a:t>descubrimientos</a:t>
+            </a:r>
+            <a:r>
+              <a:rPr lang="ca-ES" sz="1000" i="1" noProof="0" dirty="0">
+                <a:solidFill>
+                  <a:schemeClr val="bg2"/>
+                </a:solidFill>
+                <a:latin typeface="Montserrat" panose="00000500000000000000" pitchFamily="2" charset="0"/>
+              </a:rPr>
+              <a:t> </a:t>
+            </a:r>
+            <a:r>
+              <a:rPr lang="ca-ES" sz="1000" i="1" noProof="0" dirty="0" err="1">
+                <a:solidFill>
+                  <a:schemeClr val="bg2"/>
+                </a:solidFill>
+                <a:latin typeface="Montserrat" panose="00000500000000000000" pitchFamily="2" charset="0"/>
+              </a:rPr>
+              <a:t>relevantes</a:t>
+            </a:r>
+            <a:r>
+              <a:rPr lang="ca-ES" sz="1000" i="1" noProof="0" dirty="0">
+                <a:solidFill>
+                  <a:schemeClr val="bg2"/>
+                </a:solidFill>
+                <a:latin typeface="Montserrat" panose="00000500000000000000" pitchFamily="2" charset="0"/>
+              </a:rPr>
+              <a:t> o </a:t>
+            </a:r>
+            <a:r>
+              <a:rPr lang="ca-ES" sz="1000" i="1" noProof="0" dirty="0" err="1">
+                <a:solidFill>
+                  <a:schemeClr val="bg2"/>
+                </a:solidFill>
+                <a:latin typeface="Montserrat" panose="00000500000000000000" pitchFamily="2" charset="0"/>
+              </a:rPr>
               <a:t>insights</a:t>
             </a:r>
             <a:r>
-              <a:rPr lang="ca-ES" sz="1000" i="1" noProof="0">
+              <a:rPr lang="ca-ES" sz="1000" i="1" noProof="0" dirty="0">
                 <a:solidFill>
                   <a:schemeClr val="bg2"/>
                 </a:solidFill>
                 <a:latin typeface="Montserrat" panose="00000500000000000000" pitchFamily="2" charset="0"/>
               </a:rPr>
-              <a:t> han sorgit de l'anàlisi de dades, i com aquests han influït en la presa de decisions per millorar la solució final</a:t>
-            </a:r>
-            <a:endParaRPr lang="ca-ES" sz="1000" noProof="0">
+              <a:t> han </a:t>
+            </a:r>
+            <a:r>
+              <a:rPr lang="ca-ES" sz="1000" i="1" noProof="0" dirty="0" err="1">
+                <a:solidFill>
+                  <a:schemeClr val="bg2"/>
+                </a:solidFill>
+                <a:latin typeface="Montserrat" panose="00000500000000000000" pitchFamily="2" charset="0"/>
+              </a:rPr>
+              <a:t>surgido</a:t>
+            </a:r>
+            <a:r>
+              <a:rPr lang="ca-ES" sz="1000" i="1" noProof="0" dirty="0">
+                <a:solidFill>
+                  <a:schemeClr val="bg2"/>
+                </a:solidFill>
+                <a:latin typeface="Montserrat" panose="00000500000000000000" pitchFamily="2" charset="0"/>
+              </a:rPr>
+              <a:t> del </a:t>
+            </a:r>
+            <a:r>
+              <a:rPr lang="ca-ES" sz="1000" i="1" noProof="0" dirty="0" err="1">
+                <a:solidFill>
+                  <a:schemeClr val="bg2"/>
+                </a:solidFill>
+                <a:latin typeface="Montserrat" panose="00000500000000000000" pitchFamily="2" charset="0"/>
+              </a:rPr>
+              <a:t>análisis</a:t>
+            </a:r>
+            <a:r>
+              <a:rPr lang="ca-ES" sz="1000" i="1" noProof="0" dirty="0">
+                <a:solidFill>
+                  <a:schemeClr val="bg2"/>
+                </a:solidFill>
+                <a:latin typeface="Montserrat" panose="00000500000000000000" pitchFamily="2" charset="0"/>
+              </a:rPr>
+              <a:t> de </a:t>
+            </a:r>
+            <a:r>
+              <a:rPr lang="ca-ES" sz="1000" i="1" noProof="0" dirty="0" err="1">
+                <a:solidFill>
+                  <a:schemeClr val="bg2"/>
+                </a:solidFill>
+                <a:latin typeface="Montserrat" panose="00000500000000000000" pitchFamily="2" charset="0"/>
+              </a:rPr>
+              <a:t>datos</a:t>
+            </a:r>
+            <a:r>
+              <a:rPr lang="ca-ES" sz="1000" i="1" noProof="0" dirty="0">
+                <a:solidFill>
+                  <a:schemeClr val="bg2"/>
+                </a:solidFill>
+                <a:latin typeface="Montserrat" panose="00000500000000000000" pitchFamily="2" charset="0"/>
+              </a:rPr>
+              <a:t>, </a:t>
+            </a:r>
+            <a:r>
+              <a:rPr lang="ca-ES" sz="1000" i="1" dirty="0">
+                <a:solidFill>
+                  <a:schemeClr val="bg2"/>
+                </a:solidFill>
+                <a:latin typeface="Montserrat" panose="00000500000000000000" pitchFamily="2" charset="0"/>
+              </a:rPr>
+              <a:t>y</a:t>
+            </a:r>
+            <a:r>
+              <a:rPr lang="ca-ES" sz="1000" i="1" noProof="0" dirty="0">
+                <a:solidFill>
+                  <a:schemeClr val="bg2"/>
+                </a:solidFill>
+                <a:latin typeface="Montserrat" panose="00000500000000000000" pitchFamily="2" charset="0"/>
+              </a:rPr>
+              <a:t> como estos han </a:t>
+            </a:r>
+            <a:r>
+              <a:rPr lang="ca-ES" sz="1000" i="1" noProof="0" dirty="0" err="1">
+                <a:solidFill>
+                  <a:schemeClr val="bg2"/>
+                </a:solidFill>
+                <a:latin typeface="Montserrat" panose="00000500000000000000" pitchFamily="2" charset="0"/>
+              </a:rPr>
+              <a:t>influido</a:t>
+            </a:r>
+            <a:r>
+              <a:rPr lang="ca-ES" sz="1000" i="1" noProof="0" dirty="0">
+                <a:solidFill>
+                  <a:schemeClr val="bg2"/>
+                </a:solidFill>
+                <a:latin typeface="Montserrat" panose="00000500000000000000" pitchFamily="2" charset="0"/>
+              </a:rPr>
+              <a:t> en la toma de </a:t>
+            </a:r>
+            <a:r>
+              <a:rPr lang="ca-ES" sz="1000" i="1" noProof="0" dirty="0" err="1">
+                <a:solidFill>
+                  <a:schemeClr val="bg2"/>
+                </a:solidFill>
+                <a:latin typeface="Montserrat" panose="00000500000000000000" pitchFamily="2" charset="0"/>
+              </a:rPr>
+              <a:t>decisiones</a:t>
+            </a:r>
+            <a:r>
+              <a:rPr lang="ca-ES" sz="1000" i="1" noProof="0" dirty="0">
+                <a:solidFill>
+                  <a:schemeClr val="bg2"/>
+                </a:solidFill>
+                <a:latin typeface="Montserrat" panose="00000500000000000000" pitchFamily="2" charset="0"/>
+              </a:rPr>
+              <a:t> para </a:t>
+            </a:r>
+            <a:r>
+              <a:rPr lang="ca-ES" sz="1000" i="1" noProof="0" dirty="0" err="1">
+                <a:solidFill>
+                  <a:schemeClr val="bg2"/>
+                </a:solidFill>
+                <a:latin typeface="Montserrat" panose="00000500000000000000" pitchFamily="2" charset="0"/>
+              </a:rPr>
+              <a:t>mejorar</a:t>
+            </a:r>
+            <a:r>
+              <a:rPr lang="ca-ES" sz="1000" i="1" noProof="0" dirty="0">
+                <a:solidFill>
+                  <a:schemeClr val="bg2"/>
+                </a:solidFill>
+                <a:latin typeface="Montserrat" panose="00000500000000000000" pitchFamily="2" charset="0"/>
+              </a:rPr>
+              <a:t> la </a:t>
+            </a:r>
+            <a:r>
+              <a:rPr lang="ca-ES" sz="1000" i="1" noProof="0" dirty="0" err="1">
+                <a:solidFill>
+                  <a:schemeClr val="bg2"/>
+                </a:solidFill>
+                <a:latin typeface="Montserrat" panose="00000500000000000000" pitchFamily="2" charset="0"/>
+              </a:rPr>
+              <a:t>solución</a:t>
+            </a:r>
+            <a:r>
+              <a:rPr lang="ca-ES" sz="1000" i="1" noProof="0" dirty="0">
+                <a:solidFill>
+                  <a:schemeClr val="bg2"/>
+                </a:solidFill>
+                <a:latin typeface="Montserrat" panose="00000500000000000000" pitchFamily="2" charset="0"/>
+              </a:rPr>
+              <a:t> final</a:t>
+            </a:r>
+            <a:endParaRPr lang="ca-ES" sz="1000" noProof="0" dirty="0">
               <a:solidFill>
                 <a:srgbClr val="424242"/>
               </a:solidFill>
@@ -9318,7 +10991,7 @@
                 <a:spcPts val="300"/>
               </a:spcAft>
             </a:pPr>
-            <a:endParaRPr lang="ca-ES" sz="1000" noProof="0">
+            <a:endParaRPr lang="ca-ES" sz="1000" noProof="0" dirty="0">
               <a:solidFill>
                 <a:srgbClr val="424242"/>
               </a:solidFill>
@@ -9366,7 +11039,7 @@
                 <a:spcPts val="225"/>
               </a:spcAft>
             </a:pPr>
-            <a:endParaRPr lang="ca-ES" sz="1000" noProof="0">
+            <a:endParaRPr lang="ca-ES" sz="1000" noProof="0" dirty="0">
               <a:solidFill>
                 <a:srgbClr val="424242"/>
               </a:solidFill>
@@ -9383,13 +11056,76 @@
               </a:spcAft>
             </a:pPr>
             <a:r>
-              <a:rPr lang="ca-ES" sz="1000" b="1">
+              <a:rPr lang="ca-ES" sz="1000" b="1" dirty="0" err="1">
                 <a:solidFill>
                   <a:srgbClr val="D50283"/>
                 </a:solidFill>
                 <a:latin typeface="Montserrat" panose="00000500000000000000" pitchFamily="2" charset="0"/>
               </a:rPr>
-              <a:t>Gestió de grans volums de dades </a:t>
+              <a:t>Gestión</a:t>
+            </a:r>
+            <a:r>
+              <a:rPr lang="ca-ES" sz="1000" b="1" dirty="0">
+                <a:solidFill>
+                  <a:srgbClr val="D50283"/>
+                </a:solidFill>
+                <a:latin typeface="Montserrat" panose="00000500000000000000" pitchFamily="2" charset="0"/>
+              </a:rPr>
+              <a:t> de </a:t>
+            </a:r>
+            <a:r>
+              <a:rPr lang="ca-ES" sz="1000" b="1" dirty="0" err="1">
+                <a:solidFill>
+                  <a:srgbClr val="D50283"/>
+                </a:solidFill>
+                <a:latin typeface="Montserrat" panose="00000500000000000000" pitchFamily="2" charset="0"/>
+              </a:rPr>
+              <a:t>grandes</a:t>
+            </a:r>
+            <a:r>
+              <a:rPr lang="ca-ES" sz="1000" b="1" dirty="0">
+                <a:solidFill>
+                  <a:srgbClr val="D50283"/>
+                </a:solidFill>
+                <a:latin typeface="Montserrat" panose="00000500000000000000" pitchFamily="2" charset="0"/>
+              </a:rPr>
+              <a:t> </a:t>
+            </a:r>
+            <a:r>
+              <a:rPr lang="ca-ES" sz="1000" b="1" dirty="0" err="1">
+                <a:solidFill>
+                  <a:srgbClr val="D50283"/>
+                </a:solidFill>
+                <a:latin typeface="Montserrat" panose="00000500000000000000" pitchFamily="2" charset="0"/>
+              </a:rPr>
+              <a:t>volumenes</a:t>
+            </a:r>
+            <a:r>
+              <a:rPr lang="ca-ES" sz="1000" b="1" dirty="0">
+                <a:solidFill>
+                  <a:srgbClr val="D50283"/>
+                </a:solidFill>
+                <a:latin typeface="Montserrat" panose="00000500000000000000" pitchFamily="2" charset="0"/>
+              </a:rPr>
+              <a:t> de </a:t>
+            </a:r>
+            <a:r>
+              <a:rPr lang="ca-ES" sz="1000" b="1" dirty="0" err="1">
+                <a:solidFill>
+                  <a:srgbClr val="D50283"/>
+                </a:solidFill>
+                <a:latin typeface="Montserrat" panose="00000500000000000000" pitchFamily="2" charset="0"/>
+              </a:rPr>
+              <a:t>datos</a:t>
+            </a:r>
+            <a:r>
+              <a:rPr lang="ca-ES" sz="1000" b="1" dirty="0">
+                <a:solidFill>
+                  <a:srgbClr val="D50283"/>
+                </a:solidFill>
+                <a:latin typeface="Montserrat" panose="00000500000000000000" pitchFamily="2" charset="0"/>
+              </a:rPr>
+              <a:t> </a:t>
             </a:r>
           </a:p>
           <a:p>
@@ -9407,15 +11143,132 @@
               <a:buChar char="•"/>
             </a:pPr>
             <a:r>
-              <a:rPr lang="ca-ES" sz="1000" i="1" noProof="0">
+              <a:rPr lang="ca-ES" sz="1000" i="1" noProof="0" dirty="0">
                 <a:solidFill>
                   <a:schemeClr val="bg2"/>
                 </a:solidFill>
                 <a:latin typeface="Montserrat" panose="00000500000000000000" pitchFamily="2" charset="0"/>
               </a:rPr>
-              <a:t>Com s’ha gestionat i optimitzat el processament de les dades</a:t>
-            </a:r>
-            <a:endParaRPr lang="ca-ES" sz="1000" noProof="0">
+              <a:t>Como se</a:t>
+            </a:r>
+            <a:r>
+              <a:rPr lang="ca-ES" sz="1000" i="1" dirty="0">
+                <a:solidFill>
+                  <a:schemeClr val="bg2"/>
+                </a:solidFill>
+                <a:latin typeface="Montserrat" panose="00000500000000000000" pitchFamily="2" charset="0"/>
+              </a:rPr>
+              <a:t> </a:t>
+            </a:r>
+            <a:r>
+              <a:rPr lang="ca-ES" sz="1000" i="1" noProof="0" dirty="0">
+                <a:solidFill>
+                  <a:schemeClr val="bg2"/>
+                </a:solidFill>
+                <a:latin typeface="Montserrat" panose="00000500000000000000" pitchFamily="2" charset="0"/>
+              </a:rPr>
+              <a:t>ha </a:t>
+            </a:r>
+            <a:r>
+              <a:rPr lang="ca-ES" sz="1000" i="1" noProof="0" dirty="0" err="1">
+                <a:solidFill>
+                  <a:schemeClr val="bg2"/>
+                </a:solidFill>
+                <a:latin typeface="Montserrat" panose="00000500000000000000" pitchFamily="2" charset="0"/>
+              </a:rPr>
+              <a:t>gestionado</a:t>
+            </a:r>
+            <a:r>
+              <a:rPr lang="ca-ES" sz="1000" i="1" noProof="0" dirty="0">
+                <a:solidFill>
+                  <a:schemeClr val="bg2"/>
+                </a:solidFill>
+                <a:latin typeface="Montserrat" panose="00000500000000000000" pitchFamily="2" charset="0"/>
+              </a:rPr>
+              <a:t> </a:t>
+            </a:r>
+            <a:r>
+              <a:rPr lang="ca-ES" sz="1000" i="1" dirty="0">
+                <a:solidFill>
+                  <a:schemeClr val="bg2"/>
+                </a:solidFill>
+                <a:latin typeface="Montserrat" panose="00000500000000000000" pitchFamily="2" charset="0"/>
+              </a:rPr>
+              <a:t>y</a:t>
+            </a:r>
+            <a:r>
+              <a:rPr lang="ca-ES" sz="1000" i="1" noProof="0" dirty="0">
+                <a:solidFill>
+                  <a:schemeClr val="bg2"/>
+                </a:solidFill>
+                <a:latin typeface="Montserrat" panose="00000500000000000000" pitchFamily="2" charset="0"/>
+              </a:rPr>
+              <a:t> </a:t>
+            </a:r>
+            <a:r>
+              <a:rPr lang="ca-ES" sz="1000" i="1" noProof="0" dirty="0" err="1">
+                <a:solidFill>
+                  <a:schemeClr val="bg2"/>
+                </a:solidFill>
+                <a:latin typeface="Montserrat" panose="00000500000000000000" pitchFamily="2" charset="0"/>
+              </a:rPr>
+              <a:t>optimitzado</a:t>
+            </a:r>
+            <a:r>
+              <a:rPr lang="ca-ES" sz="1000" i="1" noProof="0" dirty="0">
+                <a:solidFill>
+                  <a:schemeClr val="bg2"/>
+                </a:solidFill>
+                <a:latin typeface="Montserrat" panose="00000500000000000000" pitchFamily="2" charset="0"/>
+              </a:rPr>
+              <a:t> el </a:t>
+            </a:r>
+            <a:r>
+              <a:rPr lang="ca-ES" sz="1000" i="1" noProof="0" dirty="0" err="1">
+                <a:solidFill>
+                  <a:schemeClr val="bg2"/>
+                </a:solidFill>
+                <a:latin typeface="Montserrat" panose="00000500000000000000" pitchFamily="2" charset="0"/>
+              </a:rPr>
+              <a:t>processamiento</a:t>
+            </a:r>
+            <a:r>
+              <a:rPr lang="ca-ES" sz="1000" i="1" noProof="0" dirty="0">
+                <a:solidFill>
+                  <a:schemeClr val="bg2"/>
+                </a:solidFill>
+                <a:latin typeface="Montserrat" panose="00000500000000000000" pitchFamily="2" charset="0"/>
+              </a:rPr>
+              <a:t> de </a:t>
+            </a:r>
+            <a:r>
+              <a:rPr lang="ca-ES" sz="1000" i="1" dirty="0">
+                <a:solidFill>
+                  <a:schemeClr val="bg2"/>
+                </a:solidFill>
+                <a:latin typeface="Montserrat" panose="00000500000000000000" pitchFamily="2" charset="0"/>
+              </a:rPr>
+              <a:t>los </a:t>
+            </a:r>
+            <a:r>
+              <a:rPr lang="ca-ES" sz="1000" i="1" dirty="0" err="1">
+                <a:solidFill>
+                  <a:schemeClr val="bg2"/>
+                </a:solidFill>
+                <a:latin typeface="Montserrat" panose="00000500000000000000" pitchFamily="2" charset="0"/>
+              </a:rPr>
+              <a:t>datos</a:t>
+            </a:r>
+            <a:r>
+              <a:rPr lang="ca-ES" sz="1000" i="1" dirty="0">
+                <a:solidFill>
+                  <a:schemeClr val="bg2"/>
+                </a:solidFill>
+                <a:latin typeface="Montserrat" panose="00000500000000000000" pitchFamily="2" charset="0"/>
+              </a:rPr>
+              <a:t>.</a:t>
+            </a:r>
+            <a:endParaRPr lang="ca-ES" sz="1000" noProof="0" dirty="0">
               <a:solidFill>
                 <a:srgbClr val="424242"/>
               </a:solidFill>
@@ -9434,7 +11287,7 @@
                 <a:spcPts val="300"/>
               </a:spcAft>
             </a:pPr>
-            <a:endParaRPr lang="ca-ES" sz="1000" noProof="0">
+            <a:endParaRPr lang="ca-ES" sz="1000" noProof="0" dirty="0">
               <a:solidFill>
                 <a:srgbClr val="424242"/>
               </a:solidFill>
@@ -9493,7 +11346,7 @@
         </p:nvSpPr>
         <p:spPr>
           <a:xfrm>
-            <a:off x="0" y="1687469"/>
+            <a:off x="6626" y="1687469"/>
             <a:ext cx="12192000" cy="5170531"/>
           </a:xfrm>
           <a:prstGeom prst="rect">
@@ -9571,7 +11424,7 @@
               <a:defRPr/>
             </a:pPr>
             <a:r>
-              <a:rPr kumimoji="0" lang="ca-ES" sz="3600" b="1" i="0" u="none" strike="noStrike" kern="1200" cap="none" spc="-1" normalizeH="0" baseline="0" noProof="0">
+              <a:rPr kumimoji="0" lang="ca-ES" sz="3600" b="1" i="0" u="none" strike="noStrike" kern="1200" cap="none" spc="-1" normalizeH="0" baseline="0" noProof="0" dirty="0" err="1">
                 <a:ln>
                   <a:noFill/>
                 </a:ln>
@@ -9584,9 +11437,9 @@
                 <a:latin typeface="Montserrat"/>
                 <a:ea typeface="DejaVu Sans"/>
               </a:rPr>
-              <a:t>Funcionalitat</a:t>
-            </a:r>
-            <a:endParaRPr lang="es-ES">
+              <a:t>Funcionalidad</a:t>
+            </a:r>
+            <a:endParaRPr lang="es-ES" dirty="0">
               <a:solidFill>
                 <a:srgbClr val="D50283"/>
               </a:solidFill>
@@ -9823,15 +11676,24 @@
               <a:defRPr/>
             </a:pPr>
             <a:r>
-              <a:rPr lang="ca-ES" b="1">
+              <a:rPr lang="ca-ES" b="1" dirty="0" err="1">
                 <a:solidFill>
                   <a:srgbClr val="000000"/>
                 </a:solidFill>
                 <a:latin typeface="Montserrat"/>
               </a:rPr>
-              <a:t>Demostració d’ús</a:t>
-            </a:r>
-            <a:endParaRPr lang="ca-ES" b="1">
+              <a:t>Demostración</a:t>
+            </a:r>
+            <a:r>
+              <a:rPr lang="ca-ES" b="1" dirty="0">
+                <a:solidFill>
+                  <a:srgbClr val="000000"/>
+                </a:solidFill>
+                <a:latin typeface="Montserrat"/>
+              </a:rPr>
+              <a:t> de uso</a:t>
+            </a:r>
+            <a:endParaRPr lang="ca-ES" b="1" dirty="0">
               <a:latin typeface="Montserrat"/>
             </a:endParaRPr>
           </a:p>
@@ -9852,7 +11714,7 @@
         <p:spPr>
           <a:xfrm>
             <a:off x="1239142" y="3829813"/>
-            <a:ext cx="3114027" cy="1903983"/>
+            <a:ext cx="3114027" cy="2146357"/>
           </a:xfrm>
           <a:prstGeom prst="rect">
             <a:avLst/>
@@ -9971,7 +11833,7 @@
               <a:defRPr/>
             </a:pPr>
             <a:r>
-              <a:rPr kumimoji="0" lang="ca-ES" sz="1050" i="1" u="none" strike="noStrike" kern="1200" cap="none" spc="0" normalizeH="0" baseline="0">
+              <a:rPr kumimoji="0" lang="ca-ES" sz="1050" i="1" u="none" strike="noStrike" kern="1200" cap="none" spc="0" normalizeH="0" baseline="0" dirty="0">
                 <a:ln>
                   <a:noFill/>
                 </a:ln>
@@ -9983,7 +11845,235 @@
                 <a:uFillTx/>
                 <a:latin typeface="Montserrat"/>
               </a:rPr>
-              <a:t>Mostrar un exemple pràctic de com un usuari interactuaria amb l'aplicació. Incloure casos d'ús representatius.</a:t>
+              <a:t>Mostrar un </a:t>
+            </a:r>
+            <a:r>
+              <a:rPr kumimoji="0" lang="ca-ES" sz="1050" i="1" u="none" strike="noStrike" kern="1200" cap="none" spc="0" normalizeH="0" baseline="0" dirty="0" err="1">
+                <a:ln>
+                  <a:noFill/>
+                </a:ln>
+                <a:solidFill>
+                  <a:schemeClr val="bg2"/>
+                </a:solidFill>
+                <a:effectLst/>
+                <a:uLnTx/>
+                <a:uFillTx/>
+                <a:latin typeface="Montserrat"/>
+              </a:rPr>
+              <a:t>ejemplo</a:t>
+            </a:r>
+            <a:r>
+              <a:rPr kumimoji="0" lang="ca-ES" sz="1050" i="1" u="none" strike="noStrike" kern="1200" cap="none" spc="0" normalizeH="0" baseline="0" dirty="0">
+                <a:ln>
+                  <a:noFill/>
+                </a:ln>
+                <a:solidFill>
+                  <a:schemeClr val="bg2"/>
+                </a:solidFill>
+                <a:effectLst/>
+                <a:uLnTx/>
+                <a:uFillTx/>
+                <a:latin typeface="Montserrat"/>
+              </a:rPr>
+              <a:t> </a:t>
+            </a:r>
+            <a:r>
+              <a:rPr kumimoji="0" lang="ca-ES" sz="1050" i="1" u="none" strike="noStrike" kern="1200" cap="none" spc="0" normalizeH="0" baseline="0" dirty="0" err="1">
+                <a:ln>
+                  <a:noFill/>
+                </a:ln>
+                <a:solidFill>
+                  <a:schemeClr val="bg2"/>
+                </a:solidFill>
+                <a:effectLst/>
+                <a:uLnTx/>
+                <a:uFillTx/>
+                <a:latin typeface="Montserrat"/>
+              </a:rPr>
+              <a:t>práctico</a:t>
+            </a:r>
+            <a:r>
+              <a:rPr kumimoji="0" lang="ca-ES" sz="1050" i="1" u="none" strike="noStrike" kern="1200" cap="none" spc="0" normalizeH="0" baseline="0" dirty="0">
+                <a:ln>
+                  <a:noFill/>
+                </a:ln>
+                <a:solidFill>
+                  <a:schemeClr val="bg2"/>
+                </a:solidFill>
+                <a:effectLst/>
+                <a:uLnTx/>
+                <a:uFillTx/>
+                <a:latin typeface="Montserrat"/>
+              </a:rPr>
+              <a:t> de como un </a:t>
+            </a:r>
+            <a:r>
+              <a:rPr kumimoji="0" lang="ca-ES" sz="1050" i="1" u="none" strike="noStrike" kern="1200" cap="none" spc="0" normalizeH="0" baseline="0" dirty="0" err="1">
+                <a:ln>
+                  <a:noFill/>
+                </a:ln>
+                <a:solidFill>
+                  <a:schemeClr val="bg2"/>
+                </a:solidFill>
+                <a:effectLst/>
+                <a:uLnTx/>
+                <a:uFillTx/>
+                <a:latin typeface="Montserrat"/>
+              </a:rPr>
+              <a:t>usuario</a:t>
+            </a:r>
+            <a:r>
+              <a:rPr kumimoji="0" lang="ca-ES" sz="1050" i="1" u="none" strike="noStrike" kern="1200" cap="none" spc="0" normalizeH="0" baseline="0" dirty="0">
+                <a:ln>
+                  <a:noFill/>
+                </a:ln>
+                <a:solidFill>
+                  <a:schemeClr val="bg2"/>
+                </a:solidFill>
+                <a:effectLst/>
+                <a:uLnTx/>
+                <a:uFillTx/>
+                <a:latin typeface="Montserrat"/>
+              </a:rPr>
+              <a:t> interactuaria </a:t>
+            </a:r>
+            <a:r>
+              <a:rPr lang="ca-ES" sz="1050" i="1" dirty="0">
+                <a:solidFill>
+                  <a:schemeClr val="bg2"/>
+                </a:solidFill>
+                <a:latin typeface="Montserrat"/>
+              </a:rPr>
+              <a:t>con</a:t>
+            </a:r>
+            <a:r>
+              <a:rPr kumimoji="0" lang="ca-ES" sz="1050" i="1" u="none" strike="noStrike" kern="1200" cap="none" spc="0" normalizeH="0" baseline="0" dirty="0">
+                <a:ln>
+                  <a:noFill/>
+                </a:ln>
+                <a:solidFill>
+                  <a:schemeClr val="bg2"/>
+                </a:solidFill>
+                <a:effectLst/>
+                <a:uLnTx/>
+                <a:uFillTx/>
+                <a:latin typeface="Montserrat"/>
+              </a:rPr>
+              <a:t> la </a:t>
+            </a:r>
+            <a:r>
+              <a:rPr kumimoji="0" lang="ca-ES" sz="1050" i="1" u="none" strike="noStrike" kern="1200" cap="none" spc="0" normalizeH="0" baseline="0" dirty="0" err="1">
+                <a:ln>
+                  <a:noFill/>
+                </a:ln>
+                <a:solidFill>
+                  <a:schemeClr val="bg2"/>
+                </a:solidFill>
+                <a:effectLst/>
+                <a:uLnTx/>
+                <a:uFillTx/>
+                <a:latin typeface="Montserrat"/>
+              </a:rPr>
+              <a:t>aplicación</a:t>
+            </a:r>
+            <a:r>
+              <a:rPr kumimoji="0" lang="ca-ES" sz="1050" i="1" u="none" strike="noStrike" kern="1200" cap="none" spc="0" normalizeH="0" baseline="0" dirty="0">
+                <a:ln>
+                  <a:noFill/>
+                </a:ln>
+                <a:solidFill>
+                  <a:schemeClr val="bg2"/>
+                </a:solidFill>
+                <a:effectLst/>
+                <a:uLnTx/>
+                <a:uFillTx/>
+                <a:latin typeface="Montserrat"/>
+              </a:rPr>
+              <a:t>. </a:t>
+            </a:r>
+            <a:r>
+              <a:rPr kumimoji="0" lang="ca-ES" sz="1050" i="1" u="none" strike="noStrike" kern="1200" cap="none" spc="0" normalizeH="0" baseline="0" dirty="0" err="1">
+                <a:ln>
+                  <a:noFill/>
+                </a:ln>
+                <a:solidFill>
+                  <a:schemeClr val="bg2"/>
+                </a:solidFill>
+                <a:effectLst/>
+                <a:uLnTx/>
+                <a:uFillTx/>
+                <a:latin typeface="Montserrat"/>
+              </a:rPr>
+              <a:t>Incluir</a:t>
+            </a:r>
+            <a:r>
+              <a:rPr kumimoji="0" lang="ca-ES" sz="1050" i="1" u="none" strike="noStrike" kern="1200" cap="none" spc="0" normalizeH="0" baseline="0" dirty="0">
+                <a:ln>
+                  <a:noFill/>
+                </a:ln>
+                <a:solidFill>
+                  <a:schemeClr val="bg2"/>
+                </a:solidFill>
+                <a:effectLst/>
+                <a:uLnTx/>
+                <a:uFillTx/>
+                <a:latin typeface="Montserrat"/>
+              </a:rPr>
+              <a:t> casos de</a:t>
+            </a:r>
+            <a:r>
+              <a:rPr lang="ca-ES" sz="1050" i="1" dirty="0">
+                <a:solidFill>
+                  <a:schemeClr val="bg2"/>
+                </a:solidFill>
+                <a:latin typeface="Montserrat"/>
+              </a:rPr>
+              <a:t> u</a:t>
+            </a:r>
+            <a:r>
+              <a:rPr kumimoji="0" lang="ca-ES" sz="1050" i="1" u="none" strike="noStrike" kern="1200" cap="none" spc="0" normalizeH="0" baseline="0" dirty="0">
+                <a:ln>
+                  <a:noFill/>
+                </a:ln>
+                <a:solidFill>
+                  <a:schemeClr val="bg2"/>
+                </a:solidFill>
+                <a:effectLst/>
+                <a:uLnTx/>
+                <a:uFillTx/>
+                <a:latin typeface="Montserrat"/>
+              </a:rPr>
+              <a:t>so </a:t>
+            </a:r>
+            <a:r>
+              <a:rPr kumimoji="0" lang="ca-ES" sz="1050" i="1" u="none" strike="noStrike" kern="1200" cap="none" spc="0" normalizeH="0" baseline="0" dirty="0" err="1">
+                <a:ln>
+                  <a:noFill/>
+                </a:ln>
+                <a:solidFill>
+                  <a:schemeClr val="bg2"/>
+                </a:solidFill>
+                <a:effectLst/>
+                <a:uLnTx/>
+                <a:uFillTx/>
+                <a:latin typeface="Montserrat"/>
+              </a:rPr>
+              <a:t>representativos</a:t>
+            </a:r>
+            <a:r>
+              <a:rPr kumimoji="0" lang="ca-ES" sz="1050" i="1" u="none" strike="noStrike" kern="1200" cap="none" spc="0" normalizeH="0" baseline="0" dirty="0">
+                <a:ln>
+                  <a:noFill/>
+                </a:ln>
+                <a:solidFill>
+                  <a:schemeClr val="bg2"/>
+                </a:solidFill>
+                <a:effectLst/>
+                <a:uLnTx/>
+                <a:uFillTx/>
+                <a:latin typeface="Montserrat"/>
+              </a:rPr>
+              <a:t>.</a:t>
             </a:r>
           </a:p>
           <a:p>
@@ -10005,7 +12095,7 @@
               <a:defRPr/>
             </a:pPr>
             <a:r>
-              <a:rPr kumimoji="0" lang="ca-ES" sz="1050" i="0" u="none" strike="noStrike" kern="1200" cap="none" spc="0" normalizeH="0" baseline="0">
+              <a:rPr kumimoji="0" lang="ca-ES" sz="1050" i="0" u="none" strike="noStrike" kern="1200" cap="none" spc="0" normalizeH="0" baseline="0" dirty="0">
                 <a:ln>
                   <a:noFill/>
                 </a:ln>
@@ -10019,7 +12109,7 @@
               </a:rPr>
               <a:t>XXXX</a:t>
             </a:r>
-            <a:endParaRPr lang="ca-ES" sz="1050" i="0" u="none" strike="noStrike" kern="1200" cap="none" spc="0" normalizeH="0" baseline="0">
+            <a:endParaRPr lang="ca-ES" sz="1050" i="0" u="none" strike="noStrike" kern="1200" cap="none" spc="0" normalizeH="0" baseline="0" dirty="0">
               <a:ln>
                 <a:noFill/>
               </a:ln>
@@ -10051,7 +12141,7 @@
               <a:defRPr/>
             </a:pPr>
             <a:r>
-              <a:rPr kumimoji="0" lang="ca-ES" sz="1050" i="0" u="none" strike="noStrike" kern="1200" cap="none" spc="0" normalizeH="0" baseline="0">
+              <a:rPr kumimoji="0" lang="ca-ES" sz="1050" i="0" u="none" strike="noStrike" kern="1200" cap="none" spc="0" normalizeH="0" baseline="0" dirty="0">
                 <a:ln>
                   <a:noFill/>
                 </a:ln>
@@ -10065,7 +12155,7 @@
               </a:rPr>
               <a:t>XXXX</a:t>
             </a:r>
-            <a:endParaRPr lang="ca-ES" sz="1050" i="0" u="none" strike="noStrike" kern="1200" cap="none" spc="0" normalizeH="0" baseline="0">
+            <a:endParaRPr lang="ca-ES" sz="1050" i="0" u="none" strike="noStrike" kern="1200" cap="none" spc="0" normalizeH="0" baseline="0" dirty="0">
               <a:ln>
                 <a:noFill/>
               </a:ln>
@@ -10097,7 +12187,7 @@
               <a:defRPr/>
             </a:pPr>
             <a:r>
-              <a:rPr kumimoji="0" lang="ca-ES" sz="1050" i="0" u="none" strike="noStrike" kern="1200" cap="none" spc="0" normalizeH="0" baseline="0">
+              <a:rPr kumimoji="0" lang="ca-ES" sz="1050" i="0" u="none" strike="noStrike" kern="1200" cap="none" spc="0" normalizeH="0" baseline="0" dirty="0">
                 <a:ln>
                   <a:noFill/>
                 </a:ln>
@@ -10111,7 +12201,7 @@
               </a:rPr>
               <a:t>XXXX</a:t>
             </a:r>
-            <a:endParaRPr lang="ca-ES" sz="1400" i="0" u="none" strike="noStrike" kern="1200" cap="none" spc="0" normalizeH="0" baseline="0">
+            <a:endParaRPr lang="ca-ES" sz="1400" i="0" u="none" strike="noStrike" kern="1200" cap="none" spc="0" normalizeH="0" baseline="0" dirty="0">
               <a:ln>
                 <a:noFill/>
               </a:ln>
@@ -10261,7 +12351,7 @@
               <a:defRPr/>
             </a:pPr>
             <a:r>
-              <a:rPr lang="ca-ES" sz="1050" i="1">
+              <a:rPr lang="ca-ES" sz="1050" i="1" dirty="0">
                 <a:solidFill>
                   <a:schemeClr val="bg2"/>
                 </a:solidFill>
@@ -10269,9 +12359,31 @@
                 <a:ea typeface="+mn-ea"/>
                 <a:cs typeface="+mn-cs"/>
               </a:rPr>
-              <a:t>Cas de limitació 1</a:t>
-            </a:r>
-            <a:endParaRPr lang="ca-ES" sz="1050" i="1">
+              <a:t>Caso de </a:t>
+            </a:r>
+            <a:r>
+              <a:rPr lang="ca-ES" sz="1050" i="1" dirty="0" err="1">
+                <a:solidFill>
+                  <a:schemeClr val="bg2"/>
+                </a:solidFill>
+                <a:latin typeface="Montserrat"/>
+                <a:ea typeface="+mn-ea"/>
+                <a:cs typeface="+mn-cs"/>
+              </a:rPr>
+              <a:t>limitación</a:t>
+            </a:r>
+            <a:r>
+              <a:rPr lang="ca-ES" sz="1050" i="1" dirty="0">
+                <a:solidFill>
+                  <a:schemeClr val="bg2"/>
+                </a:solidFill>
+                <a:latin typeface="Montserrat"/>
+                <a:ea typeface="+mn-ea"/>
+                <a:cs typeface="+mn-cs"/>
+              </a:rPr>
+              <a:t> 1</a:t>
+            </a:r>
+            <a:endParaRPr lang="ca-ES" sz="1050" i="1" dirty="0">
               <a:solidFill>
                 <a:schemeClr val="bg2"/>
               </a:solidFill>
@@ -10291,7 +12403,7 @@
               <a:defRPr/>
             </a:pPr>
             <a:r>
-              <a:rPr lang="ca-ES" sz="1050" i="1">
+              <a:rPr lang="ca-ES" sz="1050" i="1" dirty="0">
                 <a:solidFill>
                   <a:schemeClr val="bg2"/>
                 </a:solidFill>
@@ -10299,7 +12411,29 @@
                 <a:ea typeface="+mn-ea"/>
                 <a:cs typeface="+mn-cs"/>
               </a:rPr>
-              <a:t>Cas de limitació 2</a:t>
+              <a:t>Caso de </a:t>
+            </a:r>
+            <a:r>
+              <a:rPr lang="ca-ES" sz="1050" i="1" dirty="0" err="1">
+                <a:solidFill>
+                  <a:schemeClr val="bg2"/>
+                </a:solidFill>
+                <a:latin typeface="Montserrat"/>
+                <a:ea typeface="+mn-ea"/>
+                <a:cs typeface="+mn-cs"/>
+              </a:rPr>
+              <a:t>limitacióm</a:t>
+            </a:r>
+            <a:r>
+              <a:rPr lang="ca-ES" sz="1050" i="1" dirty="0">
+                <a:solidFill>
+                  <a:schemeClr val="bg2"/>
+                </a:solidFill>
+                <a:latin typeface="Montserrat"/>
+                <a:ea typeface="+mn-ea"/>
+                <a:cs typeface="+mn-cs"/>
+              </a:rPr>
+              <a:t> 2</a:t>
             </a:r>
           </a:p>
           <a:p>
@@ -10315,7 +12449,7 @@
               <a:defRPr/>
             </a:pPr>
             <a:r>
-              <a:rPr lang="ca-ES" sz="1050" i="1">
+              <a:rPr lang="ca-ES" sz="1050" i="1" dirty="0">
                 <a:solidFill>
                   <a:schemeClr val="bg2"/>
                 </a:solidFill>
@@ -10323,7 +12457,29 @@
                 <a:ea typeface="+mn-ea"/>
                 <a:cs typeface="+mn-cs"/>
               </a:rPr>
-              <a:t>Cas de limitació 3</a:t>
+              <a:t>Caso de </a:t>
+            </a:r>
+            <a:r>
+              <a:rPr lang="ca-ES" sz="1050" i="1" dirty="0" err="1">
+                <a:solidFill>
+                  <a:schemeClr val="bg2"/>
+                </a:solidFill>
+                <a:latin typeface="Montserrat"/>
+                <a:ea typeface="+mn-ea"/>
+                <a:cs typeface="+mn-cs"/>
+              </a:rPr>
+              <a:t>limitación</a:t>
+            </a:r>
+            <a:r>
+              <a:rPr lang="ca-ES" sz="1050" i="1" dirty="0">
+                <a:solidFill>
+                  <a:schemeClr val="bg2"/>
+                </a:solidFill>
+                <a:latin typeface="Montserrat"/>
+                <a:ea typeface="+mn-ea"/>
+                <a:cs typeface="+mn-cs"/>
+              </a:rPr>
+              <a:t> 3</a:t>
             </a:r>
           </a:p>
           <a:p>
@@ -10339,7 +12495,7 @@
               <a:defRPr/>
             </a:pPr>
             <a:r>
-              <a:rPr lang="ca-ES" sz="1050" i="1">
+              <a:rPr lang="ca-ES" sz="1050" i="1" dirty="0">
                 <a:solidFill>
                   <a:schemeClr val="bg2"/>
                 </a:solidFill>
@@ -10347,9 +12503,31 @@
                 <a:ea typeface="+mn-ea"/>
                 <a:cs typeface="+mn-cs"/>
               </a:rPr>
-              <a:t>Cas de limitació 4</a:t>
-            </a:r>
-            <a:endParaRPr lang="ca-ES" sz="1400" i="1">
+              <a:t>Caso de </a:t>
+            </a:r>
+            <a:r>
+              <a:rPr lang="ca-ES" sz="1050" i="1" dirty="0" err="1">
+                <a:solidFill>
+                  <a:schemeClr val="bg2"/>
+                </a:solidFill>
+                <a:latin typeface="Montserrat"/>
+                <a:ea typeface="+mn-ea"/>
+                <a:cs typeface="+mn-cs"/>
+              </a:rPr>
+              <a:t>limitación</a:t>
+            </a:r>
+            <a:r>
+              <a:rPr lang="ca-ES" sz="1050" i="1" dirty="0">
+                <a:solidFill>
+                  <a:schemeClr val="bg2"/>
+                </a:solidFill>
+                <a:latin typeface="Montserrat"/>
+                <a:ea typeface="+mn-ea"/>
+                <a:cs typeface="+mn-cs"/>
+              </a:rPr>
+              <a:t> 4</a:t>
+            </a:r>
+            <a:endParaRPr lang="ca-ES" sz="1400" i="1" dirty="0">
               <a:solidFill>
                 <a:schemeClr val="bg2"/>
               </a:solidFill>
@@ -10357,7 +12535,7 @@
             </a:endParaRPr>
           </a:p>
           <a:p>
-            <a:endParaRPr lang="es-ES" sz="1800">
+            <a:endParaRPr lang="es-ES" sz="1800" dirty="0">
               <a:solidFill>
                 <a:srgbClr val="000000"/>
               </a:solidFill>
@@ -10498,15 +12676,15 @@
               <a:defRPr/>
             </a:pPr>
             <a:r>
-              <a:rPr lang="ca-ES" b="1">
+              <a:rPr lang="ca-ES" b="1" dirty="0" err="1">
                 <a:solidFill>
                   <a:srgbClr val="000000"/>
                 </a:solidFill>
                 <a:latin typeface="Montserrat"/>
               </a:rPr>
-              <a:t>Limitacions</a:t>
-            </a:r>
-            <a:endParaRPr lang="ca-ES" b="1">
+              <a:t>Limitaciones</a:t>
+            </a:r>
+            <a:endParaRPr lang="ca-ES" b="1" dirty="0">
               <a:latin typeface="Montserrat"/>
             </a:endParaRPr>
           </a:p>
@@ -13053,9 +15231,9 @@
         <p:grpSpPr>
           <a:xfrm>
             <a:off x="-10117" y="0"/>
-            <a:ext cx="12533078" cy="6865950"/>
+            <a:ext cx="12270549" cy="6865950"/>
             <a:chOff x="-10117" y="0"/>
-            <a:chExt cx="12533078" cy="6865950"/>
+            <a:chExt cx="12270549" cy="6865950"/>
           </a:xfrm>
         </p:grpSpPr>
         <p:grpSp>
@@ -13073,9 +15251,9 @@
           <p:grpSpPr>
             <a:xfrm>
               <a:off x="-10117" y="0"/>
-              <a:ext cx="12533078" cy="6865950"/>
+              <a:ext cx="12270549" cy="6865950"/>
               <a:chOff x="-10117" y="0"/>
-              <a:chExt cx="12533078" cy="6865950"/>
+              <a:chExt cx="12270549" cy="6865950"/>
             </a:xfrm>
           </p:grpSpPr>
           <p:grpSp>
@@ -14034,7 +16212,25 @@
                       </a:solidFill>
                       <a:latin typeface="Montserrat"/>
                     </a:rPr>
-                    <a:t>Col·laboració interdisciplinària </a:t>
+                    <a:t>Colaboración </a:t>
+                  </a:r>
+                  <a:r>
+                    <a:rPr lang="ca-ES" sz="1200" b="1" dirty="0" err="1">
+                      <a:solidFill>
+                        <a:srgbClr val="D50283"/>
+                      </a:solidFill>
+                      <a:latin typeface="Montserrat"/>
+                    </a:rPr>
+                    <a:t>interdisciplinaria</a:t>
+                  </a:r>
+                  <a:r>
+                    <a:rPr lang="ca-ES" sz="1200" b="1" dirty="0">
+                      <a:solidFill>
+                        <a:srgbClr val="D50283"/>
+                      </a:solidFill>
+                      <a:latin typeface="Montserrat"/>
+                    </a:rPr>
+                    <a:t> </a:t>
                   </a:r>
                 </a:p>
                 <a:p>
@@ -14048,7 +16244,7 @@
                     <a:defRPr/>
                   </a:pPr>
                   <a:r>
-                    <a:rPr lang="ca-ES" sz="1000" i="1">
+                    <a:rPr lang="ca-ES" sz="1000" i="1" dirty="0">
                       <a:solidFill>
                         <a:schemeClr val="bg2">
                           <a:alpha val="70000"/>
@@ -14056,7 +16252,183 @@
                       </a:solidFill>
                       <a:latin typeface="Montserrat" pitchFamily="2" charset="77"/>
                     </a:rPr>
-                    <a:t>Detallar com els rols de frontend, backend i dades han treballat conjuntament per garantir una integració sense friccions.</a:t>
+                    <a:t>Detallar como los roles de </a:t>
+                  </a:r>
+                  <a:r>
+                    <a:rPr lang="ca-ES" sz="1000" i="1" dirty="0" err="1">
+                      <a:solidFill>
+                        <a:schemeClr val="bg2">
+                          <a:alpha val="70000"/>
+                        </a:schemeClr>
+                      </a:solidFill>
+                      <a:latin typeface="Montserrat" pitchFamily="2" charset="77"/>
+                    </a:rPr>
+                    <a:t>frontend</a:t>
+                  </a:r>
+                  <a:r>
+                    <a:rPr lang="ca-ES" sz="1000" i="1" dirty="0">
+                      <a:solidFill>
+                        <a:schemeClr val="bg2">
+                          <a:alpha val="70000"/>
+                        </a:schemeClr>
+                      </a:solidFill>
+                      <a:latin typeface="Montserrat" pitchFamily="2" charset="77"/>
+                    </a:rPr>
+                    <a:t>, </a:t>
+                  </a:r>
+                  <a:r>
+                    <a:rPr lang="ca-ES" sz="1000" i="1" dirty="0" err="1">
+                      <a:solidFill>
+                        <a:schemeClr val="bg2">
+                          <a:alpha val="70000"/>
+                        </a:schemeClr>
+                      </a:solidFill>
+                      <a:latin typeface="Montserrat" pitchFamily="2" charset="77"/>
+                    </a:rPr>
+                    <a:t>backend</a:t>
+                  </a:r>
+                  <a:r>
+                    <a:rPr lang="ca-ES" sz="1000" i="1" dirty="0">
+                      <a:solidFill>
+                        <a:schemeClr val="bg2">
+                          <a:alpha val="70000"/>
+                        </a:schemeClr>
+                      </a:solidFill>
+                      <a:latin typeface="Montserrat" pitchFamily="2" charset="77"/>
+                    </a:rPr>
+                    <a:t> y </a:t>
+                  </a:r>
+                  <a:r>
+                    <a:rPr lang="ca-ES" sz="1000" i="1" dirty="0" err="1">
+                      <a:solidFill>
+                        <a:schemeClr val="bg2">
+                          <a:alpha val="70000"/>
+                        </a:schemeClr>
+                      </a:solidFill>
+                      <a:latin typeface="Montserrat" pitchFamily="2" charset="77"/>
+                    </a:rPr>
+                    <a:t>datos</a:t>
+                  </a:r>
+                  <a:r>
+                    <a:rPr lang="ca-ES" sz="1000" i="1" dirty="0">
+                      <a:solidFill>
+                        <a:schemeClr val="bg2">
+                          <a:alpha val="70000"/>
+                        </a:schemeClr>
+                      </a:solidFill>
+                      <a:latin typeface="Montserrat" pitchFamily="2" charset="77"/>
+                    </a:rPr>
+                    <a:t> han </a:t>
+                  </a:r>
+                  <a:r>
+                    <a:rPr lang="ca-ES" sz="1000" i="1" dirty="0" err="1">
+                      <a:solidFill>
+                        <a:schemeClr val="bg2">
+                          <a:alpha val="70000"/>
+                        </a:schemeClr>
+                      </a:solidFill>
+                      <a:latin typeface="Montserrat" pitchFamily="2" charset="77"/>
+                    </a:rPr>
+                    <a:t>trabajado</a:t>
+                  </a:r>
+                  <a:r>
+                    <a:rPr lang="ca-ES" sz="1000" i="1" dirty="0">
+                      <a:solidFill>
+                        <a:schemeClr val="bg2">
+                          <a:alpha val="70000"/>
+                        </a:schemeClr>
+                      </a:solidFill>
+                      <a:latin typeface="Montserrat" pitchFamily="2" charset="77"/>
+                    </a:rPr>
+                    <a:t> </a:t>
+                  </a:r>
+                  <a:r>
+                    <a:rPr lang="ca-ES" sz="1000" i="1" dirty="0" err="1">
+                      <a:solidFill>
+                        <a:schemeClr val="bg2">
+                          <a:alpha val="70000"/>
+                        </a:schemeClr>
+                      </a:solidFill>
+                      <a:latin typeface="Montserrat" pitchFamily="2" charset="77"/>
+                    </a:rPr>
+                    <a:t>conjuntamente</a:t>
+                  </a:r>
+                  <a:r>
+                    <a:rPr lang="ca-ES" sz="1000" i="1" dirty="0">
+                      <a:solidFill>
+                        <a:schemeClr val="bg2">
+                          <a:alpha val="70000"/>
+                        </a:schemeClr>
+                      </a:solidFill>
+                      <a:latin typeface="Montserrat" pitchFamily="2" charset="77"/>
+                    </a:rPr>
+                    <a:t> para </a:t>
+                  </a:r>
+                  <a:r>
+                    <a:rPr lang="ca-ES" sz="1000" i="1" dirty="0" err="1">
+                      <a:solidFill>
+                        <a:schemeClr val="bg2">
+                          <a:alpha val="70000"/>
+                        </a:schemeClr>
+                      </a:solidFill>
+                      <a:latin typeface="Montserrat" pitchFamily="2" charset="77"/>
+                    </a:rPr>
+                    <a:t>garantizar</a:t>
+                  </a:r>
+                  <a:r>
+                    <a:rPr lang="ca-ES" sz="1000" i="1" dirty="0">
+                      <a:solidFill>
+                        <a:schemeClr val="bg2">
+                          <a:alpha val="70000"/>
+                        </a:schemeClr>
+                      </a:solidFill>
+                      <a:latin typeface="Montserrat" pitchFamily="2" charset="77"/>
+                    </a:rPr>
+                    <a:t> una </a:t>
+                  </a:r>
+                  <a:r>
+                    <a:rPr lang="ca-ES" sz="1000" i="1" dirty="0" err="1">
+                      <a:solidFill>
+                        <a:schemeClr val="bg2">
+                          <a:alpha val="70000"/>
+                        </a:schemeClr>
+                      </a:solidFill>
+                      <a:latin typeface="Montserrat" pitchFamily="2" charset="77"/>
+                    </a:rPr>
+                    <a:t>integración</a:t>
+                  </a:r>
+                  <a:r>
+                    <a:rPr lang="ca-ES" sz="1000" i="1" dirty="0">
+                      <a:solidFill>
+                        <a:schemeClr val="bg2">
+                          <a:alpha val="70000"/>
+                        </a:schemeClr>
+                      </a:solidFill>
+                      <a:latin typeface="Montserrat" pitchFamily="2" charset="77"/>
+                    </a:rPr>
+                    <a:t> </a:t>
+                  </a:r>
+                  <a:r>
+                    <a:rPr lang="ca-ES" sz="1000" i="1" dirty="0" err="1">
+                      <a:solidFill>
+                        <a:schemeClr val="bg2">
+                          <a:alpha val="70000"/>
+                        </a:schemeClr>
+                      </a:solidFill>
+                      <a:latin typeface="Montserrat" pitchFamily="2" charset="77"/>
+                    </a:rPr>
+                    <a:t>sin</a:t>
+                  </a:r>
+                  <a:r>
+                    <a:rPr lang="ca-ES" sz="1000" i="1" dirty="0">
+                      <a:solidFill>
+                        <a:schemeClr val="bg2">
+                          <a:alpha val="70000"/>
+                        </a:schemeClr>
+                      </a:solidFill>
+                      <a:latin typeface="Montserrat" pitchFamily="2" charset="77"/>
+                    </a:rPr>
+                    <a:t> fricciones.</a:t>
                   </a:r>
                 </a:p>
               </p:txBody>
@@ -14099,15 +16471,15 @@
                     <a:defRPr/>
                   </a:pPr>
                   <a:r>
-                    <a:rPr lang="es-ES" sz="1200" b="1">
+                    <a:rPr lang="es-ES" sz="1200" b="1" dirty="0">
                       <a:solidFill>
                         <a:prstClr val="black"/>
                       </a:solidFill>
                       <a:latin typeface="Montserrat"/>
                     </a:rPr>
-                    <a:t>Reptes i solucions en equip </a:t>
+                    <a:t>Retos y soluciones en equipo </a:t>
                   </a:r>
-                  <a:endParaRPr kumimoji="0" lang="ca-ES" sz="1200" b="1" i="0" u="none" strike="noStrike" kern="1200" cap="none" spc="0" normalizeH="0" baseline="0" noProof="0">
+                  <a:endParaRPr kumimoji="0" lang="ca-ES" sz="1200" b="1" i="0" u="none" strike="noStrike" kern="1200" cap="none" spc="0" normalizeH="0" baseline="0" noProof="0" dirty="0">
                     <a:ln>
                       <a:noFill/>
                     </a:ln>
@@ -14131,7 +16503,7 @@
                     <a:defRPr/>
                   </a:pPr>
                   <a:r>
-                    <a:rPr lang="ca-ES" sz="1000" i="1">
+                    <a:rPr lang="ca-ES" sz="1000" i="1" dirty="0">
                       <a:solidFill>
                         <a:schemeClr val="bg2">
                           <a:alpha val="70000"/>
@@ -14139,7 +16511,95 @@
                       </a:solidFill>
                       <a:latin typeface="Montserrat" pitchFamily="2" charset="77"/>
                     </a:rPr>
-                    <a:t>Comentar els desafiaments en coordinació o comunicació i com els han resolt.</a:t>
+                    <a:t>Comentar los </a:t>
+                  </a:r>
+                  <a:r>
+                    <a:rPr lang="ca-ES" sz="1000" i="1" dirty="0" err="1">
+                      <a:solidFill>
+                        <a:schemeClr val="bg2">
+                          <a:alpha val="70000"/>
+                        </a:schemeClr>
+                      </a:solidFill>
+                      <a:latin typeface="Montserrat" pitchFamily="2" charset="77"/>
+                    </a:rPr>
+                    <a:t>desafios</a:t>
+                  </a:r>
+                  <a:r>
+                    <a:rPr lang="ca-ES" sz="1000" i="1" dirty="0">
+                      <a:solidFill>
+                        <a:schemeClr val="bg2">
+                          <a:alpha val="70000"/>
+                        </a:schemeClr>
+                      </a:solidFill>
+                      <a:latin typeface="Montserrat" pitchFamily="2" charset="77"/>
+                    </a:rPr>
+                    <a:t> en </a:t>
+                  </a:r>
+                  <a:r>
+                    <a:rPr lang="ca-ES" sz="1000" i="1" dirty="0" err="1">
+                      <a:solidFill>
+                        <a:schemeClr val="bg2">
+                          <a:alpha val="70000"/>
+                        </a:schemeClr>
+                      </a:solidFill>
+                      <a:latin typeface="Montserrat" pitchFamily="2" charset="77"/>
+                    </a:rPr>
+                    <a:t>coordinación</a:t>
+                  </a:r>
+                  <a:r>
+                    <a:rPr lang="ca-ES" sz="1000" i="1" dirty="0">
+                      <a:solidFill>
+                        <a:schemeClr val="bg2">
+                          <a:alpha val="70000"/>
+                        </a:schemeClr>
+                      </a:solidFill>
+                      <a:latin typeface="Montserrat" pitchFamily="2" charset="77"/>
+                    </a:rPr>
+                    <a:t> o </a:t>
+                  </a:r>
+                  <a:r>
+                    <a:rPr lang="ca-ES" sz="1000" i="1" dirty="0" err="1">
+                      <a:solidFill>
+                        <a:schemeClr val="bg2">
+                          <a:alpha val="70000"/>
+                        </a:schemeClr>
+                      </a:solidFill>
+                      <a:latin typeface="Montserrat" pitchFamily="2" charset="77"/>
+                    </a:rPr>
+                    <a:t>comunicación</a:t>
+                  </a:r>
+                  <a:r>
+                    <a:rPr lang="ca-ES" sz="1000" i="1" dirty="0">
+                      <a:solidFill>
+                        <a:schemeClr val="bg2">
+                          <a:alpha val="70000"/>
+                        </a:schemeClr>
+                      </a:solidFill>
+                      <a:latin typeface="Montserrat" pitchFamily="2" charset="77"/>
+                    </a:rPr>
+                    <a:t> y como los han </a:t>
+                  </a:r>
+                  <a:r>
+                    <a:rPr lang="ca-ES" sz="1000" i="1" dirty="0" err="1">
+                      <a:solidFill>
+                        <a:schemeClr val="bg2">
+                          <a:alpha val="70000"/>
+                        </a:schemeClr>
+                      </a:solidFill>
+                      <a:latin typeface="Montserrat" pitchFamily="2" charset="77"/>
+                    </a:rPr>
+                    <a:t>resuelto</a:t>
+                  </a:r>
+                  <a:r>
+                    <a:rPr lang="ca-ES" sz="1000" i="1" dirty="0">
+                      <a:solidFill>
+                        <a:schemeClr val="bg2">
+                          <a:alpha val="70000"/>
+                        </a:schemeClr>
+                      </a:solidFill>
+                      <a:latin typeface="Montserrat" pitchFamily="2" charset="77"/>
+                    </a:rPr>
+                    <a:t>.</a:t>
                   </a:r>
                 </a:p>
               </p:txBody>
@@ -14190,15 +16650,24 @@
                     <a:defRPr/>
                   </a:pPr>
                   <a:r>
-                    <a:rPr lang="ca-ES" sz="1200" b="1">
+                    <a:rPr lang="ca-ES" sz="1200" b="1" dirty="0">
                       <a:solidFill>
                         <a:srgbClr val="D50283"/>
                       </a:solidFill>
                       <a:latin typeface="Montserrat"/>
                     </a:rPr>
-                    <a:t>Reflexions finals</a:t>
+                    <a:t>Reflexiones </a:t>
                   </a:r>
-                  <a:endParaRPr kumimoji="0" lang="ca-ES" sz="1200" b="0" i="0" u="none" strike="noStrike" kern="1200" cap="none" spc="0" normalizeH="0" baseline="0" noProof="0">
+                  <a:r>
+                    <a:rPr lang="ca-ES" sz="1200" b="1" dirty="0" err="1">
+                      <a:solidFill>
+                        <a:srgbClr val="D50283"/>
+                      </a:solidFill>
+                      <a:latin typeface="Montserrat"/>
+                    </a:rPr>
+                    <a:t>finales</a:t>
+                  </a:r>
+                  <a:endParaRPr kumimoji="0" lang="ca-ES" sz="1200" b="0" i="0" u="none" strike="noStrike" kern="1200" cap="none" spc="0" normalizeH="0" baseline="0" noProof="0" dirty="0">
                     <a:ln>
                       <a:noFill/>
                     </a:ln>
@@ -14230,7 +16699,7 @@
                     <a:defRPr/>
                   </a:pPr>
                   <a:r>
-                    <a:rPr kumimoji="0" lang="ca-ES" sz="1000" b="0" i="1" u="none" strike="noStrike" kern="1200" cap="none" spc="0" normalizeH="0" baseline="0" noProof="0">
+                    <a:rPr kumimoji="0" lang="ca-ES" sz="1000" b="0" i="1" u="none" strike="noStrike" kern="1200" cap="none" spc="0" normalizeH="0" baseline="0" noProof="0" dirty="0">
                       <a:ln>
                         <a:noFill/>
                       </a:ln>
@@ -14244,7 +16713,143 @@
                       <a:uFillTx/>
                       <a:latin typeface="Montserrat" pitchFamily="2" charset="77"/>
                     </a:rPr>
-                    <a:t>S’ha tret algun aprenentatge de la hackató i el treball en equip?</a:t>
+                    <a:t>Se ha </a:t>
+                  </a:r>
+                  <a:r>
+                    <a:rPr kumimoji="0" lang="ca-ES" sz="1000" b="0" i="1" u="none" strike="noStrike" kern="1200" cap="none" spc="0" normalizeH="0" baseline="0" noProof="0" dirty="0" err="1">
+                      <a:ln>
+                        <a:noFill/>
+                      </a:ln>
+                      <a:solidFill>
+                        <a:schemeClr val="bg2">
+                          <a:alpha val="70000"/>
+                        </a:schemeClr>
+                      </a:solidFill>
+                      <a:effectLst/>
+                      <a:uLnTx/>
+                      <a:uFillTx/>
+                      <a:latin typeface="Montserrat" pitchFamily="2" charset="77"/>
+                    </a:rPr>
+                    <a:t>sacado</a:t>
+                  </a:r>
+                  <a:r>
+                    <a:rPr kumimoji="0" lang="ca-ES" sz="1000" b="0" i="1" u="none" strike="noStrike" kern="1200" cap="none" spc="0" normalizeH="0" baseline="0" noProof="0" dirty="0">
+                      <a:ln>
+                        <a:noFill/>
+                      </a:ln>
+                      <a:solidFill>
+                        <a:schemeClr val="bg2">
+                          <a:alpha val="70000"/>
+                        </a:schemeClr>
+                      </a:solidFill>
+                      <a:effectLst/>
+                      <a:uLnTx/>
+                      <a:uFillTx/>
+                      <a:latin typeface="Montserrat" pitchFamily="2" charset="77"/>
+                    </a:rPr>
+                    <a:t> algun </a:t>
+                  </a:r>
+                  <a:r>
+                    <a:rPr kumimoji="0" lang="ca-ES" sz="1000" b="0" i="1" u="none" strike="noStrike" kern="1200" cap="none" spc="0" normalizeH="0" baseline="0" noProof="0" dirty="0" err="1">
+                      <a:ln>
+                        <a:noFill/>
+                      </a:ln>
+                      <a:solidFill>
+                        <a:schemeClr val="bg2">
+                          <a:alpha val="70000"/>
+                        </a:schemeClr>
+                      </a:solidFill>
+                      <a:effectLst/>
+                      <a:uLnTx/>
+                      <a:uFillTx/>
+                      <a:latin typeface="Montserrat" pitchFamily="2" charset="77"/>
+                    </a:rPr>
+                    <a:t>aprendizaje</a:t>
+                  </a:r>
+                  <a:r>
+                    <a:rPr kumimoji="0" lang="ca-ES" sz="1000" b="0" i="1" u="none" strike="noStrike" kern="1200" cap="none" spc="0" normalizeH="0" baseline="0" noProof="0" dirty="0">
+                      <a:ln>
+                        <a:noFill/>
+                      </a:ln>
+                      <a:solidFill>
+                        <a:schemeClr val="bg2">
+                          <a:alpha val="70000"/>
+                        </a:schemeClr>
+                      </a:solidFill>
+                      <a:effectLst/>
+                      <a:uLnTx/>
+                      <a:uFillTx/>
+                      <a:latin typeface="Montserrat" pitchFamily="2" charset="77"/>
+                    </a:rPr>
+                    <a:t> de la </a:t>
+                  </a:r>
+                  <a:r>
+                    <a:rPr kumimoji="0" lang="ca-ES" sz="1000" b="0" i="1" u="none" strike="noStrike" kern="1200" cap="none" spc="0" normalizeH="0" baseline="0" noProof="0" dirty="0" err="1">
+                      <a:ln>
+                        <a:noFill/>
+                      </a:ln>
+                      <a:solidFill>
+                        <a:schemeClr val="bg2">
+                          <a:alpha val="70000"/>
+                        </a:schemeClr>
+                      </a:solidFill>
+                      <a:effectLst/>
+                      <a:uLnTx/>
+                      <a:uFillTx/>
+                      <a:latin typeface="Montserrat" pitchFamily="2" charset="77"/>
+                    </a:rPr>
+                    <a:t>hackató</a:t>
+                  </a:r>
+                  <a:r>
+                    <a:rPr kumimoji="0" lang="ca-ES" sz="1000" b="0" i="1" u="none" strike="noStrike" kern="1200" cap="none" spc="0" normalizeH="0" baseline="0" noProof="0" dirty="0">
+                      <a:ln>
+                        <a:noFill/>
+                      </a:ln>
+                      <a:solidFill>
+                        <a:schemeClr val="bg2">
+                          <a:alpha val="70000"/>
+                        </a:schemeClr>
+                      </a:solidFill>
+                      <a:effectLst/>
+                      <a:uLnTx/>
+                      <a:uFillTx/>
+                      <a:latin typeface="Montserrat" pitchFamily="2" charset="77"/>
+                    </a:rPr>
+                    <a:t> y el </a:t>
+                  </a:r>
+                  <a:r>
+                    <a:rPr kumimoji="0" lang="ca-ES" sz="1000" b="0" i="1" u="none" strike="noStrike" kern="1200" cap="none" spc="0" normalizeH="0" baseline="0" noProof="0" dirty="0" err="1">
+                      <a:ln>
+                        <a:noFill/>
+                      </a:ln>
+                      <a:solidFill>
+                        <a:schemeClr val="bg2">
+                          <a:alpha val="70000"/>
+                        </a:schemeClr>
+                      </a:solidFill>
+                      <a:effectLst/>
+                      <a:uLnTx/>
+                      <a:uFillTx/>
+                      <a:latin typeface="Montserrat" pitchFamily="2" charset="77"/>
+                    </a:rPr>
+                    <a:t>trebajo</a:t>
+                  </a:r>
+                  <a:r>
+                    <a:rPr kumimoji="0" lang="ca-ES" sz="1000" b="0" i="1" u="none" strike="noStrike" kern="1200" cap="none" spc="0" normalizeH="0" baseline="0" noProof="0" dirty="0">
+                      <a:ln>
+                        <a:noFill/>
+                      </a:ln>
+                      <a:solidFill>
+                        <a:schemeClr val="bg2">
+                          <a:alpha val="70000"/>
+                        </a:schemeClr>
+                      </a:solidFill>
+                      <a:effectLst/>
+                      <a:uLnTx/>
+                      <a:uFillTx/>
+                      <a:latin typeface="Montserrat" pitchFamily="2" charset="77"/>
+                    </a:rPr>
+                    <a:t> en equipo?</a:t>
                   </a:r>
                 </a:p>
               </p:txBody>
@@ -14287,16 +16892,43 @@
                     <a:defRPr/>
                   </a:pPr>
                   <a:r>
-                    <a:rPr lang="ca-ES" sz="1200" b="1">
+                    <a:rPr lang="ca-ES" sz="1200" b="1" dirty="0" err="1">
                       <a:solidFill>
                         <a:prstClr val="black"/>
                       </a:solidFill>
                       <a:latin typeface="Montserrat"/>
                     </a:rPr>
-                    <a:t>Metodologies de treball </a:t>
+                    <a:t>Metodologías</a:t>
                   </a:r>
                   <a:r>
-                    <a:rPr kumimoji="0" lang="ca-ES" sz="1200" b="1" i="0" u="none" strike="noStrike" kern="1200" cap="none" spc="0" normalizeH="0" baseline="0" noProof="0">
+                    <a:rPr lang="ca-ES" sz="1200" b="1" dirty="0">
+                      <a:solidFill>
+                        <a:prstClr val="black"/>
+                      </a:solidFill>
+                      <a:latin typeface="Montserrat"/>
+                    </a:rPr>
+                    <a:t> de </a:t>
+                  </a:r>
+                  <a:r>
+                    <a:rPr lang="ca-ES" sz="1200" b="1" dirty="0" err="1">
+                      <a:solidFill>
+                        <a:prstClr val="black"/>
+                      </a:solidFill>
+                      <a:latin typeface="Montserrat"/>
+                    </a:rPr>
+                    <a:t>trabajo</a:t>
+                  </a:r>
+                  <a:r>
+                    <a:rPr lang="ca-ES" sz="1200" b="1" dirty="0">
+                      <a:solidFill>
+                        <a:prstClr val="black"/>
+                      </a:solidFill>
+                      <a:latin typeface="Montserrat"/>
+                    </a:rPr>
+                    <a:t> </a:t>
+                  </a:r>
+                  <a:r>
+                    <a:rPr kumimoji="0" lang="ca-ES" sz="1200" b="1" i="0" u="none" strike="noStrike" kern="1200" cap="none" spc="0" normalizeH="0" baseline="0" noProof="0" dirty="0">
                       <a:ln>
                         <a:noFill/>
                       </a:ln>
@@ -14322,7 +16954,7 @@
                     <a:defRPr/>
                   </a:pPr>
                   <a:r>
-                    <a:rPr lang="ca-ES" sz="1000" i="1">
+                    <a:rPr lang="ca-ES" sz="1000" i="1" dirty="0">
                       <a:solidFill>
                         <a:schemeClr val="bg2">
                           <a:alpha val="70000"/>
@@ -14330,10 +16962,76 @@
                       </a:solidFill>
                       <a:latin typeface="Montserrat" pitchFamily="2" charset="77"/>
                     </a:rPr>
-                    <a:t>Explicar si s’han utilitzat metodologies àgils (</a:t>
+                    <a:t>Explicar si se han </a:t>
                   </a:r>
                   <a:r>
-                    <a:rPr lang="ca-ES" sz="1000" i="1" err="1">
+                    <a:rPr lang="ca-ES" sz="1000" i="1" dirty="0" err="1">
+                      <a:solidFill>
+                        <a:schemeClr val="bg2">
+                          <a:alpha val="70000"/>
+                        </a:schemeClr>
+                      </a:solidFill>
+                      <a:latin typeface="Montserrat" pitchFamily="2" charset="77"/>
+                    </a:rPr>
+                    <a:t>usado</a:t>
+                  </a:r>
+                  <a:r>
+                    <a:rPr lang="ca-ES" sz="1000" i="1" dirty="0">
+                      <a:solidFill>
+                        <a:schemeClr val="bg2">
+                          <a:alpha val="70000"/>
+                        </a:schemeClr>
+                      </a:solidFill>
+                      <a:latin typeface="Montserrat" pitchFamily="2" charset="77"/>
+                    </a:rPr>
+                    <a:t> </a:t>
+                  </a:r>
+                  <a:r>
+                    <a:rPr lang="ca-ES" sz="1000" i="1" dirty="0" err="1">
+                      <a:solidFill>
+                        <a:schemeClr val="bg2">
+                          <a:alpha val="70000"/>
+                        </a:schemeClr>
+                      </a:solidFill>
+                      <a:latin typeface="Montserrat" pitchFamily="2" charset="77"/>
+                    </a:rPr>
+                    <a:t>metodologias</a:t>
+                  </a:r>
+                  <a:r>
+                    <a:rPr lang="ca-ES" sz="1000" i="1" dirty="0">
+                      <a:solidFill>
+                        <a:schemeClr val="bg2">
+                          <a:alpha val="70000"/>
+                        </a:schemeClr>
+                      </a:solidFill>
+                      <a:latin typeface="Montserrat" pitchFamily="2" charset="77"/>
+                    </a:rPr>
+                    <a:t> </a:t>
+                  </a:r>
+                  <a:r>
+                    <a:rPr lang="ca-ES" sz="1000" i="1" dirty="0" err="1">
+                      <a:solidFill>
+                        <a:schemeClr val="bg2">
+                          <a:alpha val="70000"/>
+                        </a:schemeClr>
+                      </a:solidFill>
+                      <a:latin typeface="Montserrat" pitchFamily="2" charset="77"/>
+                    </a:rPr>
+                    <a:t>ágiles</a:t>
+                  </a:r>
+                  <a:r>
+                    <a:rPr lang="ca-ES" sz="1000" i="1" dirty="0">
+                      <a:solidFill>
+                        <a:schemeClr val="bg2">
+                          <a:alpha val="70000"/>
+                        </a:schemeClr>
+                      </a:solidFill>
+                      <a:latin typeface="Montserrat" pitchFamily="2" charset="77"/>
+                    </a:rPr>
+                    <a:t> (</a:t>
+                  </a:r>
+                  <a:r>
+                    <a:rPr lang="ca-ES" sz="1000" i="1" dirty="0" err="1">
                       <a:solidFill>
                         <a:schemeClr val="bg2">
                           <a:alpha val="70000"/>
@@ -14344,7 +17042,7 @@
                     <a:t>Scrum</a:t>
                   </a:r>
                   <a:r>
-                    <a:rPr lang="ca-ES" sz="1000" i="1">
+                    <a:rPr lang="ca-ES" sz="1000" i="1" dirty="0">
                       <a:solidFill>
                         <a:schemeClr val="bg2">
                           <a:alpha val="70000"/>
@@ -14355,7 +17053,7 @@
                     <a:t>, </a:t>
                   </a:r>
                   <a:r>
-                    <a:rPr lang="ca-ES" sz="1000" i="1" err="1">
+                    <a:rPr lang="ca-ES" sz="1000" i="1" dirty="0" err="1">
                       <a:solidFill>
                         <a:schemeClr val="bg2">
                           <a:alpha val="70000"/>
@@ -14366,7 +17064,7 @@
                     <a:t>Kanban</a:t>
                   </a:r>
                   <a:r>
-                    <a:rPr lang="ca-ES" sz="1000" i="1">
+                    <a:rPr lang="ca-ES" sz="1000" i="1" dirty="0">
                       <a:solidFill>
                         <a:schemeClr val="bg2">
                           <a:alpha val="70000"/>
@@ -14374,9 +17072,75 @@
                       </a:solidFill>
                       <a:latin typeface="Montserrat" pitchFamily="2" charset="77"/>
                     </a:rPr>
-                    <a:t>, etc.) i com ha estat la divisió de tasques a l'equip</a:t>
+                    <a:t>, etc.) y como ha </a:t>
                   </a:r>
-                  <a:endParaRPr kumimoji="0" lang="ca-ES" sz="1000" b="0" i="1" u="none" strike="noStrike" kern="1200" cap="none" spc="0" normalizeH="0" baseline="0" noProof="0">
+                  <a:r>
+                    <a:rPr lang="ca-ES" sz="1000" i="1" dirty="0" err="1">
+                      <a:solidFill>
+                        <a:schemeClr val="bg2">
+                          <a:alpha val="70000"/>
+                        </a:schemeClr>
+                      </a:solidFill>
+                      <a:latin typeface="Montserrat" pitchFamily="2" charset="77"/>
+                    </a:rPr>
+                    <a:t>sido</a:t>
+                  </a:r>
+                  <a:r>
+                    <a:rPr lang="ca-ES" sz="1000" i="1" dirty="0">
+                      <a:solidFill>
+                        <a:schemeClr val="bg2">
+                          <a:alpha val="70000"/>
+                        </a:schemeClr>
+                      </a:solidFill>
+                      <a:latin typeface="Montserrat" pitchFamily="2" charset="77"/>
+                    </a:rPr>
+                    <a:t> la </a:t>
+                  </a:r>
+                  <a:r>
+                    <a:rPr lang="ca-ES" sz="1000" i="1" dirty="0" err="1">
+                      <a:solidFill>
+                        <a:schemeClr val="bg2">
+                          <a:alpha val="70000"/>
+                        </a:schemeClr>
+                      </a:solidFill>
+                      <a:latin typeface="Montserrat" pitchFamily="2" charset="77"/>
+                    </a:rPr>
+                    <a:t>división</a:t>
+                  </a:r>
+                  <a:r>
+                    <a:rPr lang="ca-ES" sz="1000" i="1" dirty="0">
+                      <a:solidFill>
+                        <a:schemeClr val="bg2">
+                          <a:alpha val="70000"/>
+                        </a:schemeClr>
+                      </a:solidFill>
+                      <a:latin typeface="Montserrat" pitchFamily="2" charset="77"/>
+                    </a:rPr>
+                    <a:t> de </a:t>
+                  </a:r>
+                  <a:r>
+                    <a:rPr lang="ca-ES" sz="1000" i="1" dirty="0" err="1">
+                      <a:solidFill>
+                        <a:schemeClr val="bg2">
+                          <a:alpha val="70000"/>
+                        </a:schemeClr>
+                      </a:solidFill>
+                      <a:latin typeface="Montserrat" pitchFamily="2" charset="77"/>
+                    </a:rPr>
+                    <a:t>tareas</a:t>
+                  </a:r>
+                  <a:r>
+                    <a:rPr lang="ca-ES" sz="1000" i="1" dirty="0">
+                      <a:solidFill>
+                        <a:schemeClr val="bg2">
+                          <a:alpha val="70000"/>
+                        </a:schemeClr>
+                      </a:solidFill>
+                      <a:latin typeface="Montserrat" pitchFamily="2" charset="77"/>
+                    </a:rPr>
+                    <a:t> en el equipo</a:t>
+                  </a:r>
+                  <a:endParaRPr kumimoji="0" lang="ca-ES" sz="1000" b="0" i="1" u="none" strike="noStrike" kern="1200" cap="none" spc="0" normalizeH="0" baseline="0" noProof="0" dirty="0">
                     <a:ln>
                       <a:noFill/>
                     </a:ln>
@@ -14402,7 +17166,7 @@
             </p:nvSpPr>
             <p:spPr>
               <a:xfrm>
-                <a:off x="3141803" y="605644"/>
+                <a:off x="2879274" y="695909"/>
                 <a:ext cx="9381158" cy="522199"/>
               </a:xfrm>
               <a:prstGeom prst="rect">
@@ -14449,7 +17213,7 @@
                   <a:defRPr/>
                 </a:pPr>
                 <a:r>
-                  <a:rPr kumimoji="0" lang="ca-ES" sz="3600" b="1" i="0" u="none" strike="noStrike" kern="1200" cap="none" spc="-1" normalizeH="0" baseline="0" noProof="0">
+                  <a:rPr kumimoji="0" lang="ca-ES" sz="3600" b="1" i="0" u="none" strike="noStrike" kern="1200" cap="none" spc="-1" normalizeH="0" baseline="0" noProof="0" dirty="0">
                     <a:ln>
                       <a:noFill/>
                     </a:ln>
@@ -14461,10 +17225,10 @@
                     <a:uFillTx/>
                     <a:latin typeface="Montserrat"/>
                   </a:rPr>
-                  <a:t>Treball </a:t>
+                  <a:t>Trabajo </a:t>
                 </a:r>
                 <a:r>
-                  <a:rPr kumimoji="0" lang="ca-ES" sz="3600" b="1" i="0" u="none" strike="noStrike" kern="1200" cap="none" spc="-1" normalizeH="0" baseline="0" noProof="0">
+                  <a:rPr kumimoji="0" lang="ca-ES" sz="3600" b="1" i="0" u="none" strike="noStrike" kern="1200" cap="none" spc="-1" normalizeH="0" baseline="0" noProof="0" dirty="0">
                     <a:ln>
                       <a:noFill/>
                     </a:ln>
@@ -14473,17 +17237,50 @@
                     <a:uFillTx/>
                     <a:latin typeface="Montserrat"/>
                   </a:rPr>
-                  <a:t>en equip i </a:t>
+                  <a:t>en equipo </a:t>
                 </a:r>
                 <a:r>
-                  <a:rPr lang="ca-ES" sz="3600" b="1" spc="-1">
+                  <a:rPr lang="ca-ES" sz="3600" b="1" spc="-1" dirty="0">
+                    <a:latin typeface="Montserrat"/>
+                  </a:rPr>
+                  <a:t>y</a:t>
+                </a:r>
+                <a:r>
+                  <a:rPr kumimoji="0" lang="ca-ES" sz="3600" b="1" i="0" u="none" strike="noStrike" kern="1200" cap="none" spc="-1" normalizeH="0" baseline="0" noProof="0" dirty="0">
+                    <a:ln>
+                      <a:noFill/>
+                    </a:ln>
+                    <a:effectLst/>
+                    <a:uLnTx/>
+                    <a:uFillTx/>
+                    <a:latin typeface="Montserrat"/>
+                  </a:rPr>
+                  <a:t> </a:t>
+                </a:r>
+                <a:r>
+                  <a:rPr lang="ca-ES" sz="3600" b="1" spc="-1" dirty="0">
                     <a:solidFill>
                       <a:srgbClr val="D50283"/>
                     </a:solidFill>
                     <a:latin typeface="Montserrat"/>
                   </a:rPr>
-                  <a:t>reflexions finals</a:t>
+                  <a:t>reflexiones </a:t>
                 </a:r>
+                <a:r>
+                  <a:rPr lang="ca-ES" sz="3600" b="1" spc="-1" dirty="0" err="1">
+                    <a:solidFill>
+                      <a:srgbClr val="D50283"/>
+                    </a:solidFill>
+                    <a:latin typeface="Montserrat"/>
+                  </a:rPr>
+                  <a:t>finales</a:t>
+                </a:r>
+                <a:endParaRPr lang="ca-ES" sz="3600" b="1" spc="-1" dirty="0">
+                  <a:solidFill>
+                    <a:srgbClr val="D50283"/>
+                  </a:solidFill>
+                  <a:latin typeface="Montserrat"/>
+                </a:endParaRPr>
               </a:p>
             </p:txBody>
           </p:sp>
@@ -18362,16 +21159,26 @@
               </a:lnSpc>
             </a:pPr>
             <a:r>
-              <a:rPr lang="ca-ES" sz="8100" b="1" strike="noStrike" spc="-1">
+              <a:rPr lang="ca-ES" sz="8100" b="1" strike="noStrike" spc="-1" dirty="0" err="1">
                 <a:solidFill>
                   <a:srgbClr val="FFFFFF"/>
                 </a:solidFill>
                 <a:latin typeface="Montserrat Bold"/>
                 <a:ea typeface="DejaVu Sans"/>
               </a:rPr>
-              <a:t>Gràcies!</a:t>
-            </a:r>
-            <a:endParaRPr lang="ca-ES" sz="8100" b="0" strike="noStrike" spc="-1">
+              <a:t>Grácias</a:t>
+            </a:r>
+            <a:r>
+              <a:rPr lang="ca-ES" sz="8100" b="1" strike="noStrike" spc="-1" dirty="0">
+                <a:solidFill>
+                  <a:srgbClr val="FFFFFF"/>
+                </a:solidFill>
+                <a:latin typeface="Montserrat Bold"/>
+                <a:ea typeface="DejaVu Sans"/>
+              </a:rPr>
+              <a:t>!</a:t>
+            </a:r>
+            <a:endParaRPr lang="ca-ES" sz="8100" b="0" strike="noStrike" spc="-1" dirty="0">
               <a:latin typeface="Arial"/>
             </a:endParaRPr>
           </a:p>
@@ -19375,6 +22182,17 @@
 </file>
 
 <file path=customXml/item1.xml><?xml version="1.0" encoding="utf-8"?>
+<p:properties xmlns:p="http://schemas.microsoft.com/office/2006/metadata/properties" xmlns:xsi="http://www.w3.org/2001/XMLSchema-instance" xmlns:pc="http://schemas.microsoft.com/office/infopath/2007/PartnerControls">
+  <documentManagement>
+    <lcf76f155ced4ddcb4097134ff3c332f xmlns="a444e17d-5f58-4faa-a0cd-68e3c35c24c8">
+      <Terms xmlns="http://schemas.microsoft.com/office/infopath/2007/PartnerControls"/>
+    </lcf76f155ced4ddcb4097134ff3c332f>
+    <TaxCatchAll xmlns="a243510b-46cd-4140-960f-dd1995ca1242" xsi:nil="true"/>
+  </documentManagement>
+</p:properties>
+</file>
+
+<file path=customXml/item2.xml><?xml version="1.0" encoding="utf-8"?>
 <ct:contentTypeSchema xmlns:ct="http://schemas.microsoft.com/office/2006/metadata/contentType" xmlns:ma="http://schemas.microsoft.com/office/2006/metadata/properties/metaAttributes" ct:_="" ma:_="" ma:contentTypeName="Document" ma:contentTypeID="0x010100D6D0159BBBEE134FB5E4D8C57B1883EC" ma:contentTypeVersion="11" ma:contentTypeDescription="Crea un document nou" ma:contentTypeScope="" ma:versionID="f04f96809bb662b7ac2c95f3c8915f5b">
   <xsd:schema xmlns:xsd="http://www.w3.org/2001/XMLSchema" xmlns:xs="http://www.w3.org/2001/XMLSchema" xmlns:p="http://schemas.microsoft.com/office/2006/metadata/properties" xmlns:ns2="a444e17d-5f58-4faa-a0cd-68e3c35c24c8" xmlns:ns3="a243510b-46cd-4140-960f-dd1995ca1242" targetNamespace="http://schemas.microsoft.com/office/2006/metadata/properties" ma:root="true" ma:fieldsID="a9ec5336b209b2a6d400d812b9dc435c" ns2:_="" ns3:_="">
     <xsd:import namespace="a444e17d-5f58-4faa-a0cd-68e3c35c24c8"/>
@@ -19569,17 +22387,6 @@
 </ct:contentTypeSchema>
 </file>
 
-<file path=customXml/item2.xml><?xml version="1.0" encoding="utf-8"?>
-<p:properties xmlns:p="http://schemas.microsoft.com/office/2006/metadata/properties" xmlns:xsi="http://www.w3.org/2001/XMLSchema-instance" xmlns:pc="http://schemas.microsoft.com/office/infopath/2007/PartnerControls">
-  <documentManagement>
-    <lcf76f155ced4ddcb4097134ff3c332f xmlns="a444e17d-5f58-4faa-a0cd-68e3c35c24c8">
-      <Terms xmlns="http://schemas.microsoft.com/office/infopath/2007/PartnerControls"/>
-    </lcf76f155ced4ddcb4097134ff3c332f>
-    <TaxCatchAll xmlns="a243510b-46cd-4140-960f-dd1995ca1242" xsi:nil="true"/>
-  </documentManagement>
-</p:properties>
-</file>
-
 <file path=customXml/item3.xml><?xml version="1.0" encoding="utf-8"?>
 <?mso-contentType ?>
 <FormTemplates xmlns="http://schemas.microsoft.com/sharepoint/v3/contenttype/forms">
@@ -19590,6 +22397,25 @@
 </file>
 
 <file path=customXml/itemProps1.xml><?xml version="1.0" encoding="utf-8"?>
+<ds:datastoreItem xmlns:ds="http://schemas.openxmlformats.org/officeDocument/2006/customXml" ds:itemID="{A2C439FD-BADA-444F-8391-D4A1093D68BE}">
+  <ds:schemaRefs>
+    <ds:schemaRef ds:uri="326c5024-6e3a-4942-81ce-7163dec6b0d3"/>
+    <ds:schemaRef ds:uri="a243510b-46cd-4140-960f-dd1995ca1242"/>
+    <ds:schemaRef ds:uri="a444e17d-5f58-4faa-a0cd-68e3c35c24c8"/>
+    <ds:schemaRef ds:uri="dfa9d0b3-26e7-43eb-99b7-a59b4bd559f5"/>
+    <ds:schemaRef ds:uri="http://purl.org/dc/dcmitype/"/>
+    <ds:schemaRef ds:uri="http://purl.org/dc/elements/1.1/"/>
+    <ds:schemaRef ds:uri="http://purl.org/dc/terms/"/>
+    <ds:schemaRef ds:uri="http://schemas.microsoft.com/office/2006/documentManagement/types"/>
+    <ds:schemaRef ds:uri="http://schemas.microsoft.com/office/2006/metadata/properties"/>
+    <ds:schemaRef ds:uri="http://schemas.microsoft.com/office/infopath/2007/PartnerControls"/>
+    <ds:schemaRef ds:uri="http://schemas.openxmlformats.org/package/2006/metadata/core-properties"/>
+    <ds:schemaRef ds:uri="http://www.w3.org/XML/1998/namespace"/>
+  </ds:schemaRefs>
+</ds:datastoreItem>
+</file>
+
+<file path=customXml/itemProps2.xml><?xml version="1.0" encoding="utf-8"?>
 <ds:datastoreItem xmlns:ds="http://schemas.openxmlformats.org/officeDocument/2006/customXml" ds:itemID="{9EA50E04-F6CD-4736-9C36-9389C2452C27}">
   <ds:schemaRefs>
     <ds:schemaRef ds:uri="a243510b-46cd-4140-960f-dd1995ca1242"/>
@@ -19608,25 +22434,6 @@
 </ds:datastoreItem>
 </file>
 
-<file path=customXml/itemProps2.xml><?xml version="1.0" encoding="utf-8"?>
-<ds:datastoreItem xmlns:ds="http://schemas.openxmlformats.org/officeDocument/2006/customXml" ds:itemID="{A2C439FD-BADA-444F-8391-D4A1093D68BE}">
-  <ds:schemaRefs>
-    <ds:schemaRef ds:uri="326c5024-6e3a-4942-81ce-7163dec6b0d3"/>
-    <ds:schemaRef ds:uri="a243510b-46cd-4140-960f-dd1995ca1242"/>
-    <ds:schemaRef ds:uri="a444e17d-5f58-4faa-a0cd-68e3c35c24c8"/>
-    <ds:schemaRef ds:uri="dfa9d0b3-26e7-43eb-99b7-a59b4bd559f5"/>
-    <ds:schemaRef ds:uri="http://purl.org/dc/dcmitype/"/>
-    <ds:schemaRef ds:uri="http://purl.org/dc/elements/1.1/"/>
-    <ds:schemaRef ds:uri="http://purl.org/dc/terms/"/>
-    <ds:schemaRef ds:uri="http://schemas.microsoft.com/office/2006/documentManagement/types"/>
-    <ds:schemaRef ds:uri="http://schemas.microsoft.com/office/2006/metadata/properties"/>
-    <ds:schemaRef ds:uri="http://schemas.microsoft.com/office/infopath/2007/PartnerControls"/>
-    <ds:schemaRef ds:uri="http://schemas.openxmlformats.org/package/2006/metadata/core-properties"/>
-    <ds:schemaRef ds:uri="http://www.w3.org/XML/1998/namespace"/>
-  </ds:schemaRefs>
-</ds:datastoreItem>
-</file>
-
 <file path=customXml/itemProps3.xml><?xml version="1.0" encoding="utf-8"?>
 <ds:datastoreItem xmlns:ds="http://schemas.openxmlformats.org/officeDocument/2006/customXml" ds:itemID="{F1D5FB84-F192-457E-8C69-2A7080372F1C}">
   <ds:schemaRefs>

--- a/Datato2025_Equipo1_Reto3.pptx
+++ b/Datato2025_Equipo1_Reto3.pptx
@@ -7179,7 +7179,7 @@
                 <a:ea typeface="GulimChe" panose="020B0503020000020004" pitchFamily="49" charset="-127"/>
                 <a:cs typeface="Arial" panose="020B0604020202020204" pitchFamily="34" charset="0"/>
               </a:rPr>
-              <a:t>realizado</a:t>
+              <a:t>usado</a:t>
             </a:r>
             <a:r>
               <a:rPr lang="ca-ES" sz="1200" i="1" dirty="0">
@@ -7187,7 +7187,7 @@
                 <a:ea typeface="GulimChe" panose="020B0503020000020004" pitchFamily="49" charset="-127"/>
                 <a:cs typeface="Arial" panose="020B0604020202020204" pitchFamily="34" charset="0"/>
               </a:rPr>
-              <a:t> </a:t>
+              <a:t> la </a:t>
             </a:r>
             <a:r>
               <a:rPr lang="ca-ES" sz="1200" i="1" dirty="0" err="1">
@@ -7195,7 +7195,7 @@
                 <a:ea typeface="GulimChe" panose="020B0503020000020004" pitchFamily="49" charset="-127"/>
                 <a:cs typeface="Arial" panose="020B0604020202020204" pitchFamily="34" charset="0"/>
               </a:rPr>
-              <a:t>algún</a:t>
+              <a:t>herramienta</a:t>
             </a:r>
             <a:r>
               <a:rPr lang="ca-ES" sz="1200" i="1" dirty="0">
@@ -7211,7 +7211,7 @@
                 <a:ea typeface="GulimChe" panose="020B0503020000020004" pitchFamily="49" charset="-127"/>
                 <a:cs typeface="Arial" panose="020B0604020202020204" pitchFamily="34" charset="0"/>
               </a:rPr>
-              <a:t>enfoque</a:t>
+              <a:t>Power</a:t>
             </a:r>
             <a:r>
               <a:rPr lang="ca-ES" sz="1200" i="1" dirty="0">
@@ -7219,7 +7219,103 @@
                 <a:ea typeface="GulimChe" panose="020B0503020000020004" pitchFamily="49" charset="-127"/>
                 <a:cs typeface="Arial" panose="020B0604020202020204" pitchFamily="34" charset="0"/>
               </a:rPr>
-              <a:t> innovador?</a:t>
+              <a:t> BI por la </a:t>
+            </a:r>
+            <a:r>
+              <a:rPr lang="ca-ES" sz="1200" i="1" dirty="0" err="1">
+                <a:latin typeface="Montserrat" panose="00000500000000000000" pitchFamily="2" charset="0"/>
+                <a:ea typeface="GulimChe" panose="020B0503020000020004" pitchFamily="49" charset="-127"/>
+                <a:cs typeface="Arial" panose="020B0604020202020204" pitchFamily="34" charset="0"/>
+              </a:rPr>
+              <a:t>escasez</a:t>
+            </a:r>
+            <a:r>
+              <a:rPr lang="ca-ES" sz="1200" i="1" dirty="0">
+                <a:latin typeface="Montserrat" panose="00000500000000000000" pitchFamily="2" charset="0"/>
+                <a:ea typeface="GulimChe" panose="020B0503020000020004" pitchFamily="49" charset="-127"/>
+                <a:cs typeface="Arial" panose="020B0604020202020204" pitchFamily="34" charset="0"/>
+              </a:rPr>
+              <a:t> de </a:t>
+            </a:r>
+            <a:r>
+              <a:rPr lang="ca-ES" sz="1200" i="1" dirty="0" err="1">
+                <a:latin typeface="Montserrat" panose="00000500000000000000" pitchFamily="2" charset="0"/>
+                <a:ea typeface="GulimChe" panose="020B0503020000020004" pitchFamily="49" charset="-127"/>
+                <a:cs typeface="Arial" panose="020B0604020202020204" pitchFamily="34" charset="0"/>
+              </a:rPr>
+              <a:t>tiempo</a:t>
+            </a:r>
+            <a:r>
+              <a:rPr lang="ca-ES" sz="1200" i="1" dirty="0">
+                <a:latin typeface="Montserrat" panose="00000500000000000000" pitchFamily="2" charset="0"/>
+                <a:ea typeface="GulimChe" panose="020B0503020000020004" pitchFamily="49" charset="-127"/>
+                <a:cs typeface="Arial" panose="020B0604020202020204" pitchFamily="34" charset="0"/>
+              </a:rPr>
+              <a:t> y por </a:t>
+            </a:r>
+            <a:r>
+              <a:rPr lang="ca-ES" sz="1200" i="1" dirty="0" err="1">
+                <a:latin typeface="Montserrat" panose="00000500000000000000" pitchFamily="2" charset="0"/>
+                <a:ea typeface="GulimChe" panose="020B0503020000020004" pitchFamily="49" charset="-127"/>
+                <a:cs typeface="Arial" panose="020B0604020202020204" pitchFamily="34" charset="0"/>
+              </a:rPr>
+              <a:t>su</a:t>
+            </a:r>
+            <a:r>
+              <a:rPr lang="ca-ES" sz="1200" i="1" dirty="0">
+                <a:latin typeface="Montserrat" panose="00000500000000000000" pitchFamily="2" charset="0"/>
+                <a:ea typeface="GulimChe" panose="020B0503020000020004" pitchFamily="49" charset="-127"/>
+                <a:cs typeface="Arial" panose="020B0604020202020204" pitchFamily="34" charset="0"/>
+              </a:rPr>
+              <a:t> </a:t>
+            </a:r>
+            <a:r>
+              <a:rPr lang="ca-ES" sz="1200" i="1" dirty="0" err="1">
+                <a:latin typeface="Montserrat" panose="00000500000000000000" pitchFamily="2" charset="0"/>
+                <a:ea typeface="GulimChe" panose="020B0503020000020004" pitchFamily="49" charset="-127"/>
+                <a:cs typeface="Arial" panose="020B0604020202020204" pitchFamily="34" charset="0"/>
+              </a:rPr>
+              <a:t>flexibilidad</a:t>
+            </a:r>
+            <a:r>
+              <a:rPr lang="ca-ES" sz="1200" i="1" dirty="0">
+                <a:latin typeface="Montserrat" panose="00000500000000000000" pitchFamily="2" charset="0"/>
+                <a:ea typeface="GulimChe" panose="020B0503020000020004" pitchFamily="49" charset="-127"/>
+                <a:cs typeface="Arial" panose="020B0604020202020204" pitchFamily="34" charset="0"/>
+              </a:rPr>
+              <a:t> y </a:t>
+            </a:r>
+            <a:r>
+              <a:rPr lang="ca-ES" sz="1200" i="1" dirty="0" err="1">
+                <a:latin typeface="Montserrat" panose="00000500000000000000" pitchFamily="2" charset="0"/>
+                <a:ea typeface="GulimChe" panose="020B0503020000020004" pitchFamily="49" charset="-127"/>
+                <a:cs typeface="Arial" panose="020B0604020202020204" pitchFamily="34" charset="0"/>
+              </a:rPr>
+              <a:t>capacidades</a:t>
+            </a:r>
+            <a:r>
+              <a:rPr lang="ca-ES" sz="1200" i="1" dirty="0">
+                <a:latin typeface="Montserrat" panose="00000500000000000000" pitchFamily="2" charset="0"/>
+                <a:ea typeface="GulimChe" panose="020B0503020000020004" pitchFamily="49" charset="-127"/>
+                <a:cs typeface="Arial" panose="020B0604020202020204" pitchFamily="34" charset="0"/>
+              </a:rPr>
+              <a:t> de </a:t>
+            </a:r>
+            <a:r>
+              <a:rPr lang="ca-ES" sz="1200" i="1" dirty="0" err="1">
+                <a:latin typeface="Montserrat" panose="00000500000000000000" pitchFamily="2" charset="0"/>
+                <a:ea typeface="GulimChe" panose="020B0503020000020004" pitchFamily="49" charset="-127"/>
+                <a:cs typeface="Arial" panose="020B0604020202020204" pitchFamily="34" charset="0"/>
+              </a:rPr>
+              <a:t>visualización</a:t>
+            </a:r>
+            <a:r>
+              <a:rPr lang="ca-ES" sz="1200" i="1" dirty="0">
+                <a:latin typeface="Montserrat" panose="00000500000000000000" pitchFamily="2" charset="0"/>
+                <a:ea typeface="GulimChe" panose="020B0503020000020004" pitchFamily="49" charset="-127"/>
+                <a:cs typeface="Arial" panose="020B0604020202020204" pitchFamily="34" charset="0"/>
+              </a:rPr>
+              <a:t>.</a:t>
             </a:r>
             <a:br>
               <a:rPr lang="ca-ES" sz="1200" i="1" dirty="0">
@@ -7233,96 +7329,6 @@
               <a:ea typeface="GulimChe" panose="020B0503020000020004" pitchFamily="49" charset="-127"/>
               <a:cs typeface="Arial" panose="020B0604020202020204" pitchFamily="34" charset="0"/>
             </a:endParaRPr>
-          </a:p>
-          <a:p>
-            <a:r>
-              <a:rPr lang="ca-ES" sz="1200" i="1" dirty="0">
-                <a:latin typeface="Montserrat" panose="00000500000000000000" pitchFamily="2" charset="0"/>
-                <a:ea typeface="GulimChe" panose="020B0503020000020004" pitchFamily="49" charset="-127"/>
-                <a:cs typeface="Arial" panose="020B0604020202020204" pitchFamily="34" charset="0"/>
-              </a:rPr>
-              <a:t>Explicar como la </a:t>
-            </a:r>
-            <a:r>
-              <a:rPr lang="ca-ES" sz="1200" i="1" dirty="0" err="1">
-                <a:latin typeface="Montserrat" panose="00000500000000000000" pitchFamily="2" charset="0"/>
-                <a:ea typeface="GulimChe" panose="020B0503020000020004" pitchFamily="49" charset="-127"/>
-                <a:cs typeface="Arial" panose="020B0604020202020204" pitchFamily="34" charset="0"/>
-              </a:rPr>
-              <a:t>solución</a:t>
-            </a:r>
-            <a:r>
-              <a:rPr lang="ca-ES" sz="1200" i="1" dirty="0">
-                <a:latin typeface="Montserrat" panose="00000500000000000000" pitchFamily="2" charset="0"/>
-                <a:ea typeface="GulimChe" panose="020B0503020000020004" pitchFamily="49" charset="-127"/>
-                <a:cs typeface="Arial" panose="020B0604020202020204" pitchFamily="34" charset="0"/>
-              </a:rPr>
-              <a:t> se diferencia de </a:t>
-            </a:r>
-            <a:r>
-              <a:rPr lang="ca-ES" sz="1200" i="1" dirty="0" err="1">
-                <a:latin typeface="Montserrat" panose="00000500000000000000" pitchFamily="2" charset="0"/>
-                <a:ea typeface="GulimChe" panose="020B0503020000020004" pitchFamily="49" charset="-127"/>
-                <a:cs typeface="Arial" panose="020B0604020202020204" pitchFamily="34" charset="0"/>
-              </a:rPr>
-              <a:t>otras</a:t>
-            </a:r>
-            <a:r>
-              <a:rPr lang="ca-ES" sz="1200" i="1" dirty="0">
-                <a:latin typeface="Montserrat" panose="00000500000000000000" pitchFamily="2" charset="0"/>
-                <a:ea typeface="GulimChe" panose="020B0503020000020004" pitchFamily="49" charset="-127"/>
-                <a:cs typeface="Arial" panose="020B0604020202020204" pitchFamily="34" charset="0"/>
-              </a:rPr>
-              <a:t> </a:t>
-            </a:r>
-            <a:r>
-              <a:rPr lang="ca-ES" sz="1200" i="1" dirty="0" err="1">
-                <a:latin typeface="Montserrat" panose="00000500000000000000" pitchFamily="2" charset="0"/>
-                <a:ea typeface="GulimChe" panose="020B0503020000020004" pitchFamily="49" charset="-127"/>
-                <a:cs typeface="Arial" panose="020B0604020202020204" pitchFamily="34" charset="0"/>
-              </a:rPr>
-              <a:t>posibles</a:t>
-            </a:r>
-            <a:r>
-              <a:rPr lang="ca-ES" sz="1200" i="1" dirty="0">
-                <a:latin typeface="Montserrat" panose="00000500000000000000" pitchFamily="2" charset="0"/>
-                <a:ea typeface="GulimChe" panose="020B0503020000020004" pitchFamily="49" charset="-127"/>
-                <a:cs typeface="Arial" panose="020B0604020202020204" pitchFamily="34" charset="0"/>
-              </a:rPr>
-              <a:t> o </a:t>
-            </a:r>
-            <a:r>
-              <a:rPr lang="ca-ES" sz="1200" i="1" dirty="0" err="1">
-                <a:latin typeface="Montserrat" panose="00000500000000000000" pitchFamily="2" charset="0"/>
-                <a:ea typeface="GulimChe" panose="020B0503020000020004" pitchFamily="49" charset="-127"/>
-                <a:cs typeface="Arial" panose="020B0604020202020204" pitchFamily="34" charset="0"/>
-              </a:rPr>
-              <a:t>porque</a:t>
-            </a:r>
-            <a:r>
-              <a:rPr lang="ca-ES" sz="1200" i="1" dirty="0">
-                <a:latin typeface="Montserrat" panose="00000500000000000000" pitchFamily="2" charset="0"/>
-                <a:ea typeface="GulimChe" panose="020B0503020000020004" pitchFamily="49" charset="-127"/>
-                <a:cs typeface="Arial" panose="020B0604020202020204" pitchFamily="34" charset="0"/>
-              </a:rPr>
-              <a:t> es la major </a:t>
-            </a:r>
-            <a:r>
-              <a:rPr lang="ca-ES" sz="1200" i="1" dirty="0" err="1">
-                <a:latin typeface="Montserrat" panose="00000500000000000000" pitchFamily="2" charset="0"/>
-                <a:ea typeface="GulimChe" panose="020B0503020000020004" pitchFamily="49" charset="-127"/>
-                <a:cs typeface="Arial" panose="020B0604020202020204" pitchFamily="34" charset="0"/>
-              </a:rPr>
-              <a:t>opción</a:t>
-            </a:r>
-            <a:r>
-              <a:rPr lang="ca-ES" sz="1200" i="1" dirty="0">
-                <a:latin typeface="Montserrat" panose="00000500000000000000" pitchFamily="2" charset="0"/>
-                <a:ea typeface="GulimChe" panose="020B0503020000020004" pitchFamily="49" charset="-127"/>
-                <a:cs typeface="Arial" panose="020B0604020202020204" pitchFamily="34" charset="0"/>
-              </a:rPr>
-              <a:t>.</a:t>
-            </a:r>
           </a:p>
           <a:p>
             <a:endParaRPr lang="ca-ES" sz="1000" dirty="0">
@@ -7403,7 +7409,7 @@
         <p:spPr>
           <a:xfrm>
             <a:off x="3444705" y="2096963"/>
-            <a:ext cx="3672087" cy="1554272"/>
+            <a:ext cx="3672087" cy="1585049"/>
           </a:xfrm>
           <a:prstGeom prst="rect">
             <a:avLst/>
@@ -7482,28 +7488,127 @@
           </a:p>
           <a:p>
             <a:r>
-              <a:rPr lang="ca-ES" sz="1200" i="1" dirty="0" err="1">
+              <a:rPr lang="ca-ES" sz="1200" i="1" dirty="0">
                 <a:latin typeface="Montserrat" panose="00000500000000000000" pitchFamily="2" charset="0"/>
                 <a:ea typeface="GulimChe" panose="020B0503020000020004" pitchFamily="49" charset="-127"/>
                 <a:cs typeface="Arial" panose="020B0604020202020204" pitchFamily="34" charset="0"/>
               </a:rPr>
-              <a:t>Motivación</a:t>
-            </a:r>
-            <a:r>
-              <a:rPr lang="ca-ES" sz="1200" i="1" dirty="0">
+              <a:t>La </a:t>
+            </a:r>
+            <a:r>
+              <a:rPr lang="ca-ES" sz="1200" i="1" dirty="0" err="1">
                 <a:latin typeface="Montserrat" panose="00000500000000000000" pitchFamily="2" charset="0"/>
                 <a:ea typeface="GulimChe" panose="020B0503020000020004" pitchFamily="49" charset="-127"/>
                 <a:cs typeface="Arial" panose="020B0604020202020204" pitchFamily="34" charset="0"/>
               </a:rPr>
-              <a:t> del reto.</a:t>
-            </a:r>
-            <a:br>
+              <a:t>motivación</a:t>
+            </a:r>
+            <a:r>
               <a:rPr lang="ca-ES" sz="1200" i="1" dirty="0">
                 <a:latin typeface="Montserrat" panose="00000500000000000000" pitchFamily="2" charset="0"/>
                 <a:ea typeface="GulimChe" panose="020B0503020000020004" pitchFamily="49" charset="-127"/>
                 <a:cs typeface="Arial" panose="020B0604020202020204" pitchFamily="34" charset="0"/>
               </a:rPr>
-            </a:br>
+              <a:t> ha </a:t>
+            </a:r>
+            <a:r>
+              <a:rPr lang="ca-ES" sz="1200" i="1" dirty="0" err="1">
+                <a:latin typeface="Montserrat" panose="00000500000000000000" pitchFamily="2" charset="0"/>
+                <a:ea typeface="GulimChe" panose="020B0503020000020004" pitchFamily="49" charset="-127"/>
+                <a:cs typeface="Arial" panose="020B0604020202020204" pitchFamily="34" charset="0"/>
+              </a:rPr>
+              <a:t>sido</a:t>
+            </a:r>
+            <a:r>
+              <a:rPr lang="ca-ES" sz="1200" i="1" dirty="0">
+                <a:latin typeface="Montserrat" panose="00000500000000000000" pitchFamily="2" charset="0"/>
+                <a:ea typeface="GulimChe" panose="020B0503020000020004" pitchFamily="49" charset="-127"/>
+                <a:cs typeface="Arial" panose="020B0604020202020204" pitchFamily="34" charset="0"/>
+              </a:rPr>
+              <a:t> </a:t>
+            </a:r>
+            <a:r>
+              <a:rPr lang="ca-ES" sz="1200" i="1" dirty="0" err="1">
+                <a:latin typeface="Montserrat" panose="00000500000000000000" pitchFamily="2" charset="0"/>
+                <a:ea typeface="GulimChe" panose="020B0503020000020004" pitchFamily="49" charset="-127"/>
+                <a:cs typeface="Arial" panose="020B0604020202020204" pitchFamily="34" charset="0"/>
+              </a:rPr>
+              <a:t>desarrollar</a:t>
+            </a:r>
+            <a:r>
+              <a:rPr lang="ca-ES" sz="1200" i="1" dirty="0">
+                <a:latin typeface="Montserrat" panose="00000500000000000000" pitchFamily="2" charset="0"/>
+                <a:ea typeface="GulimChe" panose="020B0503020000020004" pitchFamily="49" charset="-127"/>
+                <a:cs typeface="Arial" panose="020B0604020202020204" pitchFamily="34" charset="0"/>
+              </a:rPr>
+              <a:t> un </a:t>
+            </a:r>
+            <a:r>
+              <a:rPr lang="ca-ES" sz="1200" i="1" dirty="0" err="1">
+                <a:latin typeface="Montserrat" panose="00000500000000000000" pitchFamily="2" charset="0"/>
+                <a:ea typeface="GulimChe" panose="020B0503020000020004" pitchFamily="49" charset="-127"/>
+                <a:cs typeface="Arial" panose="020B0604020202020204" pitchFamily="34" charset="0"/>
+              </a:rPr>
+              <a:t>proyecto</a:t>
+            </a:r>
+            <a:r>
+              <a:rPr lang="ca-ES" sz="1200" i="1" dirty="0">
+                <a:latin typeface="Montserrat" panose="00000500000000000000" pitchFamily="2" charset="0"/>
+                <a:ea typeface="GulimChe" panose="020B0503020000020004" pitchFamily="49" charset="-127"/>
+                <a:cs typeface="Arial" panose="020B0604020202020204" pitchFamily="34" charset="0"/>
+              </a:rPr>
+              <a:t> de anàlisis de </a:t>
+            </a:r>
+            <a:r>
+              <a:rPr lang="ca-ES" sz="1200" i="1" dirty="0" err="1">
+                <a:latin typeface="Montserrat" panose="00000500000000000000" pitchFamily="2" charset="0"/>
+                <a:ea typeface="GulimChe" panose="020B0503020000020004" pitchFamily="49" charset="-127"/>
+                <a:cs typeface="Arial" panose="020B0604020202020204" pitchFamily="34" charset="0"/>
+              </a:rPr>
+              <a:t>datos</a:t>
+            </a:r>
+            <a:r>
+              <a:rPr lang="ca-ES" sz="1200" i="1" dirty="0">
+                <a:latin typeface="Montserrat" panose="00000500000000000000" pitchFamily="2" charset="0"/>
+                <a:ea typeface="GulimChe" panose="020B0503020000020004" pitchFamily="49" charset="-127"/>
+                <a:cs typeface="Arial" panose="020B0604020202020204" pitchFamily="34" charset="0"/>
+              </a:rPr>
+              <a:t> en </a:t>
+            </a:r>
+            <a:r>
+              <a:rPr lang="ca-ES" sz="1200" i="1" dirty="0" err="1">
+                <a:latin typeface="Montserrat" panose="00000500000000000000" pitchFamily="2" charset="0"/>
+                <a:ea typeface="GulimChe" panose="020B0503020000020004" pitchFamily="49" charset="-127"/>
+                <a:cs typeface="Arial" panose="020B0604020202020204" pitchFamily="34" charset="0"/>
+              </a:rPr>
+              <a:t>poco</a:t>
+            </a:r>
+            <a:r>
+              <a:rPr lang="ca-ES" sz="1200" i="1" dirty="0">
+                <a:latin typeface="Montserrat" panose="00000500000000000000" pitchFamily="2" charset="0"/>
+                <a:ea typeface="GulimChe" panose="020B0503020000020004" pitchFamily="49" charset="-127"/>
+                <a:cs typeface="Arial" panose="020B0604020202020204" pitchFamily="34" charset="0"/>
+              </a:rPr>
+              <a:t> </a:t>
+            </a:r>
+            <a:r>
+              <a:rPr lang="ca-ES" sz="1200" i="1" dirty="0" err="1">
+                <a:latin typeface="Montserrat" panose="00000500000000000000" pitchFamily="2" charset="0"/>
+                <a:ea typeface="GulimChe" panose="020B0503020000020004" pitchFamily="49" charset="-127"/>
+                <a:cs typeface="Arial" panose="020B0604020202020204" pitchFamily="34" charset="0"/>
+              </a:rPr>
+              <a:t>tiempo</a:t>
+            </a:r>
+            <a:r>
+              <a:rPr lang="ca-ES" sz="1200" i="1" dirty="0">
+                <a:latin typeface="Montserrat" panose="00000500000000000000" pitchFamily="2" charset="0"/>
+                <a:ea typeface="GulimChe" panose="020B0503020000020004" pitchFamily="49" charset="-127"/>
+                <a:cs typeface="Arial" panose="020B0604020202020204" pitchFamily="34" charset="0"/>
+              </a:rPr>
+              <a:t>.</a:t>
+            </a:r>
+          </a:p>
+          <a:p>
             <a:endParaRPr lang="ca-ES" sz="1200" i="1" dirty="0">
               <a:latin typeface="Montserrat" panose="00000500000000000000" pitchFamily="2" charset="0"/>
               <a:ea typeface="GulimChe" panose="020B0503020000020004" pitchFamily="49" charset="-127"/>
@@ -7512,119 +7617,109 @@
           </a:p>
           <a:p>
             <a:r>
-              <a:rPr lang="ca-ES" sz="1200" i="1" dirty="0" err="1">
+              <a:rPr lang="ca-ES" sz="1200" i="1" dirty="0">
                 <a:latin typeface="Montserrat" panose="00000500000000000000" pitchFamily="2" charset="0"/>
                 <a:ea typeface="GulimChe" panose="020B0503020000020004" pitchFamily="49" charset="-127"/>
                 <a:cs typeface="Arial" panose="020B0604020202020204" pitchFamily="34" charset="0"/>
               </a:rPr>
-              <a:t>Breve</a:t>
-            </a:r>
-            <a:r>
-              <a:rPr lang="ca-ES" sz="1200" i="1" dirty="0">
+              <a:t>Los puntós </a:t>
+            </a:r>
+            <a:r>
+              <a:rPr lang="ca-ES" sz="1200" i="1" dirty="0" err="1">
                 <a:latin typeface="Montserrat" panose="00000500000000000000" pitchFamily="2" charset="0"/>
                 <a:ea typeface="GulimChe" panose="020B0503020000020004" pitchFamily="49" charset="-127"/>
                 <a:cs typeface="Arial" panose="020B0604020202020204" pitchFamily="34" charset="0"/>
               </a:rPr>
-              <a:t> </a:t>
-            </a:r>
-            <a:r>
-              <a:rPr lang="ca-ES" sz="1200" i="1" dirty="0" err="1">
+              <a:t>débiles</a:t>
+            </a:r>
+            <a:r>
+              <a:rPr lang="ca-ES" sz="1200" i="1" dirty="0">
                 <a:latin typeface="Montserrat" panose="00000500000000000000" pitchFamily="2" charset="0"/>
                 <a:ea typeface="GulimChe" panose="020B0503020000020004" pitchFamily="49" charset="-127"/>
                 <a:cs typeface="Arial" panose="020B0604020202020204" pitchFamily="34" charset="0"/>
               </a:rPr>
-              <a:t>explicación</a:t>
-            </a:r>
-            <a:r>
-              <a:rPr lang="ca-ES" sz="1200" i="1" dirty="0">
+              <a:t> </a:t>
+            </a:r>
+            <a:r>
+              <a:rPr lang="ca-ES" sz="1200" i="1" dirty="0" err="1">
                 <a:latin typeface="Montserrat" panose="00000500000000000000" pitchFamily="2" charset="0"/>
                 <a:ea typeface="GulimChe" panose="020B0503020000020004" pitchFamily="49" charset="-127"/>
                 <a:cs typeface="Arial" panose="020B0604020202020204" pitchFamily="34" charset="0"/>
               </a:rPr>
-              <a:t> de como se han </a:t>
-            </a:r>
-            <a:r>
-              <a:rPr lang="ca-ES" sz="1200" i="1" dirty="0" err="1">
+              <a:t>eran</a:t>
+            </a:r>
+            <a:r>
+              <a:rPr lang="ca-ES" sz="1200" i="1" dirty="0">
                 <a:latin typeface="Montserrat" panose="00000500000000000000" pitchFamily="2" charset="0"/>
                 <a:ea typeface="GulimChe" panose="020B0503020000020004" pitchFamily="49" charset="-127"/>
                 <a:cs typeface="Arial" panose="020B0604020202020204" pitchFamily="34" charset="0"/>
               </a:rPr>
-              <a:t>identificado</a:t>
-            </a:r>
-            <a:r>
-              <a:rPr lang="ca-ES" sz="1200" i="1" dirty="0">
+              <a:t> no </a:t>
+            </a:r>
+            <a:r>
+              <a:rPr lang="ca-ES" sz="1200" i="1" dirty="0" err="1">
                 <a:latin typeface="Montserrat" panose="00000500000000000000" pitchFamily="2" charset="0"/>
                 <a:ea typeface="GulimChe" panose="020B0503020000020004" pitchFamily="49" charset="-127"/>
                 <a:cs typeface="Arial" panose="020B0604020202020204" pitchFamily="34" charset="0"/>
               </a:rPr>
-              <a:t> los </a:t>
-            </a:r>
-            <a:r>
-              <a:rPr lang="ca-ES" sz="1200" i="1" dirty="0" err="1">
+              <a:t>conocerse</a:t>
+            </a:r>
+            <a:r>
+              <a:rPr lang="ca-ES" sz="1200" i="1" dirty="0">
                 <a:latin typeface="Montserrat" panose="00000500000000000000" pitchFamily="2" charset="0"/>
                 <a:ea typeface="GulimChe" panose="020B0503020000020004" pitchFamily="49" charset="-127"/>
                 <a:cs typeface="Arial" panose="020B0604020202020204" pitchFamily="34" charset="0"/>
               </a:rPr>
-              <a:t>puntos</a:t>
-            </a:r>
-            <a:r>
-              <a:rPr lang="ca-ES" sz="1200" i="1" dirty="0">
+              <a:t> </a:t>
+            </a:r>
+            <a:r>
+              <a:rPr lang="ca-ES" sz="1200" i="1" dirty="0" err="1">
                 <a:latin typeface="Montserrat" panose="00000500000000000000" pitchFamily="2" charset="0"/>
                 <a:ea typeface="GulimChe" panose="020B0503020000020004" pitchFamily="49" charset="-127"/>
                 <a:cs typeface="Arial" panose="020B0604020202020204" pitchFamily="34" charset="0"/>
               </a:rPr>
-              <a:t> </a:t>
-            </a:r>
-            <a:r>
-              <a:rPr lang="ca-ES" sz="1200" i="1" dirty="0" err="1">
+              <a:t>previamente</a:t>
+            </a:r>
+            <a:r>
+              <a:rPr lang="ca-ES" sz="1200" i="1" dirty="0">
                 <a:latin typeface="Montserrat" panose="00000500000000000000" pitchFamily="2" charset="0"/>
                 <a:ea typeface="GulimChe" panose="020B0503020000020004" pitchFamily="49" charset="-127"/>
                 <a:cs typeface="Arial" panose="020B0604020202020204" pitchFamily="34" charset="0"/>
               </a:rPr>
-              <a:t>débiles</a:t>
-            </a:r>
-            <a:r>
-              <a:rPr lang="ca-ES" sz="1200" i="1" dirty="0">
+              <a:t> y tenir que decidir ràpidament </a:t>
+            </a:r>
+            <a:r>
+              <a:rPr lang="ca-ES" sz="1200" i="1" dirty="0" err="1">
                 <a:latin typeface="Montserrat" panose="00000500000000000000" pitchFamily="2" charset="0"/>
                 <a:ea typeface="GulimChe" panose="020B0503020000020004" pitchFamily="49" charset="-127"/>
                 <a:cs typeface="Arial" panose="020B0604020202020204" pitchFamily="34" charset="0"/>
               </a:rPr>
-              <a:t> o </a:t>
-            </a:r>
-            <a:r>
-              <a:rPr lang="ca-ES" sz="1200" i="1" dirty="0" err="1">
+              <a:t>qué</a:t>
+            </a:r>
+            <a:r>
+              <a:rPr lang="ca-ES" sz="1200" i="1" dirty="0">
                 <a:latin typeface="Montserrat" panose="00000500000000000000" pitchFamily="2" charset="0"/>
                 <a:ea typeface="GulimChe" panose="020B0503020000020004" pitchFamily="49" charset="-127"/>
                 <a:cs typeface="Arial" panose="020B0604020202020204" pitchFamily="34" charset="0"/>
               </a:rPr>
-              <a:t>áreas</a:t>
-            </a:r>
-            <a:r>
-              <a:rPr lang="ca-ES" sz="1200" i="1" dirty="0">
+              <a:t> reto </a:t>
+            </a:r>
+            <a:r>
+              <a:rPr lang="ca-ES" sz="1200" i="1" dirty="0" err="1">
                 <a:latin typeface="Montserrat" panose="00000500000000000000" pitchFamily="2" charset="0"/>
                 <a:ea typeface="GulimChe" panose="020B0503020000020004" pitchFamily="49" charset="-127"/>
                 <a:cs typeface="Arial" panose="020B0604020202020204" pitchFamily="34" charset="0"/>
               </a:rPr>
-              <a:t> de </a:t>
-            </a:r>
-            <a:r>
-              <a:rPr lang="ca-ES" sz="1200" i="1" dirty="0" err="1">
+              <a:t>realizar</a:t>
+            </a:r>
+            <a:r>
+              <a:rPr lang="ca-ES" sz="1200" i="1" dirty="0">
                 <a:latin typeface="Montserrat" panose="00000500000000000000" pitchFamily="2" charset="0"/>
                 <a:ea typeface="GulimChe" panose="020B0503020000020004" pitchFamily="49" charset="-127"/>
                 <a:cs typeface="Arial" panose="020B0604020202020204" pitchFamily="34" charset="0"/>
               </a:rPr>
-              <a:t>oportunidad</a:t>
-            </a:r>
-            <a:r>
-              <a:rPr lang="ca-ES" sz="1200" i="1" dirty="0">
-                <a:latin typeface="Montserrat" panose="00000500000000000000" pitchFamily="2" charset="0"/>
-                <a:ea typeface="GulimChe" panose="020B0503020000020004" pitchFamily="49" charset="-127"/>
-                <a:cs typeface="Arial" panose="020B0604020202020204" pitchFamily="34" charset="0"/>
-              </a:rPr>
-              <a:t> en este reto.</a:t>
-            </a:r>
-          </a:p>
-          <a:p>
+              <a:t>.</a:t>
+            </a:r>
             <a:endParaRPr lang="ca-ES" sz="1000" dirty="0">
               <a:latin typeface="Arial" panose="020B0604020202020204" pitchFamily="34" charset="0"/>
               <a:cs typeface="Arial" panose="020B0604020202020204" pitchFamily="34" charset="0"/>
@@ -7696,116 +7791,92 @@
           </a:p>
           <a:p>
             <a:r>
-              <a:rPr lang="ca-ES" sz="1200" i="1" dirty="0" err="1">
+              <a:rPr lang="ca-ES" sz="1200" i="1" dirty="0">
                 <a:latin typeface="Montserrat" panose="00000500000000000000" pitchFamily="2" charset="0"/>
                 <a:ea typeface="GulimChe" panose="020B0503020000020004" pitchFamily="49" charset="-127"/>
                 <a:cs typeface="Arial" panose="020B0604020202020204" pitchFamily="34" charset="0"/>
               </a:rPr>
-              <a:t>Incluir</a:t>
-            </a:r>
-            <a:r>
-              <a:rPr lang="ca-ES" sz="1200" i="1" dirty="0">
+              <a:t>Hemos </a:t>
+            </a:r>
+            <a:r>
+              <a:rPr lang="ca-ES" sz="1200" i="1" dirty="0" err="1">
                 <a:latin typeface="Montserrat" panose="00000500000000000000" pitchFamily="2" charset="0"/>
                 <a:ea typeface="GulimChe" panose="020B0503020000020004" pitchFamily="49" charset="-127"/>
                 <a:cs typeface="Arial" panose="020B0604020202020204" pitchFamily="34" charset="0"/>
               </a:rPr>
-              <a:t> </a:t>
-            </a:r>
-            <a:r>
-              <a:rPr lang="ca-ES" sz="1200" i="1" dirty="0" err="1">
+              <a:t>desarrollado</a:t>
+            </a:r>
+            <a:r>
+              <a:rPr lang="ca-ES" sz="1200" i="1" dirty="0">
                 <a:latin typeface="Montserrat" panose="00000500000000000000" pitchFamily="2" charset="0"/>
                 <a:ea typeface="GulimChe" panose="020B0503020000020004" pitchFamily="49" charset="-127"/>
                 <a:cs typeface="Arial" panose="020B0604020202020204" pitchFamily="34" charset="0"/>
               </a:rPr>
-              <a:t>métricas</a:t>
-            </a:r>
-            <a:r>
-              <a:rPr lang="ca-ES" sz="1200" i="1" dirty="0">
+              <a:t> un </a:t>
+            </a:r>
+            <a:r>
+              <a:rPr lang="ca-ES" sz="1200" i="1" dirty="0" err="1">
                 <a:latin typeface="Montserrat" panose="00000500000000000000" pitchFamily="2" charset="0"/>
                 <a:ea typeface="GulimChe" panose="020B0503020000020004" pitchFamily="49" charset="-127"/>
                 <a:cs typeface="Arial" panose="020B0604020202020204" pitchFamily="34" charset="0"/>
               </a:rPr>
-              <a:t> </a:t>
-            </a:r>
-            <a:r>
-              <a:rPr lang="ca-ES" sz="1200" i="1" dirty="0" err="1">
+              <a:t>proyecto</a:t>
+            </a:r>
+            <a:r>
+              <a:rPr lang="ca-ES" sz="1200" i="1" dirty="0">
                 <a:latin typeface="Montserrat" panose="00000500000000000000" pitchFamily="2" charset="0"/>
                 <a:ea typeface="GulimChe" panose="020B0503020000020004" pitchFamily="49" charset="-127"/>
                 <a:cs typeface="Arial" panose="020B0604020202020204" pitchFamily="34" charset="0"/>
               </a:rPr>
-              <a:t>clave</a:t>
-            </a:r>
-            <a:r>
-              <a:rPr lang="ca-ES" sz="1200" i="1" dirty="0">
+              <a:t> </a:t>
+            </a:r>
+            <a:r>
+              <a:rPr lang="ca-ES" sz="1200" i="1" dirty="0" err="1">
                 <a:latin typeface="Montserrat" panose="00000500000000000000" pitchFamily="2" charset="0"/>
                 <a:ea typeface="GulimChe" panose="020B0503020000020004" pitchFamily="49" charset="-127"/>
                 <a:cs typeface="Arial" panose="020B0604020202020204" pitchFamily="34" charset="0"/>
               </a:rPr>
-              <a:t> o </a:t>
-            </a:r>
-            <a:r>
-              <a:rPr lang="ca-ES" sz="1200" i="1" dirty="0" err="1">
+              <a:t>muy</a:t>
+            </a:r>
+            <a:r>
+              <a:rPr lang="ca-ES" sz="1200" i="1" dirty="0">
                 <a:latin typeface="Montserrat" panose="00000500000000000000" pitchFamily="2" charset="0"/>
                 <a:ea typeface="GulimChe" panose="020B0503020000020004" pitchFamily="49" charset="-127"/>
                 <a:cs typeface="Arial" panose="020B0604020202020204" pitchFamily="34" charset="0"/>
               </a:rPr>
-              <a:t>escenarios</a:t>
-            </a:r>
-            <a:r>
-              <a:rPr lang="ca-ES" sz="1200" i="1" dirty="0">
+              <a:t> visual para facilitar el uso por </a:t>
+            </a:r>
+            <a:r>
+              <a:rPr lang="ca-ES" sz="1200" i="1" dirty="0" err="1">
                 <a:latin typeface="Montserrat" panose="00000500000000000000" pitchFamily="2" charset="0"/>
                 <a:ea typeface="GulimChe" panose="020B0503020000020004" pitchFamily="49" charset="-127"/>
                 <a:cs typeface="Arial" panose="020B0604020202020204" pitchFamily="34" charset="0"/>
               </a:rPr>
-              <a:t> </a:t>
-            </a:r>
-            <a:r>
-              <a:rPr lang="ca-ES" sz="1200" i="1" dirty="0" err="1">
+              <a:t>parte</a:t>
+            </a:r>
+            <a:r>
+              <a:rPr lang="ca-ES" sz="1200" i="1" dirty="0">
                 <a:latin typeface="Montserrat" panose="00000500000000000000" pitchFamily="2" charset="0"/>
                 <a:ea typeface="GulimChe" panose="020B0503020000020004" pitchFamily="49" charset="-127"/>
                 <a:cs typeface="Arial" panose="020B0604020202020204" pitchFamily="34" charset="0"/>
               </a:rPr>
-              <a:t>dónde</a:t>
-            </a:r>
-            <a:r>
-              <a:rPr lang="ca-ES" sz="1200" i="1" dirty="0">
+              <a:t> de los </a:t>
+            </a:r>
+            <a:r>
+              <a:rPr lang="ca-ES" sz="1200" i="1" dirty="0" err="1">
                 <a:latin typeface="Montserrat" panose="00000500000000000000" pitchFamily="2" charset="0"/>
                 <a:ea typeface="GulimChe" panose="020B0503020000020004" pitchFamily="49" charset="-127"/>
                 <a:cs typeface="Arial" panose="020B0604020202020204" pitchFamily="34" charset="0"/>
               </a:rPr>
-              <a:t> la </a:t>
-            </a:r>
-            <a:r>
-              <a:rPr lang="ca-ES" sz="1200" i="1" dirty="0" err="1">
+              <a:t>usarioss</a:t>
+            </a:r>
+            <a:r>
+              <a:rPr lang="ca-ES" sz="1200" i="1">
                 <a:latin typeface="Montserrat" panose="00000500000000000000" pitchFamily="2" charset="0"/>
                 <a:ea typeface="GulimChe" panose="020B0503020000020004" pitchFamily="49" charset="-127"/>
                 <a:cs typeface="Arial" panose="020B0604020202020204" pitchFamily="34" charset="0"/>
               </a:rPr>
-              <a:t>solución</a:t>
-            </a:r>
-            <a:r>
-              <a:rPr lang="ca-ES" sz="1200" i="1" dirty="0">
-                <a:latin typeface="Montserrat" panose="00000500000000000000" pitchFamily="2" charset="0"/>
-                <a:ea typeface="GulimChe" panose="020B0503020000020004" pitchFamily="49" charset="-127"/>
-                <a:cs typeface="Arial" panose="020B0604020202020204" pitchFamily="34" charset="0"/>
-              </a:rPr>
-              <a:t> </a:t>
-            </a:r>
-            <a:r>
-              <a:rPr lang="ca-ES" sz="1200" i="1" dirty="0" err="1">
-                <a:latin typeface="Montserrat" panose="00000500000000000000" pitchFamily="2" charset="0"/>
-                <a:ea typeface="GulimChe" panose="020B0503020000020004" pitchFamily="49" charset="-127"/>
-                <a:cs typeface="Arial" panose="020B0604020202020204" pitchFamily="34" charset="0"/>
-              </a:rPr>
-              <a:t>aporte</a:t>
-            </a:r>
-            <a:r>
-              <a:rPr lang="ca-ES" sz="1200" i="1" dirty="0">
-                <a:latin typeface="Montserrat" panose="00000500000000000000" pitchFamily="2" charset="0"/>
-                <a:ea typeface="GulimChe" panose="020B0503020000020004" pitchFamily="49" charset="-127"/>
-                <a:cs typeface="Arial" panose="020B0604020202020204" pitchFamily="34" charset="0"/>
-              </a:rPr>
-              <a:t> un valor diferencial.</a:t>
+              <a:t>.</a:t>
             </a:r>
             <a:endParaRPr lang="ca-ES" sz="1200" i="1" noProof="0" dirty="0">
               <a:latin typeface="Montserrat" panose="00000500000000000000" pitchFamily="2" charset="0"/>
@@ -10222,7 +10293,7 @@
         <p:spPr>
           <a:xfrm>
             <a:off x="406434" y="2556398"/>
-            <a:ext cx="2942459" cy="2692660"/>
+            <a:ext cx="2942459" cy="2461828"/>
           </a:xfrm>
           <a:prstGeom prst="rect">
             <a:avLst/>
@@ -10314,13 +10385,22 @@
               <a:buChar char="•"/>
             </a:pPr>
             <a:r>
+              <a:rPr lang="ca-ES" sz="1000" i="1" noProof="0" dirty="0">
+                <a:solidFill>
+                  <a:schemeClr val="bg2"/>
+                </a:solidFill>
+                <a:latin typeface="Montserrat" panose="00000500000000000000" pitchFamily="2" charset="0"/>
+              </a:rPr>
+              <a:t>Se han </a:t>
+            </a:r>
+            <a:r>
               <a:rPr lang="ca-ES" sz="1000" i="1" noProof="0" dirty="0" err="1">
                 <a:solidFill>
                   <a:schemeClr val="bg2"/>
                 </a:solidFill>
                 <a:latin typeface="Montserrat" panose="00000500000000000000" pitchFamily="2" charset="0"/>
               </a:rPr>
-              <a:t>Qué</a:t>
+              <a:t>usado</a:t>
             </a:r>
             <a:r>
               <a:rPr lang="ca-ES" sz="1000" i="1" noProof="0" dirty="0">
@@ -10329,7 +10409,7 @@
                 </a:solidFill>
                 <a:latin typeface="Montserrat" panose="00000500000000000000" pitchFamily="2" charset="0"/>
               </a:rPr>
-              <a:t> tipo de </a:t>
+              <a:t> </a:t>
             </a:r>
             <a:r>
               <a:rPr lang="ca-ES" sz="1000" i="1" noProof="0" dirty="0" err="1">
@@ -10338,7 +10418,7 @@
                 </a:solidFill>
                 <a:latin typeface="Montserrat" panose="00000500000000000000" pitchFamily="2" charset="0"/>
               </a:rPr>
-              <a:t>análisi</a:t>
+              <a:t>consultas</a:t>
             </a:r>
             <a:r>
               <a:rPr lang="ca-ES" sz="1000" i="1" noProof="0" dirty="0">
@@ -10347,7 +10427,7 @@
                 </a:solidFill>
                 <a:latin typeface="Montserrat" panose="00000500000000000000" pitchFamily="2" charset="0"/>
               </a:rPr>
-              <a:t> o </a:t>
+              <a:t> de </a:t>
             </a:r>
             <a:r>
               <a:rPr lang="ca-ES" sz="1000" i="1" noProof="0" dirty="0" err="1">
@@ -10356,7 +10436,7 @@
                 </a:solidFill>
                 <a:latin typeface="Montserrat" panose="00000500000000000000" pitchFamily="2" charset="0"/>
               </a:rPr>
-              <a:t>procesamiento</a:t>
+              <a:t>Power</a:t>
             </a:r>
             <a:r>
               <a:rPr lang="ca-ES" sz="1000" i="1" noProof="0" dirty="0">
@@ -10365,7 +10445,7 @@
                 </a:solidFill>
                 <a:latin typeface="Montserrat" panose="00000500000000000000" pitchFamily="2" charset="0"/>
               </a:rPr>
-              <a:t> se ha </a:t>
+              <a:t> BI y </a:t>
             </a:r>
             <a:r>
               <a:rPr lang="ca-ES" sz="1000" i="1" noProof="0" dirty="0" err="1">
@@ -10374,7 +10454,7 @@
                 </a:solidFill>
                 <a:latin typeface="Montserrat" panose="00000500000000000000" pitchFamily="2" charset="0"/>
               </a:rPr>
-              <a:t>realizado</a:t>
+              <a:t>dataframes</a:t>
             </a:r>
             <a:r>
               <a:rPr lang="ca-ES" sz="1000" i="1" noProof="0" dirty="0">
@@ -10383,8 +10463,41 @@
                 </a:solidFill>
                 <a:latin typeface="Montserrat" panose="00000500000000000000" pitchFamily="2" charset="0"/>
               </a:rPr>
-              <a:t>? </a:t>
-            </a:r>
+              <a:t> de </a:t>
+            </a:r>
+            <a:r>
+              <a:rPr lang="ca-ES" sz="1000" i="1" noProof="0" dirty="0" err="1">
+                <a:solidFill>
+                  <a:schemeClr val="bg2"/>
+                </a:solidFill>
+                <a:latin typeface="Montserrat" panose="00000500000000000000" pitchFamily="2" charset="0"/>
+              </a:rPr>
+              <a:t>Pandas</a:t>
+            </a:r>
+            <a:r>
+              <a:rPr lang="ca-ES" sz="1000" i="1" noProof="0" dirty="0">
+                <a:solidFill>
+                  <a:schemeClr val="bg2"/>
+                </a:solidFill>
+                <a:latin typeface="Montserrat" panose="00000500000000000000" pitchFamily="2" charset="0"/>
+              </a:rPr>
+              <a:t> en </a:t>
+            </a:r>
+            <a:r>
+              <a:rPr lang="ca-ES" sz="1000" i="1" noProof="0" dirty="0" err="1">
+                <a:solidFill>
+                  <a:schemeClr val="bg2"/>
+                </a:solidFill>
+                <a:latin typeface="Montserrat" panose="00000500000000000000" pitchFamily="2" charset="0"/>
+              </a:rPr>
+              <a:t>Python</a:t>
+            </a:r>
+            <a:endParaRPr lang="ca-ES" sz="1000" i="1" noProof="0" dirty="0">
+              <a:solidFill>
+                <a:schemeClr val="bg2"/>
+              </a:solidFill>
+              <a:latin typeface="Montserrat" panose="00000500000000000000" pitchFamily="2" charset="0"/>
+            </a:endParaRPr>
           </a:p>
           <a:p>
             <a:pPr marL="171450" indent="-171450">
@@ -10434,7 +10547,7 @@
                 </a:solidFill>
                 <a:latin typeface="Montserrat" panose="00000500000000000000" pitchFamily="2" charset="0"/>
               </a:rPr>
-              <a:t>técnicas</a:t>
+              <a:t>visualizaciones</a:t>
             </a:r>
             <a:r>
               <a:rPr lang="ca-ES" sz="1000" i="1" noProof="0" dirty="0">
@@ -10443,7 +10556,7 @@
                 </a:solidFill>
                 <a:latin typeface="Montserrat" panose="00000500000000000000" pitchFamily="2" charset="0"/>
               </a:rPr>
-              <a:t> de </a:t>
+              <a:t> en </a:t>
             </a:r>
             <a:r>
               <a:rPr lang="ca-ES" sz="1000" i="1" noProof="0" dirty="0" err="1">
@@ -10452,7 +10565,7 @@
                 </a:solidFill>
                 <a:latin typeface="Montserrat" panose="00000500000000000000" pitchFamily="2" charset="0"/>
               </a:rPr>
-              <a:t>machine</a:t>
+              <a:t>Power</a:t>
             </a:r>
             <a:r>
               <a:rPr lang="ca-ES" sz="1000" i="1" noProof="0" dirty="0">
@@ -10461,79 +10574,7 @@
                 </a:solidFill>
                 <a:latin typeface="Montserrat" panose="00000500000000000000" pitchFamily="2" charset="0"/>
               </a:rPr>
-              <a:t> </a:t>
-            </a:r>
-            <a:r>
-              <a:rPr lang="ca-ES" sz="1000" i="1" noProof="0" dirty="0" err="1">
-                <a:solidFill>
-                  <a:schemeClr val="bg2"/>
-                </a:solidFill>
-                <a:latin typeface="Montserrat" panose="00000500000000000000" pitchFamily="2" charset="0"/>
-              </a:rPr>
-              <a:t>learning</a:t>
-            </a:r>
-            <a:r>
-              <a:rPr lang="ca-ES" sz="1000" i="1" noProof="0" dirty="0">
-                <a:solidFill>
-                  <a:schemeClr val="bg2"/>
-                </a:solidFill>
-                <a:latin typeface="Montserrat" panose="00000500000000000000" pitchFamily="2" charset="0"/>
-              </a:rPr>
-              <a:t>, </a:t>
-            </a:r>
-            <a:r>
-              <a:rPr lang="ca-ES" sz="1000" i="1" noProof="0" dirty="0" err="1">
-                <a:solidFill>
-                  <a:schemeClr val="bg2"/>
-                </a:solidFill>
-                <a:latin typeface="Montserrat" panose="00000500000000000000" pitchFamily="2" charset="0"/>
-              </a:rPr>
-              <a:t>visualizaciones</a:t>
-            </a:r>
-            <a:r>
-              <a:rPr lang="ca-ES" sz="1000" i="1" noProof="0" dirty="0">
-                <a:solidFill>
-                  <a:schemeClr val="bg2"/>
-                </a:solidFill>
-                <a:latin typeface="Montserrat" panose="00000500000000000000" pitchFamily="2" charset="0"/>
-              </a:rPr>
-              <a:t>, </a:t>
-            </a:r>
-            <a:r>
-              <a:rPr lang="ca-ES" sz="1000" i="1" noProof="0" dirty="0" err="1">
-                <a:solidFill>
-                  <a:schemeClr val="bg2"/>
-                </a:solidFill>
-                <a:latin typeface="Montserrat" panose="00000500000000000000" pitchFamily="2" charset="0"/>
-              </a:rPr>
-              <a:t>modelos</a:t>
-            </a:r>
-            <a:r>
-              <a:rPr lang="ca-ES" sz="1000" i="1" noProof="0" dirty="0">
-                <a:solidFill>
-                  <a:schemeClr val="bg2"/>
-                </a:solidFill>
-                <a:latin typeface="Montserrat" panose="00000500000000000000" pitchFamily="2" charset="0"/>
-              </a:rPr>
-              <a:t> </a:t>
-            </a:r>
-            <a:r>
-              <a:rPr lang="ca-ES" sz="1000" i="1" noProof="0" dirty="0" err="1">
-                <a:solidFill>
-                  <a:schemeClr val="bg2"/>
-                </a:solidFill>
-                <a:latin typeface="Montserrat" panose="00000500000000000000" pitchFamily="2" charset="0"/>
-              </a:rPr>
-              <a:t>predictivos</a:t>
-            </a:r>
-            <a:r>
-              <a:rPr lang="ca-ES" sz="1000" i="1" noProof="0" dirty="0">
-                <a:solidFill>
-                  <a:schemeClr val="bg2"/>
-                </a:solidFill>
-                <a:latin typeface="Montserrat" panose="00000500000000000000" pitchFamily="2" charset="0"/>
-              </a:rPr>
-              <a:t>?</a:t>
+              <a:t> BI</a:t>
             </a:r>
           </a:p>
           <a:p>
@@ -10757,220 +10798,184 @@
               <a:buChar char="•"/>
             </a:pPr>
             <a:r>
-              <a:rPr lang="ca-ES" sz="1000" i="1" noProof="0" dirty="0" err="1">
+              <a:rPr lang="ca-ES" sz="1000" i="1" dirty="0" err="1">
                 <a:solidFill>
                   <a:schemeClr val="bg2"/>
                 </a:solidFill>
                 <a:latin typeface="Montserrat" panose="00000500000000000000" pitchFamily="2" charset="0"/>
               </a:rPr>
-              <a:t>Qué</a:t>
-            </a:r>
-            <a:r>
-              <a:rPr lang="ca-ES" sz="1000" i="1" noProof="0" dirty="0">
+              <a:t>Analizando</a:t>
+            </a:r>
+            <a:r>
+              <a:rPr lang="ca-ES" sz="1000" i="1" dirty="0">
                 <a:solidFill>
                   <a:schemeClr val="bg2"/>
                 </a:solidFill>
                 <a:latin typeface="Montserrat" panose="00000500000000000000" pitchFamily="2" charset="0"/>
               </a:rPr>
+              <a:t> los </a:t>
+            </a:r>
+            <a:r>
+              <a:rPr lang="ca-ES" sz="1000" i="1" dirty="0" err="1">
+                <a:solidFill>
+                  <a:schemeClr val="bg2"/>
+                </a:solidFill>
+                <a:latin typeface="Montserrat" panose="00000500000000000000" pitchFamily="2" charset="0"/>
+              </a:rPr>
+              <a:t>datos</a:t>
+            </a:r>
+            <a:r>
+              <a:rPr lang="ca-ES" sz="1000" i="1" dirty="0">
+                <a:solidFill>
+                  <a:schemeClr val="bg2"/>
+                </a:solidFill>
+                <a:latin typeface="Montserrat" panose="00000500000000000000" pitchFamily="2" charset="0"/>
+              </a:rPr>
+              <a:t> se vió que en abril de 2023 se </a:t>
+            </a:r>
+            <a:r>
+              <a:rPr lang="ca-ES" sz="1000" i="1" dirty="0" err="1">
+                <a:solidFill>
+                  <a:schemeClr val="bg2"/>
+                </a:solidFill>
+                <a:latin typeface="Montserrat" panose="00000500000000000000" pitchFamily="2" charset="0"/>
+              </a:rPr>
+              <a:t>produce</a:t>
+            </a:r>
+            <a:r>
+              <a:rPr lang="ca-ES" sz="1000" i="1" dirty="0">
+                <a:solidFill>
+                  <a:schemeClr val="bg2"/>
+                </a:solidFill>
+                <a:latin typeface="Montserrat" panose="00000500000000000000" pitchFamily="2" charset="0"/>
+              </a:rPr>
+              <a:t> un </a:t>
+            </a:r>
+            <a:r>
+              <a:rPr lang="ca-ES" sz="1000" i="1" dirty="0" err="1">
+                <a:solidFill>
+                  <a:schemeClr val="bg2"/>
+                </a:solidFill>
+                <a:latin typeface="Montserrat" panose="00000500000000000000" pitchFamily="2" charset="0"/>
+              </a:rPr>
+              <a:t>descenso</a:t>
+            </a:r>
+            <a:r>
+              <a:rPr lang="ca-ES" sz="1000" i="1" dirty="0">
+                <a:solidFill>
+                  <a:schemeClr val="bg2"/>
+                </a:solidFill>
+                <a:latin typeface="Montserrat" panose="00000500000000000000" pitchFamily="2" charset="0"/>
+              </a:rPr>
               <a:t> </a:t>
             </a:r>
             <a:r>
-              <a:rPr lang="ca-ES" sz="1000" i="1" noProof="0" dirty="0" err="1">
+              <a:rPr lang="ca-ES" sz="1000" i="1" dirty="0" err="1">
                 <a:solidFill>
                   <a:schemeClr val="bg2"/>
                 </a:solidFill>
                 <a:latin typeface="Montserrat" panose="00000500000000000000" pitchFamily="2" charset="0"/>
               </a:rPr>
-              <a:t>descubrimientos</a:t>
-            </a:r>
-            <a:r>
-              <a:rPr lang="ca-ES" sz="1000" i="1" noProof="0" dirty="0">
+              <a:t>brusco</a:t>
+            </a:r>
+            <a:r>
+              <a:rPr lang="ca-ES" sz="1000" i="1" dirty="0">
                 <a:solidFill>
                   <a:schemeClr val="bg2"/>
                 </a:solidFill>
                 <a:latin typeface="Montserrat" panose="00000500000000000000" pitchFamily="2" charset="0"/>
               </a:rPr>
+              <a:t> del consumo </a:t>
+            </a:r>
+            <a:r>
+              <a:rPr lang="ca-ES" sz="1000" i="1" dirty="0" err="1">
+                <a:solidFill>
+                  <a:schemeClr val="bg2"/>
+                </a:solidFill>
+                <a:latin typeface="Montserrat" panose="00000500000000000000" pitchFamily="2" charset="0"/>
+              </a:rPr>
+              <a:t>doméstico</a:t>
+            </a:r>
+            <a:r>
+              <a:rPr lang="ca-ES" sz="1000" i="1" dirty="0">
+                <a:solidFill>
+                  <a:schemeClr val="bg2"/>
+                </a:solidFill>
+                <a:latin typeface="Montserrat" panose="00000500000000000000" pitchFamily="2" charset="0"/>
+              </a:rPr>
+              <a:t>. Lo hemos </a:t>
+            </a:r>
+            <a:r>
+              <a:rPr lang="ca-ES" sz="1000" i="1" dirty="0" err="1">
+                <a:solidFill>
+                  <a:schemeClr val="bg2"/>
+                </a:solidFill>
+                <a:latin typeface="Montserrat" panose="00000500000000000000" pitchFamily="2" charset="0"/>
+              </a:rPr>
+              <a:t>asociado</a:t>
+            </a:r>
+            <a:r>
+              <a:rPr lang="ca-ES" sz="1000" i="1" dirty="0">
+                <a:solidFill>
+                  <a:schemeClr val="bg2"/>
+                </a:solidFill>
+                <a:latin typeface="Montserrat" panose="00000500000000000000" pitchFamily="2" charset="0"/>
+              </a:rPr>
+              <a:t> a la </a:t>
+            </a:r>
+            <a:r>
+              <a:rPr lang="ca-ES" sz="1000" i="1" dirty="0" err="1">
+                <a:solidFill>
+                  <a:schemeClr val="bg2"/>
+                </a:solidFill>
+                <a:latin typeface="Montserrat" panose="00000500000000000000" pitchFamily="2" charset="0"/>
+              </a:rPr>
+              <a:t>sequía</a:t>
+            </a:r>
+            <a:r>
+              <a:rPr lang="ca-ES" sz="1000" i="1" dirty="0">
+                <a:solidFill>
+                  <a:schemeClr val="bg2"/>
+                </a:solidFill>
+                <a:latin typeface="Montserrat" panose="00000500000000000000" pitchFamily="2" charset="0"/>
+              </a:rPr>
+              <a:t> y a las </a:t>
+            </a:r>
+            <a:r>
+              <a:rPr lang="ca-ES" sz="1000" i="1" dirty="0" err="1">
+                <a:solidFill>
+                  <a:schemeClr val="bg2"/>
+                </a:solidFill>
+                <a:latin typeface="Montserrat" panose="00000500000000000000" pitchFamily="2" charset="0"/>
+              </a:rPr>
+              <a:t>medididas</a:t>
+            </a:r>
+            <a:r>
+              <a:rPr lang="ca-ES" sz="1000" i="1" dirty="0">
+                <a:solidFill>
+                  <a:schemeClr val="bg2"/>
+                </a:solidFill>
+                <a:latin typeface="Montserrat" panose="00000500000000000000" pitchFamily="2" charset="0"/>
+              </a:rPr>
               <a:t> </a:t>
             </a:r>
             <a:r>
-              <a:rPr lang="ca-ES" sz="1000" i="1" noProof="0" dirty="0" err="1">
+              <a:rPr lang="ca-ES" sz="1000" i="1" dirty="0" err="1">
                 <a:solidFill>
                   <a:schemeClr val="bg2"/>
                 </a:solidFill>
                 <a:latin typeface="Montserrat" panose="00000500000000000000" pitchFamily="2" charset="0"/>
               </a:rPr>
-              <a:t>relevantes</a:t>
-            </a:r>
-            <a:r>
-              <a:rPr lang="ca-ES" sz="1000" i="1" noProof="0" dirty="0">
+              <a:t>excepcionales</a:t>
+            </a:r>
+            <a:r>
+              <a:rPr lang="ca-ES" sz="1000" i="1" dirty="0">
                 <a:solidFill>
                   <a:schemeClr val="bg2"/>
                 </a:solidFill>
                 <a:latin typeface="Montserrat" panose="00000500000000000000" pitchFamily="2" charset="0"/>
               </a:rPr>
-              <a:t> o </a:t>
-            </a:r>
-            <a:r>
-              <a:rPr lang="ca-ES" sz="1000" i="1" noProof="0" dirty="0" err="1">
-                <a:solidFill>
-                  <a:schemeClr val="bg2"/>
-                </a:solidFill>
-                <a:latin typeface="Montserrat" panose="00000500000000000000" pitchFamily="2" charset="0"/>
-              </a:rPr>
-              <a:t>insights</a:t>
-            </a:r>
-            <a:r>
-              <a:rPr lang="ca-ES" sz="1000" i="1" noProof="0" dirty="0">
-                <a:solidFill>
-                  <a:schemeClr val="bg2"/>
-                </a:solidFill>
-                <a:latin typeface="Montserrat" panose="00000500000000000000" pitchFamily="2" charset="0"/>
-              </a:rPr>
-              <a:t> han </a:t>
-            </a:r>
-            <a:r>
-              <a:rPr lang="ca-ES" sz="1000" i="1" noProof="0" dirty="0" err="1">
-                <a:solidFill>
-                  <a:schemeClr val="bg2"/>
-                </a:solidFill>
-                <a:latin typeface="Montserrat" panose="00000500000000000000" pitchFamily="2" charset="0"/>
-              </a:rPr>
-              <a:t>surgido</a:t>
-            </a:r>
-            <a:r>
-              <a:rPr lang="ca-ES" sz="1000" i="1" noProof="0" dirty="0">
-                <a:solidFill>
-                  <a:schemeClr val="bg2"/>
-                </a:solidFill>
-                <a:latin typeface="Montserrat" panose="00000500000000000000" pitchFamily="2" charset="0"/>
-              </a:rPr>
-              <a:t> del </a:t>
-            </a:r>
-            <a:r>
-              <a:rPr lang="ca-ES" sz="1000" i="1" noProof="0" dirty="0" err="1">
-                <a:solidFill>
-                  <a:schemeClr val="bg2"/>
-                </a:solidFill>
-                <a:latin typeface="Montserrat" panose="00000500000000000000" pitchFamily="2" charset="0"/>
-              </a:rPr>
-              <a:t>análisis</a:t>
-            </a:r>
-            <a:r>
-              <a:rPr lang="ca-ES" sz="1000" i="1" noProof="0" dirty="0">
-                <a:solidFill>
-                  <a:schemeClr val="bg2"/>
-                </a:solidFill>
-                <a:latin typeface="Montserrat" panose="00000500000000000000" pitchFamily="2" charset="0"/>
-              </a:rPr>
-              <a:t> de </a:t>
-            </a:r>
-            <a:r>
-              <a:rPr lang="ca-ES" sz="1000" i="1" noProof="0" dirty="0" err="1">
-                <a:solidFill>
-                  <a:schemeClr val="bg2"/>
-                </a:solidFill>
-                <a:latin typeface="Montserrat" panose="00000500000000000000" pitchFamily="2" charset="0"/>
-              </a:rPr>
-              <a:t>datos</a:t>
-            </a:r>
-            <a:r>
-              <a:rPr lang="ca-ES" sz="1000" i="1" noProof="0" dirty="0">
-                <a:solidFill>
-                  <a:schemeClr val="bg2"/>
-                </a:solidFill>
-                <a:latin typeface="Montserrat" panose="00000500000000000000" pitchFamily="2" charset="0"/>
-              </a:rPr>
-              <a:t>, </a:t>
-            </a:r>
-            <a:r>
-              <a:rPr lang="ca-ES" sz="1000" i="1" dirty="0">
-                <a:solidFill>
-                  <a:schemeClr val="bg2"/>
-                </a:solidFill>
-                <a:latin typeface="Montserrat" panose="00000500000000000000" pitchFamily="2" charset="0"/>
-              </a:rPr>
-              <a:t>y</a:t>
-            </a:r>
-            <a:r>
-              <a:rPr lang="ca-ES" sz="1000" i="1" noProof="0" dirty="0">
-                <a:solidFill>
-                  <a:schemeClr val="bg2"/>
-                </a:solidFill>
-                <a:latin typeface="Montserrat" panose="00000500000000000000" pitchFamily="2" charset="0"/>
-              </a:rPr>
-              <a:t> como estos han </a:t>
-            </a:r>
-            <a:r>
-              <a:rPr lang="ca-ES" sz="1000" i="1" noProof="0" dirty="0" err="1">
-                <a:solidFill>
-                  <a:schemeClr val="bg2"/>
-                </a:solidFill>
-                <a:latin typeface="Montserrat" panose="00000500000000000000" pitchFamily="2" charset="0"/>
-              </a:rPr>
-              <a:t>influido</a:t>
-            </a:r>
-            <a:r>
-              <a:rPr lang="ca-ES" sz="1000" i="1" noProof="0" dirty="0">
-                <a:solidFill>
-                  <a:schemeClr val="bg2"/>
-                </a:solidFill>
-                <a:latin typeface="Montserrat" panose="00000500000000000000" pitchFamily="2" charset="0"/>
-              </a:rPr>
-              <a:t> en la toma de </a:t>
-            </a:r>
-            <a:r>
-              <a:rPr lang="ca-ES" sz="1000" i="1" noProof="0" dirty="0" err="1">
-                <a:solidFill>
-                  <a:schemeClr val="bg2"/>
-                </a:solidFill>
-                <a:latin typeface="Montserrat" panose="00000500000000000000" pitchFamily="2" charset="0"/>
-              </a:rPr>
-              <a:t>decisiones</a:t>
-            </a:r>
-            <a:r>
-              <a:rPr lang="ca-ES" sz="1000" i="1" noProof="0" dirty="0">
-                <a:solidFill>
-                  <a:schemeClr val="bg2"/>
-                </a:solidFill>
-                <a:latin typeface="Montserrat" panose="00000500000000000000" pitchFamily="2" charset="0"/>
-              </a:rPr>
-              <a:t> para </a:t>
-            </a:r>
-            <a:r>
-              <a:rPr lang="ca-ES" sz="1000" i="1" noProof="0" dirty="0" err="1">
-                <a:solidFill>
-                  <a:schemeClr val="bg2"/>
-                </a:solidFill>
-                <a:latin typeface="Montserrat" panose="00000500000000000000" pitchFamily="2" charset="0"/>
-              </a:rPr>
-              <a:t>mejorar</a:t>
-            </a:r>
-            <a:r>
-              <a:rPr lang="ca-ES" sz="1000" i="1" noProof="0" dirty="0">
-                <a:solidFill>
-                  <a:schemeClr val="bg2"/>
-                </a:solidFill>
-                <a:latin typeface="Montserrat" panose="00000500000000000000" pitchFamily="2" charset="0"/>
-              </a:rPr>
-              <a:t> la </a:t>
-            </a:r>
-            <a:r>
-              <a:rPr lang="ca-ES" sz="1000" i="1" noProof="0" dirty="0" err="1">
-                <a:solidFill>
-                  <a:schemeClr val="bg2"/>
-                </a:solidFill>
-                <a:latin typeface="Montserrat" panose="00000500000000000000" pitchFamily="2" charset="0"/>
-              </a:rPr>
-              <a:t>solución</a:t>
-            </a:r>
-            <a:r>
-              <a:rPr lang="ca-ES" sz="1000" i="1" noProof="0" dirty="0">
-                <a:solidFill>
-                  <a:schemeClr val="bg2"/>
-                </a:solidFill>
-                <a:latin typeface="Montserrat" panose="00000500000000000000" pitchFamily="2" charset="0"/>
-              </a:rPr>
-              <a:t> final</a:t>
+              <a:t>.</a:t>
             </a:r>
             <a:endParaRPr lang="ca-ES" sz="1000" noProof="0" dirty="0">
               <a:solidFill>
@@ -11015,7 +11020,7 @@
         <p:spPr>
           <a:xfrm>
             <a:off x="8180366" y="2556398"/>
-            <a:ext cx="2826038" cy="1461554"/>
+            <a:ext cx="2826038" cy="1692386"/>
           </a:xfrm>
           <a:prstGeom prst="rect">
             <a:avLst/>
@@ -11143,13 +11148,22 @@
               <a:buChar char="•"/>
             </a:pPr>
             <a:r>
-              <a:rPr lang="ca-ES" sz="1000" i="1" noProof="0" dirty="0">
+              <a:rPr lang="ca-ES" sz="1000" i="1" dirty="0">
                 <a:solidFill>
                   <a:schemeClr val="bg2"/>
                 </a:solidFill>
                 <a:latin typeface="Montserrat" panose="00000500000000000000" pitchFamily="2" charset="0"/>
               </a:rPr>
-              <a:t>Como se</a:t>
+              <a:t>El </a:t>
+            </a:r>
+            <a:r>
+              <a:rPr lang="ca-ES" sz="1000" i="1" dirty="0" err="1">
+                <a:solidFill>
+                  <a:schemeClr val="bg2"/>
+                </a:solidFill>
+                <a:latin typeface="Montserrat" panose="00000500000000000000" pitchFamily="2" charset="0"/>
+              </a:rPr>
+              <a:t>volumen</a:t>
             </a:r>
             <a:r>
               <a:rPr lang="ca-ES" sz="1000" i="1" dirty="0">
@@ -11161,112 +11175,94 @@
               <a:t> </a:t>
             </a:r>
             <a:r>
-              <a:rPr lang="ca-ES" sz="1000" i="1" noProof="0" dirty="0">
+              <a:rPr lang="ca-ES" sz="1000" i="1" dirty="0" err="1">
                 <a:solidFill>
                   <a:schemeClr val="bg2"/>
                 </a:solidFill>
                 <a:latin typeface="Montserrat" panose="00000500000000000000" pitchFamily="2" charset="0"/>
               </a:rPr>
-              <a:t>ha </a:t>
-            </a:r>
-            <a:r>
-              <a:rPr lang="ca-ES" sz="1000" i="1" noProof="0" dirty="0" err="1">
+              <a:t>reducido</a:t>
+            </a:r>
+            <a:r>
+              <a:rPr lang="ca-ES" sz="1000" i="1" dirty="0">
                 <a:solidFill>
                   <a:schemeClr val="bg2"/>
                 </a:solidFill>
                 <a:latin typeface="Montserrat" panose="00000500000000000000" pitchFamily="2" charset="0"/>
               </a:rPr>
-              <a:t>gestionado</a:t>
-            </a:r>
-            <a:r>
-              <a:rPr lang="ca-ES" sz="1000" i="1" noProof="0" dirty="0">
+              <a:t> de </a:t>
+            </a:r>
+            <a:r>
+              <a:rPr lang="ca-ES" sz="1000" i="1" dirty="0" err="1">
                 <a:solidFill>
                   <a:schemeClr val="bg2"/>
                 </a:solidFill>
                 <a:latin typeface="Montserrat" panose="00000500000000000000" pitchFamily="2" charset="0"/>
               </a:rPr>
+              <a:t>datos</a:t>
+            </a:r>
+            <a:r>
+              <a:rPr lang="ca-ES" sz="1000" i="1" dirty="0">
+                <a:solidFill>
+                  <a:schemeClr val="bg2"/>
+                </a:solidFill>
+                <a:latin typeface="Montserrat" panose="00000500000000000000" pitchFamily="2" charset="0"/>
+              </a:rPr>
               <a:t> </a:t>
             </a:r>
             <a:r>
+              <a:rPr lang="ca-ES" sz="1000" i="1" dirty="0" err="1">
+                <a:solidFill>
+                  <a:schemeClr val="bg2"/>
+                </a:solidFill>
+                <a:latin typeface="Montserrat" panose="00000500000000000000" pitchFamily="2" charset="0"/>
+              </a:rPr>
+              <a:t>hacía</a:t>
+            </a:r>
+            <a:r>
               <a:rPr lang="ca-ES" sz="1000" i="1" dirty="0">
                 <a:solidFill>
                   <a:schemeClr val="bg2"/>
                 </a:solidFill>
                 <a:latin typeface="Montserrat" panose="00000500000000000000" pitchFamily="2" charset="0"/>
               </a:rPr>
-              <a:t>y</a:t>
-            </a:r>
-            <a:r>
-              <a:rPr lang="ca-ES" sz="1000" i="1" noProof="0" dirty="0">
+              <a:t> que no </a:t>
+            </a:r>
+            <a:r>
+              <a:rPr lang="ca-ES" sz="1000" i="1" dirty="0" err="1">
                 <a:solidFill>
                   <a:schemeClr val="bg2"/>
                 </a:solidFill>
                 <a:latin typeface="Montserrat" panose="00000500000000000000" pitchFamily="2" charset="0"/>
               </a:rPr>
-              <a:t> </a:t>
-            </a:r>
-            <a:r>
-              <a:rPr lang="ca-ES" sz="1000" i="1" noProof="0" dirty="0" err="1">
+              <a:t>hiciera</a:t>
+            </a:r>
+            <a:r>
+              <a:rPr lang="ca-ES" sz="1000" i="1" dirty="0">
                 <a:solidFill>
                   <a:schemeClr val="bg2"/>
                 </a:solidFill>
                 <a:latin typeface="Montserrat" panose="00000500000000000000" pitchFamily="2" charset="0"/>
               </a:rPr>
-              <a:t>optimitzado</a:t>
-            </a:r>
-            <a:r>
-              <a:rPr lang="ca-ES" sz="1000" i="1" noProof="0" dirty="0">
+              <a:t> falta usar </a:t>
+            </a:r>
+            <a:r>
+              <a:rPr lang="ca-ES" sz="1000" i="1" dirty="0" err="1">
                 <a:solidFill>
                   <a:schemeClr val="bg2"/>
                 </a:solidFill>
                 <a:latin typeface="Montserrat" panose="00000500000000000000" pitchFamily="2" charset="0"/>
               </a:rPr>
-              <a:t> el </a:t>
-            </a:r>
-            <a:r>
-              <a:rPr lang="ca-ES" sz="1000" i="1" noProof="0" dirty="0" err="1">
+              <a:t>técnicas</a:t>
+            </a:r>
+            <a:r>
+              <a:rPr lang="ca-ES" sz="1000" i="1" dirty="0">
                 <a:solidFill>
                   <a:schemeClr val="bg2"/>
                 </a:solidFill>
                 <a:latin typeface="Montserrat" panose="00000500000000000000" pitchFamily="2" charset="0"/>
               </a:rPr>
-              <a:t>processamiento</a:t>
-            </a:r>
-            <a:r>
-              <a:rPr lang="ca-ES" sz="1000" i="1" noProof="0" dirty="0">
-                <a:solidFill>
-                  <a:schemeClr val="bg2"/>
-                </a:solidFill>
-                <a:latin typeface="Montserrat" panose="00000500000000000000" pitchFamily="2" charset="0"/>
-              </a:rPr>
-              <a:t> de </a:t>
-            </a:r>
-            <a:r>
-              <a:rPr lang="ca-ES" sz="1000" i="1" dirty="0">
-                <a:solidFill>
-                  <a:schemeClr val="bg2"/>
-                </a:solidFill>
-                <a:latin typeface="Montserrat" panose="00000500000000000000" pitchFamily="2" charset="0"/>
-              </a:rPr>
-              <a:t>los </a:t>
-            </a:r>
-            <a:r>
-              <a:rPr lang="ca-ES" sz="1000" i="1" dirty="0" err="1">
-                <a:solidFill>
-                  <a:schemeClr val="bg2"/>
-                </a:solidFill>
-                <a:latin typeface="Montserrat" panose="00000500000000000000" pitchFamily="2" charset="0"/>
-              </a:rPr>
-              <a:t>datos</a:t>
-            </a:r>
-            <a:r>
-              <a:rPr lang="ca-ES" sz="1000" i="1" dirty="0">
-                <a:solidFill>
-                  <a:schemeClr val="bg2"/>
-                </a:solidFill>
-                <a:latin typeface="Montserrat" panose="00000500000000000000" pitchFamily="2" charset="0"/>
-              </a:rPr>
-              <a:t>.</a:t>
+              <a:t> de Big Data.</a:t>
             </a:r>
             <a:endParaRPr lang="ca-ES" sz="1000" noProof="0" dirty="0">
               <a:solidFill>
@@ -11461,7 +11457,7 @@
         </p:nvSpPr>
         <p:spPr>
           <a:xfrm>
-            <a:off x="980181" y="2309089"/>
+            <a:off x="980181" y="2315715"/>
             <a:ext cx="3748127" cy="3916234"/>
           </a:xfrm>
           <a:prstGeom prst="rect">
@@ -12095,19 +12091,40 @@
               <a:defRPr/>
             </a:pPr>
             <a:r>
-              <a:rPr kumimoji="0" lang="ca-ES" sz="1050" i="0" u="none" strike="noStrike" kern="1200" cap="none" spc="0" normalizeH="0" baseline="0" dirty="0">
-                <a:ln>
-                  <a:noFill/>
-                </a:ln>
+              <a:rPr lang="ca-ES" sz="1050" dirty="0" err="1">
                 <a:solidFill>
                   <a:schemeClr val="bg2"/>
                 </a:solidFill>
-                <a:effectLst/>
-                <a:uLnTx/>
-                <a:uFillTx/>
                 <a:latin typeface="Montserrat"/>
               </a:rPr>
-              <a:t>XXXX</a:t>
+              <a:t>Acceso</a:t>
+            </a:r>
+            <a:r>
+              <a:rPr lang="ca-ES" sz="1050" dirty="0">
+                <a:solidFill>
+                  <a:schemeClr val="bg2"/>
+                </a:solidFill>
+                <a:latin typeface="Montserrat"/>
+              </a:rPr>
+              <a:t> a través del </a:t>
+            </a:r>
+            <a:r>
+              <a:rPr lang="ca-ES" sz="1050" dirty="0" err="1">
+                <a:solidFill>
+                  <a:schemeClr val="bg2"/>
+                </a:solidFill>
+                <a:latin typeface="Montserrat"/>
+              </a:rPr>
+              <a:t>Power</a:t>
+            </a:r>
+            <a:r>
+              <a:rPr lang="ca-ES" sz="1050" dirty="0">
+                <a:solidFill>
+                  <a:schemeClr val="bg2"/>
+                </a:solidFill>
+                <a:latin typeface="Montserrat"/>
+              </a:rPr>
+              <a:t> BI</a:t>
             </a:r>
             <a:endParaRPr lang="ca-ES" sz="1050" i="0" u="none" strike="noStrike" kern="1200" cap="none" spc="0" normalizeH="0" baseline="0" dirty="0">
               <a:ln>
@@ -12331,8 +12348,8 @@
         </p:nvSpPr>
         <p:spPr>
           <a:xfrm>
-            <a:off x="6480824" y="4012812"/>
-            <a:ext cx="4593719" cy="1603516"/>
+            <a:off x="6480824" y="3891625"/>
+            <a:ext cx="4593719" cy="1845890"/>
           </a:xfrm>
         </p:spPr>
         <p:txBody>
@@ -12359,7 +12376,7 @@
                 <a:ea typeface="+mn-ea"/>
                 <a:cs typeface="+mn-cs"/>
               </a:rPr>
-              <a:t>Caso de </a:t>
+              <a:t>Hemos </a:t>
             </a:r>
             <a:r>
               <a:rPr lang="ca-ES" sz="1050" i="1" dirty="0" err="1">
@@ -12370,7 +12387,7 @@
                 <a:ea typeface="+mn-ea"/>
                 <a:cs typeface="+mn-cs"/>
               </a:rPr>
-              <a:t>limitación</a:t>
+              <a:t>encontrado</a:t>
             </a:r>
             <a:r>
               <a:rPr lang="ca-ES" sz="1050" i="1" dirty="0">
@@ -12381,7 +12398,51 @@
                 <a:ea typeface="+mn-ea"/>
                 <a:cs typeface="+mn-cs"/>
               </a:rPr>
-              <a:t> 1</a:t>
+              <a:t> dificultades para correlacionar las </a:t>
+            </a:r>
+            <a:r>
+              <a:rPr lang="ca-ES" sz="1050" i="1" dirty="0" err="1">
+                <a:solidFill>
+                  <a:schemeClr val="bg2"/>
+                </a:solidFill>
+                <a:latin typeface="Montserrat"/>
+                <a:ea typeface="+mn-ea"/>
+                <a:cs typeface="+mn-cs"/>
+              </a:rPr>
+              <a:t>distintas</a:t>
+            </a:r>
+            <a:r>
+              <a:rPr lang="ca-ES" sz="1050" i="1" dirty="0">
+                <a:solidFill>
+                  <a:schemeClr val="bg2"/>
+                </a:solidFill>
+                <a:latin typeface="Montserrat"/>
+                <a:ea typeface="+mn-ea"/>
+                <a:cs typeface="+mn-cs"/>
+              </a:rPr>
+              <a:t> bases de </a:t>
+            </a:r>
+            <a:r>
+              <a:rPr lang="ca-ES" sz="1050" i="1" dirty="0" err="1">
+                <a:solidFill>
+                  <a:schemeClr val="bg2"/>
+                </a:solidFill>
+                <a:latin typeface="Montserrat"/>
+                <a:ea typeface="+mn-ea"/>
+                <a:cs typeface="+mn-cs"/>
+              </a:rPr>
+              <a:t>datos</a:t>
+            </a:r>
+            <a:r>
+              <a:rPr lang="ca-ES" sz="1050" i="1" dirty="0">
+                <a:solidFill>
+                  <a:schemeClr val="bg2"/>
+                </a:solidFill>
+                <a:latin typeface="Montserrat"/>
+                <a:ea typeface="+mn-ea"/>
+                <a:cs typeface="+mn-cs"/>
+              </a:rPr>
+              <a:t>.</a:t>
             </a:r>
             <a:endParaRPr lang="ca-ES" sz="1050" i="1" dirty="0">
               <a:solidFill>
@@ -16183,7 +16244,7 @@
               <p:spPr>
                 <a:xfrm>
                   <a:off x="3623118" y="2318273"/>
-                  <a:ext cx="2017340" cy="1631344"/>
+                  <a:ext cx="2017340" cy="2031454"/>
                 </a:xfrm>
                 <a:prstGeom prst="rect">
                   <a:avLst/>
@@ -16206,13 +16267,22 @@
                     <a:defRPr/>
                   </a:pPr>
                   <a:r>
-                    <a:rPr lang="ca-ES" sz="1200" b="1">
+                    <a:rPr lang="ca-ES" sz="1200" b="1" dirty="0" err="1">
                       <a:solidFill>
                         <a:srgbClr val="D50283"/>
                       </a:solidFill>
                       <a:latin typeface="Montserrat"/>
                     </a:rPr>
-                    <a:t>Colaboración </a:t>
+                    <a:t>Colaboración</a:t>
+                  </a:r>
+                  <a:r>
+                    <a:rPr lang="ca-ES" sz="1200" b="1" dirty="0">
+                      <a:solidFill>
+                        <a:srgbClr val="D50283"/>
+                      </a:solidFill>
+                      <a:latin typeface="Montserrat"/>
+                    </a:rPr>
+                    <a:t> </a:t>
                   </a:r>
                   <a:r>
                     <a:rPr lang="ca-ES" sz="1200" b="1" dirty="0" err="1">
@@ -16244,6 +16314,17 @@
                     <a:defRPr/>
                   </a:pPr>
                   <a:r>
+                    <a:rPr lang="ca-ES" sz="1000" i="1" dirty="0" err="1">
+                      <a:solidFill>
+                        <a:schemeClr val="bg2">
+                          <a:alpha val="70000"/>
+                        </a:schemeClr>
+                      </a:solidFill>
+                      <a:latin typeface="Montserrat" pitchFamily="2" charset="77"/>
+                    </a:rPr>
+                    <a:t>Desde</a:t>
+                  </a:r>
+                  <a:r>
                     <a:rPr lang="ca-ES" sz="1000" i="1" dirty="0">
                       <a:solidFill>
                         <a:schemeClr val="bg2">
@@ -16252,7 +16333,7 @@
                       </a:solidFill>
                       <a:latin typeface="Montserrat" pitchFamily="2" charset="77"/>
                     </a:rPr>
-                    <a:t>Detallar como los roles de </a:t>
+                    <a:t> el principio nos </a:t>
                   </a:r>
                   <a:r>
                     <a:rPr lang="ca-ES" sz="1000" i="1" dirty="0" err="1">
@@ -16263,7 +16344,7 @@
                       </a:solidFill>
                       <a:latin typeface="Montserrat" pitchFamily="2" charset="77"/>
                     </a:rPr>
-                    <a:t>frontend</a:t>
+                    <a:t>separamos</a:t>
                   </a:r>
                   <a:r>
                     <a:rPr lang="ca-ES" sz="1000" i="1" dirty="0">
@@ -16274,29 +16355,7 @@
                       </a:solidFill>
                       <a:latin typeface="Montserrat" pitchFamily="2" charset="77"/>
                     </a:rPr>
-                    <a:t>, </a:t>
-                  </a:r>
-                  <a:r>
-                    <a:rPr lang="ca-ES" sz="1000" i="1" dirty="0" err="1">
-                      <a:solidFill>
-                        <a:schemeClr val="bg2">
-                          <a:alpha val="70000"/>
-                        </a:schemeClr>
-                      </a:solidFill>
-                      <a:latin typeface="Montserrat" pitchFamily="2" charset="77"/>
-                    </a:rPr>
-                    <a:t>backend</a:t>
-                  </a:r>
-                  <a:r>
-                    <a:rPr lang="ca-ES" sz="1000" i="1" dirty="0">
-                      <a:solidFill>
-                        <a:schemeClr val="bg2">
-                          <a:alpha val="70000"/>
-                        </a:schemeClr>
-                      </a:solidFill>
-                      <a:latin typeface="Montserrat" pitchFamily="2" charset="77"/>
-                    </a:rPr>
-                    <a:t> y </a:t>
+                    <a:t> el Trabajo en el anàlisis de </a:t>
                   </a:r>
                   <a:r>
                     <a:rPr lang="ca-ES" sz="1000" i="1" dirty="0" err="1">
@@ -16318,7 +16377,7 @@
                       </a:solidFill>
                       <a:latin typeface="Montserrat" pitchFamily="2" charset="77"/>
                     </a:rPr>
-                    <a:t> han </a:t>
+                    <a:t> </a:t>
                   </a:r>
                   <a:r>
                     <a:rPr lang="ca-ES" sz="1000" i="1" dirty="0" err="1">
@@ -16329,7 +16388,7 @@
                       </a:solidFill>
                       <a:latin typeface="Montserrat" pitchFamily="2" charset="77"/>
                     </a:rPr>
-                    <a:t>trabajado</a:t>
+                    <a:t>propiamente</a:t>
                   </a:r>
                   <a:r>
                     <a:rPr lang="ca-ES" sz="1000" i="1" dirty="0">
@@ -16351,7 +16410,7 @@
                       </a:solidFill>
                       <a:latin typeface="Montserrat" pitchFamily="2" charset="77"/>
                     </a:rPr>
-                    <a:t>conjuntamente</a:t>
+                    <a:t>dicho</a:t>
                   </a:r>
                   <a:r>
                     <a:rPr lang="ca-ES" sz="1000" i="1" dirty="0">
@@ -16362,7 +16421,7 @@
                       </a:solidFill>
                       <a:latin typeface="Montserrat" pitchFamily="2" charset="77"/>
                     </a:rPr>
-                    <a:t> para </a:t>
+                    <a:t>, y la carga de </a:t>
                   </a:r>
                   <a:r>
                     <a:rPr lang="ca-ES" sz="1000" i="1" dirty="0" err="1">
@@ -16373,7 +16432,7 @@
                       </a:solidFill>
                       <a:latin typeface="Montserrat" pitchFamily="2" charset="77"/>
                     </a:rPr>
-                    <a:t>garantizar</a:t>
+                    <a:t>datos</a:t>
                   </a:r>
                   <a:r>
                     <a:rPr lang="ca-ES" sz="1000" i="1" dirty="0">
@@ -16384,7 +16443,7 @@
                       </a:solidFill>
                       <a:latin typeface="Montserrat" pitchFamily="2" charset="77"/>
                     </a:rPr>
-                    <a:t> una </a:t>
+                    <a:t> / </a:t>
                   </a:r>
                   <a:r>
                     <a:rPr lang="ca-ES" sz="1000" i="1" dirty="0" err="1">
@@ -16395,7 +16454,7 @@
                       </a:solidFill>
                       <a:latin typeface="Montserrat" pitchFamily="2" charset="77"/>
                     </a:rPr>
-                    <a:t>integración</a:t>
+                    <a:t>gestión</a:t>
                   </a:r>
                   <a:r>
                     <a:rPr lang="ca-ES" sz="1000" i="1" dirty="0">
@@ -16406,7 +16465,7 @@
                       </a:solidFill>
                       <a:latin typeface="Montserrat" pitchFamily="2" charset="77"/>
                     </a:rPr>
-                    <a:t> </a:t>
+                    <a:t> de </a:t>
                   </a:r>
                   <a:r>
                     <a:rPr lang="ca-ES" sz="1000" i="1" dirty="0" err="1">
@@ -16417,7 +16476,7 @@
                       </a:solidFill>
                       <a:latin typeface="Montserrat" pitchFamily="2" charset="77"/>
                     </a:rPr>
-                    <a:t>sin</a:t>
+                    <a:t>versiones</a:t>
                   </a:r>
                   <a:r>
                     <a:rPr lang="ca-ES" sz="1000" i="1" dirty="0">
@@ -16428,7 +16487,51 @@
                       </a:solidFill>
                       <a:latin typeface="Montserrat" pitchFamily="2" charset="77"/>
                     </a:rPr>
-                    <a:t> fricciones.</a:t>
+                    <a:t> / </a:t>
+                  </a:r>
+                  <a:r>
+                    <a:rPr lang="ca-ES" sz="1000" i="1" dirty="0" err="1">
+                      <a:solidFill>
+                        <a:schemeClr val="bg2">
+                          <a:alpha val="70000"/>
+                        </a:schemeClr>
+                      </a:solidFill>
+                      <a:latin typeface="Montserrat" pitchFamily="2" charset="77"/>
+                    </a:rPr>
+                    <a:t>búsqueda</a:t>
+                  </a:r>
+                  <a:r>
+                    <a:rPr lang="ca-ES" sz="1000" i="1" dirty="0">
+                      <a:solidFill>
+                        <a:schemeClr val="bg2">
+                          <a:alpha val="70000"/>
+                        </a:schemeClr>
+                      </a:solidFill>
+                      <a:latin typeface="Montserrat" pitchFamily="2" charset="77"/>
+                    </a:rPr>
+                    <a:t> de </a:t>
+                  </a:r>
+                  <a:r>
+                    <a:rPr lang="ca-ES" sz="1000" i="1" dirty="0" err="1">
+                      <a:solidFill>
+                        <a:schemeClr val="bg2">
+                          <a:alpha val="70000"/>
+                        </a:schemeClr>
+                      </a:solidFill>
+                      <a:latin typeface="Montserrat" pitchFamily="2" charset="77"/>
+                    </a:rPr>
+                    <a:t>información</a:t>
+                  </a:r>
+                  <a:r>
+                    <a:rPr lang="ca-ES" sz="1000" i="1" dirty="0">
+                      <a:solidFill>
+                        <a:schemeClr val="bg2">
+                          <a:alpha val="70000"/>
+                        </a:schemeClr>
+                      </a:solidFill>
+                      <a:latin typeface="Montserrat" pitchFamily="2" charset="77"/>
+                    </a:rPr>
+                    <a:t> en internet.</a:t>
                   </a:r>
                 </a:p>
               </p:txBody>
@@ -16448,7 +16551,7 @@
               <p:spPr>
                 <a:xfrm>
                   <a:off x="8902470" y="2318273"/>
-                  <a:ext cx="2392249" cy="991169"/>
+                  <a:ext cx="2392249" cy="1391278"/>
                 </a:xfrm>
                 <a:prstGeom prst="rect">
                   <a:avLst/>
@@ -16511,7 +16614,7 @@
                       </a:solidFill>
                       <a:latin typeface="Montserrat" pitchFamily="2" charset="77"/>
                     </a:rPr>
-                    <a:t>Comentar los </a:t>
+                    <a:t>Al principio por el </a:t>
                   </a:r>
                   <a:r>
                     <a:rPr lang="ca-ES" sz="1000" i="1" dirty="0" err="1">
@@ -16522,7 +16625,117 @@
                       </a:solidFill>
                       <a:latin typeface="Montserrat" pitchFamily="2" charset="77"/>
                     </a:rPr>
-                    <a:t>desafios</a:t>
+                    <a:t>desconocimiento</a:t>
+                  </a:r>
+                  <a:r>
+                    <a:rPr lang="ca-ES" sz="1000" i="1" dirty="0">
+                      <a:solidFill>
+                        <a:schemeClr val="bg2">
+                          <a:alpha val="70000"/>
+                        </a:schemeClr>
+                      </a:solidFill>
+                      <a:latin typeface="Montserrat" pitchFamily="2" charset="77"/>
+                    </a:rPr>
+                    <a:t> entre los </a:t>
+                  </a:r>
+                  <a:r>
+                    <a:rPr lang="ca-ES" sz="1000" i="1" dirty="0" err="1">
+                      <a:solidFill>
+                        <a:schemeClr val="bg2">
+                          <a:alpha val="70000"/>
+                        </a:schemeClr>
+                      </a:solidFill>
+                      <a:latin typeface="Montserrat" pitchFamily="2" charset="77"/>
+                    </a:rPr>
+                    <a:t>integrantes</a:t>
+                  </a:r>
+                  <a:r>
+                    <a:rPr lang="ca-ES" sz="1000" i="1" dirty="0">
+                      <a:solidFill>
+                        <a:schemeClr val="bg2">
+                          <a:alpha val="70000"/>
+                        </a:schemeClr>
+                      </a:solidFill>
+                      <a:latin typeface="Montserrat" pitchFamily="2" charset="77"/>
+                    </a:rPr>
+                    <a:t>/tutores del </a:t>
+                  </a:r>
+                  <a:r>
+                    <a:rPr lang="ca-ES" sz="1000" i="1" dirty="0" err="1">
+                      <a:solidFill>
+                        <a:schemeClr val="bg2">
+                          <a:alpha val="70000"/>
+                        </a:schemeClr>
+                      </a:solidFill>
+                      <a:latin typeface="Montserrat" pitchFamily="2" charset="77"/>
+                    </a:rPr>
+                    <a:t>grupo</a:t>
+                  </a:r>
+                  <a:r>
+                    <a:rPr lang="ca-ES" sz="1000" i="1" dirty="0">
+                      <a:solidFill>
+                        <a:schemeClr val="bg2">
+                          <a:alpha val="70000"/>
+                        </a:schemeClr>
+                      </a:solidFill>
+                      <a:latin typeface="Montserrat" pitchFamily="2" charset="77"/>
+                    </a:rPr>
+                    <a:t> </a:t>
+                  </a:r>
+                  <a:r>
+                    <a:rPr lang="ca-ES" sz="1000" i="1" dirty="0" err="1">
+                      <a:solidFill>
+                        <a:schemeClr val="bg2">
+                          <a:alpha val="70000"/>
+                        </a:schemeClr>
+                      </a:solidFill>
+                      <a:latin typeface="Montserrat" pitchFamily="2" charset="77"/>
+                    </a:rPr>
+                    <a:t>tuvimos</a:t>
+                  </a:r>
+                  <a:r>
+                    <a:rPr lang="ca-ES" sz="1000" i="1" dirty="0">
+                      <a:solidFill>
+                        <a:schemeClr val="bg2">
+                          <a:alpha val="70000"/>
+                        </a:schemeClr>
+                      </a:solidFill>
+                      <a:latin typeface="Montserrat" pitchFamily="2" charset="77"/>
+                    </a:rPr>
+                    <a:t> que </a:t>
+                  </a:r>
+                  <a:r>
+                    <a:rPr lang="ca-ES" sz="1000" i="1" dirty="0" err="1">
+                      <a:solidFill>
+                        <a:schemeClr val="bg2">
+                          <a:alpha val="70000"/>
+                        </a:schemeClr>
+                      </a:solidFill>
+                      <a:latin typeface="Montserrat" pitchFamily="2" charset="77"/>
+                    </a:rPr>
+                    <a:t>ponernos</a:t>
+                  </a:r>
+                  <a:r>
+                    <a:rPr lang="ca-ES" sz="1000" i="1" dirty="0">
+                      <a:solidFill>
+                        <a:schemeClr val="bg2">
+                          <a:alpha val="70000"/>
+                        </a:schemeClr>
+                      </a:solidFill>
+                      <a:latin typeface="Montserrat" pitchFamily="2" charset="77"/>
+                    </a:rPr>
+                    <a:t> de </a:t>
+                  </a:r>
+                  <a:r>
+                    <a:rPr lang="ca-ES" sz="1000" i="1" dirty="0" err="1">
+                      <a:solidFill>
+                        <a:schemeClr val="bg2">
+                          <a:alpha val="70000"/>
+                        </a:schemeClr>
+                      </a:solidFill>
+                      <a:latin typeface="Montserrat" pitchFamily="2" charset="77"/>
+                    </a:rPr>
+                    <a:t>acuerdo</a:t>
                   </a:r>
                   <a:r>
                     <a:rPr lang="ca-ES" sz="1000" i="1" dirty="0">
@@ -16544,7 +16757,7 @@
                       </a:solidFill>
                       <a:latin typeface="Montserrat" pitchFamily="2" charset="77"/>
                     </a:rPr>
-                    <a:t>coordinación</a:t>
+                    <a:t>qué</a:t>
                   </a:r>
                   <a:r>
                     <a:rPr lang="ca-ES" sz="1000" i="1" dirty="0">
@@ -16555,7 +16768,7 @@
                       </a:solidFill>
                       <a:latin typeface="Montserrat" pitchFamily="2" charset="77"/>
                     </a:rPr>
-                    <a:t> o </a:t>
+                    <a:t> </a:t>
                   </a:r>
                   <a:r>
                     <a:rPr lang="ca-ES" sz="1000" i="1" dirty="0" err="1">
@@ -16566,7 +16779,7 @@
                       </a:solidFill>
                       <a:latin typeface="Montserrat" pitchFamily="2" charset="77"/>
                     </a:rPr>
-                    <a:t>comunicación</a:t>
+                    <a:t>tareas</a:t>
                   </a:r>
                   <a:r>
                     <a:rPr lang="ca-ES" sz="1000" i="1" dirty="0">
@@ -16577,7 +16790,7 @@
                       </a:solidFill>
                       <a:latin typeface="Montserrat" pitchFamily="2" charset="77"/>
                     </a:rPr>
-                    <a:t> y como los han </a:t>
+                    <a:t> </a:t>
                   </a:r>
                   <a:r>
                     <a:rPr lang="ca-ES" sz="1000" i="1" dirty="0" err="1">
@@ -16588,7 +16801,7 @@
                       </a:solidFill>
                       <a:latin typeface="Montserrat" pitchFamily="2" charset="77"/>
                     </a:rPr>
-                    <a:t>resuelto</a:t>
+                    <a:t>desarrollaria</a:t>
                   </a:r>
                   <a:r>
                     <a:rPr lang="ca-ES" sz="1000" i="1" dirty="0">
@@ -16599,8 +16812,27 @@
                       </a:solidFill>
                       <a:latin typeface="Montserrat" pitchFamily="2" charset="77"/>
                     </a:rPr>
-                    <a:t>.</a:t>
+                    <a:t> cada </a:t>
                   </a:r>
+                  <a:r>
+                    <a:rPr lang="ca-ES" sz="1000" i="1" dirty="0" err="1">
+                      <a:solidFill>
+                        <a:schemeClr val="bg2">
+                          <a:alpha val="70000"/>
+                        </a:schemeClr>
+                      </a:solidFill>
+                      <a:latin typeface="Montserrat" pitchFamily="2" charset="77"/>
+                    </a:rPr>
+                    <a:t>uno</a:t>
+                  </a:r>
+                  <a:endParaRPr lang="ca-ES" sz="1000" i="1" dirty="0">
+                    <a:solidFill>
+                      <a:schemeClr val="bg2">
+                        <a:alpha val="70000"/>
+                      </a:schemeClr>
+                    </a:solidFill>
+                    <a:latin typeface="Montserrat" pitchFamily="2" charset="77"/>
+                  </a:endParaRPr>
                 </a:p>
               </p:txBody>
             </p:sp>
@@ -16619,7 +16851,7 @@
               <p:spPr>
                 <a:xfrm>
                   <a:off x="10085921" y="4674167"/>
-                  <a:ext cx="2037697" cy="991169"/>
+                  <a:ext cx="2037697" cy="1191224"/>
                 </a:xfrm>
                 <a:prstGeom prst="rect">
                   <a:avLst/>
@@ -16713,7 +16945,7 @@
                       <a:uFillTx/>
                       <a:latin typeface="Montserrat" pitchFamily="2" charset="77"/>
                     </a:rPr>
-                    <a:t>Se ha </a:t>
+                    <a:t>Que para </a:t>
                   </a:r>
                   <a:r>
                     <a:rPr kumimoji="0" lang="ca-ES" sz="1000" b="0" i="1" u="none" strike="noStrike" kern="1200" cap="none" spc="0" normalizeH="0" baseline="0" noProof="0" dirty="0" err="1">
@@ -16730,7 +16962,7 @@
                       <a:uFillTx/>
                       <a:latin typeface="Montserrat" pitchFamily="2" charset="77"/>
                     </a:rPr>
-                    <a:t>sacado</a:t>
+                    <a:t>empezar</a:t>
                   </a:r>
                   <a:r>
                     <a:rPr kumimoji="0" lang="ca-ES" sz="1000" b="0" i="1" u="none" strike="noStrike" kern="1200" cap="none" spc="0" normalizeH="0" baseline="0" noProof="0" dirty="0">
@@ -16747,7 +16979,7 @@
                       <a:uFillTx/>
                       <a:latin typeface="Montserrat" pitchFamily="2" charset="77"/>
                     </a:rPr>
-                    <a:t> algun </a:t>
+                    <a:t> un </a:t>
                   </a:r>
                   <a:r>
                     <a:rPr kumimoji="0" lang="ca-ES" sz="1000" b="0" i="1" u="none" strike="noStrike" kern="1200" cap="none" spc="0" normalizeH="0" baseline="0" noProof="0" dirty="0" err="1">
@@ -16764,7 +16996,7 @@
                       <a:uFillTx/>
                       <a:latin typeface="Montserrat" pitchFamily="2" charset="77"/>
                     </a:rPr>
-                    <a:t>aprendizaje</a:t>
+                    <a:t>proyecto</a:t>
                   </a:r>
                   <a:r>
                     <a:rPr kumimoji="0" lang="ca-ES" sz="1000" b="0" i="1" u="none" strike="noStrike" kern="1200" cap="none" spc="0" normalizeH="0" baseline="0" noProof="0" dirty="0">
@@ -16781,7 +17013,7 @@
                       <a:uFillTx/>
                       <a:latin typeface="Montserrat" pitchFamily="2" charset="77"/>
                     </a:rPr>
-                    <a:t> de la </a:t>
+                    <a:t> </a:t>
                   </a:r>
                   <a:r>
                     <a:rPr kumimoji="0" lang="ca-ES" sz="1000" b="0" i="1" u="none" strike="noStrike" kern="1200" cap="none" spc="0" normalizeH="0" baseline="0" noProof="0" dirty="0" err="1">
@@ -16798,7 +17030,7 @@
                       <a:uFillTx/>
                       <a:latin typeface="Montserrat" pitchFamily="2" charset="77"/>
                     </a:rPr>
-                    <a:t>hackató</a:t>
+                    <a:t>primero</a:t>
                   </a:r>
                   <a:r>
                     <a:rPr kumimoji="0" lang="ca-ES" sz="1000" b="0" i="1" u="none" strike="noStrike" kern="1200" cap="none" spc="0" normalizeH="0" baseline="0" noProof="0" dirty="0">
@@ -16815,7 +17047,7 @@
                       <a:uFillTx/>
                       <a:latin typeface="Montserrat" pitchFamily="2" charset="77"/>
                     </a:rPr>
-                    <a:t> y el </a:t>
+                    <a:t> </a:t>
                   </a:r>
                   <a:r>
                     <a:rPr kumimoji="0" lang="ca-ES" sz="1000" b="0" i="1" u="none" strike="noStrike" kern="1200" cap="none" spc="0" normalizeH="0" baseline="0" noProof="0" dirty="0" err="1">
@@ -16832,7 +17064,7 @@
                       <a:uFillTx/>
                       <a:latin typeface="Montserrat" pitchFamily="2" charset="77"/>
                     </a:rPr>
-                    <a:t>trebajo</a:t>
+                    <a:t>hay</a:t>
                   </a:r>
                   <a:r>
                     <a:rPr kumimoji="0" lang="ca-ES" sz="1000" b="0" i="1" u="none" strike="noStrike" kern="1200" cap="none" spc="0" normalizeH="0" baseline="0" noProof="0" dirty="0">
@@ -16849,7 +17081,109 @@
                       <a:uFillTx/>
                       <a:latin typeface="Montserrat" pitchFamily="2" charset="77"/>
                     </a:rPr>
-                    <a:t> en equipo?</a:t>
+                    <a:t> que </a:t>
+                  </a:r>
+                  <a:r>
+                    <a:rPr kumimoji="0" lang="ca-ES" sz="1000" b="0" i="1" u="none" strike="noStrike" kern="1200" cap="none" spc="0" normalizeH="0" baseline="0" noProof="0" dirty="0" err="1">
+                      <a:ln>
+                        <a:noFill/>
+                      </a:ln>
+                      <a:solidFill>
+                        <a:schemeClr val="bg2">
+                          <a:alpha val="70000"/>
+                        </a:schemeClr>
+                      </a:solidFill>
+                      <a:effectLst/>
+                      <a:uLnTx/>
+                      <a:uFillTx/>
+                      <a:latin typeface="Montserrat" pitchFamily="2" charset="77"/>
+                    </a:rPr>
+                    <a:t>conocerse</a:t>
+                  </a:r>
+                  <a:r>
+                    <a:rPr kumimoji="0" lang="ca-ES" sz="1000" b="0" i="1" u="none" strike="noStrike" kern="1200" cap="none" spc="0" normalizeH="0" baseline="0" noProof="0" dirty="0">
+                      <a:ln>
+                        <a:noFill/>
+                      </a:ln>
+                      <a:solidFill>
+                        <a:schemeClr val="bg2">
+                          <a:alpha val="70000"/>
+                        </a:schemeClr>
+                      </a:solidFill>
+                      <a:effectLst/>
+                      <a:uLnTx/>
+                      <a:uFillTx/>
+                      <a:latin typeface="Montserrat" pitchFamily="2" charset="77"/>
+                    </a:rPr>
+                    <a:t> </a:t>
+                  </a:r>
+                  <a:r>
+                    <a:rPr kumimoji="0" lang="ca-ES" sz="1000" b="0" i="1" u="none" strike="noStrike" kern="1200" cap="none" spc="0" normalizeH="0" baseline="0" noProof="0" dirty="0" err="1">
+                      <a:ln>
+                        <a:noFill/>
+                      </a:ln>
+                      <a:solidFill>
+                        <a:schemeClr val="bg2">
+                          <a:alpha val="70000"/>
+                        </a:schemeClr>
+                      </a:solidFill>
+                      <a:effectLst/>
+                      <a:uLnTx/>
+                      <a:uFillTx/>
+                      <a:latin typeface="Montserrat" pitchFamily="2" charset="77"/>
+                    </a:rPr>
+                    <a:t>junto</a:t>
+                  </a:r>
+                  <a:r>
+                    <a:rPr kumimoji="0" lang="ca-ES" sz="1000" b="0" i="1" u="none" strike="noStrike" kern="1200" cap="none" spc="0" normalizeH="0" baseline="0" noProof="0" dirty="0">
+                      <a:ln>
+                        <a:noFill/>
+                      </a:ln>
+                      <a:solidFill>
+                        <a:schemeClr val="bg2">
+                          <a:alpha val="70000"/>
+                        </a:schemeClr>
+                      </a:solidFill>
+                      <a:effectLst/>
+                      <a:uLnTx/>
+                      <a:uFillTx/>
+                      <a:latin typeface="Montserrat" pitchFamily="2" charset="77"/>
+                    </a:rPr>
+                    <a:t> con las habilitades de cada </a:t>
+                  </a:r>
+                  <a:r>
+                    <a:rPr kumimoji="0" lang="ca-ES" sz="1000" b="0" i="1" u="none" strike="noStrike" kern="1200" cap="none" spc="0" normalizeH="0" baseline="0" noProof="0" dirty="0" err="1">
+                      <a:ln>
+                        <a:noFill/>
+                      </a:ln>
+                      <a:solidFill>
+                        <a:schemeClr val="bg2">
+                          <a:alpha val="70000"/>
+                        </a:schemeClr>
+                      </a:solidFill>
+                      <a:effectLst/>
+                      <a:uLnTx/>
+                      <a:uFillTx/>
+                      <a:latin typeface="Montserrat" pitchFamily="2" charset="77"/>
+                    </a:rPr>
+                    <a:t>uno</a:t>
+                  </a:r>
+                  <a:r>
+                    <a:rPr kumimoji="0" lang="ca-ES" sz="1000" b="0" i="1" u="none" strike="noStrike" kern="1200" cap="none" spc="0" normalizeH="0" baseline="0" noProof="0" dirty="0">
+                      <a:ln>
+                        <a:noFill/>
+                      </a:ln>
+                      <a:solidFill>
+                        <a:schemeClr val="bg2">
+                          <a:alpha val="70000"/>
+                        </a:schemeClr>
+                      </a:solidFill>
+                      <a:effectLst/>
+                      <a:uLnTx/>
+                      <a:uFillTx/>
+                      <a:latin typeface="Montserrat" pitchFamily="2" charset="77"/>
+                    </a:rPr>
+                    <a:t>.</a:t>
                   </a:r>
                 </a:p>
               </p:txBody>
@@ -16869,7 +17203,7 @@
               <p:spPr>
                 <a:xfrm>
                   <a:off x="2879274" y="4731987"/>
-                  <a:ext cx="1823283" cy="1631344"/>
+                  <a:ext cx="1823283" cy="1431289"/>
                 </a:xfrm>
                 <a:prstGeom prst="rect">
                   <a:avLst/>
@@ -16954,6 +17288,91 @@
                     <a:defRPr/>
                   </a:pPr>
                   <a:r>
+                    <a:rPr kumimoji="0" lang="ca-ES" sz="1000" b="0" i="1" u="none" strike="noStrike" kern="1200" cap="none" spc="0" normalizeH="0" baseline="0" noProof="0" dirty="0">
+                      <a:ln>
+                        <a:noFill/>
+                      </a:ln>
+                      <a:solidFill>
+                        <a:schemeClr val="bg2">
+                          <a:alpha val="70000"/>
+                        </a:schemeClr>
+                      </a:solidFill>
+                      <a:effectLst/>
+                      <a:uLnTx/>
+                      <a:uFillTx/>
+                      <a:latin typeface="Montserrat" pitchFamily="2" charset="77"/>
+                    </a:rPr>
+                    <a:t>Con los tutores se ha </a:t>
+                  </a:r>
+                  <a:r>
+                    <a:rPr kumimoji="0" lang="ca-ES" sz="1000" b="0" i="1" u="none" strike="noStrike" kern="1200" cap="none" spc="0" normalizeH="0" baseline="0" noProof="0" dirty="0" err="1">
+                      <a:ln>
+                        <a:noFill/>
+                      </a:ln>
+                      <a:solidFill>
+                        <a:schemeClr val="bg2">
+                          <a:alpha val="70000"/>
+                        </a:schemeClr>
+                      </a:solidFill>
+                      <a:effectLst/>
+                      <a:uLnTx/>
+                      <a:uFillTx/>
+                      <a:latin typeface="Montserrat" pitchFamily="2" charset="77"/>
+                    </a:rPr>
+                    <a:t>producido</a:t>
+                  </a:r>
+                  <a:r>
+                    <a:rPr kumimoji="0" lang="ca-ES" sz="1000" b="0" i="1" u="none" strike="noStrike" kern="1200" cap="none" spc="0" normalizeH="0" baseline="0" noProof="0" dirty="0">
+                      <a:ln>
+                        <a:noFill/>
+                      </a:ln>
+                      <a:solidFill>
+                        <a:schemeClr val="bg2">
+                          <a:alpha val="70000"/>
+                        </a:schemeClr>
+                      </a:solidFill>
+                      <a:effectLst/>
+                      <a:uLnTx/>
+                      <a:uFillTx/>
+                      <a:latin typeface="Montserrat" pitchFamily="2" charset="77"/>
+                    </a:rPr>
+                    <a:t> una </a:t>
+                  </a:r>
+                  <a:r>
+                    <a:rPr kumimoji="0" lang="ca-ES" sz="1000" b="0" i="1" u="none" strike="noStrike" kern="1200" cap="none" spc="0" normalizeH="0" baseline="0" noProof="0" dirty="0" err="1">
+                      <a:ln>
+                        <a:noFill/>
+                      </a:ln>
+                      <a:solidFill>
+                        <a:schemeClr val="bg2">
+                          <a:alpha val="70000"/>
+                        </a:schemeClr>
+                      </a:solidFill>
+                      <a:effectLst/>
+                      <a:uLnTx/>
+                      <a:uFillTx/>
+                      <a:latin typeface="Montserrat" pitchFamily="2" charset="77"/>
+                    </a:rPr>
+                    <a:t>revisión</a:t>
+                  </a:r>
+                  <a:r>
+                    <a:rPr kumimoji="0" lang="ca-ES" sz="1000" b="0" i="1" u="none" strike="noStrike" kern="1200" cap="none" spc="0" normalizeH="0" baseline="0" noProof="0" dirty="0">
+                      <a:ln>
+                        <a:noFill/>
+                      </a:ln>
+                      <a:solidFill>
+                        <a:schemeClr val="bg2">
+                          <a:alpha val="70000"/>
+                        </a:schemeClr>
+                      </a:solidFill>
+                      <a:effectLst/>
+                      <a:uLnTx/>
+                      <a:uFillTx/>
+                      <a:latin typeface="Montserrat" pitchFamily="2" charset="77"/>
+                    </a:rPr>
+                    <a:t> regular del </a:t>
+                  </a:r>
+                  <a:r>
                     <a:rPr lang="ca-ES" sz="1000" i="1" dirty="0">
                       <a:solidFill>
                         <a:schemeClr val="bg2">
@@ -16962,7 +17381,7 @@
                       </a:solidFill>
                       <a:latin typeface="Montserrat" pitchFamily="2" charset="77"/>
                     </a:rPr>
-                    <a:t>Explicar si se han </a:t>
+                    <a:t>progresso del </a:t>
                   </a:r>
                   <a:r>
                     <a:rPr lang="ca-ES" sz="1000" i="1" dirty="0" err="1">
@@ -16973,172 +17392,7 @@
                       </a:solidFill>
                       <a:latin typeface="Montserrat" pitchFamily="2" charset="77"/>
                     </a:rPr>
-                    <a:t>usado</a:t>
-                  </a:r>
-                  <a:r>
-                    <a:rPr lang="ca-ES" sz="1000" i="1" dirty="0">
-                      <a:solidFill>
-                        <a:schemeClr val="bg2">
-                          <a:alpha val="70000"/>
-                        </a:schemeClr>
-                      </a:solidFill>
-                      <a:latin typeface="Montserrat" pitchFamily="2" charset="77"/>
-                    </a:rPr>
-                    <a:t> </a:t>
-                  </a:r>
-                  <a:r>
-                    <a:rPr lang="ca-ES" sz="1000" i="1" dirty="0" err="1">
-                      <a:solidFill>
-                        <a:schemeClr val="bg2">
-                          <a:alpha val="70000"/>
-                        </a:schemeClr>
-                      </a:solidFill>
-                      <a:latin typeface="Montserrat" pitchFamily="2" charset="77"/>
-                    </a:rPr>
-                    <a:t>metodologias</a:t>
-                  </a:r>
-                  <a:r>
-                    <a:rPr lang="ca-ES" sz="1000" i="1" dirty="0">
-                      <a:solidFill>
-                        <a:schemeClr val="bg2">
-                          <a:alpha val="70000"/>
-                        </a:schemeClr>
-                      </a:solidFill>
-                      <a:latin typeface="Montserrat" pitchFamily="2" charset="77"/>
-                    </a:rPr>
-                    <a:t> </a:t>
-                  </a:r>
-                  <a:r>
-                    <a:rPr lang="ca-ES" sz="1000" i="1" dirty="0" err="1">
-                      <a:solidFill>
-                        <a:schemeClr val="bg2">
-                          <a:alpha val="70000"/>
-                        </a:schemeClr>
-                      </a:solidFill>
-                      <a:latin typeface="Montserrat" pitchFamily="2" charset="77"/>
-                    </a:rPr>
-                    <a:t>ágiles</a:t>
-                  </a:r>
-                  <a:r>
-                    <a:rPr lang="ca-ES" sz="1000" i="1" dirty="0">
-                      <a:solidFill>
-                        <a:schemeClr val="bg2">
-                          <a:alpha val="70000"/>
-                        </a:schemeClr>
-                      </a:solidFill>
-                      <a:latin typeface="Montserrat" pitchFamily="2" charset="77"/>
-                    </a:rPr>
-                    <a:t> (</a:t>
-                  </a:r>
-                  <a:r>
-                    <a:rPr lang="ca-ES" sz="1000" i="1" dirty="0" err="1">
-                      <a:solidFill>
-                        <a:schemeClr val="bg2">
-                          <a:alpha val="70000"/>
-                        </a:schemeClr>
-                      </a:solidFill>
-                      <a:latin typeface="Montserrat" pitchFamily="2" charset="77"/>
-                    </a:rPr>
-                    <a:t>Scrum</a:t>
-                  </a:r>
-                  <a:r>
-                    <a:rPr lang="ca-ES" sz="1000" i="1" dirty="0">
-                      <a:solidFill>
-                        <a:schemeClr val="bg2">
-                          <a:alpha val="70000"/>
-                        </a:schemeClr>
-                      </a:solidFill>
-                      <a:latin typeface="Montserrat" pitchFamily="2" charset="77"/>
-                    </a:rPr>
-                    <a:t>, </a:t>
-                  </a:r>
-                  <a:r>
-                    <a:rPr lang="ca-ES" sz="1000" i="1" dirty="0" err="1">
-                      <a:solidFill>
-                        <a:schemeClr val="bg2">
-                          <a:alpha val="70000"/>
-                        </a:schemeClr>
-                      </a:solidFill>
-                      <a:latin typeface="Montserrat" pitchFamily="2" charset="77"/>
-                    </a:rPr>
-                    <a:t>Kanban</a:t>
-                  </a:r>
-                  <a:r>
-                    <a:rPr lang="ca-ES" sz="1000" i="1" dirty="0">
-                      <a:solidFill>
-                        <a:schemeClr val="bg2">
-                          <a:alpha val="70000"/>
-                        </a:schemeClr>
-                      </a:solidFill>
-                      <a:latin typeface="Montserrat" pitchFamily="2" charset="77"/>
-                    </a:rPr>
-                    <a:t>, etc.) y como ha </a:t>
-                  </a:r>
-                  <a:r>
-                    <a:rPr lang="ca-ES" sz="1000" i="1" dirty="0" err="1">
-                      <a:solidFill>
-                        <a:schemeClr val="bg2">
-                          <a:alpha val="70000"/>
-                        </a:schemeClr>
-                      </a:solidFill>
-                      <a:latin typeface="Montserrat" pitchFamily="2" charset="77"/>
-                    </a:rPr>
-                    <a:t>sido</a:t>
-                  </a:r>
-                  <a:r>
-                    <a:rPr lang="ca-ES" sz="1000" i="1" dirty="0">
-                      <a:solidFill>
-                        <a:schemeClr val="bg2">
-                          <a:alpha val="70000"/>
-                        </a:schemeClr>
-                      </a:solidFill>
-                      <a:latin typeface="Montserrat" pitchFamily="2" charset="77"/>
-                    </a:rPr>
-                    <a:t> la </a:t>
-                  </a:r>
-                  <a:r>
-                    <a:rPr lang="ca-ES" sz="1000" i="1" dirty="0" err="1">
-                      <a:solidFill>
-                        <a:schemeClr val="bg2">
-                          <a:alpha val="70000"/>
-                        </a:schemeClr>
-                      </a:solidFill>
-                      <a:latin typeface="Montserrat" pitchFamily="2" charset="77"/>
-                    </a:rPr>
-                    <a:t>división</a:t>
-                  </a:r>
-                  <a:r>
-                    <a:rPr lang="ca-ES" sz="1000" i="1" dirty="0">
-                      <a:solidFill>
-                        <a:schemeClr val="bg2">
-                          <a:alpha val="70000"/>
-                        </a:schemeClr>
-                      </a:solidFill>
-                      <a:latin typeface="Montserrat" pitchFamily="2" charset="77"/>
-                    </a:rPr>
-                    <a:t> de </a:t>
-                  </a:r>
-                  <a:r>
-                    <a:rPr lang="ca-ES" sz="1000" i="1" dirty="0" err="1">
-                      <a:solidFill>
-                        <a:schemeClr val="bg2">
-                          <a:alpha val="70000"/>
-                        </a:schemeClr>
-                      </a:solidFill>
-                      <a:latin typeface="Montserrat" pitchFamily="2" charset="77"/>
-                    </a:rPr>
-                    <a:t>tareas</a:t>
-                  </a:r>
-                  <a:r>
-                    <a:rPr lang="ca-ES" sz="1000" i="1" dirty="0">
-                      <a:solidFill>
-                        <a:schemeClr val="bg2">
-                          <a:alpha val="70000"/>
-                        </a:schemeClr>
-                      </a:solidFill>
-                      <a:latin typeface="Montserrat" pitchFamily="2" charset="77"/>
-                    </a:rPr>
-                    <a:t> en el equipo</a:t>
+                    <a:t>proyecto</a:t>
                   </a:r>
                   <a:endParaRPr kumimoji="0" lang="ca-ES" sz="1000" b="0" i="1" u="none" strike="noStrike" kern="1200" cap="none" spc="0" normalizeH="0" baseline="0" noProof="0" dirty="0">
                     <a:ln>
@@ -22182,17 +22436,6 @@
 </file>
 
 <file path=customXml/item1.xml><?xml version="1.0" encoding="utf-8"?>
-<p:properties xmlns:p="http://schemas.microsoft.com/office/2006/metadata/properties" xmlns:xsi="http://www.w3.org/2001/XMLSchema-instance" xmlns:pc="http://schemas.microsoft.com/office/infopath/2007/PartnerControls">
-  <documentManagement>
-    <lcf76f155ced4ddcb4097134ff3c332f xmlns="a444e17d-5f58-4faa-a0cd-68e3c35c24c8">
-      <Terms xmlns="http://schemas.microsoft.com/office/infopath/2007/PartnerControls"/>
-    </lcf76f155ced4ddcb4097134ff3c332f>
-    <TaxCatchAll xmlns="a243510b-46cd-4140-960f-dd1995ca1242" xsi:nil="true"/>
-  </documentManagement>
-</p:properties>
-</file>
-
-<file path=customXml/item2.xml><?xml version="1.0" encoding="utf-8"?>
 <ct:contentTypeSchema xmlns:ct="http://schemas.microsoft.com/office/2006/metadata/contentType" xmlns:ma="http://schemas.microsoft.com/office/2006/metadata/properties/metaAttributes" ct:_="" ma:_="" ma:contentTypeName="Document" ma:contentTypeID="0x010100D6D0159BBBEE134FB5E4D8C57B1883EC" ma:contentTypeVersion="11" ma:contentTypeDescription="Crea un document nou" ma:contentTypeScope="" ma:versionID="f04f96809bb662b7ac2c95f3c8915f5b">
   <xsd:schema xmlns:xsd="http://www.w3.org/2001/XMLSchema" xmlns:xs="http://www.w3.org/2001/XMLSchema" xmlns:p="http://schemas.microsoft.com/office/2006/metadata/properties" xmlns:ns2="a444e17d-5f58-4faa-a0cd-68e3c35c24c8" xmlns:ns3="a243510b-46cd-4140-960f-dd1995ca1242" targetNamespace="http://schemas.microsoft.com/office/2006/metadata/properties" ma:root="true" ma:fieldsID="a9ec5336b209b2a6d400d812b9dc435c" ns2:_="" ns3:_="">
     <xsd:import namespace="a444e17d-5f58-4faa-a0cd-68e3c35c24c8"/>
@@ -22387,6 +22630,17 @@
 </ct:contentTypeSchema>
 </file>
 
+<file path=customXml/item2.xml><?xml version="1.0" encoding="utf-8"?>
+<p:properties xmlns:p="http://schemas.microsoft.com/office/2006/metadata/properties" xmlns:xsi="http://www.w3.org/2001/XMLSchema-instance" xmlns:pc="http://schemas.microsoft.com/office/infopath/2007/PartnerControls">
+  <documentManagement>
+    <lcf76f155ced4ddcb4097134ff3c332f xmlns="a444e17d-5f58-4faa-a0cd-68e3c35c24c8">
+      <Terms xmlns="http://schemas.microsoft.com/office/infopath/2007/PartnerControls"/>
+    </lcf76f155ced4ddcb4097134ff3c332f>
+    <TaxCatchAll xmlns="a243510b-46cd-4140-960f-dd1995ca1242" xsi:nil="true"/>
+  </documentManagement>
+</p:properties>
+</file>
+
 <file path=customXml/item3.xml><?xml version="1.0" encoding="utf-8"?>
 <?mso-contentType ?>
 <FormTemplates xmlns="http://schemas.microsoft.com/sharepoint/v3/contenttype/forms">
@@ -22397,6 +22651,25 @@
 </file>
 
 <file path=customXml/itemProps1.xml><?xml version="1.0" encoding="utf-8"?>
+<ds:datastoreItem xmlns:ds="http://schemas.openxmlformats.org/officeDocument/2006/customXml" ds:itemID="{9EA50E04-F6CD-4736-9C36-9389C2452C27}">
+  <ds:schemaRefs>
+    <ds:schemaRef ds:uri="a243510b-46cd-4140-960f-dd1995ca1242"/>
+    <ds:schemaRef ds:uri="a444e17d-5f58-4faa-a0cd-68e3c35c24c8"/>
+    <ds:schemaRef ds:uri="http://purl.org/dc/elements/1.1/"/>
+    <ds:schemaRef ds:uri="http://purl.org/dc/terms/"/>
+    <ds:schemaRef ds:uri="http://schemas.microsoft.com/internal/obd"/>
+    <ds:schemaRef ds:uri="http://schemas.microsoft.com/office/2006/documentManagement/types"/>
+    <ds:schemaRef ds:uri="http://schemas.microsoft.com/office/2006/metadata/contentType"/>
+    <ds:schemaRef ds:uri="http://schemas.microsoft.com/office/2006/metadata/properties"/>
+    <ds:schemaRef ds:uri="http://schemas.microsoft.com/office/2006/metadata/properties/metaAttributes"/>
+    <ds:schemaRef ds:uri="http://schemas.microsoft.com/office/infopath/2007/PartnerControls"/>
+    <ds:schemaRef ds:uri="http://schemas.openxmlformats.org/package/2006/metadata/core-properties"/>
+    <ds:schemaRef ds:uri="http://www.w3.org/2001/XMLSchema"/>
+  </ds:schemaRefs>
+</ds:datastoreItem>
+</file>
+
+<file path=customXml/itemProps2.xml><?xml version="1.0" encoding="utf-8"?>
 <ds:datastoreItem xmlns:ds="http://schemas.openxmlformats.org/officeDocument/2006/customXml" ds:itemID="{A2C439FD-BADA-444F-8391-D4A1093D68BE}">
   <ds:schemaRefs>
     <ds:schemaRef ds:uri="326c5024-6e3a-4942-81ce-7163dec6b0d3"/>
@@ -22415,25 +22688,6 @@
 </ds:datastoreItem>
 </file>
 
-<file path=customXml/itemProps2.xml><?xml version="1.0" encoding="utf-8"?>
-<ds:datastoreItem xmlns:ds="http://schemas.openxmlformats.org/officeDocument/2006/customXml" ds:itemID="{9EA50E04-F6CD-4736-9C36-9389C2452C27}">
-  <ds:schemaRefs>
-    <ds:schemaRef ds:uri="a243510b-46cd-4140-960f-dd1995ca1242"/>
-    <ds:schemaRef ds:uri="a444e17d-5f58-4faa-a0cd-68e3c35c24c8"/>
-    <ds:schemaRef ds:uri="http://purl.org/dc/elements/1.1/"/>
-    <ds:schemaRef ds:uri="http://purl.org/dc/terms/"/>
-    <ds:schemaRef ds:uri="http://schemas.microsoft.com/internal/obd"/>
-    <ds:schemaRef ds:uri="http://schemas.microsoft.com/office/2006/documentManagement/types"/>
-    <ds:schemaRef ds:uri="http://schemas.microsoft.com/office/2006/metadata/contentType"/>
-    <ds:schemaRef ds:uri="http://schemas.microsoft.com/office/2006/metadata/properties"/>
-    <ds:schemaRef ds:uri="http://schemas.microsoft.com/office/2006/metadata/properties/metaAttributes"/>
-    <ds:schemaRef ds:uri="http://schemas.microsoft.com/office/infopath/2007/PartnerControls"/>
-    <ds:schemaRef ds:uri="http://schemas.openxmlformats.org/package/2006/metadata/core-properties"/>
-    <ds:schemaRef ds:uri="http://www.w3.org/2001/XMLSchema"/>
-  </ds:schemaRefs>
-</ds:datastoreItem>
-</file>
-
 <file path=customXml/itemProps3.xml><?xml version="1.0" encoding="utf-8"?>
 <ds:datastoreItem xmlns:ds="http://schemas.openxmlformats.org/officeDocument/2006/customXml" ds:itemID="{F1D5FB84-F192-457E-8C69-2A7080372F1C}">
   <ds:schemaRefs>

--- a/Datato2025_Equipo1_Reto3.pptx
+++ b/Datato2025_Equipo1_Reto3.pptx
@@ -6,17 +6,18 @@
     <p:sldMasterId id="2147483778" r:id="rId5"/>
   </p:sldMasterIdLst>
   <p:notesMasterIdLst>
-    <p:notesMasterId r:id="rId14"/>
+    <p:notesMasterId r:id="rId15"/>
   </p:notesMasterIdLst>
   <p:sldIdLst>
     <p:sldId id="257" r:id="rId6"/>
     <p:sldId id="317" r:id="rId7"/>
     <p:sldId id="318" r:id="rId8"/>
     <p:sldId id="691" r:id="rId9"/>
-    <p:sldId id="692" r:id="rId10"/>
-    <p:sldId id="690" r:id="rId11"/>
-    <p:sldId id="680" r:id="rId12"/>
-    <p:sldId id="676" r:id="rId13"/>
+    <p:sldId id="695" r:id="rId10"/>
+    <p:sldId id="692" r:id="rId11"/>
+    <p:sldId id="690" r:id="rId12"/>
+    <p:sldId id="680" r:id="rId13"/>
+    <p:sldId id="676" r:id="rId14"/>
   </p:sldIdLst>
   <p:sldSz cx="12192000" cy="6858000"/>
   <p:notesSz cx="7104063" cy="10234613"/>
@@ -1764,7 +1765,7 @@
           <a:p>
             <a:fld id="{7FFE2060-2880-1940-B609-011FB03672BF}" type="datetimeFigureOut">
               <a:rPr lang="ca-ES" smtClean="0"/>
-              <a:t>15/10/2025</a:t>
+              <a:t>16/10/2025</a:t>
             </a:fld>
             <a:endParaRPr lang="ca-ES"/>
           </a:p>
@@ -2806,7 +2807,7 @@
           <a:p>
             <a:fld id="{B78F210F-13E7-4FDF-B034-1455B15B182E}" type="datetimeFigureOut">
               <a:rPr lang="es-ES" smtClean="0"/>
-              <a:t>15/10/2025</a:t>
+              <a:t>16/10/2025</a:t>
             </a:fld>
             <a:endParaRPr lang="es-ES"/>
           </a:p>
@@ -3033,7 +3034,7 @@
           <a:p>
             <a:fld id="{82C99FF2-E0C4-CE45-9876-CEF81B880042}" type="datetimeFigureOut">
               <a:rPr lang="es-ES" smtClean="0"/>
-              <a:t>15/10/2025</a:t>
+              <a:t>16/10/2025</a:t>
             </a:fld>
             <a:endParaRPr lang="es-ES"/>
           </a:p>
@@ -7989,7 +7990,7 @@
         <p:spPr>
           <a:xfrm>
             <a:off x="277080" y="1153164"/>
-            <a:ext cx="11092882" cy="446469"/>
+            <a:ext cx="11092882" cy="889667"/>
           </a:xfrm>
           <a:prstGeom prst="rect">
             <a:avLst/>
@@ -8008,418 +8009,53 @@
               </a:lnSpc>
             </a:pPr>
             <a:r>
-              <a:rPr lang="ca-ES" sz="3600" b="1" spc="-1" noProof="0">
+              <a:rPr lang="ca-ES" sz="3600" b="1" spc="-1" dirty="0" err="1">
                 <a:solidFill>
                   <a:srgbClr val="D50283"/>
                 </a:solidFill>
                 <a:latin typeface="Montserrat Bold"/>
               </a:rPr>
-              <a:t>Frontend</a:t>
-            </a:r>
-            <a:endParaRPr lang="es-ES" sz="3600" b="1">
+              <a:t>Resultado</a:t>
+            </a:r>
+            <a:r>
+              <a:rPr lang="ca-ES" sz="3600" b="1" spc="-1" dirty="0">
+                <a:solidFill>
+                  <a:srgbClr val="D50283"/>
+                </a:solidFill>
+                <a:latin typeface="Montserrat Bold"/>
+              </a:rPr>
+              <a:t> </a:t>
+            </a:r>
+            <a:r>
+              <a:rPr lang="ca-ES" sz="3600" b="1" spc="-1" dirty="0" err="1">
+                <a:solidFill>
+                  <a:srgbClr val="D50283"/>
+                </a:solidFill>
+                <a:latin typeface="Montserrat Bold"/>
+              </a:rPr>
+              <a:t>análisis</a:t>
+            </a:r>
+            <a:r>
+              <a:rPr lang="ca-ES" sz="3600" b="1" spc="-1" dirty="0">
+                <a:solidFill>
+                  <a:srgbClr val="D50283"/>
+                </a:solidFill>
+                <a:latin typeface="Montserrat Bold"/>
+              </a:rPr>
+              <a:t> I</a:t>
+            </a:r>
+          </a:p>
+          <a:p>
+            <a:pPr>
+              <a:lnSpc>
+                <a:spcPct val="80000"/>
+              </a:lnSpc>
+            </a:pPr>
+            <a:endParaRPr lang="es-ES" sz="3600" b="1" dirty="0">
               <a:solidFill>
                 <a:srgbClr val="424242"/>
               </a:solidFill>
               <a:latin typeface="Montserrat Bold"/>
-            </a:endParaRPr>
-          </a:p>
-        </p:txBody>
-      </p:sp>
-      <p:sp>
-        <p:nvSpPr>
-          <p:cNvPr id="15" name="CuadroTexto 14">
-            <a:extLst>
-              <a:ext uri="{FF2B5EF4-FFF2-40B4-BE49-F238E27FC236}">
-                <a16:creationId xmlns:a16="http://schemas.microsoft.com/office/drawing/2014/main" id="{72CFA11C-FAE3-2E42-AD27-270E66475239}"/>
-              </a:ext>
-            </a:extLst>
-          </p:cNvPr>
-          <p:cNvSpPr txBox="1"/>
-          <p:nvPr/>
-        </p:nvSpPr>
-        <p:spPr>
-          <a:xfrm>
-            <a:off x="406434" y="2556398"/>
-            <a:ext cx="2942459" cy="3077381"/>
-          </a:xfrm>
-          <a:prstGeom prst="rect">
-            <a:avLst/>
-          </a:prstGeom>
-          <a:noFill/>
-        </p:spPr>
-        <p:txBody>
-          <a:bodyPr wrap="square" lIns="0" tIns="0" rIns="0" bIns="0" rtlCol="0">
-            <a:spAutoFit/>
-          </a:bodyPr>
-          <a:lstStyle/>
-          <a:p>
-            <a:pPr>
-              <a:lnSpc>
-                <a:spcPct val="150000"/>
-              </a:lnSpc>
-              <a:spcBef>
-                <a:spcPts val="975"/>
-              </a:spcBef>
-              <a:spcAft>
-                <a:spcPts val="225"/>
-              </a:spcAft>
-            </a:pPr>
-            <a:endParaRPr lang="ca-ES" sz="1000" noProof="0" dirty="0">
-              <a:solidFill>
-                <a:srgbClr val="424242"/>
-              </a:solidFill>
-              <a:latin typeface="Montserrat" panose="00000500000000000000" pitchFamily="2" charset="0"/>
-            </a:endParaRPr>
-          </a:p>
-          <a:p>
-            <a:pPr algn="ctr">
-              <a:spcBef>
-                <a:spcPts val="975"/>
-              </a:spcBef>
-              <a:spcAft>
-                <a:spcPts val="225"/>
-              </a:spcAft>
-            </a:pPr>
-            <a:r>
-              <a:rPr lang="ca-ES" sz="1000" b="1" dirty="0">
-                <a:solidFill>
-                  <a:srgbClr val="D50283"/>
-                </a:solidFill>
-                <a:latin typeface="Montserrat" panose="00000500000000000000" pitchFamily="2" charset="0"/>
-              </a:rPr>
-              <a:t>UX/UI</a:t>
-            </a:r>
-          </a:p>
-          <a:p>
-            <a:pPr marL="171450" indent="-171450">
-              <a:lnSpc>
-                <a:spcPct val="150000"/>
-              </a:lnSpc>
-              <a:spcBef>
-                <a:spcPts val="975"/>
-              </a:spcBef>
-              <a:spcAft>
-                <a:spcPts val="225"/>
-              </a:spcAft>
-              <a:buFont typeface="Arial" panose="020B0604020202020204" pitchFamily="34" charset="0"/>
-              <a:buChar char="•"/>
-            </a:pPr>
-            <a:r>
-              <a:rPr lang="ca-ES" sz="1000" i="1" dirty="0" err="1">
-                <a:solidFill>
-                  <a:schemeClr val="bg2"/>
-                </a:solidFill>
-                <a:latin typeface="Montserrat" panose="00000500000000000000" pitchFamily="2" charset="0"/>
-              </a:rPr>
-              <a:t>Además</a:t>
-            </a:r>
-            <a:r>
-              <a:rPr lang="ca-ES" sz="1000" i="1" dirty="0">
-                <a:solidFill>
-                  <a:schemeClr val="bg2"/>
-                </a:solidFill>
-                <a:latin typeface="Montserrat" panose="00000500000000000000" pitchFamily="2" charset="0"/>
-              </a:rPr>
-              <a:t> de la </a:t>
-            </a:r>
-            <a:r>
-              <a:rPr lang="ca-ES" sz="1000" i="1" dirty="0" err="1">
-                <a:solidFill>
-                  <a:schemeClr val="bg2"/>
-                </a:solidFill>
-                <a:latin typeface="Montserrat" panose="00000500000000000000" pitchFamily="2" charset="0"/>
-              </a:rPr>
-              <a:t>funcionalidad</a:t>
-            </a:r>
-            <a:r>
-              <a:rPr lang="ca-ES" sz="1000" i="1" dirty="0">
-                <a:solidFill>
-                  <a:schemeClr val="bg2"/>
-                </a:solidFill>
-                <a:latin typeface="Montserrat" panose="00000500000000000000" pitchFamily="2" charset="0"/>
-              </a:rPr>
-              <a:t> </a:t>
-            </a:r>
-            <a:r>
-              <a:rPr lang="ca-ES" sz="1000" i="1" dirty="0" err="1">
-                <a:solidFill>
-                  <a:schemeClr val="bg2"/>
-                </a:solidFill>
-                <a:latin typeface="Montserrat" panose="00000500000000000000" pitchFamily="2" charset="0"/>
-              </a:rPr>
-              <a:t>técnica</a:t>
-            </a:r>
-            <a:r>
-              <a:rPr lang="ca-ES" sz="1000" i="1" dirty="0">
-                <a:solidFill>
-                  <a:schemeClr val="bg2"/>
-                </a:solidFill>
-                <a:latin typeface="Montserrat" panose="00000500000000000000" pitchFamily="2" charset="0"/>
-              </a:rPr>
-              <a:t>, explicar como se ha </a:t>
-            </a:r>
-            <a:r>
-              <a:rPr lang="ca-ES" sz="1000" i="1" dirty="0" err="1">
-                <a:solidFill>
-                  <a:schemeClr val="bg2"/>
-                </a:solidFill>
-                <a:latin typeface="Montserrat" panose="00000500000000000000" pitchFamily="2" charset="0"/>
-              </a:rPr>
-              <a:t>priorizado</a:t>
-            </a:r>
-            <a:r>
-              <a:rPr lang="ca-ES" sz="1000" i="1" dirty="0">
-                <a:solidFill>
-                  <a:schemeClr val="bg2"/>
-                </a:solidFill>
-                <a:latin typeface="Montserrat" panose="00000500000000000000" pitchFamily="2" charset="0"/>
-              </a:rPr>
-              <a:t> la </a:t>
-            </a:r>
-            <a:r>
-              <a:rPr lang="ca-ES" sz="1000" i="1" dirty="0" err="1">
-                <a:solidFill>
-                  <a:schemeClr val="bg2"/>
-                </a:solidFill>
-                <a:latin typeface="Montserrat" panose="00000500000000000000" pitchFamily="2" charset="0"/>
-              </a:rPr>
-              <a:t>experiencia</a:t>
-            </a:r>
-            <a:r>
-              <a:rPr lang="ca-ES" sz="1000" i="1" dirty="0">
-                <a:solidFill>
-                  <a:schemeClr val="bg2"/>
-                </a:solidFill>
-                <a:latin typeface="Montserrat" panose="00000500000000000000" pitchFamily="2" charset="0"/>
-              </a:rPr>
-              <a:t> del </a:t>
-            </a:r>
-            <a:r>
-              <a:rPr lang="ca-ES" sz="1000" i="1" dirty="0" err="1">
-                <a:solidFill>
-                  <a:schemeClr val="bg2"/>
-                </a:solidFill>
-                <a:latin typeface="Montserrat" panose="00000500000000000000" pitchFamily="2" charset="0"/>
-              </a:rPr>
-              <a:t>usuario</a:t>
-            </a:r>
-            <a:r>
-              <a:rPr lang="ca-ES" sz="1000" i="1" dirty="0">
-                <a:solidFill>
-                  <a:schemeClr val="bg2"/>
-                </a:solidFill>
-                <a:latin typeface="Montserrat" panose="00000500000000000000" pitchFamily="2" charset="0"/>
-              </a:rPr>
-              <a:t>.</a:t>
-            </a:r>
-            <a:r>
-              <a:rPr lang="ca-ES" sz="1000" i="1" noProof="0" dirty="0">
-                <a:solidFill>
-                  <a:schemeClr val="bg2"/>
-                </a:solidFill>
-                <a:latin typeface="Montserrat" panose="00000500000000000000" pitchFamily="2" charset="0"/>
-              </a:rPr>
-              <a:t> </a:t>
-            </a:r>
-          </a:p>
-          <a:p>
-            <a:pPr marL="171450" indent="-171450">
-              <a:lnSpc>
-                <a:spcPct val="150000"/>
-              </a:lnSpc>
-              <a:spcBef>
-                <a:spcPts val="975"/>
-              </a:spcBef>
-              <a:spcAft>
-                <a:spcPts val="225"/>
-              </a:spcAft>
-              <a:buFont typeface="Arial" panose="020B0604020202020204" pitchFamily="34" charset="0"/>
-              <a:buChar char="•"/>
-            </a:pPr>
-            <a:r>
-              <a:rPr lang="ca-ES" sz="1000" i="1" dirty="0" err="1">
-                <a:solidFill>
-                  <a:schemeClr val="bg2"/>
-                </a:solidFill>
-                <a:latin typeface="Montserrat" panose="00000500000000000000" pitchFamily="2" charset="0"/>
-              </a:rPr>
-              <a:t>Qué</a:t>
-            </a:r>
-            <a:r>
-              <a:rPr lang="ca-ES" sz="1000" i="1" dirty="0">
-                <a:solidFill>
-                  <a:schemeClr val="bg2"/>
-                </a:solidFill>
-                <a:latin typeface="Montserrat" panose="00000500000000000000" pitchFamily="2" charset="0"/>
-              </a:rPr>
-              <a:t> </a:t>
-            </a:r>
-            <a:r>
-              <a:rPr lang="ca-ES" sz="1000" i="1" dirty="0" err="1">
-                <a:solidFill>
-                  <a:schemeClr val="bg2"/>
-                </a:solidFill>
-                <a:latin typeface="Montserrat" panose="00000500000000000000" pitchFamily="2" charset="0"/>
-              </a:rPr>
-              <a:t>diseño</a:t>
-            </a:r>
-            <a:r>
-              <a:rPr lang="ca-ES" sz="1000" i="1" dirty="0">
-                <a:solidFill>
-                  <a:schemeClr val="bg2"/>
-                </a:solidFill>
-                <a:latin typeface="Montserrat" panose="00000500000000000000" pitchFamily="2" charset="0"/>
-              </a:rPr>
-              <a:t> se ha </a:t>
-            </a:r>
-            <a:r>
-              <a:rPr lang="ca-ES" sz="1000" i="1" dirty="0" err="1">
-                <a:solidFill>
-                  <a:schemeClr val="bg2"/>
-                </a:solidFill>
-                <a:latin typeface="Montserrat" panose="00000500000000000000" pitchFamily="2" charset="0"/>
-              </a:rPr>
-              <a:t>seguido</a:t>
-            </a:r>
-            <a:r>
-              <a:rPr lang="ca-ES" sz="1000" i="1" dirty="0">
-                <a:solidFill>
-                  <a:schemeClr val="bg2"/>
-                </a:solidFill>
-                <a:latin typeface="Montserrat" panose="00000500000000000000" pitchFamily="2" charset="0"/>
-              </a:rPr>
-              <a:t> y </a:t>
-            </a:r>
-            <a:r>
-              <a:rPr lang="ca-ES" sz="1000" i="1" dirty="0" err="1">
-                <a:solidFill>
-                  <a:schemeClr val="bg2"/>
-                </a:solidFill>
-                <a:latin typeface="Montserrat" panose="00000500000000000000" pitchFamily="2" charset="0"/>
-              </a:rPr>
-              <a:t>porque</a:t>
-            </a:r>
-            <a:r>
-              <a:rPr lang="ca-ES" sz="1000" i="1" dirty="0">
-                <a:solidFill>
-                  <a:schemeClr val="bg2"/>
-                </a:solidFill>
-                <a:latin typeface="Montserrat" panose="00000500000000000000" pitchFamily="2" charset="0"/>
-              </a:rPr>
-              <a:t>?</a:t>
-            </a:r>
-            <a:endParaRPr lang="ca-ES" sz="1000" i="1" noProof="0" dirty="0">
-              <a:solidFill>
-                <a:schemeClr val="bg2"/>
-              </a:solidFill>
-              <a:latin typeface="Montserrat" panose="00000500000000000000" pitchFamily="2" charset="0"/>
-            </a:endParaRPr>
-          </a:p>
-          <a:p>
-            <a:pPr marL="171450" indent="-171450">
-              <a:lnSpc>
-                <a:spcPct val="150000"/>
-              </a:lnSpc>
-              <a:spcBef>
-                <a:spcPts val="975"/>
-              </a:spcBef>
-              <a:spcAft>
-                <a:spcPts val="225"/>
-              </a:spcAft>
-              <a:buFont typeface="Arial" panose="020B0604020202020204" pitchFamily="34" charset="0"/>
-              <a:buChar char="•"/>
-            </a:pPr>
-            <a:r>
-              <a:rPr lang="ca-ES" sz="1000" i="1" noProof="0" dirty="0" err="1">
-                <a:solidFill>
-                  <a:schemeClr val="bg2"/>
-                </a:solidFill>
-                <a:latin typeface="Montserrat" panose="00000500000000000000" pitchFamily="2" charset="0"/>
-              </a:rPr>
-              <a:t>Qué</a:t>
-            </a:r>
-            <a:r>
-              <a:rPr lang="ca-ES" sz="1000" i="1" noProof="0" dirty="0">
-                <a:solidFill>
-                  <a:schemeClr val="bg2"/>
-                </a:solidFill>
-                <a:latin typeface="Montserrat" panose="00000500000000000000" pitchFamily="2" charset="0"/>
-              </a:rPr>
-              <a:t> soluciones UI </a:t>
-            </a:r>
-            <a:r>
-              <a:rPr lang="ca-ES" sz="1000" i="1" noProof="0" dirty="0" err="1">
-                <a:solidFill>
-                  <a:schemeClr val="bg2"/>
-                </a:solidFill>
-                <a:latin typeface="Montserrat" panose="00000500000000000000" pitchFamily="2" charset="0"/>
-              </a:rPr>
-              <a:t>innovadoras</a:t>
-            </a:r>
-            <a:r>
-              <a:rPr lang="ca-ES" sz="1000" i="1" noProof="0" dirty="0">
-                <a:solidFill>
-                  <a:schemeClr val="bg2"/>
-                </a:solidFill>
-                <a:latin typeface="Montserrat" panose="00000500000000000000" pitchFamily="2" charset="0"/>
-              </a:rPr>
-              <a:t> se han </a:t>
-            </a:r>
-            <a:r>
-              <a:rPr lang="ca-ES" sz="1000" i="1" noProof="0" dirty="0" err="1">
-                <a:solidFill>
-                  <a:schemeClr val="bg2"/>
-                </a:solidFill>
-                <a:latin typeface="Montserrat" panose="00000500000000000000" pitchFamily="2" charset="0"/>
-              </a:rPr>
-              <a:t>implementado</a:t>
-            </a:r>
-            <a:r>
-              <a:rPr lang="ca-ES" sz="1000" i="1" noProof="0" dirty="0">
-                <a:solidFill>
-                  <a:schemeClr val="bg2"/>
-                </a:solidFill>
-                <a:latin typeface="Montserrat" panose="00000500000000000000" pitchFamily="2" charset="0"/>
-              </a:rPr>
-              <a:t>?</a:t>
-            </a:r>
-          </a:p>
-          <a:p>
-            <a:pPr>
-              <a:lnSpc>
-                <a:spcPct val="150000"/>
-              </a:lnSpc>
-              <a:spcBef>
-                <a:spcPts val="975"/>
-              </a:spcBef>
-              <a:spcAft>
-                <a:spcPts val="225"/>
-              </a:spcAft>
-            </a:pPr>
-            <a:endParaRPr lang="ca-ES" sz="1000" noProof="0" dirty="0">
-              <a:solidFill>
-                <a:srgbClr val="424242"/>
-              </a:solidFill>
-              <a:latin typeface="Montserrat" panose="00000500000000000000" pitchFamily="2" charset="0"/>
-            </a:endParaRPr>
-          </a:p>
-          <a:p>
-            <a:pPr>
-              <a:lnSpc>
-                <a:spcPct val="150000"/>
-              </a:lnSpc>
-              <a:spcBef>
-                <a:spcPts val="600"/>
-              </a:spcBef>
-              <a:spcAft>
-                <a:spcPts val="300"/>
-              </a:spcAft>
-            </a:pPr>
-            <a:endParaRPr lang="ca-ES" sz="1000" noProof="0" dirty="0">
-              <a:solidFill>
-                <a:srgbClr val="424242"/>
-              </a:solidFill>
-              <a:latin typeface="Montserrat" panose="00000500000000000000" pitchFamily="2" charset="0"/>
             </a:endParaRPr>
           </a:p>
         </p:txBody>
@@ -8498,627 +8134,36 @@
           </a:prstGeom>
         </p:spPr>
       </p:pic>
-      <p:sp>
-        <p:nvSpPr>
-          <p:cNvPr id="3" name="CuadroTexto 2">
+      <p:pic>
+        <p:nvPicPr>
+          <p:cNvPr id="5" name="Imagen 4">
             <a:extLst>
               <a:ext uri="{FF2B5EF4-FFF2-40B4-BE49-F238E27FC236}">
-                <a16:creationId xmlns:a16="http://schemas.microsoft.com/office/drawing/2014/main" id="{79D45679-5DE2-F202-CB7F-47E7F70371C6}"/>
+                <a16:creationId xmlns:a16="http://schemas.microsoft.com/office/drawing/2014/main" id="{86206508-06C7-A141-FE99-44D9D8F4DF44}"/>
               </a:ext>
             </a:extLst>
           </p:cNvPr>
-          <p:cNvSpPr txBox="1"/>
+          <p:cNvPicPr>
+            <a:picLocks noChangeAspect="1"/>
+          </p:cNvPicPr>
           <p:nvPr/>
-        </p:nvSpPr>
+        </p:nvPicPr>
+        <p:blipFill>
+          <a:blip r:embed="rId3"/>
+          <a:stretch>
+            <a:fillRect/>
+          </a:stretch>
+        </p:blipFill>
         <p:spPr>
           <a:xfrm>
-            <a:off x="3989788" y="2556398"/>
-            <a:ext cx="2942459" cy="2538772"/>
+            <a:off x="1850570" y="1599633"/>
+            <a:ext cx="8969829" cy="5114711"/>
           </a:xfrm>
           <a:prstGeom prst="rect">
             <a:avLst/>
           </a:prstGeom>
-          <a:noFill/>
         </p:spPr>
-        <p:txBody>
-          <a:bodyPr wrap="square" lIns="0" tIns="0" rIns="0" bIns="0" rtlCol="0">
-            <a:spAutoFit/>
-          </a:bodyPr>
-          <a:lstStyle/>
-          <a:p>
-            <a:pPr>
-              <a:lnSpc>
-                <a:spcPct val="150000"/>
-              </a:lnSpc>
-              <a:spcBef>
-                <a:spcPts val="975"/>
-              </a:spcBef>
-              <a:spcAft>
-                <a:spcPts val="225"/>
-              </a:spcAft>
-            </a:pPr>
-            <a:endParaRPr lang="ca-ES" sz="1000" noProof="0" dirty="0">
-              <a:solidFill>
-                <a:srgbClr val="424242"/>
-              </a:solidFill>
-              <a:latin typeface="Montserrat" panose="00000500000000000000" pitchFamily="2" charset="0"/>
-            </a:endParaRPr>
-          </a:p>
-          <a:p>
-            <a:pPr algn="ctr">
-              <a:spcBef>
-                <a:spcPts val="975"/>
-              </a:spcBef>
-              <a:spcAft>
-                <a:spcPts val="225"/>
-              </a:spcAft>
-            </a:pPr>
-            <a:r>
-              <a:rPr lang="ca-ES" sz="1000" b="1" dirty="0" err="1">
-                <a:solidFill>
-                  <a:srgbClr val="D50283"/>
-                </a:solidFill>
-                <a:latin typeface="Montserrat" panose="00000500000000000000" pitchFamily="2" charset="0"/>
-              </a:rPr>
-              <a:t>Herramientas</a:t>
-            </a:r>
-            <a:r>
-              <a:rPr lang="ca-ES" sz="1000" b="1" dirty="0">
-                <a:solidFill>
-                  <a:srgbClr val="D50283"/>
-                </a:solidFill>
-                <a:latin typeface="Montserrat" panose="00000500000000000000" pitchFamily="2" charset="0"/>
-              </a:rPr>
-              <a:t> </a:t>
-            </a:r>
-            <a:r>
-              <a:rPr lang="ca-ES" sz="1000" b="1" dirty="0" err="1">
-                <a:solidFill>
-                  <a:srgbClr val="D50283"/>
-                </a:solidFill>
-                <a:latin typeface="Montserrat" panose="00000500000000000000" pitchFamily="2" charset="0"/>
-              </a:rPr>
-              <a:t>empleadas</a:t>
-            </a:r>
-            <a:endParaRPr lang="ca-ES" sz="1000" b="1" dirty="0">
-              <a:solidFill>
-                <a:srgbClr val="D50283"/>
-              </a:solidFill>
-              <a:latin typeface="Montserrat" panose="00000500000000000000" pitchFamily="2" charset="0"/>
-            </a:endParaRPr>
-          </a:p>
-          <a:p>
-            <a:pPr marL="171450" indent="-171450">
-              <a:lnSpc>
-                <a:spcPct val="150000"/>
-              </a:lnSpc>
-              <a:spcBef>
-                <a:spcPts val="975"/>
-              </a:spcBef>
-              <a:spcAft>
-                <a:spcPts val="225"/>
-              </a:spcAft>
-              <a:buFont typeface="Arial" panose="020B0604020202020204" pitchFamily="34" charset="0"/>
-              <a:buChar char="•"/>
-            </a:pPr>
-            <a:r>
-              <a:rPr lang="ca-ES" sz="1000" i="1" noProof="0" dirty="0">
-                <a:solidFill>
-                  <a:schemeClr val="bg2"/>
-                </a:solidFill>
-                <a:latin typeface="Montserrat" panose="00000500000000000000" pitchFamily="2" charset="0"/>
-              </a:rPr>
-              <a:t>Mencionar las </a:t>
-            </a:r>
-            <a:r>
-              <a:rPr lang="ca-ES" sz="1000" i="1" noProof="0" dirty="0" err="1">
-                <a:solidFill>
-                  <a:schemeClr val="bg2"/>
-                </a:solidFill>
-                <a:latin typeface="Montserrat" panose="00000500000000000000" pitchFamily="2" charset="0"/>
-              </a:rPr>
-              <a:t>tecnologias</a:t>
-            </a:r>
-            <a:r>
-              <a:rPr lang="ca-ES" sz="1000" i="1" noProof="0" dirty="0">
-                <a:solidFill>
-                  <a:schemeClr val="bg2"/>
-                </a:solidFill>
-                <a:latin typeface="Montserrat" panose="00000500000000000000" pitchFamily="2" charset="0"/>
-              </a:rPr>
-              <a:t> o </a:t>
-            </a:r>
-            <a:r>
-              <a:rPr lang="ca-ES" sz="1000" i="1" noProof="0" dirty="0" err="1">
-                <a:solidFill>
-                  <a:schemeClr val="bg2"/>
-                </a:solidFill>
-                <a:latin typeface="Montserrat" panose="00000500000000000000" pitchFamily="2" charset="0"/>
-              </a:rPr>
-              <a:t>frameworks</a:t>
-            </a:r>
-            <a:r>
-              <a:rPr lang="ca-ES" sz="1000" i="1" noProof="0" dirty="0">
-                <a:solidFill>
-                  <a:schemeClr val="bg2"/>
-                </a:solidFill>
-                <a:latin typeface="Montserrat" panose="00000500000000000000" pitchFamily="2" charset="0"/>
-              </a:rPr>
-              <a:t> </a:t>
-            </a:r>
-            <a:r>
-              <a:rPr lang="ca-ES" sz="1000" i="1" noProof="0" dirty="0" err="1">
-                <a:solidFill>
-                  <a:schemeClr val="bg2"/>
-                </a:solidFill>
-                <a:latin typeface="Montserrat" panose="00000500000000000000" pitchFamily="2" charset="0"/>
-              </a:rPr>
-              <a:t>utilizados</a:t>
-            </a:r>
-            <a:r>
-              <a:rPr lang="ca-ES" sz="1000" i="1" noProof="0" dirty="0">
-                <a:solidFill>
-                  <a:schemeClr val="bg2"/>
-                </a:solidFill>
-                <a:latin typeface="Montserrat" panose="00000500000000000000" pitchFamily="2" charset="0"/>
-              </a:rPr>
-              <a:t> (</a:t>
-            </a:r>
-            <a:r>
-              <a:rPr lang="ca-ES" sz="1000" i="1" noProof="0" dirty="0" err="1">
-                <a:solidFill>
-                  <a:schemeClr val="bg2"/>
-                </a:solidFill>
-                <a:latin typeface="Montserrat" panose="00000500000000000000" pitchFamily="2" charset="0"/>
-              </a:rPr>
-              <a:t>React</a:t>
-            </a:r>
-            <a:r>
-              <a:rPr lang="ca-ES" sz="1000" i="1" noProof="0" dirty="0">
-                <a:solidFill>
-                  <a:schemeClr val="bg2"/>
-                </a:solidFill>
-                <a:latin typeface="Montserrat" panose="00000500000000000000" pitchFamily="2" charset="0"/>
-              </a:rPr>
-              <a:t>, Angular, etc.) y como estos </a:t>
-            </a:r>
-            <a:r>
-              <a:rPr lang="ca-ES" sz="1000" i="1" noProof="0" dirty="0" err="1">
-                <a:solidFill>
-                  <a:schemeClr val="bg2"/>
-                </a:solidFill>
-                <a:latin typeface="Montserrat" panose="00000500000000000000" pitchFamily="2" charset="0"/>
-              </a:rPr>
-              <a:t>aportan</a:t>
-            </a:r>
-            <a:r>
-              <a:rPr lang="ca-ES" sz="1000" i="1" noProof="0" dirty="0">
-                <a:solidFill>
-                  <a:schemeClr val="bg2"/>
-                </a:solidFill>
-                <a:latin typeface="Montserrat" panose="00000500000000000000" pitchFamily="2" charset="0"/>
-              </a:rPr>
-              <a:t> al </a:t>
-            </a:r>
-            <a:r>
-              <a:rPr lang="ca-ES" sz="1000" i="1" noProof="0" dirty="0" err="1">
-                <a:solidFill>
-                  <a:schemeClr val="bg2"/>
-                </a:solidFill>
-                <a:latin typeface="Montserrat" panose="00000500000000000000" pitchFamily="2" charset="0"/>
-              </a:rPr>
-              <a:t>rendimiento</a:t>
-            </a:r>
-            <a:r>
-              <a:rPr lang="ca-ES" sz="1000" i="1" noProof="0" dirty="0">
-                <a:solidFill>
-                  <a:schemeClr val="bg2"/>
-                </a:solidFill>
-                <a:latin typeface="Montserrat" panose="00000500000000000000" pitchFamily="2" charset="0"/>
-              </a:rPr>
-              <a:t>, </a:t>
-            </a:r>
-            <a:r>
-              <a:rPr lang="ca-ES" sz="1000" i="1" noProof="0" dirty="0" err="1">
-                <a:solidFill>
-                  <a:schemeClr val="bg2"/>
-                </a:solidFill>
-                <a:latin typeface="Montserrat" panose="00000500000000000000" pitchFamily="2" charset="0"/>
-              </a:rPr>
-              <a:t>mantenibilidad</a:t>
-            </a:r>
-            <a:r>
-              <a:rPr lang="ca-ES" sz="1000" i="1" noProof="0" dirty="0">
-                <a:solidFill>
-                  <a:schemeClr val="bg2"/>
-                </a:solidFill>
-                <a:latin typeface="Montserrat" panose="00000500000000000000" pitchFamily="2" charset="0"/>
-              </a:rPr>
-              <a:t> o </a:t>
-            </a:r>
-            <a:r>
-              <a:rPr lang="ca-ES" sz="1000" i="1" noProof="0" dirty="0" err="1">
-                <a:solidFill>
-                  <a:schemeClr val="bg2"/>
-                </a:solidFill>
-                <a:latin typeface="Montserrat" panose="00000500000000000000" pitchFamily="2" charset="0"/>
-              </a:rPr>
-              <a:t>escalabilidad</a:t>
-            </a:r>
-            <a:r>
-              <a:rPr lang="ca-ES" sz="1000" i="1" noProof="0" dirty="0">
-                <a:solidFill>
-                  <a:schemeClr val="bg2"/>
-                </a:solidFill>
-                <a:latin typeface="Montserrat" panose="00000500000000000000" pitchFamily="2" charset="0"/>
-              </a:rPr>
-              <a:t> de la </a:t>
-            </a:r>
-            <a:r>
-              <a:rPr lang="ca-ES" sz="1000" i="1" noProof="0" dirty="0" err="1">
-                <a:solidFill>
-                  <a:schemeClr val="bg2"/>
-                </a:solidFill>
-                <a:latin typeface="Montserrat" panose="00000500000000000000" pitchFamily="2" charset="0"/>
-              </a:rPr>
-              <a:t>aplicación</a:t>
-            </a:r>
-            <a:r>
-              <a:rPr lang="ca-ES" sz="1000" i="1" noProof="0" dirty="0">
-                <a:solidFill>
-                  <a:schemeClr val="bg2"/>
-                </a:solidFill>
-                <a:latin typeface="Montserrat" panose="00000500000000000000" pitchFamily="2" charset="0"/>
-              </a:rPr>
-              <a:t>.</a:t>
-            </a:r>
-          </a:p>
-          <a:p>
-            <a:pPr>
-              <a:lnSpc>
-                <a:spcPct val="150000"/>
-              </a:lnSpc>
-              <a:spcBef>
-                <a:spcPts val="975"/>
-              </a:spcBef>
-              <a:spcAft>
-                <a:spcPts val="225"/>
-              </a:spcAft>
-            </a:pPr>
-            <a:endParaRPr lang="ca-ES" sz="1000" noProof="0" dirty="0">
-              <a:solidFill>
-                <a:srgbClr val="424242"/>
-              </a:solidFill>
-              <a:latin typeface="Montserrat" panose="00000500000000000000" pitchFamily="2" charset="0"/>
-            </a:endParaRPr>
-          </a:p>
-          <a:p>
-            <a:pPr>
-              <a:lnSpc>
-                <a:spcPct val="150000"/>
-              </a:lnSpc>
-              <a:spcBef>
-                <a:spcPts val="600"/>
-              </a:spcBef>
-              <a:spcAft>
-                <a:spcPts val="300"/>
-              </a:spcAft>
-            </a:pPr>
-            <a:endParaRPr lang="ca-ES" sz="1000" noProof="0" dirty="0">
-              <a:solidFill>
-                <a:srgbClr val="424242"/>
-              </a:solidFill>
-              <a:latin typeface="Montserrat" panose="00000500000000000000" pitchFamily="2" charset="0"/>
-            </a:endParaRPr>
-          </a:p>
-        </p:txBody>
-      </p:sp>
-      <p:sp>
-        <p:nvSpPr>
-          <p:cNvPr id="4" name="CuadroTexto 3">
-            <a:extLst>
-              <a:ext uri="{FF2B5EF4-FFF2-40B4-BE49-F238E27FC236}">
-                <a16:creationId xmlns:a16="http://schemas.microsoft.com/office/drawing/2014/main" id="{8EE21A8E-0492-1DB4-C0FD-AF0A28AAE864}"/>
-              </a:ext>
-            </a:extLst>
-          </p:cNvPr>
-          <p:cNvSpPr txBox="1"/>
-          <p:nvPr/>
-        </p:nvSpPr>
-        <p:spPr>
-          <a:xfrm>
-            <a:off x="8180366" y="2556398"/>
-            <a:ext cx="2826038" cy="2230995"/>
-          </a:xfrm>
-          <a:prstGeom prst="rect">
-            <a:avLst/>
-          </a:prstGeom>
-          <a:noFill/>
-        </p:spPr>
-        <p:txBody>
-          <a:bodyPr wrap="square" lIns="0" tIns="0" rIns="0" bIns="0" rtlCol="0">
-            <a:spAutoFit/>
-          </a:bodyPr>
-          <a:lstStyle/>
-          <a:p>
-            <a:pPr>
-              <a:lnSpc>
-                <a:spcPct val="150000"/>
-              </a:lnSpc>
-              <a:spcBef>
-                <a:spcPts val="975"/>
-              </a:spcBef>
-              <a:spcAft>
-                <a:spcPts val="225"/>
-              </a:spcAft>
-            </a:pPr>
-            <a:endParaRPr lang="ca-ES" sz="1000" noProof="0" dirty="0">
-              <a:solidFill>
-                <a:srgbClr val="424242"/>
-              </a:solidFill>
-              <a:latin typeface="Montserrat" panose="00000500000000000000" pitchFamily="2" charset="0"/>
-            </a:endParaRPr>
-          </a:p>
-          <a:p>
-            <a:pPr algn="ctr">
-              <a:spcBef>
-                <a:spcPts val="975"/>
-              </a:spcBef>
-              <a:spcAft>
-                <a:spcPts val="225"/>
-              </a:spcAft>
-            </a:pPr>
-            <a:r>
-              <a:rPr lang="ca-ES" sz="1000" b="1" dirty="0" err="1">
-                <a:solidFill>
-                  <a:srgbClr val="D50283"/>
-                </a:solidFill>
-                <a:latin typeface="Montserrat" panose="00000500000000000000" pitchFamily="2" charset="0"/>
-              </a:rPr>
-              <a:t>Responsive</a:t>
-            </a:r>
-            <a:endParaRPr lang="ca-ES" sz="1000" b="1" dirty="0">
-              <a:solidFill>
-                <a:srgbClr val="D50283"/>
-              </a:solidFill>
-              <a:latin typeface="Montserrat" panose="00000500000000000000" pitchFamily="2" charset="0"/>
-            </a:endParaRPr>
-          </a:p>
-          <a:p>
-            <a:pPr marL="171450" indent="-171450">
-              <a:lnSpc>
-                <a:spcPct val="150000"/>
-              </a:lnSpc>
-              <a:spcBef>
-                <a:spcPts val="975"/>
-              </a:spcBef>
-              <a:spcAft>
-                <a:spcPts val="225"/>
-              </a:spcAft>
-              <a:buFont typeface="Arial" panose="020B0604020202020204" pitchFamily="34" charset="0"/>
-              <a:buChar char="•"/>
-            </a:pPr>
-            <a:r>
-              <a:rPr lang="ca-ES" sz="1000" i="1" dirty="0">
-                <a:solidFill>
-                  <a:schemeClr val="bg2"/>
-                </a:solidFill>
-                <a:latin typeface="Montserrat" panose="00000500000000000000" pitchFamily="2" charset="0"/>
-              </a:rPr>
-              <a:t>Comentar como se </a:t>
-            </a:r>
-            <a:r>
-              <a:rPr lang="ca-ES" sz="1000" i="1" dirty="0" err="1">
-                <a:solidFill>
-                  <a:schemeClr val="bg2"/>
-                </a:solidFill>
-                <a:latin typeface="Montserrat" panose="00000500000000000000" pitchFamily="2" charset="0"/>
-              </a:rPr>
-              <a:t>asegura</a:t>
-            </a:r>
-            <a:r>
-              <a:rPr lang="ca-ES" sz="1000" i="1" dirty="0">
-                <a:solidFill>
-                  <a:schemeClr val="bg2"/>
-                </a:solidFill>
-                <a:latin typeface="Montserrat" panose="00000500000000000000" pitchFamily="2" charset="0"/>
-              </a:rPr>
-              <a:t> la </a:t>
-            </a:r>
-            <a:r>
-              <a:rPr lang="ca-ES" sz="1000" i="1" dirty="0" err="1">
-                <a:solidFill>
-                  <a:schemeClr val="bg2"/>
-                </a:solidFill>
-                <a:latin typeface="Montserrat" panose="00000500000000000000" pitchFamily="2" charset="0"/>
-              </a:rPr>
-              <a:t>adaptabilidad</a:t>
-            </a:r>
-            <a:r>
-              <a:rPr lang="ca-ES" sz="1000" i="1" dirty="0">
-                <a:solidFill>
-                  <a:schemeClr val="bg2"/>
-                </a:solidFill>
-                <a:latin typeface="Montserrat" panose="00000500000000000000" pitchFamily="2" charset="0"/>
-              </a:rPr>
-              <a:t> a </a:t>
-            </a:r>
-            <a:r>
-              <a:rPr lang="ca-ES" sz="1000" i="1" dirty="0" err="1">
-                <a:solidFill>
-                  <a:schemeClr val="bg2"/>
-                </a:solidFill>
-                <a:latin typeface="Montserrat" panose="00000500000000000000" pitchFamily="2" charset="0"/>
-              </a:rPr>
-              <a:t>diferentes</a:t>
-            </a:r>
-            <a:r>
-              <a:rPr lang="ca-ES" sz="1000" i="1" dirty="0">
-                <a:solidFill>
-                  <a:schemeClr val="bg2"/>
-                </a:solidFill>
-                <a:latin typeface="Montserrat" panose="00000500000000000000" pitchFamily="2" charset="0"/>
-              </a:rPr>
-              <a:t> </a:t>
-            </a:r>
-            <a:r>
-              <a:rPr lang="ca-ES" sz="1000" i="1" dirty="0" err="1">
-                <a:solidFill>
-                  <a:schemeClr val="bg2"/>
-                </a:solidFill>
-                <a:latin typeface="Montserrat" panose="00000500000000000000" pitchFamily="2" charset="0"/>
-              </a:rPr>
-              <a:t>dispositivos</a:t>
-            </a:r>
-            <a:r>
-              <a:rPr lang="ca-ES" sz="1000" i="1" dirty="0">
-                <a:solidFill>
-                  <a:schemeClr val="bg2"/>
-                </a:solidFill>
-                <a:latin typeface="Montserrat" panose="00000500000000000000" pitchFamily="2" charset="0"/>
-              </a:rPr>
-              <a:t>.</a:t>
-            </a:r>
-            <a:endParaRPr lang="ca-ES" sz="1000" i="1" noProof="0" dirty="0">
-              <a:solidFill>
-                <a:schemeClr val="bg2"/>
-              </a:solidFill>
-              <a:latin typeface="Montserrat" panose="00000500000000000000" pitchFamily="2" charset="0"/>
-            </a:endParaRPr>
-          </a:p>
-          <a:p>
-            <a:pPr marL="171450" indent="-171450">
-              <a:lnSpc>
-                <a:spcPct val="150000"/>
-              </a:lnSpc>
-              <a:spcBef>
-                <a:spcPts val="975"/>
-              </a:spcBef>
-              <a:spcAft>
-                <a:spcPts val="225"/>
-              </a:spcAft>
-              <a:buFont typeface="Arial" panose="020B0604020202020204" pitchFamily="34" charset="0"/>
-              <a:buChar char="•"/>
-            </a:pPr>
-            <a:r>
-              <a:rPr lang="ca-ES" sz="1000" i="1" dirty="0" err="1">
-                <a:solidFill>
-                  <a:schemeClr val="bg2"/>
-                </a:solidFill>
-                <a:latin typeface="Montserrat" panose="00000500000000000000" pitchFamily="2" charset="0"/>
-              </a:rPr>
-              <a:t>Qué</a:t>
-            </a:r>
-            <a:r>
-              <a:rPr lang="ca-ES" sz="1000" i="1" dirty="0">
-                <a:solidFill>
-                  <a:schemeClr val="bg2"/>
-                </a:solidFill>
-                <a:latin typeface="Montserrat" panose="00000500000000000000" pitchFamily="2" charset="0"/>
-              </a:rPr>
-              <a:t> </a:t>
-            </a:r>
-            <a:r>
-              <a:rPr lang="ca-ES" sz="1000" i="1" dirty="0" err="1">
-                <a:solidFill>
-                  <a:schemeClr val="bg2"/>
-                </a:solidFill>
-                <a:latin typeface="Montserrat" panose="00000500000000000000" pitchFamily="2" charset="0"/>
-              </a:rPr>
-              <a:t>diseño</a:t>
-            </a:r>
-            <a:r>
-              <a:rPr lang="ca-ES" sz="1000" i="1" dirty="0">
-                <a:solidFill>
-                  <a:schemeClr val="bg2"/>
-                </a:solidFill>
-                <a:latin typeface="Montserrat" panose="00000500000000000000" pitchFamily="2" charset="0"/>
-              </a:rPr>
-              <a:t> se ha </a:t>
-            </a:r>
-            <a:r>
-              <a:rPr lang="ca-ES" sz="1000" i="1" dirty="0" err="1">
-                <a:solidFill>
-                  <a:schemeClr val="bg2"/>
-                </a:solidFill>
-                <a:latin typeface="Montserrat" panose="00000500000000000000" pitchFamily="2" charset="0"/>
-              </a:rPr>
-              <a:t>seguido</a:t>
-            </a:r>
-            <a:r>
-              <a:rPr lang="ca-ES" sz="1000" i="1" dirty="0">
-                <a:solidFill>
-                  <a:schemeClr val="bg2"/>
-                </a:solidFill>
-                <a:latin typeface="Montserrat" panose="00000500000000000000" pitchFamily="2" charset="0"/>
-              </a:rPr>
-              <a:t> y </a:t>
-            </a:r>
-            <a:r>
-              <a:rPr lang="ca-ES" sz="1000" i="1" dirty="0" err="1">
-                <a:solidFill>
-                  <a:schemeClr val="bg2"/>
-                </a:solidFill>
-                <a:latin typeface="Montserrat" panose="00000500000000000000" pitchFamily="2" charset="0"/>
-              </a:rPr>
-              <a:t>porque</a:t>
-            </a:r>
-            <a:r>
-              <a:rPr lang="ca-ES" sz="1000" i="1" dirty="0">
-                <a:solidFill>
-                  <a:schemeClr val="bg2"/>
-                </a:solidFill>
-                <a:latin typeface="Montserrat" panose="00000500000000000000" pitchFamily="2" charset="0"/>
-              </a:rPr>
-              <a:t>?</a:t>
-            </a:r>
-            <a:endParaRPr lang="ca-ES" sz="1000" i="1" noProof="0" dirty="0">
-              <a:solidFill>
-                <a:schemeClr val="bg2"/>
-              </a:solidFill>
-              <a:latin typeface="Montserrat" panose="00000500000000000000" pitchFamily="2" charset="0"/>
-            </a:endParaRPr>
-          </a:p>
-          <a:p>
-            <a:pPr>
-              <a:lnSpc>
-                <a:spcPct val="150000"/>
-              </a:lnSpc>
-              <a:spcBef>
-                <a:spcPts val="975"/>
-              </a:spcBef>
-              <a:spcAft>
-                <a:spcPts val="225"/>
-              </a:spcAft>
-            </a:pPr>
-            <a:endParaRPr lang="ca-ES" sz="1000" noProof="0" dirty="0">
-              <a:solidFill>
-                <a:srgbClr val="424242"/>
-              </a:solidFill>
-              <a:latin typeface="Montserrat" panose="00000500000000000000" pitchFamily="2" charset="0"/>
-            </a:endParaRPr>
-          </a:p>
-          <a:p>
-            <a:pPr>
-              <a:lnSpc>
-                <a:spcPct val="150000"/>
-              </a:lnSpc>
-              <a:spcBef>
-                <a:spcPts val="600"/>
-              </a:spcBef>
-              <a:spcAft>
-                <a:spcPts val="300"/>
-              </a:spcAft>
-            </a:pPr>
-            <a:endParaRPr lang="ca-ES" sz="1000" noProof="0" dirty="0">
-              <a:solidFill>
-                <a:srgbClr val="424242"/>
-              </a:solidFill>
-              <a:latin typeface="Montserrat" panose="00000500000000000000" pitchFamily="2" charset="0"/>
-            </a:endParaRPr>
-          </a:p>
-        </p:txBody>
-      </p:sp>
+      </p:pic>
     </p:spTree>
     <p:extLst>
       <p:ext uri="{BB962C8B-B14F-4D97-AF65-F5344CB8AC3E}">
@@ -9241,236 +8286,41 @@
               </a:lnSpc>
             </a:pPr>
             <a:r>
-              <a:rPr lang="ca-ES" sz="3600" b="1" spc="-1" noProof="0">
+              <a:rPr lang="ca-ES" sz="3600" b="1" spc="-1" dirty="0" err="1">
                 <a:solidFill>
                   <a:srgbClr val="D50283"/>
                 </a:solidFill>
                 <a:latin typeface="Montserrat Bold"/>
               </a:rPr>
-              <a:t>Backend</a:t>
-            </a:r>
-            <a:endParaRPr lang="es-ES" sz="3600" b="1">
-              <a:solidFill>
-                <a:srgbClr val="424242"/>
-              </a:solidFill>
-              <a:latin typeface="Montserrat Bold"/>
-            </a:endParaRPr>
-          </a:p>
-        </p:txBody>
-      </p:sp>
-      <p:sp>
-        <p:nvSpPr>
-          <p:cNvPr id="15" name="CuadroTexto 14">
-            <a:extLst>
-              <a:ext uri="{FF2B5EF4-FFF2-40B4-BE49-F238E27FC236}">
-                <a16:creationId xmlns:a16="http://schemas.microsoft.com/office/drawing/2014/main" id="{12413E7C-A046-DBD0-C245-31368DCACA55}"/>
-              </a:ext>
-            </a:extLst>
-          </p:cNvPr>
-          <p:cNvSpPr txBox="1"/>
-          <p:nvPr/>
-        </p:nvSpPr>
-        <p:spPr>
-          <a:xfrm>
-            <a:off x="406434" y="2556398"/>
-            <a:ext cx="2942459" cy="2077107"/>
-          </a:xfrm>
-          <a:prstGeom prst="rect">
-            <a:avLst/>
-          </a:prstGeom>
-          <a:noFill/>
-        </p:spPr>
-        <p:txBody>
-          <a:bodyPr wrap="square" lIns="0" tIns="0" rIns="0" bIns="0" rtlCol="0">
-            <a:spAutoFit/>
-          </a:bodyPr>
-          <a:lstStyle/>
-          <a:p>
-            <a:pPr>
-              <a:lnSpc>
-                <a:spcPct val="150000"/>
-              </a:lnSpc>
-              <a:spcBef>
-                <a:spcPts val="975"/>
-              </a:spcBef>
-              <a:spcAft>
-                <a:spcPts val="225"/>
-              </a:spcAft>
-            </a:pPr>
-            <a:endParaRPr lang="ca-ES" sz="1000" noProof="0" dirty="0">
-              <a:solidFill>
-                <a:srgbClr val="424242"/>
-              </a:solidFill>
-              <a:latin typeface="Montserrat" panose="00000500000000000000" pitchFamily="2" charset="0"/>
-            </a:endParaRPr>
-          </a:p>
-          <a:p>
-            <a:pPr algn="ctr">
-              <a:spcBef>
-                <a:spcPts val="975"/>
-              </a:spcBef>
-              <a:spcAft>
-                <a:spcPts val="225"/>
-              </a:spcAft>
-            </a:pPr>
-            <a:r>
-              <a:rPr lang="ca-ES" sz="1000" b="1" dirty="0">
+              <a:t>Resultado</a:t>
+            </a:r>
+            <a:r>
+              <a:rPr lang="ca-ES" sz="3600" b="1" spc="-1" dirty="0">
                 <a:solidFill>
                   <a:srgbClr val="D50283"/>
                 </a:solidFill>
-                <a:latin typeface="Montserrat" panose="00000500000000000000" pitchFamily="2" charset="0"/>
-              </a:rPr>
-              <a:t>Arquitectura</a:t>
-            </a:r>
-          </a:p>
-          <a:p>
-            <a:pPr marL="171450" indent="-171450">
-              <a:lnSpc>
-                <a:spcPct val="150000"/>
-              </a:lnSpc>
-              <a:spcBef>
-                <a:spcPts val="975"/>
-              </a:spcBef>
-              <a:spcAft>
-                <a:spcPts val="225"/>
-              </a:spcAft>
-              <a:buFont typeface="Arial" panose="020B0604020202020204" pitchFamily="34" charset="0"/>
-              <a:buChar char="•"/>
-            </a:pPr>
-            <a:r>
-              <a:rPr lang="pt-BR" sz="1000" i="1" noProof="0" dirty="0">
+                <a:latin typeface="Montserrat Bold"/>
+              </a:rPr>
+              <a:t> </a:t>
+            </a:r>
+            <a:r>
+              <a:rPr lang="ca-ES" sz="3600" b="1" spc="-1" dirty="0" err="1">
                 <a:solidFill>
-                  <a:schemeClr val="bg2"/>
+                  <a:srgbClr val="D50283"/>
                 </a:solidFill>
-                <a:latin typeface="Montserrat" panose="00000500000000000000" pitchFamily="2" charset="0"/>
-              </a:rPr>
-              <a:t>Explicar </a:t>
-            </a:r>
-            <a:r>
-              <a:rPr lang="pt-BR" sz="1000" i="1" noProof="0" dirty="0" err="1">
+                <a:latin typeface="Montserrat Bold"/>
+              </a:rPr>
+              <a:t>análisis</a:t>
+            </a:r>
+            <a:r>
+              <a:rPr lang="ca-ES" sz="3600" b="1" spc="-1" dirty="0">
                 <a:solidFill>
-                  <a:schemeClr val="bg2"/>
+                  <a:srgbClr val="D50283"/>
                 </a:solidFill>
-                <a:latin typeface="Montserrat" panose="00000500000000000000" pitchFamily="2" charset="0"/>
-              </a:rPr>
-              <a:t>la</a:t>
-            </a:r>
-            <a:r>
-              <a:rPr lang="pt-BR" sz="1000" i="1" noProof="0" dirty="0">
-                <a:solidFill>
-                  <a:schemeClr val="bg2"/>
-                </a:solidFill>
-                <a:latin typeface="Montserrat" panose="00000500000000000000" pitchFamily="2" charset="0"/>
-              </a:rPr>
-              <a:t> </a:t>
-            </a:r>
-            <a:r>
-              <a:rPr lang="pt-BR" sz="1000" i="1" noProof="0" dirty="0" err="1">
-                <a:solidFill>
-                  <a:schemeClr val="bg2"/>
-                </a:solidFill>
-                <a:latin typeface="Montserrat" panose="00000500000000000000" pitchFamily="2" charset="0"/>
-              </a:rPr>
-              <a:t>arquitectura</a:t>
-            </a:r>
-            <a:r>
-              <a:rPr lang="pt-BR" sz="1000" i="1" noProof="0" dirty="0">
-                <a:solidFill>
-                  <a:schemeClr val="bg2"/>
-                </a:solidFill>
-                <a:latin typeface="Montserrat" panose="00000500000000000000" pitchFamily="2" charset="0"/>
-              </a:rPr>
-              <a:t> utilizada (monolítica, </a:t>
-            </a:r>
-            <a:r>
-              <a:rPr lang="pt-BR" sz="1000" i="1" noProof="0" dirty="0" err="1">
-                <a:solidFill>
-                  <a:schemeClr val="bg2"/>
-                </a:solidFill>
-                <a:latin typeface="Montserrat" panose="00000500000000000000" pitchFamily="2" charset="0"/>
-              </a:rPr>
-              <a:t>microservicios</a:t>
-            </a:r>
-            <a:r>
-              <a:rPr lang="pt-BR" sz="1000" i="1" noProof="0" dirty="0">
-                <a:solidFill>
-                  <a:schemeClr val="bg2"/>
-                </a:solidFill>
-                <a:latin typeface="Montserrat" panose="00000500000000000000" pitchFamily="2" charset="0"/>
-              </a:rPr>
-              <a:t>, </a:t>
-            </a:r>
-            <a:r>
-              <a:rPr lang="pt-BR" sz="1000" i="1" noProof="0" dirty="0" err="1">
-                <a:solidFill>
-                  <a:schemeClr val="bg2"/>
-                </a:solidFill>
-                <a:latin typeface="Montserrat" panose="00000500000000000000" pitchFamily="2" charset="0"/>
-              </a:rPr>
-              <a:t>serverless</a:t>
-            </a:r>
-            <a:r>
-              <a:rPr lang="pt-BR" sz="1000" i="1" noProof="0" dirty="0">
-                <a:solidFill>
-                  <a:schemeClr val="bg2"/>
-                </a:solidFill>
-                <a:latin typeface="Montserrat" panose="00000500000000000000" pitchFamily="2" charset="0"/>
-              </a:rPr>
-              <a:t>, etc.) y porque se há elegido </a:t>
-            </a:r>
-            <a:r>
-              <a:rPr lang="pt-BR" sz="1000" i="1" dirty="0">
-                <a:solidFill>
-                  <a:schemeClr val="bg2"/>
-                </a:solidFill>
-                <a:latin typeface="Montserrat" panose="00000500000000000000" pitchFamily="2" charset="0"/>
-              </a:rPr>
-              <a:t>esta estrutura.</a:t>
-            </a:r>
-            <a:endParaRPr lang="pt-BR" sz="1000" i="1" noProof="0" dirty="0">
-              <a:solidFill>
-                <a:schemeClr val="bg2"/>
-              </a:solidFill>
-              <a:latin typeface="Montserrat" panose="00000500000000000000" pitchFamily="2" charset="0"/>
-            </a:endParaRPr>
-          </a:p>
-          <a:p>
-            <a:pPr>
-              <a:lnSpc>
-                <a:spcPct val="150000"/>
-              </a:lnSpc>
-              <a:spcBef>
-                <a:spcPts val="975"/>
-              </a:spcBef>
-              <a:spcAft>
-                <a:spcPts val="225"/>
-              </a:spcAft>
-            </a:pPr>
-            <a:endParaRPr lang="ca-ES" sz="1000" noProof="0" dirty="0">
-              <a:solidFill>
-                <a:srgbClr val="424242"/>
-              </a:solidFill>
-              <a:latin typeface="Montserrat" panose="00000500000000000000" pitchFamily="2" charset="0"/>
-            </a:endParaRPr>
-          </a:p>
-          <a:p>
-            <a:pPr>
-              <a:lnSpc>
-                <a:spcPct val="150000"/>
-              </a:lnSpc>
-              <a:spcBef>
-                <a:spcPts val="600"/>
-              </a:spcBef>
-              <a:spcAft>
-                <a:spcPts val="300"/>
-              </a:spcAft>
-            </a:pPr>
-            <a:endParaRPr lang="ca-ES" sz="1000" noProof="0" dirty="0">
-              <a:solidFill>
-                <a:srgbClr val="424242"/>
-              </a:solidFill>
-              <a:latin typeface="Montserrat" panose="00000500000000000000" pitchFamily="2" charset="0"/>
-            </a:endParaRPr>
+                <a:latin typeface="Montserrat Bold"/>
+              </a:rPr>
+              <a:t> II</a:t>
+            </a:r>
           </a:p>
         </p:txBody>
       </p:sp>
@@ -9503,12 +8353,130 @@
           </a:prstGeom>
         </p:spPr>
       </p:pic>
+      <p:pic>
+        <p:nvPicPr>
+          <p:cNvPr id="5" name="Imagen 4">
+            <a:extLst>
+              <a:ext uri="{FF2B5EF4-FFF2-40B4-BE49-F238E27FC236}">
+                <a16:creationId xmlns:a16="http://schemas.microsoft.com/office/drawing/2014/main" id="{B1AA4BA0-2F2C-5B2D-1CA8-5FB246DD16A0}"/>
+              </a:ext>
+            </a:extLst>
+          </p:cNvPr>
+          <p:cNvPicPr>
+            <a:picLocks noChangeAspect="1"/>
+          </p:cNvPicPr>
+          <p:nvPr/>
+        </p:nvPicPr>
+        <p:blipFill>
+          <a:blip r:embed="rId3"/>
+          <a:stretch>
+            <a:fillRect/>
+          </a:stretch>
+        </p:blipFill>
+        <p:spPr>
+          <a:xfrm>
+            <a:off x="1676400" y="1701168"/>
+            <a:ext cx="9013371" cy="4934641"/>
+          </a:xfrm>
+          <a:prstGeom prst="rect">
+            <a:avLst/>
+          </a:prstGeom>
+        </p:spPr>
+      </p:pic>
+    </p:spTree>
+    <p:extLst>
+      <p:ext uri="{BB962C8B-B14F-4D97-AF65-F5344CB8AC3E}">
+        <p14:creationId xmlns:p14="http://schemas.microsoft.com/office/powerpoint/2010/main" val="2753048688"/>
+      </p:ext>
+    </p:extLst>
+  </p:cSld>
+  <p:clrMapOvr>
+    <a:masterClrMapping/>
+  </p:clrMapOvr>
+</p:sld>
+</file>
+
+<file path=ppt/slides/slide5.xml><?xml version="1.0" encoding="utf-8"?>
+<p:sld xmlns:a="http://schemas.openxmlformats.org/drawingml/2006/main" xmlns:r="http://schemas.openxmlformats.org/officeDocument/2006/relationships" xmlns:p="http://schemas.openxmlformats.org/presentationml/2006/main">
+  <p:cSld>
+    <p:spTree>
+      <p:nvGrpSpPr>
+        <p:cNvPr id="1" name="">
+          <a:extLst>
+            <a:ext uri="{FF2B5EF4-FFF2-40B4-BE49-F238E27FC236}">
+              <a16:creationId xmlns:a16="http://schemas.microsoft.com/office/drawing/2014/main" id="{08D2FD6E-2A8D-A1D6-122B-3927521F9145}"/>
+            </a:ext>
+          </a:extLst>
+        </p:cNvPr>
+        <p:cNvGrpSpPr/>
+        <p:nvPr/>
+      </p:nvGrpSpPr>
+      <p:grpSpPr>
+        <a:xfrm>
+          <a:off x="0" y="0"/>
+          <a:ext cx="0" cy="0"/>
+          <a:chOff x="0" y="0"/>
+          <a:chExt cx="0" cy="0"/>
+        </a:xfrm>
+      </p:grpSpPr>
       <p:sp>
         <p:nvSpPr>
-          <p:cNvPr id="3" name="CuadroTexto 2">
+          <p:cNvPr id="11" name="Rectángulo 10">
             <a:extLst>
               <a:ext uri="{FF2B5EF4-FFF2-40B4-BE49-F238E27FC236}">
-                <a16:creationId xmlns:a16="http://schemas.microsoft.com/office/drawing/2014/main" id="{BE0191E8-F3E3-1C70-C660-1A06AC1C395D}"/>
+                <a16:creationId xmlns:a16="http://schemas.microsoft.com/office/drawing/2014/main" id="{0EA532CD-FAD9-AE7F-593C-C056ADC35D57}"/>
+              </a:ext>
+            </a:extLst>
+          </p:cNvPr>
+          <p:cNvSpPr/>
+          <p:nvPr/>
+        </p:nvSpPr>
+        <p:spPr>
+          <a:xfrm>
+            <a:off x="0" y="1942769"/>
+            <a:ext cx="12192000" cy="4822466"/>
+          </a:xfrm>
+          <a:prstGeom prst="rect">
+            <a:avLst/>
+          </a:prstGeom>
+          <a:solidFill>
+            <a:srgbClr val="F7F7F6"/>
+          </a:solidFill>
+          <a:ln>
+            <a:noFill/>
+          </a:ln>
+        </p:spPr>
+        <p:style>
+          <a:lnRef idx="2">
+            <a:schemeClr val="accent1">
+              <a:shade val="50000"/>
+            </a:schemeClr>
+          </a:lnRef>
+          <a:fillRef idx="1">
+            <a:schemeClr val="accent1"/>
+          </a:fillRef>
+          <a:effectRef idx="0">
+            <a:schemeClr val="accent1"/>
+          </a:effectRef>
+          <a:fontRef idx="minor">
+            <a:schemeClr val="lt1"/>
+          </a:fontRef>
+        </p:style>
+        <p:txBody>
+          <a:bodyPr rtlCol="0" anchor="ctr"/>
+          <a:lstStyle/>
+          <a:p>
+            <a:pPr algn="ctr"/>
+            <a:endParaRPr lang="ca-ES" dirty="0"/>
+          </a:p>
+        </p:txBody>
+      </p:sp>
+      <p:sp>
+        <p:nvSpPr>
+          <p:cNvPr id="14" name="CuadroTexto 13">
+            <a:extLst>
+              <a:ext uri="{FF2B5EF4-FFF2-40B4-BE49-F238E27FC236}">
+                <a16:creationId xmlns:a16="http://schemas.microsoft.com/office/drawing/2014/main" id="{12D0779E-0408-6314-3ED3-B543AC5BE029}"/>
               </a:ext>
             </a:extLst>
           </p:cNvPr>
@@ -9517,8 +8485,8 @@
         </p:nvSpPr>
         <p:spPr>
           <a:xfrm>
-            <a:off x="3989788" y="2556398"/>
-            <a:ext cx="2942459" cy="2538772"/>
+            <a:off x="277080" y="1153164"/>
+            <a:ext cx="11092882" cy="446469"/>
           </a:xfrm>
           <a:prstGeom prst="rect">
             <a:avLst/>
@@ -9533,354 +8501,80 @@
           <a:p>
             <a:pPr>
               <a:lnSpc>
-                <a:spcPct val="150000"/>
+                <a:spcPct val="80000"/>
               </a:lnSpc>
-              <a:spcBef>
-                <a:spcPts val="975"/>
-              </a:spcBef>
-              <a:spcAft>
-                <a:spcPts val="225"/>
-              </a:spcAft>
             </a:pPr>
-            <a:endParaRPr lang="ca-ES" sz="1000" noProof="0" dirty="0">
-              <a:solidFill>
-                <a:srgbClr val="424242"/>
-              </a:solidFill>
-              <a:latin typeface="Montserrat" panose="00000500000000000000" pitchFamily="2" charset="0"/>
-            </a:endParaRPr>
-          </a:p>
-          <a:p>
-            <a:pPr algn="ctr">
-              <a:spcBef>
-                <a:spcPts val="975"/>
-              </a:spcBef>
-              <a:spcAft>
-                <a:spcPts val="225"/>
-              </a:spcAft>
-            </a:pPr>
-            <a:r>
-              <a:rPr lang="ca-ES" sz="1000" b="1" dirty="0" err="1">
+            <a:r>
+              <a:rPr lang="ca-ES" sz="3600" b="1" spc="-1" dirty="0" err="1">
                 <a:solidFill>
                   <a:srgbClr val="D50283"/>
                 </a:solidFill>
-                <a:latin typeface="Montserrat" panose="00000500000000000000" pitchFamily="2" charset="0"/>
-              </a:rPr>
-              <a:t>Escalabilidad</a:t>
-            </a:r>
-            <a:r>
-              <a:rPr lang="ca-ES" sz="1000" b="1" dirty="0">
+                <a:latin typeface="Montserrat Bold"/>
+              </a:rPr>
+              <a:t>Conclusiones</a:t>
+            </a:r>
+            <a:r>
+              <a:rPr lang="ca-ES" sz="3600" b="1" spc="-1" dirty="0">
                 <a:solidFill>
                   <a:srgbClr val="D50283"/>
                 </a:solidFill>
-                <a:latin typeface="Montserrat" panose="00000500000000000000" pitchFamily="2" charset="0"/>
-              </a:rPr>
-              <a:t> i </a:t>
-            </a:r>
-            <a:r>
-              <a:rPr lang="ca-ES" sz="1000" b="1" dirty="0" err="1">
+                <a:latin typeface="Montserrat Bold"/>
+              </a:rPr>
+              <a:t> </a:t>
+            </a:r>
+            <a:r>
+              <a:rPr lang="ca-ES" sz="3600" b="1" spc="-1" dirty="0" err="1">
                 <a:solidFill>
                   <a:srgbClr val="D50283"/>
                 </a:solidFill>
-                <a:latin typeface="Montserrat" panose="00000500000000000000" pitchFamily="2" charset="0"/>
-              </a:rPr>
-              <a:t>seguridad</a:t>
-            </a:r>
-            <a:r>
-              <a:rPr lang="ca-ES" sz="1000" b="1" dirty="0">
-                <a:solidFill>
-                  <a:srgbClr val="D50283"/>
-                </a:solidFill>
-                <a:latin typeface="Montserrat" panose="00000500000000000000" pitchFamily="2" charset="0"/>
-              </a:rPr>
-              <a:t> </a:t>
-            </a:r>
-          </a:p>
-          <a:p>
-            <a:pPr marL="171450" indent="-171450">
-              <a:lnSpc>
-                <a:spcPct val="150000"/>
-              </a:lnSpc>
-              <a:spcBef>
-                <a:spcPts val="975"/>
-              </a:spcBef>
-              <a:spcAft>
-                <a:spcPts val="225"/>
-              </a:spcAft>
-              <a:buFont typeface="Arial" panose="020B0604020202020204" pitchFamily="34" charset="0"/>
-              <a:buChar char="•"/>
-            </a:pPr>
-            <a:r>
-              <a:rPr lang="ca-ES" sz="1000" i="1" noProof="0" dirty="0">
-                <a:solidFill>
-                  <a:schemeClr val="bg2"/>
-                </a:solidFill>
-                <a:latin typeface="Montserrat" panose="00000500000000000000" pitchFamily="2" charset="0"/>
-              </a:rPr>
-              <a:t>Detallar como se ha </a:t>
-            </a:r>
-            <a:r>
-              <a:rPr lang="ca-ES" sz="1000" i="1" noProof="0" dirty="0" err="1">
-                <a:solidFill>
-                  <a:schemeClr val="bg2"/>
-                </a:solidFill>
-                <a:latin typeface="Montserrat" panose="00000500000000000000" pitchFamily="2" charset="0"/>
-              </a:rPr>
-              <a:t>diseñado</a:t>
-            </a:r>
-            <a:r>
-              <a:rPr lang="ca-ES" sz="1000" i="1" noProof="0" dirty="0">
-                <a:solidFill>
-                  <a:schemeClr val="bg2"/>
-                </a:solidFill>
-                <a:latin typeface="Montserrat" panose="00000500000000000000" pitchFamily="2" charset="0"/>
-              </a:rPr>
-              <a:t> el </a:t>
-            </a:r>
-            <a:r>
-              <a:rPr lang="ca-ES" sz="1000" i="1" noProof="0" dirty="0" err="1">
-                <a:solidFill>
-                  <a:schemeClr val="bg2"/>
-                </a:solidFill>
-                <a:latin typeface="Montserrat" panose="00000500000000000000" pitchFamily="2" charset="0"/>
-              </a:rPr>
-              <a:t>backend</a:t>
-            </a:r>
-            <a:r>
-              <a:rPr lang="ca-ES" sz="1000" i="1" noProof="0" dirty="0">
-                <a:solidFill>
-                  <a:schemeClr val="bg2"/>
-                </a:solidFill>
-                <a:latin typeface="Montserrat" panose="00000500000000000000" pitchFamily="2" charset="0"/>
-              </a:rPr>
-              <a:t> para escalar </a:t>
-            </a:r>
-            <a:r>
-              <a:rPr lang="ca-ES" sz="1000" i="1" noProof="0" dirty="0" err="1">
-                <a:solidFill>
-                  <a:schemeClr val="bg2"/>
-                </a:solidFill>
-                <a:latin typeface="Montserrat" panose="00000500000000000000" pitchFamily="2" charset="0"/>
-              </a:rPr>
-              <a:t>según</a:t>
-            </a:r>
-            <a:r>
-              <a:rPr lang="ca-ES" sz="1000" i="1" noProof="0" dirty="0">
-                <a:solidFill>
-                  <a:schemeClr val="bg2"/>
-                </a:solidFill>
-                <a:latin typeface="Montserrat" panose="00000500000000000000" pitchFamily="2" charset="0"/>
-              </a:rPr>
-              <a:t> la demanda, </a:t>
-            </a:r>
-            <a:r>
-              <a:rPr lang="ca-ES" sz="1000" i="1" noProof="0" dirty="0" err="1">
-                <a:solidFill>
-                  <a:schemeClr val="bg2"/>
-                </a:solidFill>
-                <a:latin typeface="Montserrat" panose="00000500000000000000" pitchFamily="2" charset="0"/>
-              </a:rPr>
-              <a:t>así</a:t>
-            </a:r>
-            <a:r>
-              <a:rPr lang="ca-ES" sz="1000" i="1" noProof="0" dirty="0">
-                <a:solidFill>
-                  <a:schemeClr val="bg2"/>
-                </a:solidFill>
-                <a:latin typeface="Montserrat" panose="00000500000000000000" pitchFamily="2" charset="0"/>
-              </a:rPr>
-              <a:t> como las </a:t>
-            </a:r>
-            <a:r>
-              <a:rPr lang="ca-ES" sz="1000" i="1" noProof="0" dirty="0" err="1">
-                <a:solidFill>
-                  <a:schemeClr val="bg2"/>
-                </a:solidFill>
-                <a:latin typeface="Montserrat" panose="00000500000000000000" pitchFamily="2" charset="0"/>
-              </a:rPr>
-              <a:t>medidas</a:t>
-            </a:r>
-            <a:r>
-              <a:rPr lang="ca-ES" sz="1000" i="1" noProof="0" dirty="0">
-                <a:solidFill>
-                  <a:schemeClr val="bg2"/>
-                </a:solidFill>
-                <a:latin typeface="Montserrat" panose="00000500000000000000" pitchFamily="2" charset="0"/>
-              </a:rPr>
-              <a:t> de </a:t>
-            </a:r>
-            <a:r>
-              <a:rPr lang="ca-ES" sz="1000" i="1" noProof="0" dirty="0" err="1">
-                <a:solidFill>
-                  <a:schemeClr val="bg2"/>
-                </a:solidFill>
-                <a:latin typeface="Montserrat" panose="00000500000000000000" pitchFamily="2" charset="0"/>
-              </a:rPr>
-              <a:t>seguridad</a:t>
-            </a:r>
-            <a:r>
-              <a:rPr lang="ca-ES" sz="1000" i="1" noProof="0" dirty="0">
-                <a:solidFill>
-                  <a:schemeClr val="bg2"/>
-                </a:solidFill>
-                <a:latin typeface="Montserrat" panose="00000500000000000000" pitchFamily="2" charset="0"/>
-              </a:rPr>
-              <a:t> </a:t>
-            </a:r>
-            <a:r>
-              <a:rPr lang="ca-ES" sz="1000" i="1" noProof="0" dirty="0" err="1">
-                <a:solidFill>
-                  <a:schemeClr val="bg2"/>
-                </a:solidFill>
-                <a:latin typeface="Montserrat" panose="00000500000000000000" pitchFamily="2" charset="0"/>
-              </a:rPr>
-              <a:t>implementadas</a:t>
-            </a:r>
-            <a:r>
-              <a:rPr lang="ca-ES" sz="1000" i="1" noProof="0" dirty="0">
-                <a:solidFill>
-                  <a:schemeClr val="bg2"/>
-                </a:solidFill>
-                <a:latin typeface="Montserrat" panose="00000500000000000000" pitchFamily="2" charset="0"/>
-              </a:rPr>
-              <a:t> para </a:t>
-            </a:r>
-            <a:r>
-              <a:rPr lang="ca-ES" sz="1000" i="1" noProof="0" dirty="0" err="1">
-                <a:solidFill>
-                  <a:schemeClr val="bg2"/>
-                </a:solidFill>
-                <a:latin typeface="Montserrat" panose="00000500000000000000" pitchFamily="2" charset="0"/>
-              </a:rPr>
-              <a:t>proteger</a:t>
-            </a:r>
-            <a:r>
-              <a:rPr lang="ca-ES" sz="1000" i="1" noProof="0" dirty="0">
-                <a:solidFill>
-                  <a:schemeClr val="bg2"/>
-                </a:solidFill>
-                <a:latin typeface="Montserrat" panose="00000500000000000000" pitchFamily="2" charset="0"/>
-              </a:rPr>
-              <a:t> los </a:t>
-            </a:r>
-            <a:r>
-              <a:rPr lang="ca-ES" sz="1000" i="1" noProof="0" dirty="0" err="1">
-                <a:solidFill>
-                  <a:schemeClr val="bg2"/>
-                </a:solidFill>
-                <a:latin typeface="Montserrat" panose="00000500000000000000" pitchFamily="2" charset="0"/>
-              </a:rPr>
-              <a:t>datos</a:t>
-            </a:r>
-            <a:r>
-              <a:rPr lang="ca-ES" sz="1000" i="1" noProof="0" dirty="0">
-                <a:solidFill>
-                  <a:schemeClr val="bg2"/>
-                </a:solidFill>
-                <a:latin typeface="Montserrat" panose="00000500000000000000" pitchFamily="2" charset="0"/>
-              </a:rPr>
-              <a:t> </a:t>
-            </a:r>
-            <a:r>
-              <a:rPr lang="ca-ES" sz="1000" i="1" dirty="0">
-                <a:solidFill>
-                  <a:schemeClr val="bg2"/>
-                </a:solidFill>
-                <a:latin typeface="Montserrat" panose="00000500000000000000" pitchFamily="2" charset="0"/>
-              </a:rPr>
-              <a:t>y</a:t>
-            </a:r>
-            <a:r>
-              <a:rPr lang="ca-ES" sz="1000" i="1" noProof="0" dirty="0">
-                <a:solidFill>
-                  <a:schemeClr val="bg2"/>
-                </a:solidFill>
-                <a:latin typeface="Montserrat" panose="00000500000000000000" pitchFamily="2" charset="0"/>
-              </a:rPr>
-              <a:t> la </a:t>
-            </a:r>
-            <a:r>
-              <a:rPr lang="ca-ES" sz="1000" i="1" noProof="0" dirty="0" err="1">
-                <a:solidFill>
-                  <a:schemeClr val="bg2"/>
-                </a:solidFill>
-                <a:latin typeface="Montserrat" panose="00000500000000000000" pitchFamily="2" charset="0"/>
-              </a:rPr>
-              <a:t>integridad</a:t>
-            </a:r>
-            <a:r>
-              <a:rPr lang="ca-ES" sz="1000" i="1" noProof="0" dirty="0">
-                <a:solidFill>
-                  <a:schemeClr val="bg2"/>
-                </a:solidFill>
-                <a:latin typeface="Montserrat" panose="00000500000000000000" pitchFamily="2" charset="0"/>
-              </a:rPr>
-              <a:t> de la </a:t>
-            </a:r>
-            <a:r>
-              <a:rPr lang="ca-ES" sz="1000" i="1" noProof="0" dirty="0" err="1">
-                <a:solidFill>
-                  <a:schemeClr val="bg2"/>
-                </a:solidFill>
-                <a:latin typeface="Montserrat" panose="00000500000000000000" pitchFamily="2" charset="0"/>
-              </a:rPr>
-              <a:t>aplicación</a:t>
-            </a:r>
-            <a:r>
-              <a:rPr lang="ca-ES" sz="1000" i="1" noProof="0" dirty="0">
-                <a:solidFill>
-                  <a:schemeClr val="bg2"/>
-                </a:solidFill>
-                <a:latin typeface="Montserrat" panose="00000500000000000000" pitchFamily="2" charset="0"/>
-              </a:rPr>
-              <a:t>.</a:t>
-            </a:r>
-          </a:p>
-          <a:p>
-            <a:pPr>
-              <a:lnSpc>
-                <a:spcPct val="150000"/>
-              </a:lnSpc>
-              <a:spcBef>
-                <a:spcPts val="975"/>
-              </a:spcBef>
-              <a:spcAft>
-                <a:spcPts val="225"/>
-              </a:spcAft>
-            </a:pPr>
-            <a:endParaRPr lang="ca-ES" sz="1000" noProof="0" dirty="0">
+                <a:latin typeface="Montserrat Bold"/>
+              </a:rPr>
+              <a:t>análisis</a:t>
+            </a:r>
+            <a:endParaRPr lang="ca-ES" sz="3600" b="1" spc="-1" dirty="0">
               <a:solidFill>
-                <a:srgbClr val="424242"/>
+                <a:srgbClr val="D50283"/>
               </a:solidFill>
-              <a:latin typeface="Montserrat" panose="00000500000000000000" pitchFamily="2" charset="0"/>
-            </a:endParaRPr>
-          </a:p>
-          <a:p>
-            <a:pPr>
-              <a:lnSpc>
-                <a:spcPct val="150000"/>
-              </a:lnSpc>
-              <a:spcBef>
-                <a:spcPts val="600"/>
-              </a:spcBef>
-              <a:spcAft>
-                <a:spcPts val="300"/>
-              </a:spcAft>
-            </a:pPr>
-            <a:endParaRPr lang="ca-ES" sz="1000" noProof="0" dirty="0">
-              <a:solidFill>
-                <a:srgbClr val="424242"/>
-              </a:solidFill>
-              <a:latin typeface="Montserrat" panose="00000500000000000000" pitchFamily="2" charset="0"/>
+              <a:latin typeface="Montserrat Bold"/>
             </a:endParaRPr>
           </a:p>
         </p:txBody>
       </p:sp>
+      <p:pic>
+        <p:nvPicPr>
+          <p:cNvPr id="34" name="Imagen 33">
+            <a:extLst>
+              <a:ext uri="{FF2B5EF4-FFF2-40B4-BE49-F238E27FC236}">
+                <a16:creationId xmlns:a16="http://schemas.microsoft.com/office/drawing/2014/main" id="{5FBE4D2D-695D-E24F-A283-87F36732BB63}"/>
+              </a:ext>
+            </a:extLst>
+          </p:cNvPr>
+          <p:cNvPicPr>
+            <a:picLocks noChangeAspect="1"/>
+          </p:cNvPicPr>
+          <p:nvPr/>
+        </p:nvPicPr>
+        <p:blipFill>
+          <a:blip r:embed="rId2"/>
+          <a:srcRect/>
+          <a:stretch/>
+        </p:blipFill>
+        <p:spPr>
+          <a:xfrm>
+            <a:off x="11671293" y="250632"/>
+            <a:ext cx="254000" cy="247804"/>
+          </a:xfrm>
+          <a:prstGeom prst="rect">
+            <a:avLst/>
+          </a:prstGeom>
+        </p:spPr>
+      </p:pic>
       <p:sp>
         <p:nvSpPr>
-          <p:cNvPr id="4" name="CuadroTexto 3">
+          <p:cNvPr id="2" name="CuadroTexto 1">
             <a:extLst>
               <a:ext uri="{FF2B5EF4-FFF2-40B4-BE49-F238E27FC236}">
-                <a16:creationId xmlns:a16="http://schemas.microsoft.com/office/drawing/2014/main" id="{E3A49295-6F89-4DE5-55F3-CBFDE2D33F56}"/>
+                <a16:creationId xmlns:a16="http://schemas.microsoft.com/office/drawing/2014/main" id="{F8AEAB54-77E8-6EB4-BE46-7CC24BEC0C8E}"/>
               </a:ext>
             </a:extLst>
           </p:cNvPr>
@@ -9889,8 +8583,8 @@
         </p:nvSpPr>
         <p:spPr>
           <a:xfrm>
-            <a:off x="8180366" y="2556398"/>
-            <a:ext cx="2826038" cy="2077107"/>
+            <a:off x="1052688" y="2514407"/>
+            <a:ext cx="10092390" cy="3693319"/>
           </a:xfrm>
           <a:prstGeom prst="rect">
             <a:avLst/>
@@ -9903,238 +8597,103 @@
           </a:bodyPr>
           <a:lstStyle/>
           <a:p>
-            <a:pPr>
-              <a:lnSpc>
-                <a:spcPct val="150000"/>
-              </a:lnSpc>
-              <a:spcBef>
-                <a:spcPts val="975"/>
-              </a:spcBef>
-              <a:spcAft>
-                <a:spcPts val="225"/>
-              </a:spcAft>
-            </a:pPr>
-            <a:endParaRPr lang="ca-ES" sz="1000" noProof="0" dirty="0">
-              <a:solidFill>
-                <a:srgbClr val="424242"/>
-              </a:solidFill>
+            <a:r>
+              <a:rPr lang="ca-ES" sz="2000" dirty="0" err="1">
+                <a:solidFill>
+                  <a:srgbClr val="D50283"/>
+                </a:solidFill>
+                <a:latin typeface="Safiro SemiBold" pitchFamily="2" charset="77"/>
+                <a:cs typeface="Arial" panose="020B0604020202020204" pitchFamily="34" charset="0"/>
+              </a:rPr>
+              <a:t>Conclusiones</a:t>
+            </a:r>
+            <a:r>
+              <a:rPr lang="ca-ES" sz="2000" dirty="0">
+                <a:solidFill>
+                  <a:srgbClr val="D50283"/>
+                </a:solidFill>
+                <a:latin typeface="Safiro SemiBold" pitchFamily="2" charset="77"/>
+                <a:cs typeface="Arial" panose="020B0604020202020204" pitchFamily="34" charset="0"/>
+              </a:rPr>
+              <a:t>:</a:t>
+            </a:r>
+          </a:p>
+          <a:p>
+            <a:endParaRPr lang="ca-ES" sz="1100" dirty="0">
               <a:latin typeface="Montserrat" panose="00000500000000000000" pitchFamily="2" charset="0"/>
+              <a:cs typeface="Arial" panose="020B0604020202020204" pitchFamily="34" charset="0"/>
             </a:endParaRPr>
           </a:p>
           <a:p>
-            <a:pPr algn="ctr">
-              <a:spcBef>
-                <a:spcPts val="975"/>
-              </a:spcBef>
-              <a:spcAft>
-                <a:spcPts val="225"/>
-              </a:spcAft>
-            </a:pPr>
-            <a:r>
-              <a:rPr lang="ca-ES" sz="1000" b="1" dirty="0" err="1">
-                <a:solidFill>
-                  <a:srgbClr val="D50283"/>
-                </a:solidFill>
-                <a:latin typeface="Montserrat" panose="00000500000000000000" pitchFamily="2" charset="0"/>
-              </a:rPr>
-              <a:t>Integración</a:t>
-            </a:r>
-            <a:r>
-              <a:rPr lang="ca-ES" sz="1000" b="1" dirty="0">
-                <a:solidFill>
-                  <a:srgbClr val="D50283"/>
-                </a:solidFill>
-                <a:latin typeface="Montserrat" panose="00000500000000000000" pitchFamily="2" charset="0"/>
-              </a:rPr>
-              <a:t> con el </a:t>
-            </a:r>
-            <a:r>
-              <a:rPr lang="ca-ES" sz="1000" b="1" dirty="0" err="1">
-                <a:solidFill>
-                  <a:srgbClr val="D50283"/>
-                </a:solidFill>
-                <a:latin typeface="Montserrat" panose="00000500000000000000" pitchFamily="2" charset="0"/>
-              </a:rPr>
-              <a:t>frontend</a:t>
-            </a:r>
-            <a:r>
-              <a:rPr lang="ca-ES" sz="1000" b="1" dirty="0">
-                <a:solidFill>
-                  <a:srgbClr val="D50283"/>
-                </a:solidFill>
-                <a:latin typeface="Montserrat" panose="00000500000000000000" pitchFamily="2" charset="0"/>
-              </a:rPr>
-              <a:t> </a:t>
+            <a:r>
+              <a:rPr lang="es-ES" dirty="0"/>
+              <a:t>Observamos que el mayor consumo es el Industrial, excepto en los meses de febrero a abril que fue el doméstico.</a:t>
             </a:r>
           </a:p>
           <a:p>
-            <a:pPr marL="171450" indent="-171450">
-              <a:lnSpc>
-                <a:spcPct val="150000"/>
-              </a:lnSpc>
-              <a:spcBef>
-                <a:spcPts val="975"/>
-              </a:spcBef>
-              <a:spcAft>
-                <a:spcPts val="225"/>
-              </a:spcAft>
-              <a:buFont typeface="Arial" panose="020B0604020202020204" pitchFamily="34" charset="0"/>
-              <a:buChar char="•"/>
-            </a:pPr>
-            <a:r>
-              <a:rPr lang="ca-ES" sz="1000" i="1" noProof="0" dirty="0">
-                <a:solidFill>
-                  <a:schemeClr val="bg2"/>
-                </a:solidFill>
-                <a:latin typeface="Montserrat" panose="00000500000000000000" pitchFamily="2" charset="0"/>
-              </a:rPr>
-              <a:t>Explicar como se ha </a:t>
-            </a:r>
-            <a:r>
-              <a:rPr lang="ca-ES" sz="1000" i="1" noProof="0" dirty="0" err="1">
-                <a:solidFill>
-                  <a:schemeClr val="bg2"/>
-                </a:solidFill>
-                <a:latin typeface="Montserrat" panose="00000500000000000000" pitchFamily="2" charset="0"/>
-              </a:rPr>
-              <a:t>diseñado</a:t>
-            </a:r>
-            <a:r>
-              <a:rPr lang="ca-ES" sz="1000" i="1" noProof="0" dirty="0">
-                <a:solidFill>
-                  <a:schemeClr val="bg2"/>
-                </a:solidFill>
-                <a:latin typeface="Montserrat" panose="00000500000000000000" pitchFamily="2" charset="0"/>
-              </a:rPr>
-              <a:t> la </a:t>
-            </a:r>
-            <a:r>
-              <a:rPr lang="ca-ES" sz="1000" i="1" noProof="0" dirty="0" err="1">
-                <a:solidFill>
-                  <a:schemeClr val="bg2"/>
-                </a:solidFill>
-                <a:latin typeface="Montserrat" panose="00000500000000000000" pitchFamily="2" charset="0"/>
-              </a:rPr>
-              <a:t>comunicación</a:t>
-            </a:r>
-            <a:r>
-              <a:rPr lang="ca-ES" sz="1000" i="1" noProof="0" dirty="0">
-                <a:solidFill>
-                  <a:schemeClr val="bg2"/>
-                </a:solidFill>
-                <a:latin typeface="Montserrat" panose="00000500000000000000" pitchFamily="2" charset="0"/>
-              </a:rPr>
-              <a:t> entre </a:t>
-            </a:r>
-            <a:r>
-              <a:rPr lang="ca-ES" sz="1000" i="1" noProof="0" dirty="0" err="1">
-                <a:solidFill>
-                  <a:schemeClr val="bg2"/>
-                </a:solidFill>
-                <a:latin typeface="Montserrat" panose="00000500000000000000" pitchFamily="2" charset="0"/>
-              </a:rPr>
-              <a:t>frontend</a:t>
-            </a:r>
-            <a:r>
-              <a:rPr lang="ca-ES" sz="1000" i="1" noProof="0" dirty="0">
-                <a:solidFill>
-                  <a:schemeClr val="bg2"/>
-                </a:solidFill>
-                <a:latin typeface="Montserrat" panose="00000500000000000000" pitchFamily="2" charset="0"/>
-              </a:rPr>
-              <a:t> y </a:t>
-            </a:r>
-            <a:r>
-              <a:rPr lang="ca-ES" sz="1000" i="1" noProof="0" dirty="0" err="1">
-                <a:solidFill>
-                  <a:schemeClr val="bg2"/>
-                </a:solidFill>
-                <a:latin typeface="Montserrat" panose="00000500000000000000" pitchFamily="2" charset="0"/>
-              </a:rPr>
-              <a:t>backend</a:t>
-            </a:r>
-            <a:r>
-              <a:rPr lang="ca-ES" sz="1000" i="1" noProof="0" dirty="0">
-                <a:solidFill>
-                  <a:schemeClr val="bg2"/>
-                </a:solidFill>
-                <a:latin typeface="Montserrat" panose="00000500000000000000" pitchFamily="2" charset="0"/>
-              </a:rPr>
-              <a:t> (</a:t>
-            </a:r>
-            <a:r>
-              <a:rPr lang="ca-ES" sz="1000" i="1" noProof="0" dirty="0" err="1">
-                <a:solidFill>
-                  <a:schemeClr val="bg2"/>
-                </a:solidFill>
-                <a:latin typeface="Montserrat" panose="00000500000000000000" pitchFamily="2" charset="0"/>
-              </a:rPr>
-              <a:t>APIs</a:t>
-            </a:r>
-            <a:r>
-              <a:rPr lang="ca-ES" sz="1000" i="1" noProof="0" dirty="0">
-                <a:solidFill>
-                  <a:schemeClr val="bg2"/>
-                </a:solidFill>
-                <a:latin typeface="Montserrat" panose="00000500000000000000" pitchFamily="2" charset="0"/>
-              </a:rPr>
-              <a:t>, </a:t>
-            </a:r>
-            <a:r>
-              <a:rPr lang="ca-ES" sz="1000" i="1" noProof="0" dirty="0" err="1">
-                <a:solidFill>
-                  <a:schemeClr val="bg2"/>
-                </a:solidFill>
-                <a:latin typeface="Montserrat" panose="00000500000000000000" pitchFamily="2" charset="0"/>
-              </a:rPr>
-              <a:t>RESTful</a:t>
-            </a:r>
-            <a:r>
-              <a:rPr lang="ca-ES" sz="1000" i="1" noProof="0" dirty="0">
-                <a:solidFill>
-                  <a:schemeClr val="bg2"/>
-                </a:solidFill>
-                <a:latin typeface="Montserrat" panose="00000500000000000000" pitchFamily="2" charset="0"/>
-              </a:rPr>
-              <a:t>).</a:t>
-            </a:r>
+            <a:endParaRPr lang="es-ES" dirty="0"/>
           </a:p>
           <a:p>
-            <a:pPr>
-              <a:lnSpc>
-                <a:spcPct val="150000"/>
-              </a:lnSpc>
-              <a:spcBef>
-                <a:spcPts val="975"/>
-              </a:spcBef>
-              <a:spcAft>
-                <a:spcPts val="225"/>
-              </a:spcAft>
-            </a:pPr>
-            <a:endParaRPr lang="ca-ES" sz="1000" noProof="0" dirty="0">
-              <a:solidFill>
-                <a:srgbClr val="424242"/>
-              </a:solidFill>
-              <a:latin typeface="Montserrat" panose="00000500000000000000" pitchFamily="2" charset="0"/>
-            </a:endParaRPr>
+            <a:r>
+              <a:rPr lang="es-ES" dirty="0"/>
+              <a:t>El distrito que más aporta al consumo industrial es Sants-Montjuic (Zona Franca...)</a:t>
+            </a:r>
           </a:p>
           <a:p>
-            <a:pPr>
-              <a:lnSpc>
-                <a:spcPct val="150000"/>
-              </a:lnSpc>
-              <a:spcBef>
-                <a:spcPts val="600"/>
-              </a:spcBef>
-              <a:spcAft>
-                <a:spcPts val="300"/>
-              </a:spcAft>
-            </a:pPr>
-            <a:endParaRPr lang="ca-ES" sz="1000" noProof="0" dirty="0">
-              <a:solidFill>
-                <a:srgbClr val="424242"/>
-              </a:solidFill>
+            <a:endParaRPr lang="es-ES" dirty="0"/>
+          </a:p>
+          <a:p>
+            <a:r>
+              <a:rPr lang="es-ES" dirty="0"/>
+              <a:t>El que aporta más al consumo doméstico es </a:t>
+            </a:r>
+            <a:r>
+              <a:rPr lang="es-ES" dirty="0" err="1"/>
+              <a:t>Ciutat</a:t>
+            </a:r>
+            <a:r>
+              <a:rPr lang="es-ES" dirty="0"/>
+              <a:t> Vella.</a:t>
+            </a:r>
+          </a:p>
+          <a:p>
+            <a:endParaRPr lang="es-ES" dirty="0"/>
+          </a:p>
+          <a:p>
+            <a:r>
+              <a:rPr lang="es-ES" dirty="0"/>
+              <a:t>Y el Eixample es el que más aporta al consumo comercial.</a:t>
+            </a:r>
+          </a:p>
+          <a:p>
+            <a:endParaRPr lang="es-ES" dirty="0"/>
+          </a:p>
+          <a:p>
+            <a:r>
+              <a:rPr lang="es-ES" dirty="0"/>
+              <a:t>Observamos una caída muy importante del consumo doméstico hacia abril de 2023 (distritos </a:t>
+            </a:r>
+            <a:r>
+              <a:rPr lang="es-ES" dirty="0" err="1"/>
+              <a:t>d'Eixample</a:t>
+            </a:r>
+            <a:r>
+              <a:rPr lang="es-ES" dirty="0"/>
+              <a:t> y </a:t>
+            </a:r>
+            <a:r>
+              <a:rPr lang="es-ES" dirty="0" err="1"/>
+              <a:t>Ciutat</a:t>
+            </a:r>
+            <a:r>
+              <a:rPr lang="es-ES" dirty="0"/>
+              <a:t> Vella).</a:t>
+            </a:r>
+          </a:p>
+          <a:p>
+            <a:endParaRPr lang="ca-ES" sz="1100" dirty="0">
               <a:latin typeface="Montserrat" panose="00000500000000000000" pitchFamily="2" charset="0"/>
+              <a:cs typeface="Arial" panose="020B0604020202020204" pitchFamily="34" charset="0"/>
             </a:endParaRPr>
           </a:p>
         </p:txBody>
@@ -10142,7 +8701,7 @@
     </p:spTree>
     <p:extLst>
       <p:ext uri="{BB962C8B-B14F-4D97-AF65-F5344CB8AC3E}">
-        <p14:creationId xmlns:p14="http://schemas.microsoft.com/office/powerpoint/2010/main" val="2753048688"/>
+        <p14:creationId xmlns:p14="http://schemas.microsoft.com/office/powerpoint/2010/main" val="1225239703"/>
       </p:ext>
     </p:extLst>
   </p:cSld>
@@ -10152,7 +8711,7 @@
 </p:sld>
 </file>
 
-<file path=ppt/slides/slide5.xml><?xml version="1.0" encoding="utf-8"?>
+<file path=ppt/slides/slide6.xml><?xml version="1.0" encoding="utf-8"?>
 <p:sld xmlns:a="http://schemas.openxmlformats.org/drawingml/2006/main" xmlns:r="http://schemas.openxmlformats.org/officeDocument/2006/relationships" xmlns:p="http://schemas.openxmlformats.org/presentationml/2006/main">
   <p:cSld>
     <p:spTree>
@@ -11305,7 +9864,7 @@
 </p:sld>
 </file>
 
-<file path=ppt/slides/slide6.xml><?xml version="1.0" encoding="utf-8"?>
+<file path=ppt/slides/slide7.xml><?xml version="1.0" encoding="utf-8"?>
 <p:sld xmlns:a="http://schemas.openxmlformats.org/drawingml/2006/main" xmlns:r="http://schemas.openxmlformats.org/officeDocument/2006/relationships" xmlns:p="http://schemas.openxmlformats.org/presentationml/2006/main">
   <p:cSld>
     <p:spTree>
@@ -15260,7 +13819,7 @@
 </p:sld>
 </file>
 
-<file path=ppt/slides/slide7.xml><?xml version="1.0" encoding="utf-8"?>
+<file path=ppt/slides/slide8.xml><?xml version="1.0" encoding="utf-8"?>
 <p:sld xmlns:a="http://schemas.openxmlformats.org/drawingml/2006/main" xmlns:r="http://schemas.openxmlformats.org/officeDocument/2006/relationships" xmlns:p="http://schemas.openxmlformats.org/presentationml/2006/main">
   <p:cSld>
     <p:spTree>
@@ -21247,7 +19806,7 @@
 </p:sld>
 </file>
 
-<file path=ppt/slides/slide8.xml><?xml version="1.0" encoding="utf-8"?>
+<file path=ppt/slides/slide9.xml><?xml version="1.0" encoding="utf-8"?>
 <p:sld xmlns:a="http://schemas.openxmlformats.org/drawingml/2006/main" xmlns:r="http://schemas.openxmlformats.org/officeDocument/2006/relationships" xmlns:p="http://schemas.openxmlformats.org/presentationml/2006/main">
   <p:cSld>
     <p:spTree>
@@ -22436,6 +20995,17 @@
 </file>
 
 <file path=customXml/item1.xml><?xml version="1.0" encoding="utf-8"?>
+<p:properties xmlns:p="http://schemas.microsoft.com/office/2006/metadata/properties" xmlns:xsi="http://www.w3.org/2001/XMLSchema-instance" xmlns:pc="http://schemas.microsoft.com/office/infopath/2007/PartnerControls">
+  <documentManagement>
+    <lcf76f155ced4ddcb4097134ff3c332f xmlns="a444e17d-5f58-4faa-a0cd-68e3c35c24c8">
+      <Terms xmlns="http://schemas.microsoft.com/office/infopath/2007/PartnerControls"/>
+    </lcf76f155ced4ddcb4097134ff3c332f>
+    <TaxCatchAll xmlns="a243510b-46cd-4140-960f-dd1995ca1242" xsi:nil="true"/>
+  </documentManagement>
+</p:properties>
+</file>
+
+<file path=customXml/item2.xml><?xml version="1.0" encoding="utf-8"?>
 <ct:contentTypeSchema xmlns:ct="http://schemas.microsoft.com/office/2006/metadata/contentType" xmlns:ma="http://schemas.microsoft.com/office/2006/metadata/properties/metaAttributes" ct:_="" ma:_="" ma:contentTypeName="Document" ma:contentTypeID="0x010100D6D0159BBBEE134FB5E4D8C57B1883EC" ma:contentTypeVersion="11" ma:contentTypeDescription="Crea un document nou" ma:contentTypeScope="" ma:versionID="f04f96809bb662b7ac2c95f3c8915f5b">
   <xsd:schema xmlns:xsd="http://www.w3.org/2001/XMLSchema" xmlns:xs="http://www.w3.org/2001/XMLSchema" xmlns:p="http://schemas.microsoft.com/office/2006/metadata/properties" xmlns:ns2="a444e17d-5f58-4faa-a0cd-68e3c35c24c8" xmlns:ns3="a243510b-46cd-4140-960f-dd1995ca1242" targetNamespace="http://schemas.microsoft.com/office/2006/metadata/properties" ma:root="true" ma:fieldsID="a9ec5336b209b2a6d400d812b9dc435c" ns2:_="" ns3:_="">
     <xsd:import namespace="a444e17d-5f58-4faa-a0cd-68e3c35c24c8"/>
@@ -22630,17 +21200,6 @@
 </ct:contentTypeSchema>
 </file>
 
-<file path=customXml/item2.xml><?xml version="1.0" encoding="utf-8"?>
-<p:properties xmlns:p="http://schemas.microsoft.com/office/2006/metadata/properties" xmlns:xsi="http://www.w3.org/2001/XMLSchema-instance" xmlns:pc="http://schemas.microsoft.com/office/infopath/2007/PartnerControls">
-  <documentManagement>
-    <lcf76f155ced4ddcb4097134ff3c332f xmlns="a444e17d-5f58-4faa-a0cd-68e3c35c24c8">
-      <Terms xmlns="http://schemas.microsoft.com/office/infopath/2007/PartnerControls"/>
-    </lcf76f155ced4ddcb4097134ff3c332f>
-    <TaxCatchAll xmlns="a243510b-46cd-4140-960f-dd1995ca1242" xsi:nil="true"/>
-  </documentManagement>
-</p:properties>
-</file>
-
 <file path=customXml/item3.xml><?xml version="1.0" encoding="utf-8"?>
 <?mso-contentType ?>
 <FormTemplates xmlns="http://schemas.microsoft.com/sharepoint/v3/contenttype/forms">
@@ -22651,6 +21210,25 @@
 </file>
 
 <file path=customXml/itemProps1.xml><?xml version="1.0" encoding="utf-8"?>
+<ds:datastoreItem xmlns:ds="http://schemas.openxmlformats.org/officeDocument/2006/customXml" ds:itemID="{A2C439FD-BADA-444F-8391-D4A1093D68BE}">
+  <ds:schemaRefs>
+    <ds:schemaRef ds:uri="326c5024-6e3a-4942-81ce-7163dec6b0d3"/>
+    <ds:schemaRef ds:uri="a243510b-46cd-4140-960f-dd1995ca1242"/>
+    <ds:schemaRef ds:uri="a444e17d-5f58-4faa-a0cd-68e3c35c24c8"/>
+    <ds:schemaRef ds:uri="dfa9d0b3-26e7-43eb-99b7-a59b4bd559f5"/>
+    <ds:schemaRef ds:uri="http://purl.org/dc/dcmitype/"/>
+    <ds:schemaRef ds:uri="http://purl.org/dc/elements/1.1/"/>
+    <ds:schemaRef ds:uri="http://purl.org/dc/terms/"/>
+    <ds:schemaRef ds:uri="http://schemas.microsoft.com/office/2006/documentManagement/types"/>
+    <ds:schemaRef ds:uri="http://schemas.microsoft.com/office/2006/metadata/properties"/>
+    <ds:schemaRef ds:uri="http://schemas.microsoft.com/office/infopath/2007/PartnerControls"/>
+    <ds:schemaRef ds:uri="http://schemas.openxmlformats.org/package/2006/metadata/core-properties"/>
+    <ds:schemaRef ds:uri="http://www.w3.org/XML/1998/namespace"/>
+  </ds:schemaRefs>
+</ds:datastoreItem>
+</file>
+
+<file path=customXml/itemProps2.xml><?xml version="1.0" encoding="utf-8"?>
 <ds:datastoreItem xmlns:ds="http://schemas.openxmlformats.org/officeDocument/2006/customXml" ds:itemID="{9EA50E04-F6CD-4736-9C36-9389C2452C27}">
   <ds:schemaRefs>
     <ds:schemaRef ds:uri="a243510b-46cd-4140-960f-dd1995ca1242"/>
@@ -22669,25 +21247,6 @@
 </ds:datastoreItem>
 </file>
 
-<file path=customXml/itemProps2.xml><?xml version="1.0" encoding="utf-8"?>
-<ds:datastoreItem xmlns:ds="http://schemas.openxmlformats.org/officeDocument/2006/customXml" ds:itemID="{A2C439FD-BADA-444F-8391-D4A1093D68BE}">
-  <ds:schemaRefs>
-    <ds:schemaRef ds:uri="326c5024-6e3a-4942-81ce-7163dec6b0d3"/>
-    <ds:schemaRef ds:uri="a243510b-46cd-4140-960f-dd1995ca1242"/>
-    <ds:schemaRef ds:uri="a444e17d-5f58-4faa-a0cd-68e3c35c24c8"/>
-    <ds:schemaRef ds:uri="dfa9d0b3-26e7-43eb-99b7-a59b4bd559f5"/>
-    <ds:schemaRef ds:uri="http://purl.org/dc/dcmitype/"/>
-    <ds:schemaRef ds:uri="http://purl.org/dc/elements/1.1/"/>
-    <ds:schemaRef ds:uri="http://purl.org/dc/terms/"/>
-    <ds:schemaRef ds:uri="http://schemas.microsoft.com/office/2006/documentManagement/types"/>
-    <ds:schemaRef ds:uri="http://schemas.microsoft.com/office/2006/metadata/properties"/>
-    <ds:schemaRef ds:uri="http://schemas.microsoft.com/office/infopath/2007/PartnerControls"/>
-    <ds:schemaRef ds:uri="http://schemas.openxmlformats.org/package/2006/metadata/core-properties"/>
-    <ds:schemaRef ds:uri="http://www.w3.org/XML/1998/namespace"/>
-  </ds:schemaRefs>
-</ds:datastoreItem>
-</file>
-
 <file path=customXml/itemProps3.xml><?xml version="1.0" encoding="utf-8"?>
 <ds:datastoreItem xmlns:ds="http://schemas.openxmlformats.org/officeDocument/2006/customXml" ds:itemID="{F1D5FB84-F192-457E-8C69-2A7080372F1C}">
   <ds:schemaRefs>
